--- a/Folo Latency andQuality Optimized Task Allocation in Vehicular Fog Computing/2018-11-20.pptx
+++ b/Folo Latency andQuality Optimized Task Allocation in Vehicular Fog Computing/2018-11-20.pptx
@@ -249,7 +249,7 @@
           <a:p>
             <a:fld id="{D2A48B96-639E-45A3-A0BA-2464DFDB1FAA}" type="datetimeFigureOut">
               <a:rPr lang="zh-CN" altLang="en-US" smtClean="0"/>
-              <a:t>2018/11/15</a:t>
+              <a:t>2018/11/16</a:t>
             </a:fld>
             <a:endParaRPr lang="zh-CN" altLang="en-US"/>
           </a:p>
@@ -653,6 +653,64 @@
           <a:bodyPr/>
           <a:lstStyle/>
           <a:p>
+            <a:r>
+              <a:rPr lang="en-US" altLang="zh-CN" sz="1200" b="0" i="0" kern="1200" smtClean="0">
+                <a:solidFill>
+                  <a:schemeClr val="tx1"/>
+                </a:solidFill>
+                <a:effectLst/>
+                <a:latin typeface="+mn-lt"/>
+                <a:ea typeface="+mn-ea"/>
+                <a:cs typeface="+mn-cs"/>
+              </a:rPr>
+              <a:t>Linear</a:t>
+            </a:r>
+            <a:r>
+              <a:rPr lang="en-US" altLang="zh-CN" smtClean="0"/>
+              <a:t> </a:t>
+            </a:r>
+            <a:r>
+              <a:rPr lang="en-US" altLang="zh-CN" sz="1200" b="0" i="0" kern="1200" smtClean="0">
+                <a:solidFill>
+                  <a:schemeClr val="tx1"/>
+                </a:solidFill>
+                <a:effectLst/>
+                <a:latin typeface="+mn-lt"/>
+                <a:ea typeface="+mn-ea"/>
+                <a:cs typeface="+mn-cs"/>
+              </a:rPr>
+              <a:t>Programming based Optimization (LBO) and Binary Particle Swarm Optimization (BPSO</a:t>
+            </a:r>
+            <a:r>
+              <a:rPr lang="zh-CN" altLang="en-US" sz="1200" b="0" i="0" kern="1200" smtClean="0">
+                <a:solidFill>
+                  <a:schemeClr val="tx1"/>
+                </a:solidFill>
+                <a:effectLst/>
+                <a:latin typeface="+mn-lt"/>
+                <a:ea typeface="+mn-ea"/>
+                <a:cs typeface="+mn-cs"/>
+              </a:rPr>
+              <a:t>）</a:t>
+            </a:r>
+            <a:r>
+              <a:rPr lang="en-US" altLang="zh-CN" smtClean="0"/>
+              <a:t/>
+            </a:r>
+            <a:br>
+              <a:rPr lang="en-US" altLang="zh-CN" smtClean="0"/>
+            </a:br>
+            <a:r>
+              <a:rPr lang="zh-CN" altLang="en-US" smtClean="0"/>
+              <a:t>基于线性规划的优化</a:t>
+            </a:r>
+            <a:endParaRPr lang="en-US" altLang="zh-CN" smtClean="0"/>
+          </a:p>
+          <a:p>
+            <a:r>
+              <a:rPr lang="zh-CN" altLang="en-US" smtClean="0"/>
+              <a:t>基于二进制粒子群的优化</a:t>
+            </a:r>
             <a:endParaRPr lang="zh-CN" altLang="en-US"/>
           </a:p>
         </p:txBody>
@@ -895,7 +953,7 @@
             </a:pPr>
             <a:fld id="{EECF7B46-E4F5-4A03-87D2-D83C76E9FB67}" type="datetime1">
               <a:rPr lang="zh-CN" altLang="en-US"/>
-              <a:t>2018/11/15</a:t>
+              <a:t>2018/11/16</a:t>
             </a:fld>
             <a:endParaRPr lang="zh-CN" altLang="en-US" sz="1800">
               <a:solidFill>
@@ -1089,7 +1147,7 @@
             </a:pPr>
             <a:fld id="{89889205-6308-43FC-BAC0-BE20FACFC596}" type="datetime1">
               <a:rPr lang="zh-CN" altLang="en-US"/>
-              <a:t>2018/11/15</a:t>
+              <a:t>2018/11/16</a:t>
             </a:fld>
             <a:endParaRPr lang="zh-CN" altLang="en-US" sz="1800">
               <a:solidFill>
@@ -1293,7 +1351,7 @@
             </a:pPr>
             <a:fld id="{B605B2E9-0310-4484-B4AA-BA98347AC229}" type="datetime1">
               <a:rPr lang="zh-CN" altLang="en-US"/>
-              <a:t>2018/11/15</a:t>
+              <a:t>2018/11/16</a:t>
             </a:fld>
             <a:endParaRPr lang="zh-CN" altLang="en-US" sz="1800">
               <a:solidFill>
@@ -1440,7 +1498,7 @@
             </a:pPr>
             <a:fld id="{32363CE1-1536-44E9-8A8F-60DDC4EC0C0C}" type="datetime1">
               <a:rPr lang="zh-CN" altLang="en-US"/>
-              <a:t>2018/11/15</a:t>
+              <a:t>2018/11/16</a:t>
             </a:fld>
             <a:endParaRPr lang="zh-CN" altLang="en-US" sz="1800">
               <a:solidFill>
@@ -1634,7 +1692,7 @@
             </a:pPr>
             <a:fld id="{BBDD8B43-1A29-47A5-8E1E-3C10E7F0C181}" type="datetime1">
               <a:rPr lang="zh-CN" altLang="en-US"/>
-              <a:t>2018/11/15</a:t>
+              <a:t>2018/11/16</a:t>
             </a:fld>
             <a:endParaRPr lang="zh-CN" altLang="en-US" sz="1800">
               <a:solidFill>
@@ -1850,7 +1908,7 @@
             </a:pPr>
             <a:fld id="{B9EE72FC-BEA5-44DD-A892-416510800269}" type="datetime1">
               <a:rPr lang="zh-CN" altLang="en-US"/>
-              <a:t>2018/11/15</a:t>
+              <a:t>2018/11/16</a:t>
             </a:fld>
             <a:endParaRPr lang="zh-CN" altLang="en-US" sz="1800">
               <a:solidFill>
@@ -2162,7 +2220,7 @@
             </a:pPr>
             <a:fld id="{1271429C-C73B-4A84-83FF-41356910CEAA}" type="datetime1">
               <a:rPr lang="zh-CN" altLang="en-US"/>
-              <a:t>2018/11/15</a:t>
+              <a:t>2018/11/16</a:t>
             </a:fld>
             <a:endParaRPr lang="zh-CN" altLang="en-US" sz="1800">
               <a:solidFill>
@@ -2613,7 +2671,7 @@
             </a:pPr>
             <a:fld id="{90AA1ED2-87EA-41BE-99EC-496F7F69370F}" type="datetime1">
               <a:rPr lang="zh-CN" altLang="en-US"/>
-              <a:t>2018/11/15</a:t>
+              <a:t>2018/11/16</a:t>
             </a:fld>
             <a:endParaRPr lang="zh-CN" altLang="en-US" sz="1800">
               <a:solidFill>
@@ -2755,7 +2813,7 @@
             </a:pPr>
             <a:fld id="{9973CD95-4BFA-4A1D-9C86-9C3237F29EAA}" type="datetime1">
               <a:rPr lang="zh-CN" altLang="en-US"/>
-              <a:t>2018/11/15</a:t>
+              <a:t>2018/11/16</a:t>
             </a:fld>
             <a:endParaRPr lang="zh-CN" altLang="en-US" sz="1800">
               <a:solidFill>
@@ -2874,7 +2932,7 @@
             </a:pPr>
             <a:fld id="{06314ED7-52AE-4E0D-A884-8E2E59AEECC7}" type="datetime1">
               <a:rPr lang="zh-CN" altLang="en-US"/>
-              <a:t>2018/11/15</a:t>
+              <a:t>2018/11/16</a:t>
             </a:fld>
             <a:endParaRPr lang="zh-CN" altLang="en-US" sz="1800">
               <a:solidFill>
@@ -3175,7 +3233,7 @@
             </a:pPr>
             <a:fld id="{3950D1A5-7B69-4CEC-8258-97751E783A44}" type="datetime1">
               <a:rPr lang="zh-CN" altLang="en-US"/>
-              <a:t>2018/11/15</a:t>
+              <a:t>2018/11/16</a:t>
             </a:fld>
             <a:endParaRPr lang="zh-CN" altLang="en-US" sz="1800">
               <a:solidFill>
@@ -3455,7 +3513,7 @@
             </a:pPr>
             <a:fld id="{27939C34-CF51-4915-817E-DB81CF211490}" type="datetime1">
               <a:rPr lang="zh-CN" altLang="en-US"/>
-              <a:t>2018/11/15</a:t>
+              <a:t>2018/11/16</a:t>
             </a:fld>
             <a:endParaRPr lang="zh-CN" altLang="en-US" sz="1800">
               <a:solidFill>
@@ -3768,7 +3826,7 @@
             </a:pPr>
             <a:fld id="{DFFE92E3-3AE8-4BBA-9C65-9AC364C18C34}" type="datetime1">
               <a:rPr lang="zh-CN" altLang="en-US"/>
-              <a:t>2018/11/15</a:t>
+              <a:t>2018/11/16</a:t>
             </a:fld>
             <a:endParaRPr lang="zh-CN" altLang="en-US" sz="1800">
               <a:solidFill>
@@ -4521,11 +4579,7 @@
             </a:r>
             <a:r>
               <a:rPr lang="en-US" altLang="zh-CN" sz="4400"/>
-              <a:t>: Latency and Quality </a:t>
-            </a:r>
-            <a:r>
-              <a:rPr lang="en-US" altLang="zh-CN" sz="4400"/>
-              <a:t>Optimized </a:t>
+              <a:t>: Latency and Quality Optimized </a:t>
             </a:r>
             <a:r>
               <a:rPr lang="en-US" altLang="zh-CN" sz="4400" smtClean="0"/>
@@ -4533,11 +4587,7 @@
             </a:r>
             <a:r>
               <a:rPr lang="en-US" altLang="zh-CN" sz="4400"/>
-              <a:t>in Vehicular </a:t>
-            </a:r>
-            <a:r>
-              <a:rPr lang="en-US" altLang="zh-CN" sz="4400"/>
-              <a:t>Fog </a:t>
+              <a:t>in Vehicular Fog </a:t>
             </a:r>
             <a:r>
               <a:rPr lang="en-US" altLang="zh-CN" sz="4400" smtClean="0"/>
@@ -4761,7 +4811,7 @@
         <p:spPr bwMode="auto">
           <a:xfrm>
             <a:off x="857257" y="1125855"/>
-            <a:ext cx="10606398" cy="4385816"/>
+            <a:ext cx="10606398" cy="4662815"/>
           </a:xfrm>
           <a:prstGeom prst="rect">
             <a:avLst/>
@@ -4835,16 +4885,13 @@
               <a:t>题目：</a:t>
             </a:r>
             <a:r>
-              <a:rPr lang="en-US" altLang="zh-CN">
-                <a:latin typeface="+mn-ea"/>
-                <a:ea typeface="+mn-ea"/>
+              <a:rPr lang="en-US" altLang="zh-CN" smtClean="0">
+                <a:latin typeface="Arial Unicode MS" panose="020B0604020202020204" pitchFamily="34" charset="-122"/>
+                <a:ea typeface="Arial Unicode MS" panose="020B0604020202020204" pitchFamily="34" charset="-122"/>
+                <a:cs typeface="Arial Unicode MS" panose="020B0604020202020204" pitchFamily="34" charset="-122"/>
               </a:rPr>
-              <a:t>《Folo: Latency andQuality Optimized Task Allocation in Vehicular Fog Computing》</a:t>
-            </a:r>
-            <a:endParaRPr lang="en-US" altLang="zh-CN" smtClean="0">
-              <a:latin typeface="+mn-ea"/>
-              <a:ea typeface="+mn-ea"/>
-            </a:endParaRPr>
+              <a:t>《Folo: Latency and Quality Optimized Task Allocation in Vehicular Fog Computing》</a:t>
+            </a:r>
           </a:p>
           <a:p>
             <a:pPr>
@@ -4860,16 +4907,21 @@
               <a:t>期刊：</a:t>
             </a:r>
             <a:r>
-              <a:rPr lang="en-US" altLang="zh-CN">
-                <a:latin typeface="+mn-ea"/>
-                <a:ea typeface="+mn-ea"/>
+              <a:rPr lang="en-US" altLang="zh-CN" smtClean="0">
+                <a:latin typeface="Arial Unicode MS" panose="020B0604020202020204" pitchFamily="34" charset="-122"/>
+                <a:ea typeface="Arial Unicode MS" panose="020B0604020202020204" pitchFamily="34" charset="-122"/>
+                <a:cs typeface="Arial Unicode MS" panose="020B0604020202020204" pitchFamily="34" charset="-122"/>
               </a:rPr>
-              <a:t>《IEEE Internet of Things Journal》</a:t>
-            </a:r>
-            <a:endParaRPr lang="en-US" altLang="zh-CN" smtClean="0">
-              <a:latin typeface="+mn-ea"/>
-              <a:ea typeface="+mn-ea"/>
-            </a:endParaRPr>
+              <a:t>《IEEE Internet of Things Journal》 </a:t>
+            </a:r>
+            <a:r>
+              <a:rPr lang="en-US" altLang="zh-CN" smtClean="0">
+                <a:latin typeface="Arial Unicode MS" panose="020B0604020202020204" pitchFamily="34" charset="-122"/>
+                <a:ea typeface="Arial Unicode MS" panose="020B0604020202020204" pitchFamily="34" charset="-122"/>
+                <a:cs typeface="Arial Unicode MS" panose="020B0604020202020204" pitchFamily="34" charset="-122"/>
+              </a:rPr>
+              <a:t>11 October 2018</a:t>
+            </a:r>
           </a:p>
           <a:p>
             <a:pPr>
@@ -4877,6 +4929,18 @@
                 <a:spcPct val="150000"/>
               </a:lnSpc>
             </a:pPr>
+            <a:endParaRPr lang="en-US" altLang="zh-CN" smtClean="0">
+              <a:latin typeface="Arial Unicode MS" panose="020B0604020202020204" pitchFamily="34" charset="-122"/>
+              <a:ea typeface="Arial Unicode MS" panose="020B0604020202020204" pitchFamily="34" charset="-122"/>
+              <a:cs typeface="Arial Unicode MS" panose="020B0604020202020204" pitchFamily="34" charset="-122"/>
+            </a:endParaRPr>
+          </a:p>
+          <a:p>
+            <a:pPr>
+              <a:lnSpc>
+                <a:spcPct val="150000"/>
+              </a:lnSpc>
+            </a:pPr>
             <a:r>
               <a:rPr lang="zh-CN" altLang="en-US" smtClean="0">
                 <a:latin typeface="+mn-ea"/>
@@ -4885,67 +4949,181 @@
               <a:t>目标：</a:t>
             </a:r>
             <a:r>
-              <a:rPr lang="zh-CN" altLang="en-US">
-                <a:latin typeface="+mn-ea"/>
-                <a:ea typeface="+mn-ea"/>
-              </a:rPr>
-              <a:t>提出</a:t>
-            </a:r>
+              <a:rPr lang="zh-CN" altLang="en-US"/>
+              <a:t>提出了</a:t>
+            </a:r>
+            <a:r>
+              <a:rPr lang="en-US" altLang="zh-CN"/>
+              <a:t>Folo</a:t>
+            </a:r>
+            <a:r>
+              <a:rPr lang="zh-CN" altLang="en-US"/>
+              <a:t>，一种用于车载雾计算（</a:t>
+            </a:r>
+            <a:r>
+              <a:rPr lang="en-US" altLang="zh-CN"/>
+              <a:t>VFC</a:t>
+            </a:r>
+            <a:r>
+              <a:rPr lang="zh-CN" altLang="en-US"/>
+              <a:t>）中</a:t>
+            </a:r>
+            <a:r>
+              <a:rPr lang="zh-CN" altLang="en-US" b="1"/>
+              <a:t>延迟</a:t>
+            </a:r>
+            <a:r>
+              <a:rPr lang="zh-CN" altLang="en-US"/>
+              <a:t>和</a:t>
+            </a:r>
+            <a:r>
+              <a:rPr lang="zh-CN" altLang="en-US" b="1"/>
+              <a:t>质量</a:t>
+            </a:r>
+            <a:r>
+              <a:rPr lang="zh-CN" altLang="en-US"/>
+              <a:t>优化任务分配的新颖</a:t>
+            </a:r>
+            <a:r>
+              <a:rPr lang="zh-CN" altLang="en-US"/>
+              <a:t>解决</a:t>
+            </a:r>
+            <a:r>
+              <a:rPr lang="zh-CN" altLang="en-US" smtClean="0"/>
+              <a:t>方案，在</a:t>
+            </a:r>
+            <a:r>
+              <a:rPr lang="zh-CN" altLang="en-US" b="1" smtClean="0"/>
+              <a:t>服务</a:t>
+            </a:r>
+            <a:r>
+              <a:rPr lang="zh-CN" altLang="en-US" b="1"/>
+              <a:t>延迟和质量损失</a:t>
+            </a:r>
+            <a:r>
+              <a:rPr lang="zh-CN" altLang="en-US"/>
+              <a:t>之间</a:t>
+            </a:r>
+            <a:r>
+              <a:rPr lang="zh-CN" altLang="en-US"/>
+              <a:t>保持</a:t>
+            </a:r>
+            <a:r>
+              <a:rPr lang="zh-CN" altLang="en-US" smtClean="0"/>
+              <a:t>折衷。</a:t>
+            </a:r>
+            <a:endParaRPr lang="en-US" altLang="zh-CN" smtClean="0"/>
+          </a:p>
+          <a:p>
+            <a:pPr>
+              <a:lnSpc>
+                <a:spcPct val="150000"/>
+              </a:lnSpc>
+            </a:pPr>
+            <a:endParaRPr lang="en-US" altLang="zh-CN"/>
+          </a:p>
+          <a:p>
+            <a:pPr>
+              <a:lnSpc>
+                <a:spcPct val="150000"/>
+              </a:lnSpc>
+            </a:pPr>
             <a:r>
               <a:rPr lang="zh-CN" altLang="en-US" smtClean="0">
                 <a:latin typeface="+mn-ea"/>
                 <a:ea typeface="+mn-ea"/>
               </a:rPr>
-              <a:t>了</a:t>
-            </a:r>
+              <a:t>贡献：</a:t>
+            </a:r>
+            <a:endParaRPr lang="en-US" altLang="zh-CN" smtClean="0">
+              <a:latin typeface="+mn-ea"/>
+              <a:ea typeface="+mn-ea"/>
+            </a:endParaRPr>
+          </a:p>
+          <a:p>
             <a:r>
               <a:rPr lang="en-US" altLang="zh-CN" smtClean="0">
                 <a:latin typeface="+mn-ea"/>
                 <a:ea typeface="+mn-ea"/>
               </a:rPr>
-              <a:t>AVE</a:t>
+              <a:t>1</a:t>
             </a:r>
             <a:r>
               <a:rPr lang="zh-CN" altLang="en-US" smtClean="0">
                 <a:latin typeface="+mn-ea"/>
                 <a:ea typeface="+mn-ea"/>
               </a:rPr>
-              <a:t>框架，通过</a:t>
-            </a:r>
-            <a:r>
-              <a:rPr lang="zh-CN" altLang="en-US">
+              <a:t>）</a:t>
+            </a:r>
+            <a:r>
+              <a:rPr lang="en-US" altLang="zh-CN" smtClean="0"/>
+              <a:t>Folo</a:t>
+            </a:r>
+            <a:r>
+              <a:rPr lang="zh-CN" altLang="en-US" smtClean="0"/>
+              <a:t>在固定</a:t>
+            </a:r>
+            <a:r>
+              <a:rPr lang="zh-CN" altLang="en-US"/>
+              <a:t>节点</a:t>
+            </a:r>
+            <a:r>
+              <a:rPr lang="zh-CN" altLang="en-US" smtClean="0"/>
+              <a:t>和</a:t>
+            </a:r>
+            <a:r>
+              <a:rPr lang="zh-CN" altLang="en-US"/>
+              <a:t>移动雾节点上延迟</a:t>
+            </a:r>
+            <a:r>
+              <a:rPr lang="zh-CN" altLang="en-US"/>
+              <a:t>和</a:t>
+            </a:r>
+            <a:r>
+              <a:rPr lang="zh-CN" altLang="en-US" smtClean="0"/>
+              <a:t>质量任务分配的优化。</a:t>
+            </a:r>
+            <a:endParaRPr lang="zh-CN" altLang="en-US"/>
+          </a:p>
+          <a:p>
+            <a:pPr>
+              <a:lnSpc>
+                <a:spcPct val="150000"/>
+              </a:lnSpc>
+            </a:pPr>
+            <a:r>
+              <a:rPr lang="en-US" altLang="zh-CN" smtClean="0">
                 <a:latin typeface="+mn-ea"/>
                 <a:ea typeface="+mn-ea"/>
               </a:rPr>
-              <a:t>管理车辆上的空闲计算</a:t>
+              <a:t>2</a:t>
             </a:r>
             <a:r>
               <a:rPr lang="zh-CN" altLang="en-US" smtClean="0">
                 <a:latin typeface="+mn-ea"/>
                 <a:ea typeface="+mn-ea"/>
               </a:rPr>
-              <a:t>资源，在</a:t>
-            </a:r>
-            <a:r>
-              <a:rPr lang="zh-CN" altLang="en-US">
-                <a:latin typeface="+mn-ea"/>
-                <a:ea typeface="+mn-ea"/>
-              </a:rPr>
-              <a:t>动态车辆环境中提供计算</a:t>
-            </a:r>
-            <a:r>
-              <a:rPr lang="zh-CN" altLang="en-US" smtClean="0">
-                <a:latin typeface="+mn-ea"/>
-                <a:ea typeface="+mn-ea"/>
-              </a:rPr>
-              <a:t>服务（不需要基础设施），</a:t>
-            </a:r>
-            <a:r>
-              <a:rPr lang="zh-CN" altLang="en-US">
-                <a:latin typeface="+mn-ea"/>
-                <a:ea typeface="+mn-ea"/>
-              </a:rPr>
-              <a:t>提高车辆的计算能力</a:t>
+              <a:t>）</a:t>
+            </a:r>
+            <a:r>
+              <a:rPr lang="zh-CN" altLang="en-US"/>
+              <a:t>任务分配过程被制定为联合优化问题，并通过基于</a:t>
+            </a:r>
+            <a:r>
+              <a:rPr lang="en-US" altLang="zh-CN"/>
+              <a:t>LBO</a:t>
+            </a:r>
+            <a:r>
+              <a:rPr lang="zh-CN" altLang="en-US"/>
+              <a:t>和</a:t>
+            </a:r>
+            <a:r>
+              <a:rPr lang="en-US" altLang="zh-CN"/>
+              <a:t>BPSO</a:t>
+            </a:r>
+            <a:r>
+              <a:rPr lang="zh-CN" altLang="en-US" smtClean="0"/>
+              <a:t>的方法解决</a:t>
             </a:r>
             <a:r>
               <a:rPr lang="zh-CN" altLang="en-US" smtClean="0">
@@ -4954,7 +5132,7 @@
               </a:rPr>
               <a:t>。</a:t>
             </a:r>
-            <a:endParaRPr lang="en-US" altLang="zh-CN" smtClean="0">
+            <a:endParaRPr lang="zh-CN" altLang="en-US">
               <a:latin typeface="+mn-ea"/>
               <a:ea typeface="+mn-ea"/>
             </a:endParaRPr>
@@ -4966,137 +5144,6 @@
               </a:lnSpc>
             </a:pPr>
             <a:r>
-              <a:rPr lang="zh-CN" altLang="en-US" smtClean="0">
-                <a:latin typeface="+mn-ea"/>
-                <a:ea typeface="+mn-ea"/>
-              </a:rPr>
-              <a:t>贡献：</a:t>
-            </a:r>
-            <a:endParaRPr lang="en-US" altLang="zh-CN" smtClean="0">
-              <a:latin typeface="+mn-ea"/>
-              <a:ea typeface="+mn-ea"/>
-            </a:endParaRPr>
-          </a:p>
-          <a:p>
-            <a:pPr>
-              <a:lnSpc>
-                <a:spcPct val="150000"/>
-              </a:lnSpc>
-            </a:pPr>
-            <a:r>
-              <a:rPr lang="en-US" altLang="zh-CN">
-                <a:latin typeface="+mn-ea"/>
-                <a:ea typeface="+mn-ea"/>
-              </a:rPr>
-              <a:t>1</a:t>
-            </a:r>
-            <a:r>
-              <a:rPr lang="zh-CN" altLang="en-US" smtClean="0">
-                <a:latin typeface="+mn-ea"/>
-                <a:ea typeface="+mn-ea"/>
-              </a:rPr>
-              <a:t>）为</a:t>
-            </a:r>
-            <a:r>
-              <a:rPr lang="en-US" altLang="zh-CN">
-                <a:latin typeface="+mn-ea"/>
-                <a:ea typeface="+mn-ea"/>
-              </a:rPr>
-              <a:t>AVE</a:t>
-            </a:r>
-            <a:r>
-              <a:rPr lang="zh-CN" altLang="en-US">
-                <a:latin typeface="+mn-ea"/>
-                <a:ea typeface="+mn-ea"/>
-              </a:rPr>
-              <a:t>提出了一种</a:t>
-            </a:r>
-            <a:r>
-              <a:rPr lang="zh-CN" altLang="en-US" b="1">
-                <a:latin typeface="+mn-ea"/>
-                <a:ea typeface="+mn-ea"/>
-              </a:rPr>
-              <a:t>模块化架构</a:t>
-            </a:r>
-            <a:r>
-              <a:rPr lang="zh-CN" altLang="en-US">
-                <a:latin typeface="+mn-ea"/>
-                <a:ea typeface="+mn-ea"/>
-              </a:rPr>
-              <a:t>，以</a:t>
-            </a:r>
-            <a:r>
-              <a:rPr lang="zh-CN" altLang="en-US" smtClean="0">
-                <a:latin typeface="+mn-ea"/>
-                <a:ea typeface="+mn-ea"/>
-              </a:rPr>
-              <a:t>支持任务卸载。</a:t>
-            </a:r>
-            <a:endParaRPr lang="zh-CN" altLang="en-US">
-              <a:latin typeface="+mn-ea"/>
-              <a:ea typeface="+mn-ea"/>
-            </a:endParaRPr>
-          </a:p>
-          <a:p>
-            <a:pPr>
-              <a:lnSpc>
-                <a:spcPct val="150000"/>
-              </a:lnSpc>
-            </a:pPr>
-            <a:r>
-              <a:rPr lang="en-US" altLang="zh-CN">
-                <a:latin typeface="+mn-ea"/>
-                <a:ea typeface="+mn-ea"/>
-              </a:rPr>
-              <a:t>2</a:t>
-            </a:r>
-            <a:r>
-              <a:rPr lang="zh-CN" altLang="en-US" smtClean="0">
-                <a:latin typeface="+mn-ea"/>
-                <a:ea typeface="+mn-ea"/>
-              </a:rPr>
-              <a:t>）设计</a:t>
-            </a:r>
-            <a:r>
-              <a:rPr lang="zh-CN" altLang="en-US">
-                <a:latin typeface="+mn-ea"/>
-                <a:ea typeface="+mn-ea"/>
-              </a:rPr>
-              <a:t>了允许</a:t>
-            </a:r>
-            <a:r>
-              <a:rPr lang="zh-CN" altLang="en-US" b="1">
-                <a:latin typeface="+mn-ea"/>
-                <a:ea typeface="+mn-ea"/>
-              </a:rPr>
-              <a:t>卸载和调度的程序</a:t>
-            </a:r>
-            <a:r>
-              <a:rPr lang="zh-CN" altLang="en-US">
-                <a:latin typeface="+mn-ea"/>
-                <a:ea typeface="+mn-ea"/>
-              </a:rPr>
-              <a:t>，而无需</a:t>
-            </a:r>
-            <a:r>
-              <a:rPr lang="zh-CN" altLang="en-US" smtClean="0">
-                <a:latin typeface="+mn-ea"/>
-                <a:ea typeface="+mn-ea"/>
-              </a:rPr>
-              <a:t>集中控制。</a:t>
-            </a:r>
-            <a:endParaRPr lang="zh-CN" altLang="en-US">
-              <a:latin typeface="+mn-ea"/>
-              <a:ea typeface="+mn-ea"/>
-            </a:endParaRPr>
-          </a:p>
-          <a:p>
-            <a:pPr>
-              <a:lnSpc>
-                <a:spcPct val="150000"/>
-              </a:lnSpc>
-            </a:pPr>
-            <a:r>
               <a:rPr lang="en-US" altLang="zh-CN">
                 <a:latin typeface="+mn-ea"/>
                 <a:ea typeface="+mn-ea"/>
@@ -5108,123 +5155,31 @@
                 <a:latin typeface="+mn-ea"/>
                 <a:ea typeface="+mn-ea"/>
               </a:rPr>
-              <a:t>）基于</a:t>
-            </a:r>
-            <a:r>
-              <a:rPr lang="en-US" altLang="zh-CN" b="1">
-                <a:latin typeface="+mn-ea"/>
-                <a:ea typeface="+mn-ea"/>
-              </a:rPr>
-              <a:t>ACO</a:t>
-            </a:r>
-            <a:r>
-              <a:rPr lang="zh-CN" altLang="en-US" b="1">
-                <a:latin typeface="+mn-ea"/>
-                <a:ea typeface="+mn-ea"/>
-              </a:rPr>
-              <a:t>的调度算法</a:t>
-            </a:r>
-            <a:r>
-              <a:rPr lang="zh-CN" altLang="en-US">
-                <a:latin typeface="+mn-ea"/>
-                <a:ea typeface="+mn-ea"/>
-              </a:rPr>
-              <a:t>，通过快速收敛来解决</a:t>
-            </a:r>
-            <a:r>
-              <a:rPr lang="en-US" altLang="zh-CN">
-                <a:latin typeface="+mn-ea"/>
-                <a:ea typeface="+mn-ea"/>
-              </a:rPr>
-              <a:t>NP-hard</a:t>
-            </a:r>
-            <a:r>
-              <a:rPr lang="zh-CN" altLang="en-US">
-                <a:latin typeface="+mn-ea"/>
-                <a:ea typeface="+mn-ea"/>
-              </a:rPr>
-              <a:t>作业</a:t>
-            </a:r>
-            <a:r>
-              <a:rPr lang="zh-CN" altLang="en-US" smtClean="0">
-                <a:latin typeface="+mn-ea"/>
-                <a:ea typeface="+mn-ea"/>
-              </a:rPr>
-              <a:t>分配问题。</a:t>
-            </a:r>
-            <a:endParaRPr lang="en-US" altLang="zh-CN">
-              <a:latin typeface="+mn-ea"/>
-              <a:ea typeface="+mn-ea"/>
-            </a:endParaRPr>
-          </a:p>
-          <a:p>
-            <a:pPr>
-              <a:lnSpc>
-                <a:spcPct val="150000"/>
-              </a:lnSpc>
-            </a:pPr>
-            <a:r>
-              <a:rPr lang="en-US" altLang="zh-CN" smtClean="0">
-                <a:latin typeface="+mn-ea"/>
-                <a:ea typeface="+mn-ea"/>
-              </a:rPr>
-              <a:t>4</a:t>
-            </a:r>
-            <a:r>
-              <a:rPr lang="zh-CN" altLang="en-US" smtClean="0">
-                <a:latin typeface="+mn-ea"/>
-                <a:ea typeface="+mn-ea"/>
-              </a:rPr>
-              <a:t>）使用</a:t>
-            </a:r>
-            <a:r>
-              <a:rPr lang="zh-CN" altLang="en-US" b="1">
-                <a:latin typeface="+mn-ea"/>
-                <a:ea typeface="+mn-ea"/>
-              </a:rPr>
-              <a:t>高速公路</a:t>
-            </a:r>
-            <a:r>
-              <a:rPr lang="zh-CN" altLang="en-US">
-                <a:latin typeface="+mn-ea"/>
-                <a:ea typeface="+mn-ea"/>
-              </a:rPr>
-              <a:t>和</a:t>
-            </a:r>
-            <a:r>
-              <a:rPr lang="zh-CN" altLang="en-US" b="1">
-                <a:latin typeface="+mn-ea"/>
-                <a:ea typeface="+mn-ea"/>
-              </a:rPr>
-              <a:t>城市</a:t>
-            </a:r>
-            <a:r>
-              <a:rPr lang="zh-CN" altLang="en-US">
-                <a:latin typeface="+mn-ea"/>
-                <a:ea typeface="+mn-ea"/>
-              </a:rPr>
-              <a:t>情景的实际交通数据</a:t>
-            </a:r>
-            <a:r>
-              <a:rPr lang="zh-CN" altLang="en-US" smtClean="0">
-                <a:latin typeface="+mn-ea"/>
-                <a:ea typeface="+mn-ea"/>
-              </a:rPr>
-              <a:t>进行</a:t>
-            </a:r>
-            <a:r>
-              <a:rPr lang="zh-CN" altLang="en-US">
-                <a:latin typeface="+mn-ea"/>
-                <a:ea typeface="+mn-ea"/>
-              </a:rPr>
-              <a:t>了</a:t>
-            </a:r>
-            <a:r>
-              <a:rPr lang="zh-CN" altLang="en-US" smtClean="0">
-                <a:latin typeface="+mn-ea"/>
-                <a:ea typeface="+mn-ea"/>
-              </a:rPr>
-              <a:t>评估。</a:t>
+              <a:t>）</a:t>
+            </a:r>
+            <a:r>
+              <a:rPr lang="zh-CN" altLang="en-US"/>
+              <a:t>使用</a:t>
+            </a:r>
+            <a:r>
+              <a:rPr lang="zh-CN" altLang="en-US" smtClean="0"/>
+              <a:t>真实出租车</a:t>
+            </a:r>
+            <a:r>
+              <a:rPr lang="zh-CN" altLang="en-US"/>
+              <a:t>轨迹作为输入，通过模拟评估</a:t>
+            </a:r>
+            <a:r>
+              <a:rPr lang="en-US" altLang="zh-CN"/>
+              <a:t>Folo</a:t>
+            </a:r>
+            <a:r>
+              <a:rPr lang="zh-CN" altLang="en-US"/>
+              <a:t>的</a:t>
+            </a:r>
+            <a:r>
+              <a:rPr lang="zh-CN" altLang="en-US" smtClean="0"/>
+              <a:t>有效性。</a:t>
             </a:r>
             <a:endParaRPr lang="zh-CN" altLang="en-US">
               <a:latin typeface="+mn-ea"/>

--- a/Folo Latency andQuality Optimized Task Allocation in Vehicular Fog Computing/2018-11-20.pptx
+++ b/Folo Latency andQuality Optimized Task Allocation in Vehicular Fog Computing/2018-11-20.pptx
@@ -5,13 +5,17 @@
     <p:sldMasterId id="2147483648" r:id="rId1"/>
   </p:sldMasterIdLst>
   <p:notesMasterIdLst>
-    <p:notesMasterId r:id="rId6"/>
+    <p:notesMasterId r:id="rId10"/>
   </p:notesMasterIdLst>
   <p:sldIdLst>
     <p:sldId id="259" r:id="rId2"/>
     <p:sldId id="294" r:id="rId3"/>
     <p:sldId id="295" r:id="rId4"/>
-    <p:sldId id="272" r:id="rId5"/>
+    <p:sldId id="296" r:id="rId5"/>
+    <p:sldId id="297" r:id="rId6"/>
+    <p:sldId id="298" r:id="rId7"/>
+    <p:sldId id="299" r:id="rId8"/>
+    <p:sldId id="272" r:id="rId9"/>
   </p:sldIdLst>
   <p:sldSz cx="12192000" cy="6858000"/>
   <p:notesSz cx="6858000" cy="9144000"/>
@@ -249,7 +253,7 @@
           <a:p>
             <a:fld id="{D2A48B96-639E-45A3-A0BA-2464DFDB1FAA}" type="datetimeFigureOut">
               <a:rPr lang="zh-CN" altLang="en-US" smtClean="0"/>
-              <a:t>2018/11/16</a:t>
+              <a:t>2018/11/17</a:t>
             </a:fld>
             <a:endParaRPr lang="zh-CN" altLang="en-US"/>
           </a:p>
@@ -772,36 +776,6 @@
           <a:bodyPr/>
           <a:lstStyle/>
           <a:p>
-            <a:pPr marL="0" marR="0" lvl="0" indent="0" algn="l" defTabSz="914400" rtl="0" eaLnBrk="1" fontAlgn="auto" latinLnBrk="0" hangingPunct="1">
-              <a:lnSpc>
-                <a:spcPct val="100000"/>
-              </a:lnSpc>
-              <a:spcBef>
-                <a:spcPts val="0"/>
-              </a:spcBef>
-              <a:spcAft>
-                <a:spcPts val="0"/>
-              </a:spcAft>
-              <a:buClrTx/>
-              <a:buSzTx/>
-              <a:buFontTx/>
-              <a:buNone/>
-              <a:tabLst/>
-              <a:defRPr/>
-            </a:pPr>
-            <a:r>
-              <a:rPr lang="zh-CN" altLang="en-US" smtClean="0"/>
-              <a:t>车辆相对于静止的基础设施具有较高的速度</a:t>
-            </a:r>
-            <a:endParaRPr lang="en-US" altLang="zh-CN" smtClean="0">
-              <a:solidFill>
-                <a:srgbClr val="000000"/>
-              </a:solidFill>
-              <a:latin typeface="+mn-ea"/>
-              <a:ea typeface="+mn-ea"/>
-            </a:endParaRPr>
-          </a:p>
-          <a:p>
             <a:endParaRPr lang="zh-CN" altLang="en-US"/>
           </a:p>
         </p:txBody>
@@ -810,6 +784,717 @@
     <p:extLst>
       <p:ext uri="{BB962C8B-B14F-4D97-AF65-F5344CB8AC3E}">
         <p14:creationId xmlns:p14="http://schemas.microsoft.com/office/powerpoint/2010/main" val="1040497881"/>
+      </p:ext>
+    </p:extLst>
+  </p:cSld>
+  <p:clrMapOvr>
+    <a:masterClrMapping/>
+  </p:clrMapOvr>
+</p:notes>
+</file>
+
+<file path=ppt/notesSlides/notesSlide4.xml><?xml version="1.0" encoding="utf-8"?>
+<p:notes xmlns:a="http://schemas.openxmlformats.org/drawingml/2006/main" xmlns:r="http://schemas.openxmlformats.org/officeDocument/2006/relationships" xmlns:p="http://schemas.openxmlformats.org/presentationml/2006/main">
+  <p:cSld>
+    <p:spTree>
+      <p:nvGrpSpPr>
+        <p:cNvPr id="1" name=""/>
+        <p:cNvGrpSpPr/>
+        <p:nvPr/>
+      </p:nvGrpSpPr>
+      <p:grpSpPr>
+        <a:xfrm>
+          <a:off x="0" y="0"/>
+          <a:ext cx="0" cy="0"/>
+          <a:chOff x="0" y="0"/>
+          <a:chExt cx="0" cy="0"/>
+        </a:xfrm>
+      </p:grpSpPr>
+      <p:sp>
+        <p:nvSpPr>
+          <p:cNvPr id="2" name="幻灯片图像占位符 1"/>
+          <p:cNvSpPr>
+            <a:spLocks noGrp="1" noRot="1" noChangeAspect="1"/>
+          </p:cNvSpPr>
+          <p:nvPr>
+            <p:ph type="sldImg" idx="2"/>
+          </p:nvPr>
+        </p:nvSpPr>
+        <p:spPr/>
+      </p:sp>
+      <p:sp>
+        <p:nvSpPr>
+          <p:cNvPr id="3" name="文本占位符 2"/>
+          <p:cNvSpPr>
+            <a:spLocks noGrp="1"/>
+          </p:cNvSpPr>
+          <p:nvPr>
+            <p:ph type="body" idx="3"/>
+          </p:nvPr>
+        </p:nvSpPr>
+        <p:spPr/>
+        <p:txBody>
+          <a:bodyPr/>
+          <a:lstStyle/>
+          <a:p>
+            <a:r>
+              <a:rPr lang="en-US" altLang="zh-CN" sz="1200" b="0" i="0" kern="1200" smtClean="0">
+                <a:solidFill>
+                  <a:schemeClr val="tx1"/>
+                </a:solidFill>
+                <a:effectLst/>
+                <a:latin typeface="+mn-lt"/>
+                <a:ea typeface="+mn-ea"/>
+                <a:cs typeface="+mn-cs"/>
+              </a:rPr>
+              <a:t>1.</a:t>
+            </a:r>
+            <a:r>
+              <a:rPr lang="zh-CN" altLang="en-US" sz="1200" b="0" i="0" kern="1200" smtClean="0">
+                <a:solidFill>
+                  <a:schemeClr val="tx1"/>
+                </a:solidFill>
+                <a:effectLst/>
+                <a:latin typeface="+mn-lt"/>
+                <a:ea typeface="+mn-ea"/>
+                <a:cs typeface="+mn-cs"/>
+              </a:rPr>
+              <a:t>在初始阶段，客户端车辆需要确定哪个移动雾节点在其通信范围内。 它通过</a:t>
+            </a:r>
+            <a:r>
+              <a:rPr lang="en-US" altLang="zh-CN" sz="1200" b="0" i="0" kern="1200" smtClean="0">
+                <a:solidFill>
+                  <a:schemeClr val="tx1"/>
+                </a:solidFill>
+                <a:effectLst/>
+                <a:latin typeface="+mn-lt"/>
+                <a:ea typeface="+mn-ea"/>
+                <a:cs typeface="+mn-cs"/>
+              </a:rPr>
+              <a:t>DSRC</a:t>
+            </a:r>
+            <a:r>
+              <a:rPr lang="zh-CN" altLang="en-US" sz="1200" b="0" i="0" kern="1200" smtClean="0">
+                <a:solidFill>
+                  <a:schemeClr val="tx1"/>
+                </a:solidFill>
+                <a:effectLst/>
+                <a:latin typeface="+mn-lt"/>
+                <a:ea typeface="+mn-ea"/>
+                <a:cs typeface="+mn-cs"/>
+              </a:rPr>
+              <a:t>广播单跳探测消息，并从雾节点收集响应。响应的任何雾节点都包含在雾候选列表中。 如图</a:t>
+            </a:r>
+            <a:r>
+              <a:rPr lang="en-US" altLang="zh-CN" sz="1200" b="0" i="0" kern="1200" smtClean="0">
+                <a:solidFill>
+                  <a:schemeClr val="tx1"/>
+                </a:solidFill>
+                <a:effectLst/>
+                <a:latin typeface="+mn-lt"/>
+                <a:ea typeface="+mn-ea"/>
+                <a:cs typeface="+mn-cs"/>
+              </a:rPr>
+              <a:t>1</a:t>
+            </a:r>
+            <a:r>
+              <a:rPr lang="zh-CN" altLang="en-US" sz="1200" b="0" i="0" kern="1200" smtClean="0">
+                <a:solidFill>
+                  <a:schemeClr val="tx1"/>
+                </a:solidFill>
+                <a:effectLst/>
+                <a:latin typeface="+mn-lt"/>
+                <a:ea typeface="+mn-ea"/>
+                <a:cs typeface="+mn-cs"/>
+              </a:rPr>
+              <a:t>所示，客户车</a:t>
+            </a:r>
+            <a:r>
+              <a:rPr lang="en-US" altLang="zh-CN" sz="1200" b="0" i="0" kern="1200" smtClean="0">
+                <a:solidFill>
+                  <a:schemeClr val="tx1"/>
+                </a:solidFill>
+                <a:effectLst/>
+                <a:latin typeface="+mn-lt"/>
+                <a:ea typeface="+mn-ea"/>
+                <a:cs typeface="+mn-cs"/>
+              </a:rPr>
+              <a:t>A</a:t>
+            </a:r>
+            <a:r>
+              <a:rPr lang="zh-CN" altLang="en-US" sz="1200" b="0" i="0" kern="1200" smtClean="0">
+                <a:solidFill>
+                  <a:schemeClr val="tx1"/>
+                </a:solidFill>
+                <a:effectLst/>
+                <a:latin typeface="+mn-lt"/>
+                <a:ea typeface="+mn-ea"/>
+                <a:cs typeface="+mn-cs"/>
+              </a:rPr>
+              <a:t>的雾候选是</a:t>
+            </a:r>
+            <a:r>
+              <a:rPr lang="en-US" altLang="zh-CN" sz="1200" b="0" i="0" kern="1200" smtClean="0">
+                <a:solidFill>
+                  <a:schemeClr val="tx1"/>
+                </a:solidFill>
+                <a:effectLst/>
+                <a:latin typeface="+mn-lt"/>
+                <a:ea typeface="+mn-ea"/>
+                <a:cs typeface="+mn-cs"/>
+              </a:rPr>
+              <a:t>A</a:t>
+            </a:r>
+            <a:r>
+              <a:rPr lang="zh-CN" altLang="en-US" sz="1200" b="0" i="0" kern="1200" smtClean="0">
+                <a:solidFill>
+                  <a:schemeClr val="tx1"/>
+                </a:solidFill>
+                <a:effectLst/>
+                <a:latin typeface="+mn-lt"/>
+                <a:ea typeface="+mn-ea"/>
+                <a:cs typeface="+mn-cs"/>
+              </a:rPr>
+              <a:t>的通信范围内的雾节点。</a:t>
+            </a:r>
+            <a:endParaRPr lang="en-US" altLang="zh-CN" sz="1200" b="0" i="0" kern="1200" smtClean="0">
+              <a:solidFill>
+                <a:schemeClr val="tx1"/>
+              </a:solidFill>
+              <a:effectLst/>
+              <a:latin typeface="+mn-lt"/>
+              <a:ea typeface="+mn-ea"/>
+              <a:cs typeface="+mn-cs"/>
+            </a:endParaRPr>
+          </a:p>
+          <a:p>
+            <a:r>
+              <a:rPr lang="en-US" altLang="zh-CN" sz="1200" b="0" i="0" kern="1200" smtClean="0">
+                <a:solidFill>
+                  <a:schemeClr val="tx1"/>
+                </a:solidFill>
+                <a:effectLst/>
+                <a:latin typeface="+mn-lt"/>
+                <a:ea typeface="+mn-ea"/>
+                <a:cs typeface="+mn-cs"/>
+              </a:rPr>
+              <a:t>2.</a:t>
+            </a:r>
+            <a:r>
+              <a:rPr lang="zh-CN" altLang="en-US" sz="1200" b="0" i="0" kern="1200" smtClean="0">
+                <a:solidFill>
+                  <a:schemeClr val="tx1"/>
+                </a:solidFill>
+                <a:effectLst/>
+                <a:latin typeface="+mn-lt"/>
+                <a:ea typeface="+mn-ea"/>
+                <a:cs typeface="+mn-cs"/>
+              </a:rPr>
+              <a:t>在发现雾候选者之后，客户端车辆通过</a:t>
+            </a:r>
+            <a:r>
+              <a:rPr lang="en-US" altLang="zh-CN" sz="1200" b="0" i="0" kern="1200" smtClean="0">
+                <a:solidFill>
+                  <a:schemeClr val="tx1"/>
+                </a:solidFill>
+                <a:effectLst/>
+                <a:latin typeface="+mn-lt"/>
+                <a:ea typeface="+mn-ea"/>
+                <a:cs typeface="+mn-cs"/>
+              </a:rPr>
+              <a:t>LTE</a:t>
+            </a:r>
+            <a:r>
+              <a:rPr lang="zh-CN" altLang="en-US" sz="1200" b="0" i="0" kern="1200" smtClean="0">
+                <a:solidFill>
+                  <a:schemeClr val="tx1"/>
+                </a:solidFill>
+                <a:effectLst/>
+                <a:latin typeface="+mn-lt"/>
+                <a:ea typeface="+mn-ea"/>
+                <a:cs typeface="+mn-cs"/>
+              </a:rPr>
+              <a:t>向区域头部发送请求。 该请求包含有关要卸载到候选雾的任务的信息。</a:t>
+            </a:r>
+            <a:endParaRPr lang="en-US" altLang="zh-CN" sz="1200" b="0" i="0" kern="1200" smtClean="0">
+              <a:solidFill>
+                <a:schemeClr val="tx1"/>
+              </a:solidFill>
+              <a:effectLst/>
+              <a:latin typeface="+mn-lt"/>
+              <a:ea typeface="+mn-ea"/>
+              <a:cs typeface="+mn-cs"/>
+            </a:endParaRPr>
+          </a:p>
+          <a:p>
+            <a:r>
+              <a:rPr lang="en-US" altLang="zh-CN" sz="1200" b="0" i="0" kern="1200" smtClean="0">
+                <a:solidFill>
+                  <a:schemeClr val="tx1"/>
+                </a:solidFill>
+                <a:effectLst/>
+                <a:latin typeface="+mn-lt"/>
+                <a:ea typeface="+mn-ea"/>
+                <a:cs typeface="+mn-cs"/>
+              </a:rPr>
+              <a:t>3.</a:t>
+            </a:r>
+            <a:r>
+              <a:rPr lang="zh-CN" altLang="en-US" sz="1200" b="0" i="0" kern="1200" smtClean="0">
+                <a:solidFill>
+                  <a:schemeClr val="tx1"/>
+                </a:solidFill>
+                <a:effectLst/>
+                <a:latin typeface="+mn-lt"/>
+                <a:ea typeface="+mn-ea"/>
+                <a:cs typeface="+mn-cs"/>
+              </a:rPr>
+              <a:t>当从任何客户端车辆接收请求时，区域头部执行任务分配算法以决定在何处运行任务。</a:t>
+            </a:r>
+            <a:endParaRPr lang="en-US" altLang="zh-CN" sz="1200" b="0" i="0" kern="1200" smtClean="0">
+              <a:solidFill>
+                <a:schemeClr val="tx1"/>
+              </a:solidFill>
+              <a:effectLst/>
+              <a:latin typeface="+mn-lt"/>
+              <a:ea typeface="+mn-ea"/>
+              <a:cs typeface="+mn-cs"/>
+            </a:endParaRPr>
+          </a:p>
+          <a:p>
+            <a:r>
+              <a:rPr lang="en-US" altLang="zh-CN" sz="1200" b="0" i="0" kern="1200" smtClean="0">
+                <a:solidFill>
+                  <a:schemeClr val="tx1"/>
+                </a:solidFill>
+                <a:effectLst/>
+                <a:latin typeface="+mn-lt"/>
+                <a:ea typeface="+mn-ea"/>
+                <a:cs typeface="+mn-cs"/>
+              </a:rPr>
+              <a:t>4.</a:t>
+            </a:r>
+            <a:r>
+              <a:rPr lang="zh-CN" altLang="en-US" sz="1200" b="0" i="0" kern="1200" smtClean="0">
+                <a:solidFill>
+                  <a:schemeClr val="tx1"/>
+                </a:solidFill>
+                <a:effectLst/>
+                <a:latin typeface="+mn-lt"/>
+                <a:ea typeface="+mn-ea"/>
+                <a:cs typeface="+mn-cs"/>
+              </a:rPr>
+              <a:t>客户端车辆和移动雾节点之间的连接可能不会持续，当相应的雾节点从当前服务区移出时，可以中断任务的执行，此时区域头调用另一个雾节点来接管任务。</a:t>
+            </a:r>
+            <a:endParaRPr lang="en-US" altLang="zh-CN" sz="1200" b="0" i="0" kern="1200" smtClean="0">
+              <a:solidFill>
+                <a:schemeClr val="tx1"/>
+              </a:solidFill>
+              <a:effectLst/>
+              <a:latin typeface="+mn-lt"/>
+              <a:ea typeface="+mn-ea"/>
+              <a:cs typeface="+mn-cs"/>
+            </a:endParaRPr>
+          </a:p>
+          <a:p>
+            <a:endParaRPr lang="zh-CN" altLang="en-US"/>
+          </a:p>
+        </p:txBody>
+      </p:sp>
+    </p:spTree>
+    <p:extLst>
+      <p:ext uri="{BB962C8B-B14F-4D97-AF65-F5344CB8AC3E}">
+        <p14:creationId xmlns:p14="http://schemas.microsoft.com/office/powerpoint/2010/main" val="3018271391"/>
+      </p:ext>
+    </p:extLst>
+  </p:cSld>
+  <p:clrMapOvr>
+    <a:masterClrMapping/>
+  </p:clrMapOvr>
+</p:notes>
+</file>
+
+<file path=ppt/notesSlides/notesSlide5.xml><?xml version="1.0" encoding="utf-8"?>
+<p:notes xmlns:a="http://schemas.openxmlformats.org/drawingml/2006/main" xmlns:r="http://schemas.openxmlformats.org/officeDocument/2006/relationships" xmlns:p="http://schemas.openxmlformats.org/presentationml/2006/main">
+  <p:cSld>
+    <p:spTree>
+      <p:nvGrpSpPr>
+        <p:cNvPr id="1" name=""/>
+        <p:cNvGrpSpPr/>
+        <p:nvPr/>
+      </p:nvGrpSpPr>
+      <p:grpSpPr>
+        <a:xfrm>
+          <a:off x="0" y="0"/>
+          <a:ext cx="0" cy="0"/>
+          <a:chOff x="0" y="0"/>
+          <a:chExt cx="0" cy="0"/>
+        </a:xfrm>
+      </p:grpSpPr>
+      <p:sp>
+        <p:nvSpPr>
+          <p:cNvPr id="2" name="幻灯片图像占位符 1"/>
+          <p:cNvSpPr>
+            <a:spLocks noGrp="1" noRot="1" noChangeAspect="1"/>
+          </p:cNvSpPr>
+          <p:nvPr>
+            <p:ph type="sldImg" idx="2"/>
+          </p:nvPr>
+        </p:nvSpPr>
+        <p:spPr/>
+      </p:sp>
+      <p:sp>
+        <p:nvSpPr>
+          <p:cNvPr id="3" name="文本占位符 2"/>
+          <p:cNvSpPr>
+            <a:spLocks noGrp="1"/>
+          </p:cNvSpPr>
+          <p:nvPr>
+            <p:ph type="body" idx="3"/>
+          </p:nvPr>
+        </p:nvSpPr>
+        <p:spPr/>
+        <p:txBody>
+          <a:bodyPr/>
+          <a:lstStyle/>
+          <a:p>
+            <a:r>
+              <a:rPr lang="en-US" altLang="zh-CN" smtClean="0"/>
+              <a:t>Ki</a:t>
+            </a:r>
+            <a:r>
+              <a:rPr lang="zh-CN" altLang="en-US" smtClean="0"/>
+              <a:t>是</a:t>
+            </a:r>
+            <a:r>
+              <a:rPr lang="en-US" altLang="zh-CN" smtClean="0"/>
+              <a:t>i</a:t>
+            </a:r>
+            <a:r>
+              <a:rPr lang="zh-CN" altLang="en-US" smtClean="0"/>
+              <a:t>客户结点生成的任务集合</a:t>
+            </a:r>
+            <a:endParaRPr lang="en-US" altLang="zh-CN" smtClean="0"/>
+          </a:p>
+          <a:p>
+            <a:r>
+              <a:rPr lang="en-US" altLang="zh-CN" smtClean="0"/>
+              <a:t>Ji</a:t>
+            </a:r>
+            <a:r>
+              <a:rPr lang="zh-CN" altLang="en-US" smtClean="0"/>
+              <a:t>是</a:t>
+            </a:r>
+            <a:r>
+              <a:rPr lang="en-US" altLang="zh-CN" smtClean="0"/>
+              <a:t>i</a:t>
+            </a:r>
+            <a:r>
+              <a:rPr lang="zh-CN" altLang="en-US" smtClean="0"/>
+              <a:t>客户结点的雾结点候选者集合</a:t>
+            </a:r>
+            <a:endParaRPr lang="en-US" altLang="zh-CN" smtClean="0"/>
+          </a:p>
+          <a:p>
+            <a:r>
+              <a:rPr lang="en-US" altLang="zh-CN" smtClean="0"/>
+              <a:t>Xik</a:t>
+            </a:r>
+            <a:r>
+              <a:rPr lang="en-US" altLang="zh-CN" baseline="0" smtClean="0"/>
+              <a:t> </a:t>
+            </a:r>
+            <a:r>
+              <a:rPr lang="zh-CN" altLang="en-US" baseline="0" smtClean="0"/>
+              <a:t>表示任务</a:t>
+            </a:r>
+            <a:r>
+              <a:rPr lang="en-US" altLang="zh-CN" baseline="0" smtClean="0"/>
+              <a:t>k</a:t>
+            </a:r>
+            <a:r>
+              <a:rPr lang="zh-CN" altLang="en-US" baseline="0" smtClean="0"/>
+              <a:t>是否由结点</a:t>
+            </a:r>
+            <a:r>
+              <a:rPr lang="en-US" altLang="zh-CN" baseline="0" smtClean="0"/>
+              <a:t>i</a:t>
+            </a:r>
+            <a:r>
+              <a:rPr lang="zh-CN" altLang="en-US" baseline="0" smtClean="0"/>
+              <a:t>生成</a:t>
+            </a:r>
+            <a:endParaRPr lang="en-US" altLang="zh-CN" baseline="0" smtClean="0"/>
+          </a:p>
+          <a:p>
+            <a:r>
+              <a:rPr lang="en-US" altLang="zh-CN" baseline="0" smtClean="0"/>
+              <a:t>Xij </a:t>
+            </a:r>
+            <a:r>
+              <a:rPr lang="zh-CN" altLang="en-US" baseline="0" smtClean="0"/>
+              <a:t>表示雾结点</a:t>
+            </a:r>
+            <a:r>
+              <a:rPr lang="en-US" altLang="zh-CN" baseline="0" smtClean="0"/>
+              <a:t>j</a:t>
+            </a:r>
+            <a:r>
+              <a:rPr lang="zh-CN" altLang="en-US" baseline="0" smtClean="0"/>
+              <a:t>是否是</a:t>
+            </a:r>
+            <a:r>
+              <a:rPr lang="en-US" altLang="zh-CN" baseline="0" smtClean="0"/>
+              <a:t>i</a:t>
+            </a:r>
+            <a:r>
+              <a:rPr lang="zh-CN" altLang="en-US" baseline="0" smtClean="0"/>
+              <a:t>的候选者</a:t>
+            </a:r>
+            <a:endParaRPr lang="en-US" altLang="zh-CN" baseline="0" smtClean="0"/>
+          </a:p>
+          <a:p>
+            <a:r>
+              <a:rPr lang="en-US" altLang="zh-CN" baseline="0" smtClean="0"/>
+              <a:t>I</a:t>
+            </a:r>
+            <a:r>
+              <a:rPr lang="zh-CN" altLang="en-US" baseline="0" smtClean="0"/>
+              <a:t> 所有的客户结点；</a:t>
+            </a:r>
+            <a:r>
+              <a:rPr lang="en-US" altLang="zh-CN" baseline="0" smtClean="0"/>
+              <a:t>J</a:t>
+            </a:r>
+            <a:r>
+              <a:rPr lang="zh-CN" altLang="en-US" baseline="0" smtClean="0"/>
+              <a:t>所有的雾结点候选者；</a:t>
+            </a:r>
+            <a:r>
+              <a:rPr lang="en-US" altLang="zh-CN" baseline="0" smtClean="0"/>
+              <a:t>K </a:t>
+            </a:r>
+            <a:r>
+              <a:rPr lang="zh-CN" altLang="en-US" baseline="0" smtClean="0"/>
+              <a:t>所有的任务</a:t>
+            </a:r>
+            <a:endParaRPr lang="en-US" altLang="zh-CN" baseline="0" smtClean="0"/>
+          </a:p>
+          <a:p>
+            <a:r>
+              <a:rPr lang="en-US" altLang="zh-CN" baseline="0" smtClean="0"/>
+              <a:t>Xjk </a:t>
+            </a:r>
+            <a:r>
+              <a:rPr lang="zh-CN" altLang="en-US" baseline="0" smtClean="0"/>
+              <a:t>表示任务</a:t>
+            </a:r>
+            <a:r>
+              <a:rPr lang="en-US" altLang="zh-CN" baseline="0" smtClean="0"/>
+              <a:t>k</a:t>
+            </a:r>
+            <a:r>
+              <a:rPr lang="zh-CN" altLang="en-US" baseline="0" smtClean="0"/>
+              <a:t>是否被分配给了雾结点</a:t>
+            </a:r>
+            <a:r>
+              <a:rPr lang="en-US" altLang="zh-CN" baseline="0" smtClean="0"/>
+              <a:t>j</a:t>
+            </a:r>
+            <a:r>
+              <a:rPr lang="zh-CN" altLang="en-US" baseline="0" smtClean="0"/>
+              <a:t>，必须满足</a:t>
+            </a:r>
+            <a:r>
+              <a:rPr lang="en-US" altLang="zh-CN" baseline="0" smtClean="0"/>
+              <a:t>k</a:t>
+            </a:r>
+            <a:r>
+              <a:rPr lang="zh-CN" altLang="en-US" baseline="0" smtClean="0"/>
+              <a:t>是</a:t>
+            </a:r>
+            <a:r>
+              <a:rPr lang="en-US" altLang="zh-CN" baseline="0" smtClean="0"/>
+              <a:t>i</a:t>
+            </a:r>
+            <a:r>
+              <a:rPr lang="zh-CN" altLang="en-US" baseline="0" smtClean="0"/>
+              <a:t>生成的任务，并且</a:t>
+            </a:r>
+            <a:r>
+              <a:rPr lang="en-US" altLang="zh-CN" baseline="0" smtClean="0"/>
+              <a:t>j</a:t>
+            </a:r>
+            <a:r>
+              <a:rPr lang="zh-CN" altLang="en-US" baseline="0" smtClean="0"/>
+              <a:t>是</a:t>
+            </a:r>
+            <a:r>
+              <a:rPr lang="en-US" altLang="zh-CN" baseline="0" smtClean="0"/>
+              <a:t>i</a:t>
+            </a:r>
+            <a:r>
+              <a:rPr lang="zh-CN" altLang="en-US" baseline="0" smtClean="0"/>
+              <a:t>的候选雾结点，</a:t>
+            </a:r>
+            <a:r>
+              <a:rPr lang="en-US" altLang="zh-CN" baseline="0" smtClean="0"/>
+              <a:t>xjk</a:t>
+            </a:r>
+            <a:r>
+              <a:rPr lang="zh-CN" altLang="en-US" baseline="0" smtClean="0"/>
+              <a:t>才可能取</a:t>
+            </a:r>
+            <a:r>
+              <a:rPr lang="en-US" altLang="zh-CN" baseline="0" smtClean="0"/>
+              <a:t>1</a:t>
+            </a:r>
+            <a:r>
+              <a:rPr lang="zh-CN" altLang="en-US" baseline="0" smtClean="0"/>
+              <a:t>，也可能不分配，所以小于等于</a:t>
+            </a:r>
+            <a:r>
+              <a:rPr lang="en-US" altLang="zh-CN" baseline="0" smtClean="0"/>
+              <a:t>min</a:t>
+            </a:r>
+            <a:endParaRPr lang="zh-CN" altLang="en-US"/>
+          </a:p>
+        </p:txBody>
+      </p:sp>
+    </p:spTree>
+    <p:extLst>
+      <p:ext uri="{BB962C8B-B14F-4D97-AF65-F5344CB8AC3E}">
+        <p14:creationId xmlns:p14="http://schemas.microsoft.com/office/powerpoint/2010/main" val="1213038999"/>
+      </p:ext>
+    </p:extLst>
+  </p:cSld>
+  <p:clrMapOvr>
+    <a:masterClrMapping/>
+  </p:clrMapOvr>
+</p:notes>
+</file>
+
+<file path=ppt/notesSlides/notesSlide6.xml><?xml version="1.0" encoding="utf-8"?>
+<p:notes xmlns:a="http://schemas.openxmlformats.org/drawingml/2006/main" xmlns:r="http://schemas.openxmlformats.org/officeDocument/2006/relationships" xmlns:p="http://schemas.openxmlformats.org/presentationml/2006/main">
+  <p:cSld>
+    <p:spTree>
+      <p:nvGrpSpPr>
+        <p:cNvPr id="1" name=""/>
+        <p:cNvGrpSpPr/>
+        <p:nvPr/>
+      </p:nvGrpSpPr>
+      <p:grpSpPr>
+        <a:xfrm>
+          <a:off x="0" y="0"/>
+          <a:ext cx="0" cy="0"/>
+          <a:chOff x="0" y="0"/>
+          <a:chExt cx="0" cy="0"/>
+        </a:xfrm>
+      </p:grpSpPr>
+      <p:sp>
+        <p:nvSpPr>
+          <p:cNvPr id="2" name="幻灯片图像占位符 1"/>
+          <p:cNvSpPr>
+            <a:spLocks noGrp="1" noRot="1" noChangeAspect="1"/>
+          </p:cNvSpPr>
+          <p:nvPr>
+            <p:ph type="sldImg" idx="2"/>
+          </p:nvPr>
+        </p:nvSpPr>
+        <p:spPr/>
+      </p:sp>
+      <p:sp>
+        <p:nvSpPr>
+          <p:cNvPr id="3" name="文本占位符 2"/>
+          <p:cNvSpPr>
+            <a:spLocks noGrp="1"/>
+          </p:cNvSpPr>
+          <p:nvPr>
+            <p:ph type="body" idx="3"/>
+          </p:nvPr>
+        </p:nvSpPr>
+        <p:spPr/>
+        <p:txBody>
+          <a:bodyPr/>
+          <a:lstStyle/>
+          <a:p>
+            <a:r>
+              <a:rPr lang="en-US" altLang="zh-CN" smtClean="0"/>
+              <a:t>1.</a:t>
+            </a:r>
+            <a:r>
+              <a:rPr lang="zh-CN" altLang="en-US" smtClean="0"/>
+              <a:t>在指定的带宽下，传输延时主要决定于传输数据量的大小</a:t>
+            </a:r>
+            <a:endParaRPr lang="zh-CN" altLang="en-US"/>
+          </a:p>
+        </p:txBody>
+      </p:sp>
+    </p:spTree>
+    <p:extLst>
+      <p:ext uri="{BB962C8B-B14F-4D97-AF65-F5344CB8AC3E}">
+        <p14:creationId xmlns:p14="http://schemas.microsoft.com/office/powerpoint/2010/main" val="452616686"/>
+      </p:ext>
+    </p:extLst>
+  </p:cSld>
+  <p:clrMapOvr>
+    <a:masterClrMapping/>
+  </p:clrMapOvr>
+</p:notes>
+</file>
+
+<file path=ppt/notesSlides/notesSlide7.xml><?xml version="1.0" encoding="utf-8"?>
+<p:notes xmlns:a="http://schemas.openxmlformats.org/drawingml/2006/main" xmlns:r="http://schemas.openxmlformats.org/officeDocument/2006/relationships" xmlns:p="http://schemas.openxmlformats.org/presentationml/2006/main">
+  <p:cSld>
+    <p:spTree>
+      <p:nvGrpSpPr>
+        <p:cNvPr id="1" name=""/>
+        <p:cNvGrpSpPr/>
+        <p:nvPr/>
+      </p:nvGrpSpPr>
+      <p:grpSpPr>
+        <a:xfrm>
+          <a:off x="0" y="0"/>
+          <a:ext cx="0" cy="0"/>
+          <a:chOff x="0" y="0"/>
+          <a:chExt cx="0" cy="0"/>
+        </a:xfrm>
+      </p:grpSpPr>
+      <p:sp>
+        <p:nvSpPr>
+          <p:cNvPr id="2" name="幻灯片图像占位符 1"/>
+          <p:cNvSpPr>
+            <a:spLocks noGrp="1" noRot="1" noChangeAspect="1"/>
+          </p:cNvSpPr>
+          <p:nvPr>
+            <p:ph type="sldImg" idx="2"/>
+          </p:nvPr>
+        </p:nvSpPr>
+        <p:spPr/>
+      </p:sp>
+      <p:sp>
+        <p:nvSpPr>
+          <p:cNvPr id="3" name="文本占位符 2"/>
+          <p:cNvSpPr>
+            <a:spLocks noGrp="1"/>
+          </p:cNvSpPr>
+          <p:nvPr>
+            <p:ph type="body" idx="3"/>
+          </p:nvPr>
+        </p:nvSpPr>
+        <p:spPr/>
+        <p:txBody>
+          <a:bodyPr/>
+          <a:lstStyle/>
+          <a:p>
+            <a:endParaRPr lang="zh-CN" altLang="en-US"/>
+          </a:p>
+        </p:txBody>
+      </p:sp>
+    </p:spTree>
+    <p:extLst>
+      <p:ext uri="{BB962C8B-B14F-4D97-AF65-F5344CB8AC3E}">
+        <p14:creationId xmlns:p14="http://schemas.microsoft.com/office/powerpoint/2010/main" val="2771874903"/>
       </p:ext>
     </p:extLst>
   </p:cSld>
@@ -953,7 +1638,7 @@
             </a:pPr>
             <a:fld id="{EECF7B46-E4F5-4A03-87D2-D83C76E9FB67}" type="datetime1">
               <a:rPr lang="zh-CN" altLang="en-US"/>
-              <a:t>2018/11/16</a:t>
+              <a:t>2018/11/17</a:t>
             </a:fld>
             <a:endParaRPr lang="zh-CN" altLang="en-US" sz="1800">
               <a:solidFill>
@@ -1147,7 +1832,7 @@
             </a:pPr>
             <a:fld id="{89889205-6308-43FC-BAC0-BE20FACFC596}" type="datetime1">
               <a:rPr lang="zh-CN" altLang="en-US"/>
-              <a:t>2018/11/16</a:t>
+              <a:t>2018/11/17</a:t>
             </a:fld>
             <a:endParaRPr lang="zh-CN" altLang="en-US" sz="1800">
               <a:solidFill>
@@ -1351,7 +2036,7 @@
             </a:pPr>
             <a:fld id="{B605B2E9-0310-4484-B4AA-BA98347AC229}" type="datetime1">
               <a:rPr lang="zh-CN" altLang="en-US"/>
-              <a:t>2018/11/16</a:t>
+              <a:t>2018/11/17</a:t>
             </a:fld>
             <a:endParaRPr lang="zh-CN" altLang="en-US" sz="1800">
               <a:solidFill>
@@ -1498,7 +2183,7 @@
             </a:pPr>
             <a:fld id="{32363CE1-1536-44E9-8A8F-60DDC4EC0C0C}" type="datetime1">
               <a:rPr lang="zh-CN" altLang="en-US"/>
-              <a:t>2018/11/16</a:t>
+              <a:t>2018/11/17</a:t>
             </a:fld>
             <a:endParaRPr lang="zh-CN" altLang="en-US" sz="1800">
               <a:solidFill>
@@ -1692,7 +2377,7 @@
             </a:pPr>
             <a:fld id="{BBDD8B43-1A29-47A5-8E1E-3C10E7F0C181}" type="datetime1">
               <a:rPr lang="zh-CN" altLang="en-US"/>
-              <a:t>2018/11/16</a:t>
+              <a:t>2018/11/17</a:t>
             </a:fld>
             <a:endParaRPr lang="zh-CN" altLang="en-US" sz="1800">
               <a:solidFill>
@@ -1908,7 +2593,7 @@
             </a:pPr>
             <a:fld id="{B9EE72FC-BEA5-44DD-A892-416510800269}" type="datetime1">
               <a:rPr lang="zh-CN" altLang="en-US"/>
-              <a:t>2018/11/16</a:t>
+              <a:t>2018/11/17</a:t>
             </a:fld>
             <a:endParaRPr lang="zh-CN" altLang="en-US" sz="1800">
               <a:solidFill>
@@ -2220,7 +2905,7 @@
             </a:pPr>
             <a:fld id="{1271429C-C73B-4A84-83FF-41356910CEAA}" type="datetime1">
               <a:rPr lang="zh-CN" altLang="en-US"/>
-              <a:t>2018/11/16</a:t>
+              <a:t>2018/11/17</a:t>
             </a:fld>
             <a:endParaRPr lang="zh-CN" altLang="en-US" sz="1800">
               <a:solidFill>
@@ -2671,7 +3356,7 @@
             </a:pPr>
             <a:fld id="{90AA1ED2-87EA-41BE-99EC-496F7F69370F}" type="datetime1">
               <a:rPr lang="zh-CN" altLang="en-US"/>
-              <a:t>2018/11/16</a:t>
+              <a:t>2018/11/17</a:t>
             </a:fld>
             <a:endParaRPr lang="zh-CN" altLang="en-US" sz="1800">
               <a:solidFill>
@@ -2813,7 +3498,7 @@
             </a:pPr>
             <a:fld id="{9973CD95-4BFA-4A1D-9C86-9C3237F29EAA}" type="datetime1">
               <a:rPr lang="zh-CN" altLang="en-US"/>
-              <a:t>2018/11/16</a:t>
+              <a:t>2018/11/17</a:t>
             </a:fld>
             <a:endParaRPr lang="zh-CN" altLang="en-US" sz="1800">
               <a:solidFill>
@@ -2932,7 +3617,7 @@
             </a:pPr>
             <a:fld id="{06314ED7-52AE-4E0D-A884-8E2E59AEECC7}" type="datetime1">
               <a:rPr lang="zh-CN" altLang="en-US"/>
-              <a:t>2018/11/16</a:t>
+              <a:t>2018/11/17</a:t>
             </a:fld>
             <a:endParaRPr lang="zh-CN" altLang="en-US" sz="1800">
               <a:solidFill>
@@ -3233,7 +3918,7 @@
             </a:pPr>
             <a:fld id="{3950D1A5-7B69-4CEC-8258-97751E783A44}" type="datetime1">
               <a:rPr lang="zh-CN" altLang="en-US"/>
-              <a:t>2018/11/16</a:t>
+              <a:t>2018/11/17</a:t>
             </a:fld>
             <a:endParaRPr lang="zh-CN" altLang="en-US" sz="1800">
               <a:solidFill>
@@ -3513,7 +4198,7 @@
             </a:pPr>
             <a:fld id="{27939C34-CF51-4915-817E-DB81CF211490}" type="datetime1">
               <a:rPr lang="zh-CN" altLang="en-US"/>
-              <a:t>2018/11/16</a:t>
+              <a:t>2018/11/17</a:t>
             </a:fld>
             <a:endParaRPr lang="zh-CN" altLang="en-US" sz="1800">
               <a:solidFill>
@@ -3826,7 +4511,7 @@
             </a:pPr>
             <a:fld id="{DFFE92E3-3AE8-4BBA-9C65-9AC364C18C34}" type="datetime1">
               <a:rPr lang="zh-CN" altLang="en-US"/>
-              <a:t>2018/11/16</a:t>
+              <a:t>2018/11/17</a:t>
             </a:fld>
             <a:endParaRPr lang="zh-CN" altLang="en-US" sz="1800">
               <a:solidFill>
@@ -4912,15 +5597,7 @@
                 <a:ea typeface="Arial Unicode MS" panose="020B0604020202020204" pitchFamily="34" charset="-122"/>
                 <a:cs typeface="Arial Unicode MS" panose="020B0604020202020204" pitchFamily="34" charset="-122"/>
               </a:rPr>
-              <a:t>《IEEE Internet of Things Journal》 </a:t>
-            </a:r>
-            <a:r>
-              <a:rPr lang="en-US" altLang="zh-CN" smtClean="0">
-                <a:latin typeface="Arial Unicode MS" panose="020B0604020202020204" pitchFamily="34" charset="-122"/>
-                <a:ea typeface="Arial Unicode MS" panose="020B0604020202020204" pitchFamily="34" charset="-122"/>
-                <a:cs typeface="Arial Unicode MS" panose="020B0604020202020204" pitchFamily="34" charset="-122"/>
-              </a:rPr>
-              <a:t>11 October 2018</a:t>
+              <a:t>《IEEE Internet of Things Journal》 11 October 2018</a:t>
             </a:r>
           </a:p>
           <a:p>
@@ -4982,11 +5659,7 @@
             </a:r>
             <a:r>
               <a:rPr lang="zh-CN" altLang="en-US"/>
-              <a:t>优化任务分配的新颖</a:t>
-            </a:r>
-            <a:r>
-              <a:rPr lang="zh-CN" altLang="en-US"/>
-              <a:t>解决</a:t>
+              <a:t>优化任务分配的新颖解决</a:t>
             </a:r>
             <a:r>
               <a:rPr lang="zh-CN" altLang="en-US" smtClean="0"/>
@@ -5002,11 +5675,7 @@
             </a:r>
             <a:r>
               <a:rPr lang="zh-CN" altLang="en-US"/>
-              <a:t>之间</a:t>
-            </a:r>
-            <a:r>
-              <a:rPr lang="zh-CN" altLang="en-US"/>
-              <a:t>保持</a:t>
+              <a:t>之间保持</a:t>
             </a:r>
             <a:r>
               <a:rPr lang="zh-CN" altLang="en-US" smtClean="0"/>
@@ -5073,11 +5742,7 @@
             </a:r>
             <a:r>
               <a:rPr lang="zh-CN" altLang="en-US"/>
-              <a:t>移动雾节点上延迟</a:t>
-            </a:r>
-            <a:r>
-              <a:rPr lang="zh-CN" altLang="en-US"/>
-              <a:t>和</a:t>
+              <a:t>移动雾节点上延迟和</a:t>
             </a:r>
             <a:r>
               <a:rPr lang="zh-CN" altLang="en-US" smtClean="0"/>
@@ -5999,7 +6664,7 @@
         <p:spPr bwMode="auto">
           <a:xfrm>
             <a:off x="728980" y="1125855"/>
-            <a:ext cx="10734675" cy="5732145"/>
+            <a:ext cx="10734675" cy="5198745"/>
           </a:xfrm>
           <a:prstGeom prst="parallelogram">
             <a:avLst>
@@ -6756,7 +7421,7 @@
         <p:spPr>
           <a:xfrm>
             <a:off x="1037229" y="1125855"/>
-            <a:ext cx="10313396" cy="3139321"/>
+            <a:ext cx="10313396" cy="5447645"/>
           </a:xfrm>
           <a:prstGeom prst="rect">
             <a:avLst/>
@@ -6775,16 +7440,6 @@
               </a:lnSpc>
             </a:pPr>
             <a:r>
-              <a:rPr lang="zh-CN" altLang="en-US" sz="2400" b="1">
-                <a:solidFill>
-                  <a:srgbClr val="000000"/>
-                </a:solidFill>
-                <a:latin typeface="微软雅黑" panose="020B0503020204020204" pitchFamily="34" charset="-122"/>
-                <a:ea typeface="微软雅黑" panose="020B0503020204020204" pitchFamily="34" charset="-122"/>
-              </a:rPr>
-              <a:t>问题分析</a:t>
-            </a:r>
-            <a:r>
               <a:rPr lang="zh-CN" altLang="en-US" sz="2400" b="1" smtClean="0">
                 <a:solidFill>
                   <a:srgbClr val="000000"/>
@@ -6792,7 +7447,7 @@
                 <a:latin typeface="微软雅黑" panose="020B0503020204020204" pitchFamily="34" charset="-122"/>
                 <a:ea typeface="微软雅黑" panose="020B0503020204020204" pitchFamily="34" charset="-122"/>
               </a:rPr>
-              <a:t>：</a:t>
+              <a:t>相关概念：</a:t>
             </a:r>
             <a:endParaRPr lang="en-US" altLang="zh-CN" sz="2400" b="1" smtClean="0">
               <a:solidFill>
@@ -6803,603 +7458,227 @@
             </a:endParaRPr>
           </a:p>
           <a:p>
-            <a:pPr>
-              <a:lnSpc>
-                <a:spcPct val="150000"/>
-              </a:lnSpc>
-            </a:pPr>
-            <a:r>
-              <a:rPr lang="en-US" altLang="zh-CN" smtClean="0">
+            <a:r>
+              <a:rPr lang="en-US" altLang="zh-CN" sz="2400" b="1" smtClean="0"/>
+              <a:t>1. Fog </a:t>
+            </a:r>
+            <a:r>
+              <a:rPr lang="en-US" altLang="zh-CN" sz="2400" b="1"/>
+              <a:t>Nodes:</a:t>
+            </a:r>
+          </a:p>
+          <a:p>
+            <a:r>
+              <a:rPr lang="zh-CN" altLang="en-US" sz="2400"/>
+              <a:t>固定雾</a:t>
+            </a:r>
+            <a:r>
+              <a:rPr lang="zh-CN" altLang="en-US" sz="2400"/>
+              <a:t>节点</a:t>
+            </a:r>
+            <a:r>
+              <a:rPr lang="zh-CN" altLang="en-US" sz="2400" smtClean="0"/>
+              <a:t>：基站、</a:t>
+            </a:r>
+            <a:r>
+              <a:rPr lang="en-US" altLang="zh-CN" sz="2400" smtClean="0"/>
+              <a:t>RSU</a:t>
+            </a:r>
+            <a:r>
+              <a:rPr lang="zh-CN" altLang="en-US" sz="2400" smtClean="0"/>
+              <a:t>，</a:t>
+            </a:r>
+            <a:r>
+              <a:rPr lang="en-US" altLang="zh-CN" sz="2400"/>
+              <a:t>Wi-Fi</a:t>
+            </a:r>
+            <a:r>
+              <a:rPr lang="zh-CN" altLang="en-US" sz="2400" smtClean="0"/>
+              <a:t>接入点等固定</a:t>
+            </a:r>
+            <a:r>
+              <a:rPr lang="zh-CN" altLang="en-US" sz="2400"/>
+              <a:t>基础</a:t>
+            </a:r>
+            <a:r>
+              <a:rPr lang="zh-CN" altLang="en-US" sz="2400" smtClean="0"/>
+              <a:t>设施结点。</a:t>
+            </a:r>
+            <a:endParaRPr lang="zh-CN" altLang="en-US" sz="2400"/>
+          </a:p>
+          <a:p>
+            <a:r>
+              <a:rPr lang="zh-CN" altLang="en-US" sz="2400"/>
+              <a:t>移动雾</a:t>
+            </a:r>
+            <a:r>
+              <a:rPr lang="zh-CN" altLang="en-US" sz="2400"/>
+              <a:t>节点</a:t>
+            </a:r>
+            <a:r>
+              <a:rPr lang="zh-CN" altLang="en-US" sz="2400" smtClean="0"/>
+              <a:t>：具有通信模块</a:t>
+            </a:r>
+            <a:r>
+              <a:rPr lang="zh-CN" altLang="en-US" sz="2400"/>
+              <a:t>的</a:t>
+            </a:r>
+            <a:r>
+              <a:rPr lang="zh-CN" altLang="en-US" sz="2400"/>
+              <a:t>移动</a:t>
+            </a:r>
+            <a:r>
+              <a:rPr lang="zh-CN" altLang="en-US" sz="2400" smtClean="0"/>
+              <a:t>车辆节点。</a:t>
+            </a:r>
+            <a:endParaRPr lang="en-US" altLang="zh-CN" sz="2400" smtClean="0"/>
+          </a:p>
+          <a:p>
+            <a:r>
+              <a:rPr lang="en-US" altLang="zh-CN" sz="2400" b="1" smtClean="0"/>
+              <a:t>2.</a:t>
+            </a:r>
+            <a:r>
+              <a:rPr lang="en-US" altLang="zh-CN" sz="2400" b="1"/>
+              <a:t> </a:t>
+            </a:r>
+            <a:r>
+              <a:rPr lang="en-US" altLang="zh-CN" sz="2400" b="1" smtClean="0"/>
+              <a:t>Tasks:</a:t>
+            </a:r>
+          </a:p>
+          <a:p>
+            <a:r>
+              <a:rPr lang="zh-CN" altLang="en-US" sz="2400"/>
+              <a:t>应用程序的过程可以分解为</a:t>
+            </a:r>
+            <a:r>
+              <a:rPr lang="zh-CN" altLang="en-US" sz="2400"/>
+              <a:t>一</a:t>
+            </a:r>
+            <a:r>
+              <a:rPr lang="zh-CN" altLang="en-US" sz="2400" smtClean="0"/>
+              <a:t>组任务，</a:t>
+            </a:r>
+            <a:r>
+              <a:rPr lang="zh-CN" altLang="en-US" sz="2400"/>
+              <a:t>任务不能分为</a:t>
+            </a:r>
+            <a:r>
+              <a:rPr lang="zh-CN" altLang="en-US" sz="2400"/>
+              <a:t>子</a:t>
+            </a:r>
+            <a:r>
+              <a:rPr lang="zh-CN" altLang="en-US" sz="2400" smtClean="0"/>
+              <a:t>任务。</a:t>
+            </a:r>
+            <a:endParaRPr lang="en-US" altLang="zh-CN" sz="2400" smtClean="0"/>
+          </a:p>
+          <a:p>
+            <a:r>
+              <a:rPr lang="en-US" altLang="zh-CN" sz="2400" b="1" smtClean="0">
                 <a:solidFill>
                   <a:srgbClr val="000000"/>
                 </a:solidFill>
-                <a:latin typeface="+mn-ea"/>
-                <a:ea typeface="+mn-ea"/>
+                <a:latin typeface="微软雅黑" panose="020B0503020204020204" pitchFamily="34" charset="-122"/>
+                <a:ea typeface="微软雅黑" panose="020B0503020204020204" pitchFamily="34" charset="-122"/>
               </a:rPr>
-              <a:t>1.</a:t>
-            </a:r>
-            <a:r>
-              <a:rPr lang="zh-CN" altLang="en-US">
-                <a:latin typeface="+mn-ea"/>
-                <a:ea typeface="+mn-ea"/>
-              </a:rPr>
-              <a:t>车辆</a:t>
-            </a:r>
-            <a:r>
-              <a:rPr lang="zh-CN" altLang="en-US" smtClean="0">
-                <a:latin typeface="+mn-ea"/>
-                <a:ea typeface="+mn-ea"/>
-              </a:rPr>
-              <a:t>应用程序：</a:t>
-            </a:r>
-            <a:r>
-              <a:rPr lang="zh-CN" altLang="en-US">
-                <a:latin typeface="+mn-ea"/>
-                <a:ea typeface="+mn-ea"/>
-              </a:rPr>
-              <a:t>关键</a:t>
-            </a:r>
-            <a:r>
-              <a:rPr lang="zh-CN" altLang="en-US" smtClean="0">
-                <a:latin typeface="+mn-ea"/>
-                <a:ea typeface="+mn-ea"/>
-              </a:rPr>
-              <a:t>应用程序</a:t>
-            </a:r>
-            <a:r>
-              <a:rPr lang="en-US" altLang="zh-CN" smtClean="0">
-                <a:latin typeface="+mn-ea"/>
-                <a:ea typeface="+mn-ea"/>
-              </a:rPr>
-              <a:t>(CA</a:t>
-            </a:r>
-            <a:r>
-              <a:rPr lang="en-US" altLang="zh-CN">
-                <a:latin typeface="+mn-ea"/>
-                <a:ea typeface="+mn-ea"/>
-              </a:rPr>
-              <a:t>)</a:t>
-            </a:r>
-            <a:r>
-              <a:rPr lang="zh-CN" altLang="en-US" smtClean="0">
-                <a:latin typeface="+mn-ea"/>
-                <a:ea typeface="+mn-ea"/>
-              </a:rPr>
-              <a:t>，</a:t>
-            </a:r>
-            <a:r>
-              <a:rPr lang="zh-CN" altLang="en-US">
-                <a:latin typeface="+mn-ea"/>
-                <a:ea typeface="+mn-ea"/>
-              </a:rPr>
-              <a:t>高优先级</a:t>
-            </a:r>
-            <a:r>
-              <a:rPr lang="zh-CN" altLang="en-US" smtClean="0">
-                <a:latin typeface="+mn-ea"/>
-                <a:ea typeface="+mn-ea"/>
-              </a:rPr>
-              <a:t>应用程序</a:t>
-            </a:r>
-            <a:r>
-              <a:rPr lang="en-US" altLang="zh-CN" smtClean="0">
-                <a:latin typeface="+mn-ea"/>
-                <a:ea typeface="+mn-ea"/>
-              </a:rPr>
-              <a:t>(HPA</a:t>
-            </a:r>
-            <a:r>
-              <a:rPr lang="en-US" altLang="zh-CN">
-                <a:latin typeface="+mn-ea"/>
-                <a:ea typeface="+mn-ea"/>
-              </a:rPr>
-              <a:t>)</a:t>
-            </a:r>
-            <a:r>
-              <a:rPr lang="zh-CN" altLang="en-US" smtClean="0">
-                <a:latin typeface="+mn-ea"/>
-                <a:ea typeface="+mn-ea"/>
-              </a:rPr>
-              <a:t>和</a:t>
-            </a:r>
-            <a:r>
-              <a:rPr lang="zh-CN" altLang="en-US">
-                <a:latin typeface="+mn-ea"/>
-                <a:ea typeface="+mn-ea"/>
-              </a:rPr>
-              <a:t>低优先级</a:t>
-            </a:r>
-            <a:r>
-              <a:rPr lang="zh-CN" altLang="en-US" smtClean="0">
-                <a:latin typeface="+mn-ea"/>
-                <a:ea typeface="+mn-ea"/>
-              </a:rPr>
-              <a:t>应用程序</a:t>
-            </a:r>
-            <a:r>
-              <a:rPr lang="en-US" altLang="zh-CN" smtClean="0">
-                <a:latin typeface="+mn-ea"/>
-                <a:ea typeface="+mn-ea"/>
-              </a:rPr>
-              <a:t>(LPA)</a:t>
-            </a:r>
-            <a:r>
-              <a:rPr lang="zh-CN" altLang="en-US" smtClean="0">
-                <a:latin typeface="+mn-ea"/>
-                <a:ea typeface="+mn-ea"/>
-              </a:rPr>
-              <a:t>。</a:t>
-            </a:r>
-            <a:r>
-              <a:rPr lang="en-US" altLang="zh-CN" smtClean="0">
-                <a:latin typeface="+mn-ea"/>
-                <a:ea typeface="+mn-ea"/>
-              </a:rPr>
-              <a:t>CA</a:t>
-            </a:r>
-            <a:r>
-              <a:rPr lang="zh-CN" altLang="en-US">
-                <a:latin typeface="+mn-ea"/>
-                <a:ea typeface="+mn-ea"/>
-              </a:rPr>
-              <a:t>是车辆</a:t>
-            </a:r>
-            <a:r>
-              <a:rPr lang="zh-CN" altLang="en-US" smtClean="0">
-                <a:latin typeface="+mn-ea"/>
-                <a:ea typeface="+mn-ea"/>
-              </a:rPr>
-              <a:t>系统安全相关的核心应用，具有</a:t>
-            </a:r>
-            <a:r>
-              <a:rPr lang="zh-CN" altLang="en-US">
-                <a:latin typeface="+mn-ea"/>
-                <a:ea typeface="+mn-ea"/>
-              </a:rPr>
-              <a:t>最高</a:t>
-            </a:r>
-            <a:r>
-              <a:rPr lang="zh-CN" altLang="en-US" smtClean="0">
-                <a:latin typeface="+mn-ea"/>
-                <a:ea typeface="+mn-ea"/>
-              </a:rPr>
-              <a:t>优先级，不算在</a:t>
-            </a:r>
-            <a:r>
-              <a:rPr lang="en-US" altLang="zh-CN" smtClean="0">
-                <a:latin typeface="+mn-ea"/>
-                <a:ea typeface="+mn-ea"/>
-              </a:rPr>
-              <a:t>AVE</a:t>
-            </a:r>
-            <a:r>
-              <a:rPr lang="zh-CN" altLang="en-US" smtClean="0">
-                <a:latin typeface="+mn-ea"/>
-                <a:ea typeface="+mn-ea"/>
-              </a:rPr>
-              <a:t>内。</a:t>
-            </a:r>
-            <a:endParaRPr lang="en-US" altLang="zh-CN" smtClean="0">
-              <a:latin typeface="+mn-ea"/>
-              <a:ea typeface="+mn-ea"/>
-            </a:endParaRPr>
-          </a:p>
-          <a:p>
-            <a:pPr>
-              <a:lnSpc>
-                <a:spcPct val="150000"/>
-              </a:lnSpc>
-            </a:pPr>
-            <a:r>
-              <a:rPr lang="en-US" altLang="zh-CN" smtClean="0">
+              <a:t>3. </a:t>
+            </a:r>
+            <a:r>
+              <a:rPr lang="en-US" altLang="zh-CN" sz="2400" b="1"/>
+              <a:t>Client </a:t>
+            </a:r>
+            <a:r>
+              <a:rPr lang="en-US" altLang="zh-CN" sz="2400" b="1"/>
+              <a:t>Vehicles</a:t>
+            </a:r>
+            <a:r>
+              <a:rPr lang="en-US" altLang="zh-CN" sz="2400" b="1" smtClean="0"/>
+              <a:t>:</a:t>
+            </a:r>
+          </a:p>
+          <a:p>
+            <a:r>
+              <a:rPr lang="zh-CN" altLang="en-US" sz="2400"/>
+              <a:t>生成任务的车辆被</a:t>
+            </a:r>
+            <a:r>
+              <a:rPr lang="zh-CN" altLang="en-US" sz="2400"/>
+              <a:t>定义</a:t>
+            </a:r>
+            <a:r>
+              <a:rPr lang="zh-CN" altLang="en-US" sz="2400" smtClean="0"/>
+              <a:t>为</a:t>
+            </a:r>
+            <a:r>
+              <a:rPr lang="en-US" altLang="zh-CN" sz="2400"/>
+              <a:t>Client </a:t>
+            </a:r>
+            <a:r>
+              <a:rPr lang="en-US" altLang="zh-CN" sz="2400" smtClean="0"/>
+              <a:t>Vehicles</a:t>
+            </a:r>
+          </a:p>
+          <a:p>
+            <a:r>
+              <a:rPr lang="en-US" altLang="zh-CN" sz="2400" b="1" smtClean="0">
                 <a:solidFill>
                   <a:srgbClr val="000000"/>
                 </a:solidFill>
-                <a:latin typeface="+mn-ea"/>
-                <a:ea typeface="+mn-ea"/>
+                <a:latin typeface="微软雅黑" panose="020B0503020204020204" pitchFamily="34" charset="-122"/>
+                <a:ea typeface="微软雅黑" panose="020B0503020204020204" pitchFamily="34" charset="-122"/>
               </a:rPr>
-              <a:t>2.</a:t>
-            </a:r>
-            <a:r>
-              <a:rPr lang="zh-CN" altLang="en-US" smtClean="0">
-                <a:solidFill>
-                  <a:srgbClr val="000000"/>
-                </a:solidFill>
-                <a:latin typeface="+mn-ea"/>
-                <a:ea typeface="+mn-ea"/>
-              </a:rPr>
-              <a:t>车辆边缘计算</a:t>
-            </a:r>
-            <a:r>
-              <a:rPr lang="zh-CN" altLang="en-US" smtClean="0">
-                <a:solidFill>
-                  <a:srgbClr val="000000"/>
-                </a:solidFill>
-                <a:latin typeface="+mn-ea"/>
-                <a:ea typeface="+mn-ea"/>
-                <a:sym typeface="Wingdings" panose="05000000000000000000" pitchFamily="2" charset="2"/>
-              </a:rPr>
+              <a:t>4. </a:t>
+            </a:r>
+            <a:r>
+              <a:rPr lang="en-US" altLang="zh-CN" sz="2400" b="1"/>
+              <a:t>Service </a:t>
+            </a:r>
+            <a:r>
+              <a:rPr lang="en-US" altLang="zh-CN" sz="2400" b="1" smtClean="0"/>
+              <a:t>Zones</a:t>
+            </a:r>
+            <a:r>
+              <a:rPr lang="zh-CN" altLang="en-US" sz="2400" b="1" smtClean="0"/>
               <a:t>：</a:t>
             </a:r>
-            <a:r>
-              <a:rPr lang="en-US" altLang="zh-CN" smtClean="0">
-                <a:solidFill>
-                  <a:srgbClr val="000000"/>
-                </a:solidFill>
-                <a:latin typeface="+mn-ea"/>
-                <a:ea typeface="+mn-ea"/>
-                <a:sym typeface="Wingdings" panose="05000000000000000000" pitchFamily="2" charset="2"/>
-              </a:rPr>
-              <a:t>1)</a:t>
-            </a:r>
-            <a:r>
-              <a:rPr lang="zh-CN" altLang="en-US" smtClean="0"/>
-              <a:t>可</a:t>
-            </a:r>
-            <a:r>
-              <a:rPr lang="zh-CN" altLang="en-US"/>
-              <a:t>共享</a:t>
-            </a:r>
-            <a:r>
-              <a:rPr lang="zh-CN" altLang="en-US" smtClean="0"/>
-              <a:t>资源：</a:t>
-            </a:r>
-            <a:r>
-              <a:rPr lang="zh-CN" altLang="en-US"/>
-              <a:t>除了</a:t>
-            </a:r>
-            <a:r>
-              <a:rPr lang="en-US" altLang="zh-CN"/>
-              <a:t>CA</a:t>
-            </a:r>
-            <a:r>
-              <a:rPr lang="zh-CN" altLang="en-US"/>
-              <a:t>使用的计算资源之外，一些资源仍然</a:t>
-            </a:r>
-            <a:r>
-              <a:rPr lang="zh-CN" altLang="en-US" smtClean="0"/>
-              <a:t>可用。</a:t>
-            </a:r>
-            <a:endParaRPr lang="en-US" altLang="zh-CN" smtClean="0"/>
-          </a:p>
-          <a:p>
-            <a:pPr>
-              <a:lnSpc>
-                <a:spcPct val="150000"/>
-              </a:lnSpc>
-            </a:pPr>
-            <a:r>
-              <a:rPr lang="en-US" altLang="zh-CN">
-                <a:solidFill>
-                  <a:srgbClr val="000000"/>
-                </a:solidFill>
-                <a:latin typeface="+mn-ea"/>
-                <a:ea typeface="+mn-ea"/>
-              </a:rPr>
-              <a:t>	</a:t>
-            </a:r>
-            <a:r>
-              <a:rPr lang="en-US" altLang="zh-CN" smtClean="0">
-                <a:solidFill>
-                  <a:srgbClr val="000000"/>
-                </a:solidFill>
-                <a:latin typeface="+mn-ea"/>
-                <a:ea typeface="+mn-ea"/>
-              </a:rPr>
-              <a:t>	2)</a:t>
-            </a:r>
-            <a:r>
-              <a:rPr lang="zh-CN" altLang="en-US"/>
-              <a:t>运动</a:t>
-            </a:r>
-            <a:r>
-              <a:rPr lang="zh-CN" altLang="en-US" smtClean="0"/>
-              <a:t>模式：</a:t>
-            </a:r>
-            <a:r>
-              <a:rPr lang="zh-CN" altLang="en-US"/>
-              <a:t>同一</a:t>
-            </a:r>
-            <a:r>
-              <a:rPr lang="zh-CN" altLang="en-US" smtClean="0"/>
-              <a:t>道路相同</a:t>
-            </a:r>
-            <a:r>
-              <a:rPr lang="zh-CN" altLang="en-US"/>
-              <a:t>方向行驶</a:t>
-            </a:r>
-            <a:r>
-              <a:rPr lang="zh-CN" altLang="en-US" smtClean="0"/>
-              <a:t>的辆</a:t>
-            </a:r>
-            <a:r>
-              <a:rPr lang="zh-CN" altLang="en-US"/>
-              <a:t>车之间的速度</a:t>
-            </a:r>
-            <a:r>
-              <a:rPr lang="zh-CN" altLang="en-US" smtClean="0"/>
-              <a:t>差小，链路持续时间长。</a:t>
-            </a:r>
-            <a:endParaRPr lang="en-US" altLang="zh-CN" smtClean="0"/>
-          </a:p>
-          <a:p>
-            <a:pPr>
-              <a:lnSpc>
-                <a:spcPct val="150000"/>
-              </a:lnSpc>
-            </a:pPr>
-            <a:r>
-              <a:rPr lang="en-US" altLang="zh-CN"/>
-              <a:t>	</a:t>
-            </a:r>
-            <a:r>
-              <a:rPr lang="en-US" altLang="zh-CN" smtClean="0"/>
-              <a:t>	</a:t>
-            </a:r>
-            <a:r>
-              <a:rPr lang="en-US" altLang="zh-CN">
-                <a:solidFill>
-                  <a:srgbClr val="000000"/>
-                </a:solidFill>
-                <a:latin typeface="+mn-ea"/>
-                <a:ea typeface="+mn-ea"/>
-              </a:rPr>
-              <a:t>3)</a:t>
-            </a:r>
-            <a:r>
-              <a:rPr lang="zh-CN" altLang="en-US">
-                <a:solidFill>
-                  <a:srgbClr val="000000"/>
-                </a:solidFill>
-                <a:latin typeface="+mn-ea"/>
-                <a:ea typeface="+mn-ea"/>
-              </a:rPr>
-              <a:t>能源：车辆有大的电池存储，与驾驶期间消耗能量相比车载系统的能量很小</a:t>
-            </a:r>
-            <a:r>
-              <a:rPr lang="zh-CN" altLang="en-US" smtClean="0">
-                <a:solidFill>
-                  <a:srgbClr val="000000"/>
-                </a:solidFill>
-                <a:latin typeface="+mn-ea"/>
-                <a:ea typeface="+mn-ea"/>
-              </a:rPr>
-              <a:t>。</a:t>
-            </a:r>
-            <a:endParaRPr lang="en-US" altLang="zh-CN" smtClean="0">
+            <a:endParaRPr lang="en-US" altLang="zh-CN" sz="2400" b="1" smtClean="0"/>
+          </a:p>
+          <a:p>
+            <a:r>
+              <a:rPr lang="zh-CN" altLang="en-US" sz="2400" smtClean="0"/>
+              <a:t>在每一个服务区域内都会有一个区域头负责管理和协调同一区域内的所有雾结点。</a:t>
+            </a:r>
+            <a:endParaRPr lang="en-US" altLang="zh-CN" sz="2400" smtClean="0"/>
+          </a:p>
+          <a:p>
+            <a:r>
+              <a:rPr lang="zh-CN" altLang="en-US" sz="2400"/>
+              <a:t>移动雾节点在进入或离开区域时始终通知</a:t>
+            </a:r>
+            <a:r>
+              <a:rPr lang="zh-CN" altLang="en-US" sz="2400"/>
+              <a:t>区域</a:t>
+            </a:r>
+            <a:r>
+              <a:rPr lang="zh-CN" altLang="en-US" sz="2400" smtClean="0"/>
+              <a:t>头，并定期</a:t>
+            </a:r>
+            <a:r>
+              <a:rPr lang="zh-CN" altLang="en-US" sz="2400"/>
+              <a:t>向区域负责人报告他们的移动方向，位置和可用容量。</a:t>
+            </a:r>
+            <a:endParaRPr lang="en-US" altLang="zh-CN" sz="2400" smtClean="0"/>
+          </a:p>
+          <a:p>
+            <a:endParaRPr lang="en-US" altLang="zh-CN" sz="2400" b="1" smtClean="0">
               <a:solidFill>
                 <a:srgbClr val="000000"/>
               </a:solidFill>
-              <a:latin typeface="+mn-ea"/>
-              <a:ea typeface="+mn-ea"/>
+              <a:latin typeface="微软雅黑" panose="020B0503020204020204" pitchFamily="34" charset="-122"/>
+              <a:ea typeface="微软雅黑" panose="020B0503020204020204" pitchFamily="34" charset="-122"/>
             </a:endParaRPr>
-          </a:p>
-          <a:p>
-            <a:pPr>
-              <a:lnSpc>
-                <a:spcPct val="150000"/>
-              </a:lnSpc>
-            </a:pPr>
-            <a:r>
-              <a:rPr lang="en-US" altLang="zh-CN" smtClean="0">
-                <a:solidFill>
-                  <a:srgbClr val="000000"/>
-                </a:solidFill>
-                <a:latin typeface="+mn-ea"/>
-                <a:ea typeface="+mn-ea"/>
-              </a:rPr>
-              <a:t>3.</a:t>
-            </a:r>
-            <a:r>
-              <a:rPr lang="zh-CN" altLang="en-US" smtClean="0">
-                <a:solidFill>
-                  <a:srgbClr val="000000"/>
-                </a:solidFill>
-                <a:latin typeface="+mn-ea"/>
-                <a:ea typeface="+mn-ea"/>
-              </a:rPr>
-              <a:t>卸载和虚拟化：</a:t>
-            </a:r>
-            <a:endParaRPr lang="en-US" altLang="zh-CN" smtClean="0">
-              <a:solidFill>
-                <a:srgbClr val="000000"/>
-              </a:solidFill>
-              <a:latin typeface="+mn-ea"/>
-              <a:ea typeface="+mn-ea"/>
-            </a:endParaRPr>
-          </a:p>
-        </p:txBody>
-      </p:sp>
-      <p:pic>
-        <p:nvPicPr>
-          <p:cNvPr id="3" name="图片 2"/>
-          <p:cNvPicPr>
-            <a:picLocks noChangeAspect="1"/>
-          </p:cNvPicPr>
-          <p:nvPr/>
-        </p:nvPicPr>
-        <p:blipFill>
-          <a:blip r:embed="rId4"/>
-          <a:stretch>
-            <a:fillRect/>
-          </a:stretch>
-        </p:blipFill>
-        <p:spPr>
-          <a:xfrm>
-            <a:off x="4474073" y="3807725"/>
-            <a:ext cx="6989582" cy="2802375"/>
-          </a:xfrm>
-          <a:prstGeom prst="rect">
-            <a:avLst/>
-          </a:prstGeom>
-        </p:spPr>
-      </p:pic>
-      <p:sp>
-        <p:nvSpPr>
-          <p:cNvPr id="4" name="文本框 3"/>
-          <p:cNvSpPr txBox="1"/>
-          <p:nvPr/>
-        </p:nvSpPr>
-        <p:spPr>
-          <a:xfrm>
-            <a:off x="1037229" y="4697686"/>
-            <a:ext cx="3472923" cy="1200329"/>
-          </a:xfrm>
-          <a:prstGeom prst="rect">
-            <a:avLst/>
-          </a:prstGeom>
-          <a:noFill/>
-        </p:spPr>
-        <p:txBody>
-          <a:bodyPr wrap="square" rtlCol="0">
-            <a:spAutoFit/>
-          </a:bodyPr>
-          <a:lstStyle/>
-          <a:p>
-            <a:r>
-              <a:rPr lang="zh-CN" altLang="en-US">
-                <a:solidFill>
-                  <a:srgbClr val="000000"/>
-                </a:solidFill>
-                <a:latin typeface="+mn-ea"/>
-              </a:rPr>
-              <a:t>请求节点将划分</a:t>
-            </a:r>
-            <a:r>
-              <a:rPr lang="en-US" altLang="zh-CN">
-                <a:solidFill>
-                  <a:srgbClr val="000000"/>
-                </a:solidFill>
-                <a:latin typeface="+mn-ea"/>
-              </a:rPr>
-              <a:t>job</a:t>
-            </a:r>
-            <a:r>
-              <a:rPr lang="zh-CN" altLang="en-US">
-                <a:solidFill>
-                  <a:srgbClr val="000000"/>
-                </a:solidFill>
-                <a:latin typeface="+mn-ea"/>
-              </a:rPr>
-              <a:t>并提交到</a:t>
-            </a:r>
-            <a:r>
-              <a:rPr lang="en-US" altLang="zh-CN">
-                <a:solidFill>
-                  <a:srgbClr val="000000"/>
-                </a:solidFill>
-                <a:latin typeface="+mn-ea"/>
-              </a:rPr>
-              <a:t>AVE</a:t>
-            </a:r>
-            <a:r>
-              <a:rPr lang="zh-CN" altLang="en-US">
-                <a:solidFill>
-                  <a:srgbClr val="000000"/>
-                </a:solidFill>
-                <a:latin typeface="+mn-ea"/>
-              </a:rPr>
-              <a:t>，</a:t>
-            </a:r>
-            <a:r>
-              <a:rPr lang="en-US" altLang="zh-CN">
-                <a:solidFill>
-                  <a:srgbClr val="000000"/>
-                </a:solidFill>
-                <a:latin typeface="+mn-ea"/>
-              </a:rPr>
-              <a:t>AVE</a:t>
-            </a:r>
-            <a:r>
-              <a:rPr lang="zh-CN" altLang="en-US">
-                <a:solidFill>
-                  <a:srgbClr val="000000"/>
-                </a:solidFill>
-                <a:latin typeface="+mn-ea"/>
-              </a:rPr>
-              <a:t>卸载到一个处理结点，</a:t>
-            </a:r>
-            <a:r>
-              <a:rPr lang="zh-CN" altLang="en-US" smtClean="0">
-                <a:solidFill>
-                  <a:srgbClr val="000000"/>
-                </a:solidFill>
-                <a:latin typeface="+mn-ea"/>
-              </a:rPr>
-              <a:t>处理节点</a:t>
-            </a:r>
-            <a:r>
-              <a:rPr lang="zh-CN" altLang="en-US">
-                <a:solidFill>
-                  <a:srgbClr val="000000"/>
-                </a:solidFill>
-                <a:latin typeface="+mn-ea"/>
-              </a:rPr>
-              <a:t>的</a:t>
-            </a:r>
-            <a:r>
-              <a:rPr lang="en-US" altLang="zh-CN">
-                <a:solidFill>
-                  <a:srgbClr val="000000"/>
-                </a:solidFill>
-                <a:latin typeface="+mn-ea"/>
-              </a:rPr>
-              <a:t>AVE</a:t>
-            </a:r>
-            <a:r>
-              <a:rPr lang="zh-CN" altLang="en-US">
-                <a:solidFill>
-                  <a:srgbClr val="000000"/>
-                </a:solidFill>
-                <a:latin typeface="+mn-ea"/>
-              </a:rPr>
-              <a:t>会设置一个</a:t>
-            </a:r>
-            <a:r>
-              <a:rPr lang="en-US" altLang="zh-CN">
-                <a:solidFill>
-                  <a:srgbClr val="000000"/>
-                </a:solidFill>
-                <a:latin typeface="+mn-ea"/>
-              </a:rPr>
-              <a:t>VM</a:t>
-            </a:r>
-            <a:r>
-              <a:rPr lang="zh-CN" altLang="en-US">
-                <a:solidFill>
-                  <a:srgbClr val="000000"/>
-                </a:solidFill>
-                <a:latin typeface="+mn-ea"/>
-              </a:rPr>
-              <a:t>处理</a:t>
-            </a:r>
-            <a:r>
-              <a:rPr lang="en-US" altLang="zh-CN" smtClean="0">
-                <a:solidFill>
-                  <a:srgbClr val="000000"/>
-                </a:solidFill>
-                <a:latin typeface="+mn-ea"/>
-              </a:rPr>
-              <a:t>job</a:t>
-            </a:r>
-            <a:r>
-              <a:rPr lang="zh-CN" altLang="en-US" smtClean="0">
-                <a:solidFill>
-                  <a:srgbClr val="000000"/>
-                </a:solidFill>
-                <a:latin typeface="+mn-ea"/>
-              </a:rPr>
-              <a:t>。</a:t>
-            </a:r>
-            <a:endParaRPr lang="en-US" altLang="zh-CN" smtClean="0">
-              <a:solidFill>
-                <a:srgbClr val="000000"/>
-              </a:solidFill>
-              <a:latin typeface="+mn-ea"/>
-            </a:endParaRPr>
-          </a:p>
-          <a:p>
-            <a:endParaRPr lang="zh-CN" altLang="en-US"/>
           </a:p>
         </p:txBody>
       </p:sp>
@@ -7424,6 +7703,3692 @@
 </file>
 
 <file path=ppt/slides/slide4.xml><?xml version="1.0" encoding="utf-8"?>
+<p:sld xmlns:a="http://schemas.openxmlformats.org/drawingml/2006/main" xmlns:r="http://schemas.openxmlformats.org/officeDocument/2006/relationships" xmlns:p="http://schemas.openxmlformats.org/presentationml/2006/main">
+  <p:cSld>
+    <p:spTree>
+      <p:nvGrpSpPr>
+        <p:cNvPr id="1" name=""/>
+        <p:cNvGrpSpPr/>
+        <p:nvPr/>
+      </p:nvGrpSpPr>
+      <p:grpSpPr>
+        <a:xfrm>
+          <a:off x="0" y="0"/>
+          <a:ext cx="0" cy="0"/>
+          <a:chOff x="0" y="0"/>
+          <a:chExt cx="0" cy="0"/>
+        </a:xfrm>
+      </p:grpSpPr>
+      <p:pic>
+        <p:nvPicPr>
+          <p:cNvPr id="5122" name="图片 1"/>
+          <p:cNvPicPr>
+            <a:picLocks noChangeAspect="1" noChangeArrowheads="1"/>
+          </p:cNvPicPr>
+          <p:nvPr/>
+        </p:nvPicPr>
+        <p:blipFill>
+          <a:blip r:embed="rId3">
+            <a:extLst>
+              <a:ext uri="{28A0092B-C50C-407E-A947-70E740481C1C}">
+                <a14:useLocalDpi xmlns:a14="http://schemas.microsoft.com/office/drawing/2010/main" val="0"/>
+              </a:ext>
+            </a:extLst>
+          </a:blip>
+          <a:srcRect/>
+          <a:stretch>
+            <a:fillRect/>
+          </a:stretch>
+        </p:blipFill>
+        <p:spPr bwMode="auto">
+          <a:xfrm>
+            <a:off x="0" y="0"/>
+            <a:ext cx="12192000" cy="6858000"/>
+          </a:xfrm>
+          <a:prstGeom prst="rect">
+            <a:avLst/>
+          </a:prstGeom>
+          <a:noFill/>
+          <a:ln>
+            <a:noFill/>
+          </a:ln>
+          <a:extLst>
+            <a:ext uri="{909E8E84-426E-40DD-AFC4-6F175D3DCCD1}">
+              <a14:hiddenFill xmlns:a14="http://schemas.microsoft.com/office/drawing/2010/main">
+                <a:solidFill>
+                  <a:srgbClr val="FFFFFF"/>
+                </a:solidFill>
+              </a14:hiddenFill>
+            </a:ext>
+            <a:ext uri="{91240B29-F687-4F45-9708-019B960494DF}">
+              <a14:hiddenLine xmlns:a14="http://schemas.microsoft.com/office/drawing/2010/main" w="9525">
+                <a:solidFill>
+                  <a:srgbClr val="000000"/>
+                </a:solidFill>
+                <a:miter lim="800000"/>
+                <a:headEnd/>
+                <a:tailEnd/>
+              </a14:hiddenLine>
+            </a:ext>
+          </a:extLst>
+        </p:spPr>
+      </p:pic>
+      <p:sp>
+        <p:nvSpPr>
+          <p:cNvPr id="5124" name="平行四边形 14"/>
+          <p:cNvSpPr>
+            <a:spLocks noChangeArrowheads="1"/>
+          </p:cNvSpPr>
+          <p:nvPr/>
+        </p:nvSpPr>
+        <p:spPr bwMode="auto">
+          <a:xfrm>
+            <a:off x="728980" y="1125855"/>
+            <a:ext cx="10734675" cy="5198745"/>
+          </a:xfrm>
+          <a:prstGeom prst="parallelogram">
+            <a:avLst>
+              <a:gd name="adj" fmla="val 0"/>
+            </a:avLst>
+          </a:prstGeom>
+          <a:noFill/>
+          <a:ln w="12700">
+            <a:solidFill>
+              <a:srgbClr val="3B87D5"/>
+            </a:solidFill>
+            <a:bevel/>
+          </a:ln>
+          <a:extLst>
+            <a:ext uri="{909E8E84-426E-40DD-AFC4-6F175D3DCCD1}">
+              <a14:hiddenFill xmlns:a14="http://schemas.microsoft.com/office/drawing/2010/main">
+                <a:solidFill>
+                  <a:srgbClr val="FFFFFF"/>
+                </a:solidFill>
+              </a14:hiddenFill>
+            </a:ext>
+          </a:extLst>
+        </p:spPr>
+        <p:txBody>
+          <a:bodyPr anchor="ctr"/>
+          <a:lstStyle/>
+          <a:p>
+            <a:pPr algn="ctr"/>
+            <a:endParaRPr lang="zh-CN" altLang="zh-CN">
+              <a:solidFill>
+                <a:srgbClr val="FFFFFF"/>
+              </a:solidFill>
+              <a:latin typeface="宋体" panose="02010600030101010101" pitchFamily="2" charset="-122"/>
+              <a:sym typeface="宋体" panose="02010600030101010101" pitchFamily="2" charset="-122"/>
+            </a:endParaRPr>
+          </a:p>
+        </p:txBody>
+      </p:sp>
+      <p:grpSp>
+        <p:nvGrpSpPr>
+          <p:cNvPr id="5129" name="Group 15"/>
+          <p:cNvGrpSpPr/>
+          <p:nvPr/>
+        </p:nvGrpSpPr>
+        <p:grpSpPr bwMode="auto">
+          <a:xfrm>
+            <a:off x="11610975" y="184150"/>
+            <a:ext cx="581025" cy="596900"/>
+            <a:chOff x="0" y="0"/>
+            <a:chExt cx="1027113" cy="1057275"/>
+          </a:xfrm>
+        </p:grpSpPr>
+        <p:sp>
+          <p:nvSpPr>
+            <p:cNvPr id="5131" name="Freeform 40"/>
+            <p:cNvSpPr>
+              <a:spLocks noChangeArrowheads="1"/>
+            </p:cNvSpPr>
+            <p:nvPr/>
+          </p:nvSpPr>
+          <p:spPr bwMode="auto">
+            <a:xfrm flipH="1">
+              <a:off x="76200" y="90487"/>
+              <a:ext cx="950913" cy="966788"/>
+            </a:xfrm>
+            <a:custGeom>
+              <a:avLst/>
+              <a:gdLst>
+                <a:gd name="T0" fmla="*/ 2147483647 w 367"/>
+                <a:gd name="T1" fmla="*/ 0 h 373"/>
+                <a:gd name="T2" fmla="*/ 0 w 367"/>
+                <a:gd name="T3" fmla="*/ 2147483647 h 373"/>
+                <a:gd name="T4" fmla="*/ 0 w 367"/>
+                <a:gd name="T5" fmla="*/ 2147483647 h 373"/>
+                <a:gd name="T6" fmla="*/ 2147483647 w 367"/>
+                <a:gd name="T7" fmla="*/ 2147483647 h 373"/>
+                <a:gd name="T8" fmla="*/ 2147483647 w 367"/>
+                <a:gd name="T9" fmla="*/ 2147483647 h 373"/>
+                <a:gd name="T10" fmla="*/ 2147483647 w 367"/>
+                <a:gd name="T11" fmla="*/ 2147483647 h 373"/>
+                <a:gd name="T12" fmla="*/ 2147483647 w 367"/>
+                <a:gd name="T13" fmla="*/ 2147483647 h 373"/>
+                <a:gd name="T14" fmla="*/ 2147483647 w 367"/>
+                <a:gd name="T15" fmla="*/ 0 h 373"/>
+                <a:gd name="T16" fmla="*/ 0 60000 65536"/>
+                <a:gd name="T17" fmla="*/ 0 60000 65536"/>
+                <a:gd name="T18" fmla="*/ 0 60000 65536"/>
+                <a:gd name="T19" fmla="*/ 0 60000 65536"/>
+                <a:gd name="T20" fmla="*/ 0 60000 65536"/>
+                <a:gd name="T21" fmla="*/ 0 60000 65536"/>
+                <a:gd name="T22" fmla="*/ 0 60000 65536"/>
+                <a:gd name="T23" fmla="*/ 0 60000 65536"/>
+                <a:gd name="T24" fmla="*/ 0 w 367"/>
+                <a:gd name="T25" fmla="*/ 0 h 373"/>
+                <a:gd name="T26" fmla="*/ 367 w 367"/>
+                <a:gd name="T27" fmla="*/ 373 h 373"/>
+              </a:gdLst>
+              <a:ahLst/>
+              <a:cxnLst>
+                <a:cxn ang="T16">
+                  <a:pos x="T0" y="T1"/>
+                </a:cxn>
+                <a:cxn ang="T17">
+                  <a:pos x="T2" y="T3"/>
+                </a:cxn>
+                <a:cxn ang="T18">
+                  <a:pos x="T4" y="T5"/>
+                </a:cxn>
+                <a:cxn ang="T19">
+                  <a:pos x="T6" y="T7"/>
+                </a:cxn>
+                <a:cxn ang="T20">
+                  <a:pos x="T8" y="T9"/>
+                </a:cxn>
+                <a:cxn ang="T21">
+                  <a:pos x="T10" y="T11"/>
+                </a:cxn>
+                <a:cxn ang="T22">
+                  <a:pos x="T12" y="T13"/>
+                </a:cxn>
+                <a:cxn ang="T23">
+                  <a:pos x="T14" y="T15"/>
+                </a:cxn>
+              </a:cxnLst>
+              <a:rect l="T24" t="T25" r="T26" b="T27"/>
+              <a:pathLst>
+                <a:path w="367" h="373">
+                  <a:moveTo>
+                    <a:pt x="181" y="0"/>
+                  </a:moveTo>
+                  <a:cubicBezTo>
+                    <a:pt x="0" y="180"/>
+                    <a:pt x="0" y="180"/>
+                    <a:pt x="0" y="180"/>
+                  </a:cubicBezTo>
+                  <a:cubicBezTo>
+                    <a:pt x="0" y="333"/>
+                    <a:pt x="0" y="333"/>
+                    <a:pt x="0" y="333"/>
+                  </a:cubicBezTo>
+                  <a:cubicBezTo>
+                    <a:pt x="0" y="355"/>
+                    <a:pt x="18" y="373"/>
+                    <a:pt x="40" y="373"/>
+                  </a:cubicBezTo>
+                  <a:cubicBezTo>
+                    <a:pt x="168" y="373"/>
+                    <a:pt x="168" y="373"/>
+                    <a:pt x="168" y="373"/>
+                  </a:cubicBezTo>
+                  <a:cubicBezTo>
+                    <a:pt x="367" y="174"/>
+                    <a:pt x="367" y="174"/>
+                    <a:pt x="367" y="174"/>
+                  </a:cubicBezTo>
+                  <a:cubicBezTo>
+                    <a:pt x="350" y="16"/>
+                    <a:pt x="350" y="16"/>
+                    <a:pt x="350" y="16"/>
+                  </a:cubicBezTo>
+                  <a:cubicBezTo>
+                    <a:pt x="181" y="0"/>
+                    <a:pt x="181" y="0"/>
+                    <a:pt x="181" y="0"/>
+                  </a:cubicBezTo>
+                </a:path>
+              </a:pathLst>
+            </a:custGeom>
+            <a:solidFill>
+              <a:srgbClr val="3B87D5"/>
+            </a:solidFill>
+            <a:ln>
+              <a:noFill/>
+            </a:ln>
+            <a:extLst>
+              <a:ext uri="{91240B29-F687-4F45-9708-019B960494DF}">
+                <a14:hiddenLine xmlns:a14="http://schemas.microsoft.com/office/drawing/2010/main" w="9525">
+                  <a:solidFill>
+                    <a:srgbClr val="000000"/>
+                  </a:solidFill>
+                  <a:bevel/>
+                </a14:hiddenLine>
+              </a:ext>
+            </a:extLst>
+          </p:spPr>
+          <p:txBody>
+            <a:bodyPr/>
+            <a:lstStyle/>
+            <a:p>
+              <a:endParaRPr lang="zh-CN" altLang="en-US"/>
+            </a:p>
+          </p:txBody>
+        </p:sp>
+        <p:sp>
+          <p:nvSpPr>
+            <p:cNvPr id="5132" name="Freeform 41"/>
+            <p:cNvSpPr>
+              <a:spLocks noEditPoints="1" noChangeArrowheads="1"/>
+            </p:cNvSpPr>
+            <p:nvPr/>
+          </p:nvSpPr>
+          <p:spPr bwMode="auto">
+            <a:xfrm>
+              <a:off x="0" y="0"/>
+              <a:ext cx="663575" cy="663575"/>
+            </a:xfrm>
+            <a:custGeom>
+              <a:avLst/>
+              <a:gdLst>
+                <a:gd name="T0" fmla="*/ 2147483647 w 256"/>
+                <a:gd name="T1" fmla="*/ 0 h 256"/>
+                <a:gd name="T2" fmla="*/ 0 w 256"/>
+                <a:gd name="T3" fmla="*/ 2147483647 h 256"/>
+                <a:gd name="T4" fmla="*/ 2147483647 w 256"/>
+                <a:gd name="T5" fmla="*/ 2147483647 h 256"/>
+                <a:gd name="T6" fmla="*/ 2147483647 w 256"/>
+                <a:gd name="T7" fmla="*/ 2147483647 h 256"/>
+                <a:gd name="T8" fmla="*/ 2147483647 w 256"/>
+                <a:gd name="T9" fmla="*/ 0 h 256"/>
+                <a:gd name="T10" fmla="*/ 2147483647 w 256"/>
+                <a:gd name="T11" fmla="*/ 2147483647 h 256"/>
+                <a:gd name="T12" fmla="*/ 2147483647 w 256"/>
+                <a:gd name="T13" fmla="*/ 2147483647 h 256"/>
+                <a:gd name="T14" fmla="*/ 2147483647 w 256"/>
+                <a:gd name="T15" fmla="*/ 2147483647 h 256"/>
+                <a:gd name="T16" fmla="*/ 2147483647 w 256"/>
+                <a:gd name="T17" fmla="*/ 2147483647 h 256"/>
+                <a:gd name="T18" fmla="*/ 2147483647 w 256"/>
+                <a:gd name="T19" fmla="*/ 2147483647 h 256"/>
+                <a:gd name="T20" fmla="*/ 2147483647 w 256"/>
+                <a:gd name="T21" fmla="*/ 2147483647 h 256"/>
+                <a:gd name="T22" fmla="*/ 2147483647 w 256"/>
+                <a:gd name="T23" fmla="*/ 2147483647 h 256"/>
+                <a:gd name="T24" fmla="*/ 2147483647 w 256"/>
+                <a:gd name="T25" fmla="*/ 2147483647 h 256"/>
+                <a:gd name="T26" fmla="*/ 2147483647 w 256"/>
+                <a:gd name="T27" fmla="*/ 2147483647 h 256"/>
+                <a:gd name="T28" fmla="*/ 2147483647 w 256"/>
+                <a:gd name="T29" fmla="*/ 2147483647 h 256"/>
+                <a:gd name="T30" fmla="*/ 2147483647 w 256"/>
+                <a:gd name="T31" fmla="*/ 2147483647 h 256"/>
+                <a:gd name="T32" fmla="*/ 2147483647 w 256"/>
+                <a:gd name="T33" fmla="*/ 2147483647 h 256"/>
+                <a:gd name="T34" fmla="*/ 2147483647 w 256"/>
+                <a:gd name="T35" fmla="*/ 2147483647 h 256"/>
+                <a:gd name="T36" fmla="*/ 2147483647 w 256"/>
+                <a:gd name="T37" fmla="*/ 2147483647 h 256"/>
+                <a:gd name="T38" fmla="*/ 2147483647 w 256"/>
+                <a:gd name="T39" fmla="*/ 2147483647 h 256"/>
+                <a:gd name="T40" fmla="*/ 2147483647 w 256"/>
+                <a:gd name="T41" fmla="*/ 2147483647 h 256"/>
+                <a:gd name="T42" fmla="*/ 2147483647 w 256"/>
+                <a:gd name="T43" fmla="*/ 2147483647 h 256"/>
+                <a:gd name="T44" fmla="*/ 2147483647 w 256"/>
+                <a:gd name="T45" fmla="*/ 2147483647 h 256"/>
+                <a:gd name="T46" fmla="*/ 2147483647 w 256"/>
+                <a:gd name="T47" fmla="*/ 2147483647 h 256"/>
+                <a:gd name="T48" fmla="*/ 2147483647 w 256"/>
+                <a:gd name="T49" fmla="*/ 2147483647 h 256"/>
+                <a:gd name="T50" fmla="*/ 2147483647 w 256"/>
+                <a:gd name="T51" fmla="*/ 2147483647 h 256"/>
+                <a:gd name="T52" fmla="*/ 2147483647 w 256"/>
+                <a:gd name="T53" fmla="*/ 2147483647 h 256"/>
+                <a:gd name="T54" fmla="*/ 2147483647 w 256"/>
+                <a:gd name="T55" fmla="*/ 2147483647 h 256"/>
+                <a:gd name="T56" fmla="*/ 2147483647 w 256"/>
+                <a:gd name="T57" fmla="*/ 2147483647 h 256"/>
+                <a:gd name="T58" fmla="*/ 2147483647 w 256"/>
+                <a:gd name="T59" fmla="*/ 2147483647 h 256"/>
+                <a:gd name="T60" fmla="*/ 2147483647 w 256"/>
+                <a:gd name="T61" fmla="*/ 2147483647 h 256"/>
+                <a:gd name="T62" fmla="*/ 2147483647 w 256"/>
+                <a:gd name="T63" fmla="*/ 2147483647 h 256"/>
+                <a:gd name="T64" fmla="*/ 2147483647 w 256"/>
+                <a:gd name="T65" fmla="*/ 2147483647 h 256"/>
+                <a:gd name="T66" fmla="*/ 2147483647 w 256"/>
+                <a:gd name="T67" fmla="*/ 2147483647 h 256"/>
+                <a:gd name="T68" fmla="*/ 2147483647 w 256"/>
+                <a:gd name="T69" fmla="*/ 2147483647 h 256"/>
+                <a:gd name="T70" fmla="*/ 2147483647 w 256"/>
+                <a:gd name="T71" fmla="*/ 2147483647 h 256"/>
+                <a:gd name="T72" fmla="*/ 2147483647 w 256"/>
+                <a:gd name="T73" fmla="*/ 2147483647 h 256"/>
+                <a:gd name="T74" fmla="*/ 2147483647 w 256"/>
+                <a:gd name="T75" fmla="*/ 2147483647 h 256"/>
+                <a:gd name="T76" fmla="*/ 2147483647 w 256"/>
+                <a:gd name="T77" fmla="*/ 2147483647 h 256"/>
+                <a:gd name="T78" fmla="*/ 2147483647 w 256"/>
+                <a:gd name="T79" fmla="*/ 2147483647 h 256"/>
+                <a:gd name="T80" fmla="*/ 2147483647 w 256"/>
+                <a:gd name="T81" fmla="*/ 2147483647 h 256"/>
+                <a:gd name="T82" fmla="*/ 2147483647 w 256"/>
+                <a:gd name="T83" fmla="*/ 2147483647 h 256"/>
+                <a:gd name="T84" fmla="*/ 0 60000 65536"/>
+                <a:gd name="T85" fmla="*/ 0 60000 65536"/>
+                <a:gd name="T86" fmla="*/ 0 60000 65536"/>
+                <a:gd name="T87" fmla="*/ 0 60000 65536"/>
+                <a:gd name="T88" fmla="*/ 0 60000 65536"/>
+                <a:gd name="T89" fmla="*/ 0 60000 65536"/>
+                <a:gd name="T90" fmla="*/ 0 60000 65536"/>
+                <a:gd name="T91" fmla="*/ 0 60000 65536"/>
+                <a:gd name="T92" fmla="*/ 0 60000 65536"/>
+                <a:gd name="T93" fmla="*/ 0 60000 65536"/>
+                <a:gd name="T94" fmla="*/ 0 60000 65536"/>
+                <a:gd name="T95" fmla="*/ 0 60000 65536"/>
+                <a:gd name="T96" fmla="*/ 0 60000 65536"/>
+                <a:gd name="T97" fmla="*/ 0 60000 65536"/>
+                <a:gd name="T98" fmla="*/ 0 60000 65536"/>
+                <a:gd name="T99" fmla="*/ 0 60000 65536"/>
+                <a:gd name="T100" fmla="*/ 0 60000 65536"/>
+                <a:gd name="T101" fmla="*/ 0 60000 65536"/>
+                <a:gd name="T102" fmla="*/ 0 60000 65536"/>
+                <a:gd name="T103" fmla="*/ 0 60000 65536"/>
+                <a:gd name="T104" fmla="*/ 0 60000 65536"/>
+                <a:gd name="T105" fmla="*/ 0 60000 65536"/>
+                <a:gd name="T106" fmla="*/ 0 60000 65536"/>
+                <a:gd name="T107" fmla="*/ 0 60000 65536"/>
+                <a:gd name="T108" fmla="*/ 0 60000 65536"/>
+                <a:gd name="T109" fmla="*/ 0 60000 65536"/>
+                <a:gd name="T110" fmla="*/ 0 60000 65536"/>
+                <a:gd name="T111" fmla="*/ 0 60000 65536"/>
+                <a:gd name="T112" fmla="*/ 0 60000 65536"/>
+                <a:gd name="T113" fmla="*/ 0 60000 65536"/>
+                <a:gd name="T114" fmla="*/ 0 60000 65536"/>
+                <a:gd name="T115" fmla="*/ 0 60000 65536"/>
+                <a:gd name="T116" fmla="*/ 0 60000 65536"/>
+                <a:gd name="T117" fmla="*/ 0 60000 65536"/>
+                <a:gd name="T118" fmla="*/ 0 60000 65536"/>
+                <a:gd name="T119" fmla="*/ 0 60000 65536"/>
+                <a:gd name="T120" fmla="*/ 0 60000 65536"/>
+                <a:gd name="T121" fmla="*/ 0 60000 65536"/>
+                <a:gd name="T122" fmla="*/ 0 60000 65536"/>
+                <a:gd name="T123" fmla="*/ 0 60000 65536"/>
+                <a:gd name="T124" fmla="*/ 0 60000 65536"/>
+                <a:gd name="T125" fmla="*/ 0 60000 65536"/>
+                <a:gd name="T126" fmla="*/ 0 w 256"/>
+                <a:gd name="T127" fmla="*/ 0 h 256"/>
+                <a:gd name="T128" fmla="*/ 256 w 256"/>
+                <a:gd name="T129" fmla="*/ 256 h 256"/>
+              </a:gdLst>
+              <a:ahLst/>
+              <a:cxnLst>
+                <a:cxn ang="T84">
+                  <a:pos x="T0" y="T1"/>
+                </a:cxn>
+                <a:cxn ang="T85">
+                  <a:pos x="T2" y="T3"/>
+                </a:cxn>
+                <a:cxn ang="T86">
+                  <a:pos x="T4" y="T5"/>
+                </a:cxn>
+                <a:cxn ang="T87">
+                  <a:pos x="T6" y="T7"/>
+                </a:cxn>
+                <a:cxn ang="T88">
+                  <a:pos x="T8" y="T9"/>
+                </a:cxn>
+                <a:cxn ang="T89">
+                  <a:pos x="T10" y="T11"/>
+                </a:cxn>
+                <a:cxn ang="T90">
+                  <a:pos x="T12" y="T13"/>
+                </a:cxn>
+                <a:cxn ang="T91">
+                  <a:pos x="T14" y="T15"/>
+                </a:cxn>
+                <a:cxn ang="T92">
+                  <a:pos x="T16" y="T17"/>
+                </a:cxn>
+                <a:cxn ang="T93">
+                  <a:pos x="T18" y="T19"/>
+                </a:cxn>
+                <a:cxn ang="T94">
+                  <a:pos x="T20" y="T21"/>
+                </a:cxn>
+                <a:cxn ang="T95">
+                  <a:pos x="T22" y="T23"/>
+                </a:cxn>
+                <a:cxn ang="T96">
+                  <a:pos x="T24" y="T25"/>
+                </a:cxn>
+                <a:cxn ang="T97">
+                  <a:pos x="T26" y="T27"/>
+                </a:cxn>
+                <a:cxn ang="T98">
+                  <a:pos x="T28" y="T29"/>
+                </a:cxn>
+                <a:cxn ang="T99">
+                  <a:pos x="T30" y="T31"/>
+                </a:cxn>
+                <a:cxn ang="T100">
+                  <a:pos x="T32" y="T33"/>
+                </a:cxn>
+                <a:cxn ang="T101">
+                  <a:pos x="T34" y="T35"/>
+                </a:cxn>
+                <a:cxn ang="T102">
+                  <a:pos x="T36" y="T37"/>
+                </a:cxn>
+                <a:cxn ang="T103">
+                  <a:pos x="T38" y="T39"/>
+                </a:cxn>
+                <a:cxn ang="T104">
+                  <a:pos x="T40" y="T41"/>
+                </a:cxn>
+                <a:cxn ang="T105">
+                  <a:pos x="T42" y="T43"/>
+                </a:cxn>
+                <a:cxn ang="T106">
+                  <a:pos x="T44" y="T45"/>
+                </a:cxn>
+                <a:cxn ang="T107">
+                  <a:pos x="T46" y="T47"/>
+                </a:cxn>
+                <a:cxn ang="T108">
+                  <a:pos x="T48" y="T49"/>
+                </a:cxn>
+                <a:cxn ang="T109">
+                  <a:pos x="T50" y="T51"/>
+                </a:cxn>
+                <a:cxn ang="T110">
+                  <a:pos x="T52" y="T53"/>
+                </a:cxn>
+                <a:cxn ang="T111">
+                  <a:pos x="T54" y="T55"/>
+                </a:cxn>
+                <a:cxn ang="T112">
+                  <a:pos x="T56" y="T57"/>
+                </a:cxn>
+                <a:cxn ang="T113">
+                  <a:pos x="T58" y="T59"/>
+                </a:cxn>
+                <a:cxn ang="T114">
+                  <a:pos x="T60" y="T61"/>
+                </a:cxn>
+                <a:cxn ang="T115">
+                  <a:pos x="T62" y="T63"/>
+                </a:cxn>
+                <a:cxn ang="T116">
+                  <a:pos x="T64" y="T65"/>
+                </a:cxn>
+                <a:cxn ang="T117">
+                  <a:pos x="T66" y="T67"/>
+                </a:cxn>
+                <a:cxn ang="T118">
+                  <a:pos x="T68" y="T69"/>
+                </a:cxn>
+                <a:cxn ang="T119">
+                  <a:pos x="T70" y="T71"/>
+                </a:cxn>
+                <a:cxn ang="T120">
+                  <a:pos x="T72" y="T73"/>
+                </a:cxn>
+                <a:cxn ang="T121">
+                  <a:pos x="T74" y="T75"/>
+                </a:cxn>
+                <a:cxn ang="T122">
+                  <a:pos x="T76" y="T77"/>
+                </a:cxn>
+                <a:cxn ang="T123">
+                  <a:pos x="T78" y="T79"/>
+                </a:cxn>
+                <a:cxn ang="T124">
+                  <a:pos x="T80" y="T81"/>
+                </a:cxn>
+                <a:cxn ang="T125">
+                  <a:pos x="T82" y="T83"/>
+                </a:cxn>
+              </a:cxnLst>
+              <a:rect l="T126" t="T127" r="T128" b="T129"/>
+              <a:pathLst>
+                <a:path w="256" h="256">
+                  <a:moveTo>
+                    <a:pt x="128" y="0"/>
+                  </a:moveTo>
+                  <a:cubicBezTo>
+                    <a:pt x="57" y="0"/>
+                    <a:pt x="0" y="57"/>
+                    <a:pt x="0" y="128"/>
+                  </a:cubicBezTo>
+                  <a:cubicBezTo>
+                    <a:pt x="0" y="199"/>
+                    <a:pt x="57" y="256"/>
+                    <a:pt x="128" y="256"/>
+                  </a:cubicBezTo>
+                  <a:cubicBezTo>
+                    <a:pt x="199" y="256"/>
+                    <a:pt x="256" y="199"/>
+                    <a:pt x="256" y="128"/>
+                  </a:cubicBezTo>
+                  <a:cubicBezTo>
+                    <a:pt x="256" y="57"/>
+                    <a:pt x="199" y="0"/>
+                    <a:pt x="128" y="0"/>
+                  </a:cubicBezTo>
+                  <a:close/>
+                  <a:moveTo>
+                    <a:pt x="135" y="200"/>
+                  </a:moveTo>
+                  <a:cubicBezTo>
+                    <a:pt x="119" y="200"/>
+                    <a:pt x="119" y="200"/>
+                    <a:pt x="119" y="200"/>
+                  </a:cubicBezTo>
+                  <a:cubicBezTo>
+                    <a:pt x="115" y="200"/>
+                    <a:pt x="112" y="196"/>
+                    <a:pt x="112" y="192"/>
+                  </a:cubicBezTo>
+                  <a:cubicBezTo>
+                    <a:pt x="111" y="176"/>
+                    <a:pt x="111" y="176"/>
+                    <a:pt x="111" y="176"/>
+                  </a:cubicBezTo>
+                  <a:cubicBezTo>
+                    <a:pt x="111" y="171"/>
+                    <a:pt x="115" y="168"/>
+                    <a:pt x="119" y="168"/>
+                  </a:cubicBezTo>
+                  <a:cubicBezTo>
+                    <a:pt x="135" y="168"/>
+                    <a:pt x="135" y="168"/>
+                    <a:pt x="135" y="168"/>
+                  </a:cubicBezTo>
+                  <a:cubicBezTo>
+                    <a:pt x="140" y="168"/>
+                    <a:pt x="143" y="172"/>
+                    <a:pt x="143" y="176"/>
+                  </a:cubicBezTo>
+                  <a:cubicBezTo>
+                    <a:pt x="144" y="192"/>
+                    <a:pt x="144" y="192"/>
+                    <a:pt x="144" y="192"/>
+                  </a:cubicBezTo>
+                  <a:cubicBezTo>
+                    <a:pt x="144" y="196"/>
+                    <a:pt x="140" y="200"/>
+                    <a:pt x="135" y="200"/>
+                  </a:cubicBezTo>
+                  <a:close/>
+                  <a:moveTo>
+                    <a:pt x="170" y="109"/>
+                  </a:moveTo>
+                  <a:cubicBezTo>
+                    <a:pt x="167" y="114"/>
+                    <a:pt x="162" y="119"/>
+                    <a:pt x="154" y="125"/>
+                  </a:cubicBezTo>
+                  <a:cubicBezTo>
+                    <a:pt x="148" y="130"/>
+                    <a:pt x="146" y="132"/>
+                    <a:pt x="145" y="132"/>
+                  </a:cubicBezTo>
+                  <a:cubicBezTo>
+                    <a:pt x="145" y="133"/>
+                    <a:pt x="144" y="134"/>
+                    <a:pt x="144" y="135"/>
+                  </a:cubicBezTo>
+                  <a:cubicBezTo>
+                    <a:pt x="143" y="136"/>
+                    <a:pt x="143" y="138"/>
+                    <a:pt x="143" y="144"/>
+                  </a:cubicBezTo>
+                  <a:cubicBezTo>
+                    <a:pt x="143" y="149"/>
+                    <a:pt x="139" y="152"/>
+                    <a:pt x="135" y="152"/>
+                  </a:cubicBezTo>
+                  <a:cubicBezTo>
+                    <a:pt x="120" y="152"/>
+                    <a:pt x="120" y="152"/>
+                    <a:pt x="120" y="152"/>
+                  </a:cubicBezTo>
+                  <a:cubicBezTo>
+                    <a:pt x="116" y="152"/>
+                    <a:pt x="112" y="149"/>
+                    <a:pt x="112" y="144"/>
+                  </a:cubicBezTo>
+                  <a:cubicBezTo>
+                    <a:pt x="112" y="140"/>
+                    <a:pt x="112" y="140"/>
+                    <a:pt x="112" y="140"/>
+                  </a:cubicBezTo>
+                  <a:cubicBezTo>
+                    <a:pt x="112" y="134"/>
+                    <a:pt x="113" y="129"/>
+                    <a:pt x="115" y="124"/>
+                  </a:cubicBezTo>
+                  <a:cubicBezTo>
+                    <a:pt x="117" y="120"/>
+                    <a:pt x="119" y="117"/>
+                    <a:pt x="123" y="113"/>
+                  </a:cubicBezTo>
+                  <a:cubicBezTo>
+                    <a:pt x="125" y="111"/>
+                    <a:pt x="129" y="108"/>
+                    <a:pt x="134" y="104"/>
+                  </a:cubicBezTo>
+                  <a:cubicBezTo>
+                    <a:pt x="141" y="99"/>
+                    <a:pt x="142" y="97"/>
+                    <a:pt x="143" y="96"/>
+                  </a:cubicBezTo>
+                  <a:cubicBezTo>
+                    <a:pt x="144" y="95"/>
+                    <a:pt x="144" y="94"/>
+                    <a:pt x="144" y="93"/>
+                  </a:cubicBezTo>
+                  <a:cubicBezTo>
+                    <a:pt x="144" y="92"/>
+                    <a:pt x="143" y="89"/>
+                    <a:pt x="140" y="86"/>
+                  </a:cubicBezTo>
+                  <a:cubicBezTo>
+                    <a:pt x="137" y="84"/>
+                    <a:pt x="132" y="83"/>
+                    <a:pt x="128" y="83"/>
+                  </a:cubicBezTo>
+                  <a:cubicBezTo>
+                    <a:pt x="124" y="83"/>
+                    <a:pt x="120" y="84"/>
+                    <a:pt x="117" y="86"/>
+                  </a:cubicBezTo>
+                  <a:cubicBezTo>
+                    <a:pt x="114" y="88"/>
+                    <a:pt x="112" y="92"/>
+                    <a:pt x="111" y="97"/>
+                  </a:cubicBezTo>
+                  <a:cubicBezTo>
+                    <a:pt x="111" y="101"/>
+                    <a:pt x="107" y="104"/>
+                    <a:pt x="103" y="104"/>
+                  </a:cubicBezTo>
+                  <a:cubicBezTo>
+                    <a:pt x="103" y="104"/>
+                    <a:pt x="103" y="104"/>
+                    <a:pt x="103" y="104"/>
+                  </a:cubicBezTo>
+                  <a:cubicBezTo>
+                    <a:pt x="87" y="102"/>
+                    <a:pt x="87" y="102"/>
+                    <a:pt x="87" y="102"/>
+                  </a:cubicBezTo>
+                  <a:cubicBezTo>
+                    <a:pt x="85" y="102"/>
+                    <a:pt x="83" y="101"/>
+                    <a:pt x="81" y="99"/>
+                  </a:cubicBezTo>
+                  <a:cubicBezTo>
+                    <a:pt x="80" y="97"/>
+                    <a:pt x="79" y="95"/>
+                    <a:pt x="80" y="93"/>
+                  </a:cubicBezTo>
+                  <a:cubicBezTo>
+                    <a:pt x="82" y="81"/>
+                    <a:pt x="87" y="72"/>
+                    <a:pt x="95" y="66"/>
+                  </a:cubicBezTo>
+                  <a:cubicBezTo>
+                    <a:pt x="104" y="59"/>
+                    <a:pt x="115" y="56"/>
+                    <a:pt x="128" y="56"/>
+                  </a:cubicBezTo>
+                  <a:cubicBezTo>
+                    <a:pt x="142" y="56"/>
+                    <a:pt x="153" y="60"/>
+                    <a:pt x="162" y="66"/>
+                  </a:cubicBezTo>
+                  <a:cubicBezTo>
+                    <a:pt x="171" y="73"/>
+                    <a:pt x="176" y="82"/>
+                    <a:pt x="176" y="92"/>
+                  </a:cubicBezTo>
+                  <a:cubicBezTo>
+                    <a:pt x="176" y="99"/>
+                    <a:pt x="174" y="104"/>
+                    <a:pt x="170" y="109"/>
+                  </a:cubicBezTo>
+                  <a:close/>
+                </a:path>
+              </a:pathLst>
+            </a:custGeom>
+            <a:solidFill>
+              <a:srgbClr val="FFFFFF"/>
+            </a:solidFill>
+            <a:ln>
+              <a:noFill/>
+            </a:ln>
+            <a:extLst>
+              <a:ext uri="{91240B29-F687-4F45-9708-019B960494DF}">
+                <a14:hiddenLine xmlns:a14="http://schemas.microsoft.com/office/drawing/2010/main" w="9525">
+                  <a:solidFill>
+                    <a:srgbClr val="000000"/>
+                  </a:solidFill>
+                  <a:bevel/>
+                </a14:hiddenLine>
+              </a:ext>
+            </a:extLst>
+          </p:spPr>
+          <p:txBody>
+            <a:bodyPr/>
+            <a:lstStyle/>
+            <a:p>
+              <a:endParaRPr lang="zh-CN" altLang="en-US"/>
+            </a:p>
+          </p:txBody>
+        </p:sp>
+      </p:grpSp>
+      <p:sp>
+        <p:nvSpPr>
+          <p:cNvPr id="5130" name="直接连接符 26"/>
+          <p:cNvSpPr>
+            <a:spLocks noChangeShapeType="1"/>
+          </p:cNvSpPr>
+          <p:nvPr/>
+        </p:nvSpPr>
+        <p:spPr bwMode="auto">
+          <a:xfrm flipH="1" flipV="1">
+            <a:off x="11350625" y="107950"/>
+            <a:ext cx="0" cy="633413"/>
+          </a:xfrm>
+          <a:prstGeom prst="line">
+            <a:avLst/>
+          </a:prstGeom>
+          <a:noFill/>
+          <a:ln w="28575">
+            <a:solidFill>
+              <a:schemeClr val="bg1"/>
+            </a:solidFill>
+            <a:bevel/>
+          </a:ln>
+          <a:extLst>
+            <a:ext uri="{909E8E84-426E-40DD-AFC4-6F175D3DCCD1}">
+              <a14:hiddenFill xmlns:a14="http://schemas.microsoft.com/office/drawing/2010/main">
+                <a:noFill/>
+              </a14:hiddenFill>
+            </a:ext>
+          </a:extLst>
+        </p:spPr>
+        <p:txBody>
+          <a:bodyPr/>
+          <a:lstStyle/>
+          <a:p>
+            <a:endParaRPr lang="zh-CN" altLang="en-US"/>
+          </a:p>
+        </p:txBody>
+      </p:sp>
+      <p:sp>
+        <p:nvSpPr>
+          <p:cNvPr id="2" name="文本框 1"/>
+          <p:cNvSpPr txBox="1"/>
+          <p:nvPr/>
+        </p:nvSpPr>
+        <p:spPr>
+          <a:xfrm>
+            <a:off x="1037229" y="1125855"/>
+            <a:ext cx="10313396" cy="1015663"/>
+          </a:xfrm>
+          <a:prstGeom prst="rect">
+            <a:avLst/>
+          </a:prstGeom>
+          <a:noFill/>
+        </p:spPr>
+        <p:txBody>
+          <a:bodyPr wrap="square" rtlCol="0">
+            <a:spAutoFit/>
+          </a:bodyPr>
+          <a:lstStyle/>
+          <a:p>
+            <a:pPr>
+              <a:lnSpc>
+                <a:spcPct val="150000"/>
+              </a:lnSpc>
+            </a:pPr>
+            <a:r>
+              <a:rPr lang="zh-CN" altLang="en-US" sz="2400" b="1" smtClean="0">
+                <a:solidFill>
+                  <a:srgbClr val="000000"/>
+                </a:solidFill>
+                <a:latin typeface="微软雅黑" panose="020B0503020204020204" pitchFamily="34" charset="-122"/>
+                <a:ea typeface="微软雅黑" panose="020B0503020204020204" pitchFamily="34" charset="-122"/>
+              </a:rPr>
+              <a:t>模型介绍：</a:t>
+            </a:r>
+            <a:endParaRPr lang="en-US" altLang="zh-CN" sz="2400" b="1" smtClean="0">
+              <a:solidFill>
+                <a:srgbClr val="000000"/>
+              </a:solidFill>
+              <a:latin typeface="微软雅黑" panose="020B0503020204020204" pitchFamily="34" charset="-122"/>
+              <a:ea typeface="微软雅黑" panose="020B0503020204020204" pitchFamily="34" charset="-122"/>
+            </a:endParaRPr>
+          </a:p>
+          <a:p>
+            <a:endParaRPr lang="en-US" altLang="zh-CN" sz="2400" b="1" smtClean="0">
+              <a:solidFill>
+                <a:srgbClr val="000000"/>
+              </a:solidFill>
+              <a:latin typeface="微软雅黑" panose="020B0503020204020204" pitchFamily="34" charset="-122"/>
+              <a:ea typeface="微软雅黑" panose="020B0503020204020204" pitchFamily="34" charset="-122"/>
+            </a:endParaRPr>
+          </a:p>
+        </p:txBody>
+      </p:sp>
+      <p:pic>
+        <p:nvPicPr>
+          <p:cNvPr id="3" name="图片 2"/>
+          <p:cNvPicPr>
+            <a:picLocks noChangeAspect="1"/>
+          </p:cNvPicPr>
+          <p:nvPr/>
+        </p:nvPicPr>
+        <p:blipFill>
+          <a:blip r:embed="rId4"/>
+          <a:stretch>
+            <a:fillRect/>
+          </a:stretch>
+        </p:blipFill>
+        <p:spPr>
+          <a:xfrm>
+            <a:off x="3930015" y="1505902"/>
+            <a:ext cx="7477125" cy="4438650"/>
+          </a:xfrm>
+          <a:prstGeom prst="rect">
+            <a:avLst/>
+          </a:prstGeom>
+        </p:spPr>
+      </p:pic>
+      <p:sp>
+        <p:nvSpPr>
+          <p:cNvPr id="4" name="文本框 3"/>
+          <p:cNvSpPr txBox="1"/>
+          <p:nvPr/>
+        </p:nvSpPr>
+        <p:spPr>
+          <a:xfrm>
+            <a:off x="1509177" y="3429000"/>
+            <a:ext cx="2223764" cy="1477328"/>
+          </a:xfrm>
+          <a:prstGeom prst="rect">
+            <a:avLst/>
+          </a:prstGeom>
+          <a:noFill/>
+        </p:spPr>
+        <p:txBody>
+          <a:bodyPr wrap="square" rtlCol="0">
+            <a:spAutoFit/>
+          </a:bodyPr>
+          <a:lstStyle/>
+          <a:p>
+            <a:r>
+              <a:rPr lang="en-US" altLang="zh-CN" smtClean="0"/>
+              <a:t>1.</a:t>
+            </a:r>
+            <a:r>
+              <a:rPr lang="zh-CN" altLang="en-US" smtClean="0"/>
+              <a:t>广播</a:t>
+            </a:r>
+            <a:endParaRPr lang="en-US" altLang="zh-CN" smtClean="0"/>
+          </a:p>
+          <a:p>
+            <a:r>
+              <a:rPr lang="en-US" altLang="zh-CN" smtClean="0"/>
+              <a:t>2.</a:t>
+            </a:r>
+            <a:r>
+              <a:rPr lang="zh-CN" altLang="en-US" smtClean="0"/>
+              <a:t>请求发送</a:t>
+            </a:r>
+            <a:endParaRPr lang="en-US" altLang="zh-CN" smtClean="0"/>
+          </a:p>
+          <a:p>
+            <a:r>
+              <a:rPr lang="en-US" altLang="zh-CN" smtClean="0"/>
+              <a:t>3.</a:t>
+            </a:r>
+            <a:r>
+              <a:rPr lang="zh-CN" altLang="en-US" smtClean="0"/>
+              <a:t>任务分配</a:t>
+            </a:r>
+            <a:endParaRPr lang="en-US" altLang="zh-CN" smtClean="0"/>
+          </a:p>
+          <a:p>
+            <a:r>
+              <a:rPr lang="en-US" altLang="zh-CN" smtClean="0"/>
+              <a:t>4.</a:t>
+            </a:r>
+            <a:r>
+              <a:rPr lang="zh-CN" altLang="en-US"/>
+              <a:t>任务迁移调度</a:t>
+            </a:r>
+            <a:endParaRPr lang="en-US" altLang="zh-CN" smtClean="0"/>
+          </a:p>
+          <a:p>
+            <a:endParaRPr lang="zh-CN" altLang="en-US"/>
+          </a:p>
+        </p:txBody>
+      </p:sp>
+    </p:spTree>
+    <p:extLst>
+      <p:ext uri="{BB962C8B-B14F-4D97-AF65-F5344CB8AC3E}">
+        <p14:creationId xmlns:p14="http://schemas.microsoft.com/office/powerpoint/2010/main" val="1292101287"/>
+      </p:ext>
+    </p:extLst>
+  </p:cSld>
+  <p:clrMapOvr>
+    <a:masterClrMapping/>
+  </p:clrMapOvr>
+  <p:timing>
+    <p:tnLst>
+      <p:par>
+        <p:cTn id="1" dur="indefinite" restart="never" nodeType="tmRoot"/>
+      </p:par>
+    </p:tnLst>
+  </p:timing>
+</p:sld>
+</file>
+
+<file path=ppt/slides/slide5.xml><?xml version="1.0" encoding="utf-8"?>
+<p:sld xmlns:a="http://schemas.openxmlformats.org/drawingml/2006/main" xmlns:r="http://schemas.openxmlformats.org/officeDocument/2006/relationships" xmlns:p="http://schemas.openxmlformats.org/presentationml/2006/main">
+  <p:cSld>
+    <p:spTree>
+      <p:nvGrpSpPr>
+        <p:cNvPr id="1" name=""/>
+        <p:cNvGrpSpPr/>
+        <p:nvPr/>
+      </p:nvGrpSpPr>
+      <p:grpSpPr>
+        <a:xfrm>
+          <a:off x="0" y="0"/>
+          <a:ext cx="0" cy="0"/>
+          <a:chOff x="0" y="0"/>
+          <a:chExt cx="0" cy="0"/>
+        </a:xfrm>
+      </p:grpSpPr>
+      <p:pic>
+        <p:nvPicPr>
+          <p:cNvPr id="5122" name="图片 1"/>
+          <p:cNvPicPr>
+            <a:picLocks noChangeAspect="1" noChangeArrowheads="1"/>
+          </p:cNvPicPr>
+          <p:nvPr/>
+        </p:nvPicPr>
+        <p:blipFill>
+          <a:blip r:embed="rId3">
+            <a:extLst>
+              <a:ext uri="{28A0092B-C50C-407E-A947-70E740481C1C}">
+                <a14:useLocalDpi xmlns:a14="http://schemas.microsoft.com/office/drawing/2010/main" val="0"/>
+              </a:ext>
+            </a:extLst>
+          </a:blip>
+          <a:srcRect/>
+          <a:stretch>
+            <a:fillRect/>
+          </a:stretch>
+        </p:blipFill>
+        <p:spPr bwMode="auto">
+          <a:xfrm>
+            <a:off x="0" y="0"/>
+            <a:ext cx="12192000" cy="6858000"/>
+          </a:xfrm>
+          <a:prstGeom prst="rect">
+            <a:avLst/>
+          </a:prstGeom>
+          <a:noFill/>
+          <a:ln>
+            <a:noFill/>
+          </a:ln>
+          <a:extLst>
+            <a:ext uri="{909E8E84-426E-40DD-AFC4-6F175D3DCCD1}">
+              <a14:hiddenFill xmlns:a14="http://schemas.microsoft.com/office/drawing/2010/main">
+                <a:solidFill>
+                  <a:srgbClr val="FFFFFF"/>
+                </a:solidFill>
+              </a14:hiddenFill>
+            </a:ext>
+            <a:ext uri="{91240B29-F687-4F45-9708-019B960494DF}">
+              <a14:hiddenLine xmlns:a14="http://schemas.microsoft.com/office/drawing/2010/main" w="9525">
+                <a:solidFill>
+                  <a:srgbClr val="000000"/>
+                </a:solidFill>
+                <a:miter lim="800000"/>
+                <a:headEnd/>
+                <a:tailEnd/>
+              </a14:hiddenLine>
+            </a:ext>
+          </a:extLst>
+        </p:spPr>
+      </p:pic>
+      <p:sp>
+        <p:nvSpPr>
+          <p:cNvPr id="5124" name="平行四边形 14"/>
+          <p:cNvSpPr>
+            <a:spLocks noChangeArrowheads="1"/>
+          </p:cNvSpPr>
+          <p:nvPr/>
+        </p:nvSpPr>
+        <p:spPr bwMode="auto">
+          <a:xfrm>
+            <a:off x="728980" y="1125855"/>
+            <a:ext cx="10734675" cy="5198745"/>
+          </a:xfrm>
+          <a:prstGeom prst="parallelogram">
+            <a:avLst>
+              <a:gd name="adj" fmla="val 0"/>
+            </a:avLst>
+          </a:prstGeom>
+          <a:noFill/>
+          <a:ln w="12700">
+            <a:solidFill>
+              <a:srgbClr val="3B87D5"/>
+            </a:solidFill>
+            <a:bevel/>
+          </a:ln>
+          <a:extLst>
+            <a:ext uri="{909E8E84-426E-40DD-AFC4-6F175D3DCCD1}">
+              <a14:hiddenFill xmlns:a14="http://schemas.microsoft.com/office/drawing/2010/main">
+                <a:solidFill>
+                  <a:srgbClr val="FFFFFF"/>
+                </a:solidFill>
+              </a14:hiddenFill>
+            </a:ext>
+          </a:extLst>
+        </p:spPr>
+        <p:txBody>
+          <a:bodyPr anchor="ctr"/>
+          <a:lstStyle/>
+          <a:p>
+            <a:pPr algn="ctr"/>
+            <a:endParaRPr lang="zh-CN" altLang="zh-CN">
+              <a:solidFill>
+                <a:srgbClr val="FFFFFF"/>
+              </a:solidFill>
+              <a:latin typeface="宋体" panose="02010600030101010101" pitchFamily="2" charset="-122"/>
+              <a:sym typeface="宋体" panose="02010600030101010101" pitchFamily="2" charset="-122"/>
+            </a:endParaRPr>
+          </a:p>
+        </p:txBody>
+      </p:sp>
+      <p:grpSp>
+        <p:nvGrpSpPr>
+          <p:cNvPr id="5129" name="Group 15"/>
+          <p:cNvGrpSpPr/>
+          <p:nvPr/>
+        </p:nvGrpSpPr>
+        <p:grpSpPr bwMode="auto">
+          <a:xfrm>
+            <a:off x="11610975" y="184150"/>
+            <a:ext cx="581025" cy="596900"/>
+            <a:chOff x="0" y="0"/>
+            <a:chExt cx="1027113" cy="1057275"/>
+          </a:xfrm>
+        </p:grpSpPr>
+        <p:sp>
+          <p:nvSpPr>
+            <p:cNvPr id="5131" name="Freeform 40"/>
+            <p:cNvSpPr>
+              <a:spLocks noChangeArrowheads="1"/>
+            </p:cNvSpPr>
+            <p:nvPr/>
+          </p:nvSpPr>
+          <p:spPr bwMode="auto">
+            <a:xfrm flipH="1">
+              <a:off x="76200" y="90487"/>
+              <a:ext cx="950913" cy="966788"/>
+            </a:xfrm>
+            <a:custGeom>
+              <a:avLst/>
+              <a:gdLst>
+                <a:gd name="T0" fmla="*/ 2147483647 w 367"/>
+                <a:gd name="T1" fmla="*/ 0 h 373"/>
+                <a:gd name="T2" fmla="*/ 0 w 367"/>
+                <a:gd name="T3" fmla="*/ 2147483647 h 373"/>
+                <a:gd name="T4" fmla="*/ 0 w 367"/>
+                <a:gd name="T5" fmla="*/ 2147483647 h 373"/>
+                <a:gd name="T6" fmla="*/ 2147483647 w 367"/>
+                <a:gd name="T7" fmla="*/ 2147483647 h 373"/>
+                <a:gd name="T8" fmla="*/ 2147483647 w 367"/>
+                <a:gd name="T9" fmla="*/ 2147483647 h 373"/>
+                <a:gd name="T10" fmla="*/ 2147483647 w 367"/>
+                <a:gd name="T11" fmla="*/ 2147483647 h 373"/>
+                <a:gd name="T12" fmla="*/ 2147483647 w 367"/>
+                <a:gd name="T13" fmla="*/ 2147483647 h 373"/>
+                <a:gd name="T14" fmla="*/ 2147483647 w 367"/>
+                <a:gd name="T15" fmla="*/ 0 h 373"/>
+                <a:gd name="T16" fmla="*/ 0 60000 65536"/>
+                <a:gd name="T17" fmla="*/ 0 60000 65536"/>
+                <a:gd name="T18" fmla="*/ 0 60000 65536"/>
+                <a:gd name="T19" fmla="*/ 0 60000 65536"/>
+                <a:gd name="T20" fmla="*/ 0 60000 65536"/>
+                <a:gd name="T21" fmla="*/ 0 60000 65536"/>
+                <a:gd name="T22" fmla="*/ 0 60000 65536"/>
+                <a:gd name="T23" fmla="*/ 0 60000 65536"/>
+                <a:gd name="T24" fmla="*/ 0 w 367"/>
+                <a:gd name="T25" fmla="*/ 0 h 373"/>
+                <a:gd name="T26" fmla="*/ 367 w 367"/>
+                <a:gd name="T27" fmla="*/ 373 h 373"/>
+              </a:gdLst>
+              <a:ahLst/>
+              <a:cxnLst>
+                <a:cxn ang="T16">
+                  <a:pos x="T0" y="T1"/>
+                </a:cxn>
+                <a:cxn ang="T17">
+                  <a:pos x="T2" y="T3"/>
+                </a:cxn>
+                <a:cxn ang="T18">
+                  <a:pos x="T4" y="T5"/>
+                </a:cxn>
+                <a:cxn ang="T19">
+                  <a:pos x="T6" y="T7"/>
+                </a:cxn>
+                <a:cxn ang="T20">
+                  <a:pos x="T8" y="T9"/>
+                </a:cxn>
+                <a:cxn ang="T21">
+                  <a:pos x="T10" y="T11"/>
+                </a:cxn>
+                <a:cxn ang="T22">
+                  <a:pos x="T12" y="T13"/>
+                </a:cxn>
+                <a:cxn ang="T23">
+                  <a:pos x="T14" y="T15"/>
+                </a:cxn>
+              </a:cxnLst>
+              <a:rect l="T24" t="T25" r="T26" b="T27"/>
+              <a:pathLst>
+                <a:path w="367" h="373">
+                  <a:moveTo>
+                    <a:pt x="181" y="0"/>
+                  </a:moveTo>
+                  <a:cubicBezTo>
+                    <a:pt x="0" y="180"/>
+                    <a:pt x="0" y="180"/>
+                    <a:pt x="0" y="180"/>
+                  </a:cubicBezTo>
+                  <a:cubicBezTo>
+                    <a:pt x="0" y="333"/>
+                    <a:pt x="0" y="333"/>
+                    <a:pt x="0" y="333"/>
+                  </a:cubicBezTo>
+                  <a:cubicBezTo>
+                    <a:pt x="0" y="355"/>
+                    <a:pt x="18" y="373"/>
+                    <a:pt x="40" y="373"/>
+                  </a:cubicBezTo>
+                  <a:cubicBezTo>
+                    <a:pt x="168" y="373"/>
+                    <a:pt x="168" y="373"/>
+                    <a:pt x="168" y="373"/>
+                  </a:cubicBezTo>
+                  <a:cubicBezTo>
+                    <a:pt x="367" y="174"/>
+                    <a:pt x="367" y="174"/>
+                    <a:pt x="367" y="174"/>
+                  </a:cubicBezTo>
+                  <a:cubicBezTo>
+                    <a:pt x="350" y="16"/>
+                    <a:pt x="350" y="16"/>
+                    <a:pt x="350" y="16"/>
+                  </a:cubicBezTo>
+                  <a:cubicBezTo>
+                    <a:pt x="181" y="0"/>
+                    <a:pt x="181" y="0"/>
+                    <a:pt x="181" y="0"/>
+                  </a:cubicBezTo>
+                </a:path>
+              </a:pathLst>
+            </a:custGeom>
+            <a:solidFill>
+              <a:srgbClr val="3B87D5"/>
+            </a:solidFill>
+            <a:ln>
+              <a:noFill/>
+            </a:ln>
+            <a:extLst>
+              <a:ext uri="{91240B29-F687-4F45-9708-019B960494DF}">
+                <a14:hiddenLine xmlns:a14="http://schemas.microsoft.com/office/drawing/2010/main" w="9525">
+                  <a:solidFill>
+                    <a:srgbClr val="000000"/>
+                  </a:solidFill>
+                  <a:bevel/>
+                </a14:hiddenLine>
+              </a:ext>
+            </a:extLst>
+          </p:spPr>
+          <p:txBody>
+            <a:bodyPr/>
+            <a:lstStyle/>
+            <a:p>
+              <a:endParaRPr lang="zh-CN" altLang="en-US"/>
+            </a:p>
+          </p:txBody>
+        </p:sp>
+        <p:sp>
+          <p:nvSpPr>
+            <p:cNvPr id="5132" name="Freeform 41"/>
+            <p:cNvSpPr>
+              <a:spLocks noEditPoints="1" noChangeArrowheads="1"/>
+            </p:cNvSpPr>
+            <p:nvPr/>
+          </p:nvSpPr>
+          <p:spPr bwMode="auto">
+            <a:xfrm>
+              <a:off x="0" y="0"/>
+              <a:ext cx="663575" cy="663575"/>
+            </a:xfrm>
+            <a:custGeom>
+              <a:avLst/>
+              <a:gdLst>
+                <a:gd name="T0" fmla="*/ 2147483647 w 256"/>
+                <a:gd name="T1" fmla="*/ 0 h 256"/>
+                <a:gd name="T2" fmla="*/ 0 w 256"/>
+                <a:gd name="T3" fmla="*/ 2147483647 h 256"/>
+                <a:gd name="T4" fmla="*/ 2147483647 w 256"/>
+                <a:gd name="T5" fmla="*/ 2147483647 h 256"/>
+                <a:gd name="T6" fmla="*/ 2147483647 w 256"/>
+                <a:gd name="T7" fmla="*/ 2147483647 h 256"/>
+                <a:gd name="T8" fmla="*/ 2147483647 w 256"/>
+                <a:gd name="T9" fmla="*/ 0 h 256"/>
+                <a:gd name="T10" fmla="*/ 2147483647 w 256"/>
+                <a:gd name="T11" fmla="*/ 2147483647 h 256"/>
+                <a:gd name="T12" fmla="*/ 2147483647 w 256"/>
+                <a:gd name="T13" fmla="*/ 2147483647 h 256"/>
+                <a:gd name="T14" fmla="*/ 2147483647 w 256"/>
+                <a:gd name="T15" fmla="*/ 2147483647 h 256"/>
+                <a:gd name="T16" fmla="*/ 2147483647 w 256"/>
+                <a:gd name="T17" fmla="*/ 2147483647 h 256"/>
+                <a:gd name="T18" fmla="*/ 2147483647 w 256"/>
+                <a:gd name="T19" fmla="*/ 2147483647 h 256"/>
+                <a:gd name="T20" fmla="*/ 2147483647 w 256"/>
+                <a:gd name="T21" fmla="*/ 2147483647 h 256"/>
+                <a:gd name="T22" fmla="*/ 2147483647 w 256"/>
+                <a:gd name="T23" fmla="*/ 2147483647 h 256"/>
+                <a:gd name="T24" fmla="*/ 2147483647 w 256"/>
+                <a:gd name="T25" fmla="*/ 2147483647 h 256"/>
+                <a:gd name="T26" fmla="*/ 2147483647 w 256"/>
+                <a:gd name="T27" fmla="*/ 2147483647 h 256"/>
+                <a:gd name="T28" fmla="*/ 2147483647 w 256"/>
+                <a:gd name="T29" fmla="*/ 2147483647 h 256"/>
+                <a:gd name="T30" fmla="*/ 2147483647 w 256"/>
+                <a:gd name="T31" fmla="*/ 2147483647 h 256"/>
+                <a:gd name="T32" fmla="*/ 2147483647 w 256"/>
+                <a:gd name="T33" fmla="*/ 2147483647 h 256"/>
+                <a:gd name="T34" fmla="*/ 2147483647 w 256"/>
+                <a:gd name="T35" fmla="*/ 2147483647 h 256"/>
+                <a:gd name="T36" fmla="*/ 2147483647 w 256"/>
+                <a:gd name="T37" fmla="*/ 2147483647 h 256"/>
+                <a:gd name="T38" fmla="*/ 2147483647 w 256"/>
+                <a:gd name="T39" fmla="*/ 2147483647 h 256"/>
+                <a:gd name="T40" fmla="*/ 2147483647 w 256"/>
+                <a:gd name="T41" fmla="*/ 2147483647 h 256"/>
+                <a:gd name="T42" fmla="*/ 2147483647 w 256"/>
+                <a:gd name="T43" fmla="*/ 2147483647 h 256"/>
+                <a:gd name="T44" fmla="*/ 2147483647 w 256"/>
+                <a:gd name="T45" fmla="*/ 2147483647 h 256"/>
+                <a:gd name="T46" fmla="*/ 2147483647 w 256"/>
+                <a:gd name="T47" fmla="*/ 2147483647 h 256"/>
+                <a:gd name="T48" fmla="*/ 2147483647 w 256"/>
+                <a:gd name="T49" fmla="*/ 2147483647 h 256"/>
+                <a:gd name="T50" fmla="*/ 2147483647 w 256"/>
+                <a:gd name="T51" fmla="*/ 2147483647 h 256"/>
+                <a:gd name="T52" fmla="*/ 2147483647 w 256"/>
+                <a:gd name="T53" fmla="*/ 2147483647 h 256"/>
+                <a:gd name="T54" fmla="*/ 2147483647 w 256"/>
+                <a:gd name="T55" fmla="*/ 2147483647 h 256"/>
+                <a:gd name="T56" fmla="*/ 2147483647 w 256"/>
+                <a:gd name="T57" fmla="*/ 2147483647 h 256"/>
+                <a:gd name="T58" fmla="*/ 2147483647 w 256"/>
+                <a:gd name="T59" fmla="*/ 2147483647 h 256"/>
+                <a:gd name="T60" fmla="*/ 2147483647 w 256"/>
+                <a:gd name="T61" fmla="*/ 2147483647 h 256"/>
+                <a:gd name="T62" fmla="*/ 2147483647 w 256"/>
+                <a:gd name="T63" fmla="*/ 2147483647 h 256"/>
+                <a:gd name="T64" fmla="*/ 2147483647 w 256"/>
+                <a:gd name="T65" fmla="*/ 2147483647 h 256"/>
+                <a:gd name="T66" fmla="*/ 2147483647 w 256"/>
+                <a:gd name="T67" fmla="*/ 2147483647 h 256"/>
+                <a:gd name="T68" fmla="*/ 2147483647 w 256"/>
+                <a:gd name="T69" fmla="*/ 2147483647 h 256"/>
+                <a:gd name="T70" fmla="*/ 2147483647 w 256"/>
+                <a:gd name="T71" fmla="*/ 2147483647 h 256"/>
+                <a:gd name="T72" fmla="*/ 2147483647 w 256"/>
+                <a:gd name="T73" fmla="*/ 2147483647 h 256"/>
+                <a:gd name="T74" fmla="*/ 2147483647 w 256"/>
+                <a:gd name="T75" fmla="*/ 2147483647 h 256"/>
+                <a:gd name="T76" fmla="*/ 2147483647 w 256"/>
+                <a:gd name="T77" fmla="*/ 2147483647 h 256"/>
+                <a:gd name="T78" fmla="*/ 2147483647 w 256"/>
+                <a:gd name="T79" fmla="*/ 2147483647 h 256"/>
+                <a:gd name="T80" fmla="*/ 2147483647 w 256"/>
+                <a:gd name="T81" fmla="*/ 2147483647 h 256"/>
+                <a:gd name="T82" fmla="*/ 2147483647 w 256"/>
+                <a:gd name="T83" fmla="*/ 2147483647 h 256"/>
+                <a:gd name="T84" fmla="*/ 0 60000 65536"/>
+                <a:gd name="T85" fmla="*/ 0 60000 65536"/>
+                <a:gd name="T86" fmla="*/ 0 60000 65536"/>
+                <a:gd name="T87" fmla="*/ 0 60000 65536"/>
+                <a:gd name="T88" fmla="*/ 0 60000 65536"/>
+                <a:gd name="T89" fmla="*/ 0 60000 65536"/>
+                <a:gd name="T90" fmla="*/ 0 60000 65536"/>
+                <a:gd name="T91" fmla="*/ 0 60000 65536"/>
+                <a:gd name="T92" fmla="*/ 0 60000 65536"/>
+                <a:gd name="T93" fmla="*/ 0 60000 65536"/>
+                <a:gd name="T94" fmla="*/ 0 60000 65536"/>
+                <a:gd name="T95" fmla="*/ 0 60000 65536"/>
+                <a:gd name="T96" fmla="*/ 0 60000 65536"/>
+                <a:gd name="T97" fmla="*/ 0 60000 65536"/>
+                <a:gd name="T98" fmla="*/ 0 60000 65536"/>
+                <a:gd name="T99" fmla="*/ 0 60000 65536"/>
+                <a:gd name="T100" fmla="*/ 0 60000 65536"/>
+                <a:gd name="T101" fmla="*/ 0 60000 65536"/>
+                <a:gd name="T102" fmla="*/ 0 60000 65536"/>
+                <a:gd name="T103" fmla="*/ 0 60000 65536"/>
+                <a:gd name="T104" fmla="*/ 0 60000 65536"/>
+                <a:gd name="T105" fmla="*/ 0 60000 65536"/>
+                <a:gd name="T106" fmla="*/ 0 60000 65536"/>
+                <a:gd name="T107" fmla="*/ 0 60000 65536"/>
+                <a:gd name="T108" fmla="*/ 0 60000 65536"/>
+                <a:gd name="T109" fmla="*/ 0 60000 65536"/>
+                <a:gd name="T110" fmla="*/ 0 60000 65536"/>
+                <a:gd name="T111" fmla="*/ 0 60000 65536"/>
+                <a:gd name="T112" fmla="*/ 0 60000 65536"/>
+                <a:gd name="T113" fmla="*/ 0 60000 65536"/>
+                <a:gd name="T114" fmla="*/ 0 60000 65536"/>
+                <a:gd name="T115" fmla="*/ 0 60000 65536"/>
+                <a:gd name="T116" fmla="*/ 0 60000 65536"/>
+                <a:gd name="T117" fmla="*/ 0 60000 65536"/>
+                <a:gd name="T118" fmla="*/ 0 60000 65536"/>
+                <a:gd name="T119" fmla="*/ 0 60000 65536"/>
+                <a:gd name="T120" fmla="*/ 0 60000 65536"/>
+                <a:gd name="T121" fmla="*/ 0 60000 65536"/>
+                <a:gd name="T122" fmla="*/ 0 60000 65536"/>
+                <a:gd name="T123" fmla="*/ 0 60000 65536"/>
+                <a:gd name="T124" fmla="*/ 0 60000 65536"/>
+                <a:gd name="T125" fmla="*/ 0 60000 65536"/>
+                <a:gd name="T126" fmla="*/ 0 w 256"/>
+                <a:gd name="T127" fmla="*/ 0 h 256"/>
+                <a:gd name="T128" fmla="*/ 256 w 256"/>
+                <a:gd name="T129" fmla="*/ 256 h 256"/>
+              </a:gdLst>
+              <a:ahLst/>
+              <a:cxnLst>
+                <a:cxn ang="T84">
+                  <a:pos x="T0" y="T1"/>
+                </a:cxn>
+                <a:cxn ang="T85">
+                  <a:pos x="T2" y="T3"/>
+                </a:cxn>
+                <a:cxn ang="T86">
+                  <a:pos x="T4" y="T5"/>
+                </a:cxn>
+                <a:cxn ang="T87">
+                  <a:pos x="T6" y="T7"/>
+                </a:cxn>
+                <a:cxn ang="T88">
+                  <a:pos x="T8" y="T9"/>
+                </a:cxn>
+                <a:cxn ang="T89">
+                  <a:pos x="T10" y="T11"/>
+                </a:cxn>
+                <a:cxn ang="T90">
+                  <a:pos x="T12" y="T13"/>
+                </a:cxn>
+                <a:cxn ang="T91">
+                  <a:pos x="T14" y="T15"/>
+                </a:cxn>
+                <a:cxn ang="T92">
+                  <a:pos x="T16" y="T17"/>
+                </a:cxn>
+                <a:cxn ang="T93">
+                  <a:pos x="T18" y="T19"/>
+                </a:cxn>
+                <a:cxn ang="T94">
+                  <a:pos x="T20" y="T21"/>
+                </a:cxn>
+                <a:cxn ang="T95">
+                  <a:pos x="T22" y="T23"/>
+                </a:cxn>
+                <a:cxn ang="T96">
+                  <a:pos x="T24" y="T25"/>
+                </a:cxn>
+                <a:cxn ang="T97">
+                  <a:pos x="T26" y="T27"/>
+                </a:cxn>
+                <a:cxn ang="T98">
+                  <a:pos x="T28" y="T29"/>
+                </a:cxn>
+                <a:cxn ang="T99">
+                  <a:pos x="T30" y="T31"/>
+                </a:cxn>
+                <a:cxn ang="T100">
+                  <a:pos x="T32" y="T33"/>
+                </a:cxn>
+                <a:cxn ang="T101">
+                  <a:pos x="T34" y="T35"/>
+                </a:cxn>
+                <a:cxn ang="T102">
+                  <a:pos x="T36" y="T37"/>
+                </a:cxn>
+                <a:cxn ang="T103">
+                  <a:pos x="T38" y="T39"/>
+                </a:cxn>
+                <a:cxn ang="T104">
+                  <a:pos x="T40" y="T41"/>
+                </a:cxn>
+                <a:cxn ang="T105">
+                  <a:pos x="T42" y="T43"/>
+                </a:cxn>
+                <a:cxn ang="T106">
+                  <a:pos x="T44" y="T45"/>
+                </a:cxn>
+                <a:cxn ang="T107">
+                  <a:pos x="T46" y="T47"/>
+                </a:cxn>
+                <a:cxn ang="T108">
+                  <a:pos x="T48" y="T49"/>
+                </a:cxn>
+                <a:cxn ang="T109">
+                  <a:pos x="T50" y="T51"/>
+                </a:cxn>
+                <a:cxn ang="T110">
+                  <a:pos x="T52" y="T53"/>
+                </a:cxn>
+                <a:cxn ang="T111">
+                  <a:pos x="T54" y="T55"/>
+                </a:cxn>
+                <a:cxn ang="T112">
+                  <a:pos x="T56" y="T57"/>
+                </a:cxn>
+                <a:cxn ang="T113">
+                  <a:pos x="T58" y="T59"/>
+                </a:cxn>
+                <a:cxn ang="T114">
+                  <a:pos x="T60" y="T61"/>
+                </a:cxn>
+                <a:cxn ang="T115">
+                  <a:pos x="T62" y="T63"/>
+                </a:cxn>
+                <a:cxn ang="T116">
+                  <a:pos x="T64" y="T65"/>
+                </a:cxn>
+                <a:cxn ang="T117">
+                  <a:pos x="T66" y="T67"/>
+                </a:cxn>
+                <a:cxn ang="T118">
+                  <a:pos x="T68" y="T69"/>
+                </a:cxn>
+                <a:cxn ang="T119">
+                  <a:pos x="T70" y="T71"/>
+                </a:cxn>
+                <a:cxn ang="T120">
+                  <a:pos x="T72" y="T73"/>
+                </a:cxn>
+                <a:cxn ang="T121">
+                  <a:pos x="T74" y="T75"/>
+                </a:cxn>
+                <a:cxn ang="T122">
+                  <a:pos x="T76" y="T77"/>
+                </a:cxn>
+                <a:cxn ang="T123">
+                  <a:pos x="T78" y="T79"/>
+                </a:cxn>
+                <a:cxn ang="T124">
+                  <a:pos x="T80" y="T81"/>
+                </a:cxn>
+                <a:cxn ang="T125">
+                  <a:pos x="T82" y="T83"/>
+                </a:cxn>
+              </a:cxnLst>
+              <a:rect l="T126" t="T127" r="T128" b="T129"/>
+              <a:pathLst>
+                <a:path w="256" h="256">
+                  <a:moveTo>
+                    <a:pt x="128" y="0"/>
+                  </a:moveTo>
+                  <a:cubicBezTo>
+                    <a:pt x="57" y="0"/>
+                    <a:pt x="0" y="57"/>
+                    <a:pt x="0" y="128"/>
+                  </a:cubicBezTo>
+                  <a:cubicBezTo>
+                    <a:pt x="0" y="199"/>
+                    <a:pt x="57" y="256"/>
+                    <a:pt x="128" y="256"/>
+                  </a:cubicBezTo>
+                  <a:cubicBezTo>
+                    <a:pt x="199" y="256"/>
+                    <a:pt x="256" y="199"/>
+                    <a:pt x="256" y="128"/>
+                  </a:cubicBezTo>
+                  <a:cubicBezTo>
+                    <a:pt x="256" y="57"/>
+                    <a:pt x="199" y="0"/>
+                    <a:pt x="128" y="0"/>
+                  </a:cubicBezTo>
+                  <a:close/>
+                  <a:moveTo>
+                    <a:pt x="135" y="200"/>
+                  </a:moveTo>
+                  <a:cubicBezTo>
+                    <a:pt x="119" y="200"/>
+                    <a:pt x="119" y="200"/>
+                    <a:pt x="119" y="200"/>
+                  </a:cubicBezTo>
+                  <a:cubicBezTo>
+                    <a:pt x="115" y="200"/>
+                    <a:pt x="112" y="196"/>
+                    <a:pt x="112" y="192"/>
+                  </a:cubicBezTo>
+                  <a:cubicBezTo>
+                    <a:pt x="111" y="176"/>
+                    <a:pt x="111" y="176"/>
+                    <a:pt x="111" y="176"/>
+                  </a:cubicBezTo>
+                  <a:cubicBezTo>
+                    <a:pt x="111" y="171"/>
+                    <a:pt x="115" y="168"/>
+                    <a:pt x="119" y="168"/>
+                  </a:cubicBezTo>
+                  <a:cubicBezTo>
+                    <a:pt x="135" y="168"/>
+                    <a:pt x="135" y="168"/>
+                    <a:pt x="135" y="168"/>
+                  </a:cubicBezTo>
+                  <a:cubicBezTo>
+                    <a:pt x="140" y="168"/>
+                    <a:pt x="143" y="172"/>
+                    <a:pt x="143" y="176"/>
+                  </a:cubicBezTo>
+                  <a:cubicBezTo>
+                    <a:pt x="144" y="192"/>
+                    <a:pt x="144" y="192"/>
+                    <a:pt x="144" y="192"/>
+                  </a:cubicBezTo>
+                  <a:cubicBezTo>
+                    <a:pt x="144" y="196"/>
+                    <a:pt x="140" y="200"/>
+                    <a:pt x="135" y="200"/>
+                  </a:cubicBezTo>
+                  <a:close/>
+                  <a:moveTo>
+                    <a:pt x="170" y="109"/>
+                  </a:moveTo>
+                  <a:cubicBezTo>
+                    <a:pt x="167" y="114"/>
+                    <a:pt x="162" y="119"/>
+                    <a:pt x="154" y="125"/>
+                  </a:cubicBezTo>
+                  <a:cubicBezTo>
+                    <a:pt x="148" y="130"/>
+                    <a:pt x="146" y="132"/>
+                    <a:pt x="145" y="132"/>
+                  </a:cubicBezTo>
+                  <a:cubicBezTo>
+                    <a:pt x="145" y="133"/>
+                    <a:pt x="144" y="134"/>
+                    <a:pt x="144" y="135"/>
+                  </a:cubicBezTo>
+                  <a:cubicBezTo>
+                    <a:pt x="143" y="136"/>
+                    <a:pt x="143" y="138"/>
+                    <a:pt x="143" y="144"/>
+                  </a:cubicBezTo>
+                  <a:cubicBezTo>
+                    <a:pt x="143" y="149"/>
+                    <a:pt x="139" y="152"/>
+                    <a:pt x="135" y="152"/>
+                  </a:cubicBezTo>
+                  <a:cubicBezTo>
+                    <a:pt x="120" y="152"/>
+                    <a:pt x="120" y="152"/>
+                    <a:pt x="120" y="152"/>
+                  </a:cubicBezTo>
+                  <a:cubicBezTo>
+                    <a:pt x="116" y="152"/>
+                    <a:pt x="112" y="149"/>
+                    <a:pt x="112" y="144"/>
+                  </a:cubicBezTo>
+                  <a:cubicBezTo>
+                    <a:pt x="112" y="140"/>
+                    <a:pt x="112" y="140"/>
+                    <a:pt x="112" y="140"/>
+                  </a:cubicBezTo>
+                  <a:cubicBezTo>
+                    <a:pt x="112" y="134"/>
+                    <a:pt x="113" y="129"/>
+                    <a:pt x="115" y="124"/>
+                  </a:cubicBezTo>
+                  <a:cubicBezTo>
+                    <a:pt x="117" y="120"/>
+                    <a:pt x="119" y="117"/>
+                    <a:pt x="123" y="113"/>
+                  </a:cubicBezTo>
+                  <a:cubicBezTo>
+                    <a:pt x="125" y="111"/>
+                    <a:pt x="129" y="108"/>
+                    <a:pt x="134" y="104"/>
+                  </a:cubicBezTo>
+                  <a:cubicBezTo>
+                    <a:pt x="141" y="99"/>
+                    <a:pt x="142" y="97"/>
+                    <a:pt x="143" y="96"/>
+                  </a:cubicBezTo>
+                  <a:cubicBezTo>
+                    <a:pt x="144" y="95"/>
+                    <a:pt x="144" y="94"/>
+                    <a:pt x="144" y="93"/>
+                  </a:cubicBezTo>
+                  <a:cubicBezTo>
+                    <a:pt x="144" y="92"/>
+                    <a:pt x="143" y="89"/>
+                    <a:pt x="140" y="86"/>
+                  </a:cubicBezTo>
+                  <a:cubicBezTo>
+                    <a:pt x="137" y="84"/>
+                    <a:pt x="132" y="83"/>
+                    <a:pt x="128" y="83"/>
+                  </a:cubicBezTo>
+                  <a:cubicBezTo>
+                    <a:pt x="124" y="83"/>
+                    <a:pt x="120" y="84"/>
+                    <a:pt x="117" y="86"/>
+                  </a:cubicBezTo>
+                  <a:cubicBezTo>
+                    <a:pt x="114" y="88"/>
+                    <a:pt x="112" y="92"/>
+                    <a:pt x="111" y="97"/>
+                  </a:cubicBezTo>
+                  <a:cubicBezTo>
+                    <a:pt x="111" y="101"/>
+                    <a:pt x="107" y="104"/>
+                    <a:pt x="103" y="104"/>
+                  </a:cubicBezTo>
+                  <a:cubicBezTo>
+                    <a:pt x="103" y="104"/>
+                    <a:pt x="103" y="104"/>
+                    <a:pt x="103" y="104"/>
+                  </a:cubicBezTo>
+                  <a:cubicBezTo>
+                    <a:pt x="87" y="102"/>
+                    <a:pt x="87" y="102"/>
+                    <a:pt x="87" y="102"/>
+                  </a:cubicBezTo>
+                  <a:cubicBezTo>
+                    <a:pt x="85" y="102"/>
+                    <a:pt x="83" y="101"/>
+                    <a:pt x="81" y="99"/>
+                  </a:cubicBezTo>
+                  <a:cubicBezTo>
+                    <a:pt x="80" y="97"/>
+                    <a:pt x="79" y="95"/>
+                    <a:pt x="80" y="93"/>
+                  </a:cubicBezTo>
+                  <a:cubicBezTo>
+                    <a:pt x="82" y="81"/>
+                    <a:pt x="87" y="72"/>
+                    <a:pt x="95" y="66"/>
+                  </a:cubicBezTo>
+                  <a:cubicBezTo>
+                    <a:pt x="104" y="59"/>
+                    <a:pt x="115" y="56"/>
+                    <a:pt x="128" y="56"/>
+                  </a:cubicBezTo>
+                  <a:cubicBezTo>
+                    <a:pt x="142" y="56"/>
+                    <a:pt x="153" y="60"/>
+                    <a:pt x="162" y="66"/>
+                  </a:cubicBezTo>
+                  <a:cubicBezTo>
+                    <a:pt x="171" y="73"/>
+                    <a:pt x="176" y="82"/>
+                    <a:pt x="176" y="92"/>
+                  </a:cubicBezTo>
+                  <a:cubicBezTo>
+                    <a:pt x="176" y="99"/>
+                    <a:pt x="174" y="104"/>
+                    <a:pt x="170" y="109"/>
+                  </a:cubicBezTo>
+                  <a:close/>
+                </a:path>
+              </a:pathLst>
+            </a:custGeom>
+            <a:solidFill>
+              <a:srgbClr val="FFFFFF"/>
+            </a:solidFill>
+            <a:ln>
+              <a:noFill/>
+            </a:ln>
+            <a:extLst>
+              <a:ext uri="{91240B29-F687-4F45-9708-019B960494DF}">
+                <a14:hiddenLine xmlns:a14="http://schemas.microsoft.com/office/drawing/2010/main" w="9525">
+                  <a:solidFill>
+                    <a:srgbClr val="000000"/>
+                  </a:solidFill>
+                  <a:bevel/>
+                </a14:hiddenLine>
+              </a:ext>
+            </a:extLst>
+          </p:spPr>
+          <p:txBody>
+            <a:bodyPr/>
+            <a:lstStyle/>
+            <a:p>
+              <a:endParaRPr lang="zh-CN" altLang="en-US"/>
+            </a:p>
+          </p:txBody>
+        </p:sp>
+      </p:grpSp>
+      <p:sp>
+        <p:nvSpPr>
+          <p:cNvPr id="5130" name="直接连接符 26"/>
+          <p:cNvSpPr>
+            <a:spLocks noChangeShapeType="1"/>
+          </p:cNvSpPr>
+          <p:nvPr/>
+        </p:nvSpPr>
+        <p:spPr bwMode="auto">
+          <a:xfrm flipH="1" flipV="1">
+            <a:off x="11350625" y="107950"/>
+            <a:ext cx="0" cy="633413"/>
+          </a:xfrm>
+          <a:prstGeom prst="line">
+            <a:avLst/>
+          </a:prstGeom>
+          <a:noFill/>
+          <a:ln w="28575">
+            <a:solidFill>
+              <a:schemeClr val="bg1"/>
+            </a:solidFill>
+            <a:bevel/>
+          </a:ln>
+          <a:extLst>
+            <a:ext uri="{909E8E84-426E-40DD-AFC4-6F175D3DCCD1}">
+              <a14:hiddenFill xmlns:a14="http://schemas.microsoft.com/office/drawing/2010/main">
+                <a:noFill/>
+              </a14:hiddenFill>
+            </a:ext>
+          </a:extLst>
+        </p:spPr>
+        <p:txBody>
+          <a:bodyPr/>
+          <a:lstStyle/>
+          <a:p>
+            <a:endParaRPr lang="zh-CN" altLang="en-US"/>
+          </a:p>
+        </p:txBody>
+      </p:sp>
+      <p:pic>
+        <p:nvPicPr>
+          <p:cNvPr id="3" name="图片 2"/>
+          <p:cNvPicPr>
+            <a:picLocks noChangeAspect="1"/>
+          </p:cNvPicPr>
+          <p:nvPr/>
+        </p:nvPicPr>
+        <p:blipFill>
+          <a:blip r:embed="rId4"/>
+          <a:stretch>
+            <a:fillRect/>
+          </a:stretch>
+        </p:blipFill>
+        <p:spPr>
+          <a:xfrm>
+            <a:off x="1887537" y="2715311"/>
+            <a:ext cx="8180952" cy="1161905"/>
+          </a:xfrm>
+          <a:prstGeom prst="rect">
+            <a:avLst/>
+          </a:prstGeom>
+        </p:spPr>
+      </p:pic>
+      <p:pic>
+        <p:nvPicPr>
+          <p:cNvPr id="4" name="图片 3"/>
+          <p:cNvPicPr>
+            <a:picLocks noChangeAspect="1"/>
+          </p:cNvPicPr>
+          <p:nvPr/>
+        </p:nvPicPr>
+        <p:blipFill>
+          <a:blip r:embed="rId5"/>
+          <a:stretch>
+            <a:fillRect/>
+          </a:stretch>
+        </p:blipFill>
+        <p:spPr>
+          <a:xfrm>
+            <a:off x="2030394" y="4279261"/>
+            <a:ext cx="7895238" cy="723810"/>
+          </a:xfrm>
+          <a:prstGeom prst="rect">
+            <a:avLst/>
+          </a:prstGeom>
+        </p:spPr>
+      </p:pic>
+    </p:spTree>
+    <p:extLst>
+      <p:ext uri="{BB962C8B-B14F-4D97-AF65-F5344CB8AC3E}">
+        <p14:creationId xmlns:p14="http://schemas.microsoft.com/office/powerpoint/2010/main" val="2140553695"/>
+      </p:ext>
+    </p:extLst>
+  </p:cSld>
+  <p:clrMapOvr>
+    <a:masterClrMapping/>
+  </p:clrMapOvr>
+  <p:timing>
+    <p:tnLst>
+      <p:par>
+        <p:cTn id="1" dur="indefinite" restart="never" nodeType="tmRoot"/>
+      </p:par>
+    </p:tnLst>
+  </p:timing>
+</p:sld>
+</file>
+
+<file path=ppt/slides/slide6.xml><?xml version="1.0" encoding="utf-8"?>
+<p:sld xmlns:a="http://schemas.openxmlformats.org/drawingml/2006/main" xmlns:r="http://schemas.openxmlformats.org/officeDocument/2006/relationships" xmlns:p="http://schemas.openxmlformats.org/presentationml/2006/main">
+  <p:cSld>
+    <p:spTree>
+      <p:nvGrpSpPr>
+        <p:cNvPr id="1" name=""/>
+        <p:cNvGrpSpPr/>
+        <p:nvPr/>
+      </p:nvGrpSpPr>
+      <p:grpSpPr>
+        <a:xfrm>
+          <a:off x="0" y="0"/>
+          <a:ext cx="0" cy="0"/>
+          <a:chOff x="0" y="0"/>
+          <a:chExt cx="0" cy="0"/>
+        </a:xfrm>
+      </p:grpSpPr>
+      <p:pic>
+        <p:nvPicPr>
+          <p:cNvPr id="5122" name="图片 1"/>
+          <p:cNvPicPr>
+            <a:picLocks noChangeAspect="1" noChangeArrowheads="1"/>
+          </p:cNvPicPr>
+          <p:nvPr/>
+        </p:nvPicPr>
+        <p:blipFill>
+          <a:blip r:embed="rId3">
+            <a:extLst>
+              <a:ext uri="{28A0092B-C50C-407E-A947-70E740481C1C}">
+                <a14:useLocalDpi xmlns:a14="http://schemas.microsoft.com/office/drawing/2010/main" val="0"/>
+              </a:ext>
+            </a:extLst>
+          </a:blip>
+          <a:srcRect/>
+          <a:stretch>
+            <a:fillRect/>
+          </a:stretch>
+        </p:blipFill>
+        <p:spPr bwMode="auto">
+          <a:xfrm>
+            <a:off x="0" y="0"/>
+            <a:ext cx="12192000" cy="6858000"/>
+          </a:xfrm>
+          <a:prstGeom prst="rect">
+            <a:avLst/>
+          </a:prstGeom>
+          <a:noFill/>
+          <a:ln>
+            <a:noFill/>
+          </a:ln>
+          <a:extLst>
+            <a:ext uri="{909E8E84-426E-40DD-AFC4-6F175D3DCCD1}">
+              <a14:hiddenFill xmlns:a14="http://schemas.microsoft.com/office/drawing/2010/main">
+                <a:solidFill>
+                  <a:srgbClr val="FFFFFF"/>
+                </a:solidFill>
+              </a14:hiddenFill>
+            </a:ext>
+            <a:ext uri="{91240B29-F687-4F45-9708-019B960494DF}">
+              <a14:hiddenLine xmlns:a14="http://schemas.microsoft.com/office/drawing/2010/main" w="9525">
+                <a:solidFill>
+                  <a:srgbClr val="000000"/>
+                </a:solidFill>
+                <a:miter lim="800000"/>
+                <a:headEnd/>
+                <a:tailEnd/>
+              </a14:hiddenLine>
+            </a:ext>
+          </a:extLst>
+        </p:spPr>
+      </p:pic>
+      <p:sp>
+        <p:nvSpPr>
+          <p:cNvPr id="5124" name="平行四边形 14"/>
+          <p:cNvSpPr>
+            <a:spLocks noChangeArrowheads="1"/>
+          </p:cNvSpPr>
+          <p:nvPr/>
+        </p:nvSpPr>
+        <p:spPr bwMode="auto">
+          <a:xfrm>
+            <a:off x="728980" y="1125855"/>
+            <a:ext cx="10734675" cy="5198745"/>
+          </a:xfrm>
+          <a:prstGeom prst="parallelogram">
+            <a:avLst>
+              <a:gd name="adj" fmla="val 0"/>
+            </a:avLst>
+          </a:prstGeom>
+          <a:noFill/>
+          <a:ln w="12700">
+            <a:solidFill>
+              <a:srgbClr val="3B87D5"/>
+            </a:solidFill>
+            <a:bevel/>
+          </a:ln>
+          <a:extLst>
+            <a:ext uri="{909E8E84-426E-40DD-AFC4-6F175D3DCCD1}">
+              <a14:hiddenFill xmlns:a14="http://schemas.microsoft.com/office/drawing/2010/main">
+                <a:solidFill>
+                  <a:srgbClr val="FFFFFF"/>
+                </a:solidFill>
+              </a14:hiddenFill>
+            </a:ext>
+          </a:extLst>
+        </p:spPr>
+        <p:txBody>
+          <a:bodyPr anchor="ctr"/>
+          <a:lstStyle/>
+          <a:p>
+            <a:pPr algn="ctr"/>
+            <a:endParaRPr lang="zh-CN" altLang="zh-CN">
+              <a:solidFill>
+                <a:srgbClr val="FFFFFF"/>
+              </a:solidFill>
+              <a:latin typeface="宋体" panose="02010600030101010101" pitchFamily="2" charset="-122"/>
+              <a:sym typeface="宋体" panose="02010600030101010101" pitchFamily="2" charset="-122"/>
+            </a:endParaRPr>
+          </a:p>
+        </p:txBody>
+      </p:sp>
+      <p:grpSp>
+        <p:nvGrpSpPr>
+          <p:cNvPr id="5129" name="Group 15"/>
+          <p:cNvGrpSpPr/>
+          <p:nvPr/>
+        </p:nvGrpSpPr>
+        <p:grpSpPr bwMode="auto">
+          <a:xfrm>
+            <a:off x="11610975" y="184150"/>
+            <a:ext cx="581025" cy="596900"/>
+            <a:chOff x="0" y="0"/>
+            <a:chExt cx="1027113" cy="1057275"/>
+          </a:xfrm>
+        </p:grpSpPr>
+        <p:sp>
+          <p:nvSpPr>
+            <p:cNvPr id="5131" name="Freeform 40"/>
+            <p:cNvSpPr>
+              <a:spLocks noChangeArrowheads="1"/>
+            </p:cNvSpPr>
+            <p:nvPr/>
+          </p:nvSpPr>
+          <p:spPr bwMode="auto">
+            <a:xfrm flipH="1">
+              <a:off x="76200" y="90487"/>
+              <a:ext cx="950913" cy="966788"/>
+            </a:xfrm>
+            <a:custGeom>
+              <a:avLst/>
+              <a:gdLst>
+                <a:gd name="T0" fmla="*/ 2147483647 w 367"/>
+                <a:gd name="T1" fmla="*/ 0 h 373"/>
+                <a:gd name="T2" fmla="*/ 0 w 367"/>
+                <a:gd name="T3" fmla="*/ 2147483647 h 373"/>
+                <a:gd name="T4" fmla="*/ 0 w 367"/>
+                <a:gd name="T5" fmla="*/ 2147483647 h 373"/>
+                <a:gd name="T6" fmla="*/ 2147483647 w 367"/>
+                <a:gd name="T7" fmla="*/ 2147483647 h 373"/>
+                <a:gd name="T8" fmla="*/ 2147483647 w 367"/>
+                <a:gd name="T9" fmla="*/ 2147483647 h 373"/>
+                <a:gd name="T10" fmla="*/ 2147483647 w 367"/>
+                <a:gd name="T11" fmla="*/ 2147483647 h 373"/>
+                <a:gd name="T12" fmla="*/ 2147483647 w 367"/>
+                <a:gd name="T13" fmla="*/ 2147483647 h 373"/>
+                <a:gd name="T14" fmla="*/ 2147483647 w 367"/>
+                <a:gd name="T15" fmla="*/ 0 h 373"/>
+                <a:gd name="T16" fmla="*/ 0 60000 65536"/>
+                <a:gd name="T17" fmla="*/ 0 60000 65536"/>
+                <a:gd name="T18" fmla="*/ 0 60000 65536"/>
+                <a:gd name="T19" fmla="*/ 0 60000 65536"/>
+                <a:gd name="T20" fmla="*/ 0 60000 65536"/>
+                <a:gd name="T21" fmla="*/ 0 60000 65536"/>
+                <a:gd name="T22" fmla="*/ 0 60000 65536"/>
+                <a:gd name="T23" fmla="*/ 0 60000 65536"/>
+                <a:gd name="T24" fmla="*/ 0 w 367"/>
+                <a:gd name="T25" fmla="*/ 0 h 373"/>
+                <a:gd name="T26" fmla="*/ 367 w 367"/>
+                <a:gd name="T27" fmla="*/ 373 h 373"/>
+              </a:gdLst>
+              <a:ahLst/>
+              <a:cxnLst>
+                <a:cxn ang="T16">
+                  <a:pos x="T0" y="T1"/>
+                </a:cxn>
+                <a:cxn ang="T17">
+                  <a:pos x="T2" y="T3"/>
+                </a:cxn>
+                <a:cxn ang="T18">
+                  <a:pos x="T4" y="T5"/>
+                </a:cxn>
+                <a:cxn ang="T19">
+                  <a:pos x="T6" y="T7"/>
+                </a:cxn>
+                <a:cxn ang="T20">
+                  <a:pos x="T8" y="T9"/>
+                </a:cxn>
+                <a:cxn ang="T21">
+                  <a:pos x="T10" y="T11"/>
+                </a:cxn>
+                <a:cxn ang="T22">
+                  <a:pos x="T12" y="T13"/>
+                </a:cxn>
+                <a:cxn ang="T23">
+                  <a:pos x="T14" y="T15"/>
+                </a:cxn>
+              </a:cxnLst>
+              <a:rect l="T24" t="T25" r="T26" b="T27"/>
+              <a:pathLst>
+                <a:path w="367" h="373">
+                  <a:moveTo>
+                    <a:pt x="181" y="0"/>
+                  </a:moveTo>
+                  <a:cubicBezTo>
+                    <a:pt x="0" y="180"/>
+                    <a:pt x="0" y="180"/>
+                    <a:pt x="0" y="180"/>
+                  </a:cubicBezTo>
+                  <a:cubicBezTo>
+                    <a:pt x="0" y="333"/>
+                    <a:pt x="0" y="333"/>
+                    <a:pt x="0" y="333"/>
+                  </a:cubicBezTo>
+                  <a:cubicBezTo>
+                    <a:pt x="0" y="355"/>
+                    <a:pt x="18" y="373"/>
+                    <a:pt x="40" y="373"/>
+                  </a:cubicBezTo>
+                  <a:cubicBezTo>
+                    <a:pt x="168" y="373"/>
+                    <a:pt x="168" y="373"/>
+                    <a:pt x="168" y="373"/>
+                  </a:cubicBezTo>
+                  <a:cubicBezTo>
+                    <a:pt x="367" y="174"/>
+                    <a:pt x="367" y="174"/>
+                    <a:pt x="367" y="174"/>
+                  </a:cubicBezTo>
+                  <a:cubicBezTo>
+                    <a:pt x="350" y="16"/>
+                    <a:pt x="350" y="16"/>
+                    <a:pt x="350" y="16"/>
+                  </a:cubicBezTo>
+                  <a:cubicBezTo>
+                    <a:pt x="181" y="0"/>
+                    <a:pt x="181" y="0"/>
+                    <a:pt x="181" y="0"/>
+                  </a:cubicBezTo>
+                </a:path>
+              </a:pathLst>
+            </a:custGeom>
+            <a:solidFill>
+              <a:srgbClr val="3B87D5"/>
+            </a:solidFill>
+            <a:ln>
+              <a:noFill/>
+            </a:ln>
+            <a:extLst>
+              <a:ext uri="{91240B29-F687-4F45-9708-019B960494DF}">
+                <a14:hiddenLine xmlns:a14="http://schemas.microsoft.com/office/drawing/2010/main" w="9525">
+                  <a:solidFill>
+                    <a:srgbClr val="000000"/>
+                  </a:solidFill>
+                  <a:bevel/>
+                </a14:hiddenLine>
+              </a:ext>
+            </a:extLst>
+          </p:spPr>
+          <p:txBody>
+            <a:bodyPr/>
+            <a:lstStyle/>
+            <a:p>
+              <a:endParaRPr lang="zh-CN" altLang="en-US"/>
+            </a:p>
+          </p:txBody>
+        </p:sp>
+        <p:sp>
+          <p:nvSpPr>
+            <p:cNvPr id="5132" name="Freeform 41"/>
+            <p:cNvSpPr>
+              <a:spLocks noEditPoints="1" noChangeArrowheads="1"/>
+            </p:cNvSpPr>
+            <p:nvPr/>
+          </p:nvSpPr>
+          <p:spPr bwMode="auto">
+            <a:xfrm>
+              <a:off x="0" y="0"/>
+              <a:ext cx="663575" cy="663575"/>
+            </a:xfrm>
+            <a:custGeom>
+              <a:avLst/>
+              <a:gdLst>
+                <a:gd name="T0" fmla="*/ 2147483647 w 256"/>
+                <a:gd name="T1" fmla="*/ 0 h 256"/>
+                <a:gd name="T2" fmla="*/ 0 w 256"/>
+                <a:gd name="T3" fmla="*/ 2147483647 h 256"/>
+                <a:gd name="T4" fmla="*/ 2147483647 w 256"/>
+                <a:gd name="T5" fmla="*/ 2147483647 h 256"/>
+                <a:gd name="T6" fmla="*/ 2147483647 w 256"/>
+                <a:gd name="T7" fmla="*/ 2147483647 h 256"/>
+                <a:gd name="T8" fmla="*/ 2147483647 w 256"/>
+                <a:gd name="T9" fmla="*/ 0 h 256"/>
+                <a:gd name="T10" fmla="*/ 2147483647 w 256"/>
+                <a:gd name="T11" fmla="*/ 2147483647 h 256"/>
+                <a:gd name="T12" fmla="*/ 2147483647 w 256"/>
+                <a:gd name="T13" fmla="*/ 2147483647 h 256"/>
+                <a:gd name="T14" fmla="*/ 2147483647 w 256"/>
+                <a:gd name="T15" fmla="*/ 2147483647 h 256"/>
+                <a:gd name="T16" fmla="*/ 2147483647 w 256"/>
+                <a:gd name="T17" fmla="*/ 2147483647 h 256"/>
+                <a:gd name="T18" fmla="*/ 2147483647 w 256"/>
+                <a:gd name="T19" fmla="*/ 2147483647 h 256"/>
+                <a:gd name="T20" fmla="*/ 2147483647 w 256"/>
+                <a:gd name="T21" fmla="*/ 2147483647 h 256"/>
+                <a:gd name="T22" fmla="*/ 2147483647 w 256"/>
+                <a:gd name="T23" fmla="*/ 2147483647 h 256"/>
+                <a:gd name="T24" fmla="*/ 2147483647 w 256"/>
+                <a:gd name="T25" fmla="*/ 2147483647 h 256"/>
+                <a:gd name="T26" fmla="*/ 2147483647 w 256"/>
+                <a:gd name="T27" fmla="*/ 2147483647 h 256"/>
+                <a:gd name="T28" fmla="*/ 2147483647 w 256"/>
+                <a:gd name="T29" fmla="*/ 2147483647 h 256"/>
+                <a:gd name="T30" fmla="*/ 2147483647 w 256"/>
+                <a:gd name="T31" fmla="*/ 2147483647 h 256"/>
+                <a:gd name="T32" fmla="*/ 2147483647 w 256"/>
+                <a:gd name="T33" fmla="*/ 2147483647 h 256"/>
+                <a:gd name="T34" fmla="*/ 2147483647 w 256"/>
+                <a:gd name="T35" fmla="*/ 2147483647 h 256"/>
+                <a:gd name="T36" fmla="*/ 2147483647 w 256"/>
+                <a:gd name="T37" fmla="*/ 2147483647 h 256"/>
+                <a:gd name="T38" fmla="*/ 2147483647 w 256"/>
+                <a:gd name="T39" fmla="*/ 2147483647 h 256"/>
+                <a:gd name="T40" fmla="*/ 2147483647 w 256"/>
+                <a:gd name="T41" fmla="*/ 2147483647 h 256"/>
+                <a:gd name="T42" fmla="*/ 2147483647 w 256"/>
+                <a:gd name="T43" fmla="*/ 2147483647 h 256"/>
+                <a:gd name="T44" fmla="*/ 2147483647 w 256"/>
+                <a:gd name="T45" fmla="*/ 2147483647 h 256"/>
+                <a:gd name="T46" fmla="*/ 2147483647 w 256"/>
+                <a:gd name="T47" fmla="*/ 2147483647 h 256"/>
+                <a:gd name="T48" fmla="*/ 2147483647 w 256"/>
+                <a:gd name="T49" fmla="*/ 2147483647 h 256"/>
+                <a:gd name="T50" fmla="*/ 2147483647 w 256"/>
+                <a:gd name="T51" fmla="*/ 2147483647 h 256"/>
+                <a:gd name="T52" fmla="*/ 2147483647 w 256"/>
+                <a:gd name="T53" fmla="*/ 2147483647 h 256"/>
+                <a:gd name="T54" fmla="*/ 2147483647 w 256"/>
+                <a:gd name="T55" fmla="*/ 2147483647 h 256"/>
+                <a:gd name="T56" fmla="*/ 2147483647 w 256"/>
+                <a:gd name="T57" fmla="*/ 2147483647 h 256"/>
+                <a:gd name="T58" fmla="*/ 2147483647 w 256"/>
+                <a:gd name="T59" fmla="*/ 2147483647 h 256"/>
+                <a:gd name="T60" fmla="*/ 2147483647 w 256"/>
+                <a:gd name="T61" fmla="*/ 2147483647 h 256"/>
+                <a:gd name="T62" fmla="*/ 2147483647 w 256"/>
+                <a:gd name="T63" fmla="*/ 2147483647 h 256"/>
+                <a:gd name="T64" fmla="*/ 2147483647 w 256"/>
+                <a:gd name="T65" fmla="*/ 2147483647 h 256"/>
+                <a:gd name="T66" fmla="*/ 2147483647 w 256"/>
+                <a:gd name="T67" fmla="*/ 2147483647 h 256"/>
+                <a:gd name="T68" fmla="*/ 2147483647 w 256"/>
+                <a:gd name="T69" fmla="*/ 2147483647 h 256"/>
+                <a:gd name="T70" fmla="*/ 2147483647 w 256"/>
+                <a:gd name="T71" fmla="*/ 2147483647 h 256"/>
+                <a:gd name="T72" fmla="*/ 2147483647 w 256"/>
+                <a:gd name="T73" fmla="*/ 2147483647 h 256"/>
+                <a:gd name="T74" fmla="*/ 2147483647 w 256"/>
+                <a:gd name="T75" fmla="*/ 2147483647 h 256"/>
+                <a:gd name="T76" fmla="*/ 2147483647 w 256"/>
+                <a:gd name="T77" fmla="*/ 2147483647 h 256"/>
+                <a:gd name="T78" fmla="*/ 2147483647 w 256"/>
+                <a:gd name="T79" fmla="*/ 2147483647 h 256"/>
+                <a:gd name="T80" fmla="*/ 2147483647 w 256"/>
+                <a:gd name="T81" fmla="*/ 2147483647 h 256"/>
+                <a:gd name="T82" fmla="*/ 2147483647 w 256"/>
+                <a:gd name="T83" fmla="*/ 2147483647 h 256"/>
+                <a:gd name="T84" fmla="*/ 0 60000 65536"/>
+                <a:gd name="T85" fmla="*/ 0 60000 65536"/>
+                <a:gd name="T86" fmla="*/ 0 60000 65536"/>
+                <a:gd name="T87" fmla="*/ 0 60000 65536"/>
+                <a:gd name="T88" fmla="*/ 0 60000 65536"/>
+                <a:gd name="T89" fmla="*/ 0 60000 65536"/>
+                <a:gd name="T90" fmla="*/ 0 60000 65536"/>
+                <a:gd name="T91" fmla="*/ 0 60000 65536"/>
+                <a:gd name="T92" fmla="*/ 0 60000 65536"/>
+                <a:gd name="T93" fmla="*/ 0 60000 65536"/>
+                <a:gd name="T94" fmla="*/ 0 60000 65536"/>
+                <a:gd name="T95" fmla="*/ 0 60000 65536"/>
+                <a:gd name="T96" fmla="*/ 0 60000 65536"/>
+                <a:gd name="T97" fmla="*/ 0 60000 65536"/>
+                <a:gd name="T98" fmla="*/ 0 60000 65536"/>
+                <a:gd name="T99" fmla="*/ 0 60000 65536"/>
+                <a:gd name="T100" fmla="*/ 0 60000 65536"/>
+                <a:gd name="T101" fmla="*/ 0 60000 65536"/>
+                <a:gd name="T102" fmla="*/ 0 60000 65536"/>
+                <a:gd name="T103" fmla="*/ 0 60000 65536"/>
+                <a:gd name="T104" fmla="*/ 0 60000 65536"/>
+                <a:gd name="T105" fmla="*/ 0 60000 65536"/>
+                <a:gd name="T106" fmla="*/ 0 60000 65536"/>
+                <a:gd name="T107" fmla="*/ 0 60000 65536"/>
+                <a:gd name="T108" fmla="*/ 0 60000 65536"/>
+                <a:gd name="T109" fmla="*/ 0 60000 65536"/>
+                <a:gd name="T110" fmla="*/ 0 60000 65536"/>
+                <a:gd name="T111" fmla="*/ 0 60000 65536"/>
+                <a:gd name="T112" fmla="*/ 0 60000 65536"/>
+                <a:gd name="T113" fmla="*/ 0 60000 65536"/>
+                <a:gd name="T114" fmla="*/ 0 60000 65536"/>
+                <a:gd name="T115" fmla="*/ 0 60000 65536"/>
+                <a:gd name="T116" fmla="*/ 0 60000 65536"/>
+                <a:gd name="T117" fmla="*/ 0 60000 65536"/>
+                <a:gd name="T118" fmla="*/ 0 60000 65536"/>
+                <a:gd name="T119" fmla="*/ 0 60000 65536"/>
+                <a:gd name="T120" fmla="*/ 0 60000 65536"/>
+                <a:gd name="T121" fmla="*/ 0 60000 65536"/>
+                <a:gd name="T122" fmla="*/ 0 60000 65536"/>
+                <a:gd name="T123" fmla="*/ 0 60000 65536"/>
+                <a:gd name="T124" fmla="*/ 0 60000 65536"/>
+                <a:gd name="T125" fmla="*/ 0 60000 65536"/>
+                <a:gd name="T126" fmla="*/ 0 w 256"/>
+                <a:gd name="T127" fmla="*/ 0 h 256"/>
+                <a:gd name="T128" fmla="*/ 256 w 256"/>
+                <a:gd name="T129" fmla="*/ 256 h 256"/>
+              </a:gdLst>
+              <a:ahLst/>
+              <a:cxnLst>
+                <a:cxn ang="T84">
+                  <a:pos x="T0" y="T1"/>
+                </a:cxn>
+                <a:cxn ang="T85">
+                  <a:pos x="T2" y="T3"/>
+                </a:cxn>
+                <a:cxn ang="T86">
+                  <a:pos x="T4" y="T5"/>
+                </a:cxn>
+                <a:cxn ang="T87">
+                  <a:pos x="T6" y="T7"/>
+                </a:cxn>
+                <a:cxn ang="T88">
+                  <a:pos x="T8" y="T9"/>
+                </a:cxn>
+                <a:cxn ang="T89">
+                  <a:pos x="T10" y="T11"/>
+                </a:cxn>
+                <a:cxn ang="T90">
+                  <a:pos x="T12" y="T13"/>
+                </a:cxn>
+                <a:cxn ang="T91">
+                  <a:pos x="T14" y="T15"/>
+                </a:cxn>
+                <a:cxn ang="T92">
+                  <a:pos x="T16" y="T17"/>
+                </a:cxn>
+                <a:cxn ang="T93">
+                  <a:pos x="T18" y="T19"/>
+                </a:cxn>
+                <a:cxn ang="T94">
+                  <a:pos x="T20" y="T21"/>
+                </a:cxn>
+                <a:cxn ang="T95">
+                  <a:pos x="T22" y="T23"/>
+                </a:cxn>
+                <a:cxn ang="T96">
+                  <a:pos x="T24" y="T25"/>
+                </a:cxn>
+                <a:cxn ang="T97">
+                  <a:pos x="T26" y="T27"/>
+                </a:cxn>
+                <a:cxn ang="T98">
+                  <a:pos x="T28" y="T29"/>
+                </a:cxn>
+                <a:cxn ang="T99">
+                  <a:pos x="T30" y="T31"/>
+                </a:cxn>
+                <a:cxn ang="T100">
+                  <a:pos x="T32" y="T33"/>
+                </a:cxn>
+                <a:cxn ang="T101">
+                  <a:pos x="T34" y="T35"/>
+                </a:cxn>
+                <a:cxn ang="T102">
+                  <a:pos x="T36" y="T37"/>
+                </a:cxn>
+                <a:cxn ang="T103">
+                  <a:pos x="T38" y="T39"/>
+                </a:cxn>
+                <a:cxn ang="T104">
+                  <a:pos x="T40" y="T41"/>
+                </a:cxn>
+                <a:cxn ang="T105">
+                  <a:pos x="T42" y="T43"/>
+                </a:cxn>
+                <a:cxn ang="T106">
+                  <a:pos x="T44" y="T45"/>
+                </a:cxn>
+                <a:cxn ang="T107">
+                  <a:pos x="T46" y="T47"/>
+                </a:cxn>
+                <a:cxn ang="T108">
+                  <a:pos x="T48" y="T49"/>
+                </a:cxn>
+                <a:cxn ang="T109">
+                  <a:pos x="T50" y="T51"/>
+                </a:cxn>
+                <a:cxn ang="T110">
+                  <a:pos x="T52" y="T53"/>
+                </a:cxn>
+                <a:cxn ang="T111">
+                  <a:pos x="T54" y="T55"/>
+                </a:cxn>
+                <a:cxn ang="T112">
+                  <a:pos x="T56" y="T57"/>
+                </a:cxn>
+                <a:cxn ang="T113">
+                  <a:pos x="T58" y="T59"/>
+                </a:cxn>
+                <a:cxn ang="T114">
+                  <a:pos x="T60" y="T61"/>
+                </a:cxn>
+                <a:cxn ang="T115">
+                  <a:pos x="T62" y="T63"/>
+                </a:cxn>
+                <a:cxn ang="T116">
+                  <a:pos x="T64" y="T65"/>
+                </a:cxn>
+                <a:cxn ang="T117">
+                  <a:pos x="T66" y="T67"/>
+                </a:cxn>
+                <a:cxn ang="T118">
+                  <a:pos x="T68" y="T69"/>
+                </a:cxn>
+                <a:cxn ang="T119">
+                  <a:pos x="T70" y="T71"/>
+                </a:cxn>
+                <a:cxn ang="T120">
+                  <a:pos x="T72" y="T73"/>
+                </a:cxn>
+                <a:cxn ang="T121">
+                  <a:pos x="T74" y="T75"/>
+                </a:cxn>
+                <a:cxn ang="T122">
+                  <a:pos x="T76" y="T77"/>
+                </a:cxn>
+                <a:cxn ang="T123">
+                  <a:pos x="T78" y="T79"/>
+                </a:cxn>
+                <a:cxn ang="T124">
+                  <a:pos x="T80" y="T81"/>
+                </a:cxn>
+                <a:cxn ang="T125">
+                  <a:pos x="T82" y="T83"/>
+                </a:cxn>
+              </a:cxnLst>
+              <a:rect l="T126" t="T127" r="T128" b="T129"/>
+              <a:pathLst>
+                <a:path w="256" h="256">
+                  <a:moveTo>
+                    <a:pt x="128" y="0"/>
+                  </a:moveTo>
+                  <a:cubicBezTo>
+                    <a:pt x="57" y="0"/>
+                    <a:pt x="0" y="57"/>
+                    <a:pt x="0" y="128"/>
+                  </a:cubicBezTo>
+                  <a:cubicBezTo>
+                    <a:pt x="0" y="199"/>
+                    <a:pt x="57" y="256"/>
+                    <a:pt x="128" y="256"/>
+                  </a:cubicBezTo>
+                  <a:cubicBezTo>
+                    <a:pt x="199" y="256"/>
+                    <a:pt x="256" y="199"/>
+                    <a:pt x="256" y="128"/>
+                  </a:cubicBezTo>
+                  <a:cubicBezTo>
+                    <a:pt x="256" y="57"/>
+                    <a:pt x="199" y="0"/>
+                    <a:pt x="128" y="0"/>
+                  </a:cubicBezTo>
+                  <a:close/>
+                  <a:moveTo>
+                    <a:pt x="135" y="200"/>
+                  </a:moveTo>
+                  <a:cubicBezTo>
+                    <a:pt x="119" y="200"/>
+                    <a:pt x="119" y="200"/>
+                    <a:pt x="119" y="200"/>
+                  </a:cubicBezTo>
+                  <a:cubicBezTo>
+                    <a:pt x="115" y="200"/>
+                    <a:pt x="112" y="196"/>
+                    <a:pt x="112" y="192"/>
+                  </a:cubicBezTo>
+                  <a:cubicBezTo>
+                    <a:pt x="111" y="176"/>
+                    <a:pt x="111" y="176"/>
+                    <a:pt x="111" y="176"/>
+                  </a:cubicBezTo>
+                  <a:cubicBezTo>
+                    <a:pt x="111" y="171"/>
+                    <a:pt x="115" y="168"/>
+                    <a:pt x="119" y="168"/>
+                  </a:cubicBezTo>
+                  <a:cubicBezTo>
+                    <a:pt x="135" y="168"/>
+                    <a:pt x="135" y="168"/>
+                    <a:pt x="135" y="168"/>
+                  </a:cubicBezTo>
+                  <a:cubicBezTo>
+                    <a:pt x="140" y="168"/>
+                    <a:pt x="143" y="172"/>
+                    <a:pt x="143" y="176"/>
+                  </a:cubicBezTo>
+                  <a:cubicBezTo>
+                    <a:pt x="144" y="192"/>
+                    <a:pt x="144" y="192"/>
+                    <a:pt x="144" y="192"/>
+                  </a:cubicBezTo>
+                  <a:cubicBezTo>
+                    <a:pt x="144" y="196"/>
+                    <a:pt x="140" y="200"/>
+                    <a:pt x="135" y="200"/>
+                  </a:cubicBezTo>
+                  <a:close/>
+                  <a:moveTo>
+                    <a:pt x="170" y="109"/>
+                  </a:moveTo>
+                  <a:cubicBezTo>
+                    <a:pt x="167" y="114"/>
+                    <a:pt x="162" y="119"/>
+                    <a:pt x="154" y="125"/>
+                  </a:cubicBezTo>
+                  <a:cubicBezTo>
+                    <a:pt x="148" y="130"/>
+                    <a:pt x="146" y="132"/>
+                    <a:pt x="145" y="132"/>
+                  </a:cubicBezTo>
+                  <a:cubicBezTo>
+                    <a:pt x="145" y="133"/>
+                    <a:pt x="144" y="134"/>
+                    <a:pt x="144" y="135"/>
+                  </a:cubicBezTo>
+                  <a:cubicBezTo>
+                    <a:pt x="143" y="136"/>
+                    <a:pt x="143" y="138"/>
+                    <a:pt x="143" y="144"/>
+                  </a:cubicBezTo>
+                  <a:cubicBezTo>
+                    <a:pt x="143" y="149"/>
+                    <a:pt x="139" y="152"/>
+                    <a:pt x="135" y="152"/>
+                  </a:cubicBezTo>
+                  <a:cubicBezTo>
+                    <a:pt x="120" y="152"/>
+                    <a:pt x="120" y="152"/>
+                    <a:pt x="120" y="152"/>
+                  </a:cubicBezTo>
+                  <a:cubicBezTo>
+                    <a:pt x="116" y="152"/>
+                    <a:pt x="112" y="149"/>
+                    <a:pt x="112" y="144"/>
+                  </a:cubicBezTo>
+                  <a:cubicBezTo>
+                    <a:pt x="112" y="140"/>
+                    <a:pt x="112" y="140"/>
+                    <a:pt x="112" y="140"/>
+                  </a:cubicBezTo>
+                  <a:cubicBezTo>
+                    <a:pt x="112" y="134"/>
+                    <a:pt x="113" y="129"/>
+                    <a:pt x="115" y="124"/>
+                  </a:cubicBezTo>
+                  <a:cubicBezTo>
+                    <a:pt x="117" y="120"/>
+                    <a:pt x="119" y="117"/>
+                    <a:pt x="123" y="113"/>
+                  </a:cubicBezTo>
+                  <a:cubicBezTo>
+                    <a:pt x="125" y="111"/>
+                    <a:pt x="129" y="108"/>
+                    <a:pt x="134" y="104"/>
+                  </a:cubicBezTo>
+                  <a:cubicBezTo>
+                    <a:pt x="141" y="99"/>
+                    <a:pt x="142" y="97"/>
+                    <a:pt x="143" y="96"/>
+                  </a:cubicBezTo>
+                  <a:cubicBezTo>
+                    <a:pt x="144" y="95"/>
+                    <a:pt x="144" y="94"/>
+                    <a:pt x="144" y="93"/>
+                  </a:cubicBezTo>
+                  <a:cubicBezTo>
+                    <a:pt x="144" y="92"/>
+                    <a:pt x="143" y="89"/>
+                    <a:pt x="140" y="86"/>
+                  </a:cubicBezTo>
+                  <a:cubicBezTo>
+                    <a:pt x="137" y="84"/>
+                    <a:pt x="132" y="83"/>
+                    <a:pt x="128" y="83"/>
+                  </a:cubicBezTo>
+                  <a:cubicBezTo>
+                    <a:pt x="124" y="83"/>
+                    <a:pt x="120" y="84"/>
+                    <a:pt x="117" y="86"/>
+                  </a:cubicBezTo>
+                  <a:cubicBezTo>
+                    <a:pt x="114" y="88"/>
+                    <a:pt x="112" y="92"/>
+                    <a:pt x="111" y="97"/>
+                  </a:cubicBezTo>
+                  <a:cubicBezTo>
+                    <a:pt x="111" y="101"/>
+                    <a:pt x="107" y="104"/>
+                    <a:pt x="103" y="104"/>
+                  </a:cubicBezTo>
+                  <a:cubicBezTo>
+                    <a:pt x="103" y="104"/>
+                    <a:pt x="103" y="104"/>
+                    <a:pt x="103" y="104"/>
+                  </a:cubicBezTo>
+                  <a:cubicBezTo>
+                    <a:pt x="87" y="102"/>
+                    <a:pt x="87" y="102"/>
+                    <a:pt x="87" y="102"/>
+                  </a:cubicBezTo>
+                  <a:cubicBezTo>
+                    <a:pt x="85" y="102"/>
+                    <a:pt x="83" y="101"/>
+                    <a:pt x="81" y="99"/>
+                  </a:cubicBezTo>
+                  <a:cubicBezTo>
+                    <a:pt x="80" y="97"/>
+                    <a:pt x="79" y="95"/>
+                    <a:pt x="80" y="93"/>
+                  </a:cubicBezTo>
+                  <a:cubicBezTo>
+                    <a:pt x="82" y="81"/>
+                    <a:pt x="87" y="72"/>
+                    <a:pt x="95" y="66"/>
+                  </a:cubicBezTo>
+                  <a:cubicBezTo>
+                    <a:pt x="104" y="59"/>
+                    <a:pt x="115" y="56"/>
+                    <a:pt x="128" y="56"/>
+                  </a:cubicBezTo>
+                  <a:cubicBezTo>
+                    <a:pt x="142" y="56"/>
+                    <a:pt x="153" y="60"/>
+                    <a:pt x="162" y="66"/>
+                  </a:cubicBezTo>
+                  <a:cubicBezTo>
+                    <a:pt x="171" y="73"/>
+                    <a:pt x="176" y="82"/>
+                    <a:pt x="176" y="92"/>
+                  </a:cubicBezTo>
+                  <a:cubicBezTo>
+                    <a:pt x="176" y="99"/>
+                    <a:pt x="174" y="104"/>
+                    <a:pt x="170" y="109"/>
+                  </a:cubicBezTo>
+                  <a:close/>
+                </a:path>
+              </a:pathLst>
+            </a:custGeom>
+            <a:solidFill>
+              <a:srgbClr val="FFFFFF"/>
+            </a:solidFill>
+            <a:ln>
+              <a:noFill/>
+            </a:ln>
+            <a:extLst>
+              <a:ext uri="{91240B29-F687-4F45-9708-019B960494DF}">
+                <a14:hiddenLine xmlns:a14="http://schemas.microsoft.com/office/drawing/2010/main" w="9525">
+                  <a:solidFill>
+                    <a:srgbClr val="000000"/>
+                  </a:solidFill>
+                  <a:bevel/>
+                </a14:hiddenLine>
+              </a:ext>
+            </a:extLst>
+          </p:spPr>
+          <p:txBody>
+            <a:bodyPr/>
+            <a:lstStyle/>
+            <a:p>
+              <a:endParaRPr lang="zh-CN" altLang="en-US"/>
+            </a:p>
+          </p:txBody>
+        </p:sp>
+      </p:grpSp>
+      <p:sp>
+        <p:nvSpPr>
+          <p:cNvPr id="5130" name="直接连接符 26"/>
+          <p:cNvSpPr>
+            <a:spLocks noChangeShapeType="1"/>
+          </p:cNvSpPr>
+          <p:nvPr/>
+        </p:nvSpPr>
+        <p:spPr bwMode="auto">
+          <a:xfrm flipH="1" flipV="1">
+            <a:off x="11350625" y="107950"/>
+            <a:ext cx="0" cy="633413"/>
+          </a:xfrm>
+          <a:prstGeom prst="line">
+            <a:avLst/>
+          </a:prstGeom>
+          <a:noFill/>
+          <a:ln w="28575">
+            <a:solidFill>
+              <a:schemeClr val="bg1"/>
+            </a:solidFill>
+            <a:bevel/>
+          </a:ln>
+          <a:extLst>
+            <a:ext uri="{909E8E84-426E-40DD-AFC4-6F175D3DCCD1}">
+              <a14:hiddenFill xmlns:a14="http://schemas.microsoft.com/office/drawing/2010/main">
+                <a:noFill/>
+              </a14:hiddenFill>
+            </a:ext>
+          </a:extLst>
+        </p:spPr>
+        <p:txBody>
+          <a:bodyPr/>
+          <a:lstStyle/>
+          <a:p>
+            <a:endParaRPr lang="zh-CN" altLang="en-US"/>
+          </a:p>
+        </p:txBody>
+      </p:sp>
+      <p:sp>
+        <p:nvSpPr>
+          <p:cNvPr id="2" name="文本框 1"/>
+          <p:cNvSpPr txBox="1"/>
+          <p:nvPr/>
+        </p:nvSpPr>
+        <p:spPr>
+          <a:xfrm>
+            <a:off x="870155" y="1253613"/>
+            <a:ext cx="2551471" cy="461665"/>
+          </a:xfrm>
+          <a:prstGeom prst="rect">
+            <a:avLst/>
+          </a:prstGeom>
+          <a:noFill/>
+        </p:spPr>
+        <p:txBody>
+          <a:bodyPr wrap="square" rtlCol="0">
+            <a:spAutoFit/>
+          </a:bodyPr>
+          <a:lstStyle/>
+          <a:p>
+            <a:r>
+              <a:rPr lang="zh-CN" altLang="en-US" sz="2400" b="1" smtClean="0"/>
+              <a:t>服务延迟</a:t>
+            </a:r>
+            <a:endParaRPr lang="zh-CN" altLang="en-US" sz="2400" b="1"/>
+          </a:p>
+        </p:txBody>
+      </p:sp>
+      <p:sp>
+        <p:nvSpPr>
+          <p:cNvPr id="3" name="文本框 2"/>
+          <p:cNvSpPr txBox="1"/>
+          <p:nvPr/>
+        </p:nvSpPr>
+        <p:spPr>
+          <a:xfrm>
+            <a:off x="1106129" y="2035277"/>
+            <a:ext cx="2050026" cy="369332"/>
+          </a:xfrm>
+          <a:prstGeom prst="rect">
+            <a:avLst/>
+          </a:prstGeom>
+          <a:noFill/>
+        </p:spPr>
+        <p:txBody>
+          <a:bodyPr wrap="square" rtlCol="0">
+            <a:spAutoFit/>
+          </a:bodyPr>
+          <a:lstStyle/>
+          <a:p>
+            <a:r>
+              <a:rPr lang="en-US" altLang="zh-CN" smtClean="0"/>
+              <a:t>1.</a:t>
+            </a:r>
+            <a:r>
+              <a:rPr lang="zh-CN" altLang="en-US" smtClean="0"/>
+              <a:t>传输延迟：</a:t>
+            </a:r>
+            <a:endParaRPr lang="zh-CN" altLang="en-US"/>
+          </a:p>
+        </p:txBody>
+      </p:sp>
+      <p:pic>
+        <p:nvPicPr>
+          <p:cNvPr id="4" name="图片 3"/>
+          <p:cNvPicPr>
+            <a:picLocks noChangeAspect="1"/>
+          </p:cNvPicPr>
+          <p:nvPr/>
+        </p:nvPicPr>
+        <p:blipFill>
+          <a:blip r:embed="rId4"/>
+          <a:stretch>
+            <a:fillRect/>
+          </a:stretch>
+        </p:blipFill>
+        <p:spPr>
+          <a:xfrm>
+            <a:off x="3421626" y="1891371"/>
+            <a:ext cx="5104762" cy="657143"/>
+          </a:xfrm>
+          <a:prstGeom prst="rect">
+            <a:avLst/>
+          </a:prstGeom>
+        </p:spPr>
+      </p:pic>
+    </p:spTree>
+    <p:extLst>
+      <p:ext uri="{BB962C8B-B14F-4D97-AF65-F5344CB8AC3E}">
+        <p14:creationId xmlns:p14="http://schemas.microsoft.com/office/powerpoint/2010/main" val="1318843934"/>
+      </p:ext>
+    </p:extLst>
+  </p:cSld>
+  <p:clrMapOvr>
+    <a:masterClrMapping/>
+  </p:clrMapOvr>
+  <p:timing>
+    <p:tnLst>
+      <p:par>
+        <p:cTn id="1" dur="indefinite" restart="never" nodeType="tmRoot"/>
+      </p:par>
+    </p:tnLst>
+  </p:timing>
+</p:sld>
+</file>
+
+<file path=ppt/slides/slide7.xml><?xml version="1.0" encoding="utf-8"?>
+<p:sld xmlns:a="http://schemas.openxmlformats.org/drawingml/2006/main" xmlns:r="http://schemas.openxmlformats.org/officeDocument/2006/relationships" xmlns:p="http://schemas.openxmlformats.org/presentationml/2006/main">
+  <p:cSld>
+    <p:spTree>
+      <p:nvGrpSpPr>
+        <p:cNvPr id="1" name=""/>
+        <p:cNvGrpSpPr/>
+        <p:nvPr/>
+      </p:nvGrpSpPr>
+      <p:grpSpPr>
+        <a:xfrm>
+          <a:off x="0" y="0"/>
+          <a:ext cx="0" cy="0"/>
+          <a:chOff x="0" y="0"/>
+          <a:chExt cx="0" cy="0"/>
+        </a:xfrm>
+      </p:grpSpPr>
+      <p:pic>
+        <p:nvPicPr>
+          <p:cNvPr id="5122" name="图片 1"/>
+          <p:cNvPicPr>
+            <a:picLocks noChangeAspect="1" noChangeArrowheads="1"/>
+          </p:cNvPicPr>
+          <p:nvPr/>
+        </p:nvPicPr>
+        <p:blipFill>
+          <a:blip r:embed="rId3">
+            <a:extLst>
+              <a:ext uri="{28A0092B-C50C-407E-A947-70E740481C1C}">
+                <a14:useLocalDpi xmlns:a14="http://schemas.microsoft.com/office/drawing/2010/main" val="0"/>
+              </a:ext>
+            </a:extLst>
+          </a:blip>
+          <a:srcRect/>
+          <a:stretch>
+            <a:fillRect/>
+          </a:stretch>
+        </p:blipFill>
+        <p:spPr bwMode="auto">
+          <a:xfrm>
+            <a:off x="0" y="0"/>
+            <a:ext cx="12192000" cy="6858000"/>
+          </a:xfrm>
+          <a:prstGeom prst="rect">
+            <a:avLst/>
+          </a:prstGeom>
+          <a:noFill/>
+          <a:ln>
+            <a:noFill/>
+          </a:ln>
+          <a:extLst>
+            <a:ext uri="{909E8E84-426E-40DD-AFC4-6F175D3DCCD1}">
+              <a14:hiddenFill xmlns:a14="http://schemas.microsoft.com/office/drawing/2010/main">
+                <a:solidFill>
+                  <a:srgbClr val="FFFFFF"/>
+                </a:solidFill>
+              </a14:hiddenFill>
+            </a:ext>
+            <a:ext uri="{91240B29-F687-4F45-9708-019B960494DF}">
+              <a14:hiddenLine xmlns:a14="http://schemas.microsoft.com/office/drawing/2010/main" w="9525">
+                <a:solidFill>
+                  <a:srgbClr val="000000"/>
+                </a:solidFill>
+                <a:miter lim="800000"/>
+                <a:headEnd/>
+                <a:tailEnd/>
+              </a14:hiddenLine>
+            </a:ext>
+          </a:extLst>
+        </p:spPr>
+      </p:pic>
+      <p:sp>
+        <p:nvSpPr>
+          <p:cNvPr id="5124" name="平行四边形 14"/>
+          <p:cNvSpPr>
+            <a:spLocks noChangeArrowheads="1"/>
+          </p:cNvSpPr>
+          <p:nvPr/>
+        </p:nvSpPr>
+        <p:spPr bwMode="auto">
+          <a:xfrm>
+            <a:off x="728980" y="1125855"/>
+            <a:ext cx="10734675" cy="5198745"/>
+          </a:xfrm>
+          <a:prstGeom prst="parallelogram">
+            <a:avLst>
+              <a:gd name="adj" fmla="val 0"/>
+            </a:avLst>
+          </a:prstGeom>
+          <a:noFill/>
+          <a:ln w="12700">
+            <a:solidFill>
+              <a:srgbClr val="3B87D5"/>
+            </a:solidFill>
+            <a:bevel/>
+          </a:ln>
+          <a:extLst>
+            <a:ext uri="{909E8E84-426E-40DD-AFC4-6F175D3DCCD1}">
+              <a14:hiddenFill xmlns:a14="http://schemas.microsoft.com/office/drawing/2010/main">
+                <a:solidFill>
+                  <a:srgbClr val="FFFFFF"/>
+                </a:solidFill>
+              </a14:hiddenFill>
+            </a:ext>
+          </a:extLst>
+        </p:spPr>
+        <p:txBody>
+          <a:bodyPr anchor="ctr"/>
+          <a:lstStyle/>
+          <a:p>
+            <a:pPr algn="ctr"/>
+            <a:endParaRPr lang="zh-CN" altLang="zh-CN">
+              <a:solidFill>
+                <a:srgbClr val="FFFFFF"/>
+              </a:solidFill>
+              <a:latin typeface="宋体" panose="02010600030101010101" pitchFamily="2" charset="-122"/>
+              <a:sym typeface="宋体" panose="02010600030101010101" pitchFamily="2" charset="-122"/>
+            </a:endParaRPr>
+          </a:p>
+        </p:txBody>
+      </p:sp>
+      <p:grpSp>
+        <p:nvGrpSpPr>
+          <p:cNvPr id="5129" name="Group 15"/>
+          <p:cNvGrpSpPr/>
+          <p:nvPr/>
+        </p:nvGrpSpPr>
+        <p:grpSpPr bwMode="auto">
+          <a:xfrm>
+            <a:off x="11610975" y="184150"/>
+            <a:ext cx="581025" cy="596900"/>
+            <a:chOff x="0" y="0"/>
+            <a:chExt cx="1027113" cy="1057275"/>
+          </a:xfrm>
+        </p:grpSpPr>
+        <p:sp>
+          <p:nvSpPr>
+            <p:cNvPr id="5131" name="Freeform 40"/>
+            <p:cNvSpPr>
+              <a:spLocks noChangeArrowheads="1"/>
+            </p:cNvSpPr>
+            <p:nvPr/>
+          </p:nvSpPr>
+          <p:spPr bwMode="auto">
+            <a:xfrm flipH="1">
+              <a:off x="76200" y="90487"/>
+              <a:ext cx="950913" cy="966788"/>
+            </a:xfrm>
+            <a:custGeom>
+              <a:avLst/>
+              <a:gdLst>
+                <a:gd name="T0" fmla="*/ 2147483647 w 367"/>
+                <a:gd name="T1" fmla="*/ 0 h 373"/>
+                <a:gd name="T2" fmla="*/ 0 w 367"/>
+                <a:gd name="T3" fmla="*/ 2147483647 h 373"/>
+                <a:gd name="T4" fmla="*/ 0 w 367"/>
+                <a:gd name="T5" fmla="*/ 2147483647 h 373"/>
+                <a:gd name="T6" fmla="*/ 2147483647 w 367"/>
+                <a:gd name="T7" fmla="*/ 2147483647 h 373"/>
+                <a:gd name="T8" fmla="*/ 2147483647 w 367"/>
+                <a:gd name="T9" fmla="*/ 2147483647 h 373"/>
+                <a:gd name="T10" fmla="*/ 2147483647 w 367"/>
+                <a:gd name="T11" fmla="*/ 2147483647 h 373"/>
+                <a:gd name="T12" fmla="*/ 2147483647 w 367"/>
+                <a:gd name="T13" fmla="*/ 2147483647 h 373"/>
+                <a:gd name="T14" fmla="*/ 2147483647 w 367"/>
+                <a:gd name="T15" fmla="*/ 0 h 373"/>
+                <a:gd name="T16" fmla="*/ 0 60000 65536"/>
+                <a:gd name="T17" fmla="*/ 0 60000 65536"/>
+                <a:gd name="T18" fmla="*/ 0 60000 65536"/>
+                <a:gd name="T19" fmla="*/ 0 60000 65536"/>
+                <a:gd name="T20" fmla="*/ 0 60000 65536"/>
+                <a:gd name="T21" fmla="*/ 0 60000 65536"/>
+                <a:gd name="T22" fmla="*/ 0 60000 65536"/>
+                <a:gd name="T23" fmla="*/ 0 60000 65536"/>
+                <a:gd name="T24" fmla="*/ 0 w 367"/>
+                <a:gd name="T25" fmla="*/ 0 h 373"/>
+                <a:gd name="T26" fmla="*/ 367 w 367"/>
+                <a:gd name="T27" fmla="*/ 373 h 373"/>
+              </a:gdLst>
+              <a:ahLst/>
+              <a:cxnLst>
+                <a:cxn ang="T16">
+                  <a:pos x="T0" y="T1"/>
+                </a:cxn>
+                <a:cxn ang="T17">
+                  <a:pos x="T2" y="T3"/>
+                </a:cxn>
+                <a:cxn ang="T18">
+                  <a:pos x="T4" y="T5"/>
+                </a:cxn>
+                <a:cxn ang="T19">
+                  <a:pos x="T6" y="T7"/>
+                </a:cxn>
+                <a:cxn ang="T20">
+                  <a:pos x="T8" y="T9"/>
+                </a:cxn>
+                <a:cxn ang="T21">
+                  <a:pos x="T10" y="T11"/>
+                </a:cxn>
+                <a:cxn ang="T22">
+                  <a:pos x="T12" y="T13"/>
+                </a:cxn>
+                <a:cxn ang="T23">
+                  <a:pos x="T14" y="T15"/>
+                </a:cxn>
+              </a:cxnLst>
+              <a:rect l="T24" t="T25" r="T26" b="T27"/>
+              <a:pathLst>
+                <a:path w="367" h="373">
+                  <a:moveTo>
+                    <a:pt x="181" y="0"/>
+                  </a:moveTo>
+                  <a:cubicBezTo>
+                    <a:pt x="0" y="180"/>
+                    <a:pt x="0" y="180"/>
+                    <a:pt x="0" y="180"/>
+                  </a:cubicBezTo>
+                  <a:cubicBezTo>
+                    <a:pt x="0" y="333"/>
+                    <a:pt x="0" y="333"/>
+                    <a:pt x="0" y="333"/>
+                  </a:cubicBezTo>
+                  <a:cubicBezTo>
+                    <a:pt x="0" y="355"/>
+                    <a:pt x="18" y="373"/>
+                    <a:pt x="40" y="373"/>
+                  </a:cubicBezTo>
+                  <a:cubicBezTo>
+                    <a:pt x="168" y="373"/>
+                    <a:pt x="168" y="373"/>
+                    <a:pt x="168" y="373"/>
+                  </a:cubicBezTo>
+                  <a:cubicBezTo>
+                    <a:pt x="367" y="174"/>
+                    <a:pt x="367" y="174"/>
+                    <a:pt x="367" y="174"/>
+                  </a:cubicBezTo>
+                  <a:cubicBezTo>
+                    <a:pt x="350" y="16"/>
+                    <a:pt x="350" y="16"/>
+                    <a:pt x="350" y="16"/>
+                  </a:cubicBezTo>
+                  <a:cubicBezTo>
+                    <a:pt x="181" y="0"/>
+                    <a:pt x="181" y="0"/>
+                    <a:pt x="181" y="0"/>
+                  </a:cubicBezTo>
+                </a:path>
+              </a:pathLst>
+            </a:custGeom>
+            <a:solidFill>
+              <a:srgbClr val="3B87D5"/>
+            </a:solidFill>
+            <a:ln>
+              <a:noFill/>
+            </a:ln>
+            <a:extLst>
+              <a:ext uri="{91240B29-F687-4F45-9708-019B960494DF}">
+                <a14:hiddenLine xmlns:a14="http://schemas.microsoft.com/office/drawing/2010/main" w="9525">
+                  <a:solidFill>
+                    <a:srgbClr val="000000"/>
+                  </a:solidFill>
+                  <a:bevel/>
+                </a14:hiddenLine>
+              </a:ext>
+            </a:extLst>
+          </p:spPr>
+          <p:txBody>
+            <a:bodyPr/>
+            <a:lstStyle/>
+            <a:p>
+              <a:endParaRPr lang="zh-CN" altLang="en-US"/>
+            </a:p>
+          </p:txBody>
+        </p:sp>
+        <p:sp>
+          <p:nvSpPr>
+            <p:cNvPr id="5132" name="Freeform 41"/>
+            <p:cNvSpPr>
+              <a:spLocks noEditPoints="1" noChangeArrowheads="1"/>
+            </p:cNvSpPr>
+            <p:nvPr/>
+          </p:nvSpPr>
+          <p:spPr bwMode="auto">
+            <a:xfrm>
+              <a:off x="0" y="0"/>
+              <a:ext cx="663575" cy="663575"/>
+            </a:xfrm>
+            <a:custGeom>
+              <a:avLst/>
+              <a:gdLst>
+                <a:gd name="T0" fmla="*/ 2147483647 w 256"/>
+                <a:gd name="T1" fmla="*/ 0 h 256"/>
+                <a:gd name="T2" fmla="*/ 0 w 256"/>
+                <a:gd name="T3" fmla="*/ 2147483647 h 256"/>
+                <a:gd name="T4" fmla="*/ 2147483647 w 256"/>
+                <a:gd name="T5" fmla="*/ 2147483647 h 256"/>
+                <a:gd name="T6" fmla="*/ 2147483647 w 256"/>
+                <a:gd name="T7" fmla="*/ 2147483647 h 256"/>
+                <a:gd name="T8" fmla="*/ 2147483647 w 256"/>
+                <a:gd name="T9" fmla="*/ 0 h 256"/>
+                <a:gd name="T10" fmla="*/ 2147483647 w 256"/>
+                <a:gd name="T11" fmla="*/ 2147483647 h 256"/>
+                <a:gd name="T12" fmla="*/ 2147483647 w 256"/>
+                <a:gd name="T13" fmla="*/ 2147483647 h 256"/>
+                <a:gd name="T14" fmla="*/ 2147483647 w 256"/>
+                <a:gd name="T15" fmla="*/ 2147483647 h 256"/>
+                <a:gd name="T16" fmla="*/ 2147483647 w 256"/>
+                <a:gd name="T17" fmla="*/ 2147483647 h 256"/>
+                <a:gd name="T18" fmla="*/ 2147483647 w 256"/>
+                <a:gd name="T19" fmla="*/ 2147483647 h 256"/>
+                <a:gd name="T20" fmla="*/ 2147483647 w 256"/>
+                <a:gd name="T21" fmla="*/ 2147483647 h 256"/>
+                <a:gd name="T22" fmla="*/ 2147483647 w 256"/>
+                <a:gd name="T23" fmla="*/ 2147483647 h 256"/>
+                <a:gd name="T24" fmla="*/ 2147483647 w 256"/>
+                <a:gd name="T25" fmla="*/ 2147483647 h 256"/>
+                <a:gd name="T26" fmla="*/ 2147483647 w 256"/>
+                <a:gd name="T27" fmla="*/ 2147483647 h 256"/>
+                <a:gd name="T28" fmla="*/ 2147483647 w 256"/>
+                <a:gd name="T29" fmla="*/ 2147483647 h 256"/>
+                <a:gd name="T30" fmla="*/ 2147483647 w 256"/>
+                <a:gd name="T31" fmla="*/ 2147483647 h 256"/>
+                <a:gd name="T32" fmla="*/ 2147483647 w 256"/>
+                <a:gd name="T33" fmla="*/ 2147483647 h 256"/>
+                <a:gd name="T34" fmla="*/ 2147483647 w 256"/>
+                <a:gd name="T35" fmla="*/ 2147483647 h 256"/>
+                <a:gd name="T36" fmla="*/ 2147483647 w 256"/>
+                <a:gd name="T37" fmla="*/ 2147483647 h 256"/>
+                <a:gd name="T38" fmla="*/ 2147483647 w 256"/>
+                <a:gd name="T39" fmla="*/ 2147483647 h 256"/>
+                <a:gd name="T40" fmla="*/ 2147483647 w 256"/>
+                <a:gd name="T41" fmla="*/ 2147483647 h 256"/>
+                <a:gd name="T42" fmla="*/ 2147483647 w 256"/>
+                <a:gd name="T43" fmla="*/ 2147483647 h 256"/>
+                <a:gd name="T44" fmla="*/ 2147483647 w 256"/>
+                <a:gd name="T45" fmla="*/ 2147483647 h 256"/>
+                <a:gd name="T46" fmla="*/ 2147483647 w 256"/>
+                <a:gd name="T47" fmla="*/ 2147483647 h 256"/>
+                <a:gd name="T48" fmla="*/ 2147483647 w 256"/>
+                <a:gd name="T49" fmla="*/ 2147483647 h 256"/>
+                <a:gd name="T50" fmla="*/ 2147483647 w 256"/>
+                <a:gd name="T51" fmla="*/ 2147483647 h 256"/>
+                <a:gd name="T52" fmla="*/ 2147483647 w 256"/>
+                <a:gd name="T53" fmla="*/ 2147483647 h 256"/>
+                <a:gd name="T54" fmla="*/ 2147483647 w 256"/>
+                <a:gd name="T55" fmla="*/ 2147483647 h 256"/>
+                <a:gd name="T56" fmla="*/ 2147483647 w 256"/>
+                <a:gd name="T57" fmla="*/ 2147483647 h 256"/>
+                <a:gd name="T58" fmla="*/ 2147483647 w 256"/>
+                <a:gd name="T59" fmla="*/ 2147483647 h 256"/>
+                <a:gd name="T60" fmla="*/ 2147483647 w 256"/>
+                <a:gd name="T61" fmla="*/ 2147483647 h 256"/>
+                <a:gd name="T62" fmla="*/ 2147483647 w 256"/>
+                <a:gd name="T63" fmla="*/ 2147483647 h 256"/>
+                <a:gd name="T64" fmla="*/ 2147483647 w 256"/>
+                <a:gd name="T65" fmla="*/ 2147483647 h 256"/>
+                <a:gd name="T66" fmla="*/ 2147483647 w 256"/>
+                <a:gd name="T67" fmla="*/ 2147483647 h 256"/>
+                <a:gd name="T68" fmla="*/ 2147483647 w 256"/>
+                <a:gd name="T69" fmla="*/ 2147483647 h 256"/>
+                <a:gd name="T70" fmla="*/ 2147483647 w 256"/>
+                <a:gd name="T71" fmla="*/ 2147483647 h 256"/>
+                <a:gd name="T72" fmla="*/ 2147483647 w 256"/>
+                <a:gd name="T73" fmla="*/ 2147483647 h 256"/>
+                <a:gd name="T74" fmla="*/ 2147483647 w 256"/>
+                <a:gd name="T75" fmla="*/ 2147483647 h 256"/>
+                <a:gd name="T76" fmla="*/ 2147483647 w 256"/>
+                <a:gd name="T77" fmla="*/ 2147483647 h 256"/>
+                <a:gd name="T78" fmla="*/ 2147483647 w 256"/>
+                <a:gd name="T79" fmla="*/ 2147483647 h 256"/>
+                <a:gd name="T80" fmla="*/ 2147483647 w 256"/>
+                <a:gd name="T81" fmla="*/ 2147483647 h 256"/>
+                <a:gd name="T82" fmla="*/ 2147483647 w 256"/>
+                <a:gd name="T83" fmla="*/ 2147483647 h 256"/>
+                <a:gd name="T84" fmla="*/ 0 60000 65536"/>
+                <a:gd name="T85" fmla="*/ 0 60000 65536"/>
+                <a:gd name="T86" fmla="*/ 0 60000 65536"/>
+                <a:gd name="T87" fmla="*/ 0 60000 65536"/>
+                <a:gd name="T88" fmla="*/ 0 60000 65536"/>
+                <a:gd name="T89" fmla="*/ 0 60000 65536"/>
+                <a:gd name="T90" fmla="*/ 0 60000 65536"/>
+                <a:gd name="T91" fmla="*/ 0 60000 65536"/>
+                <a:gd name="T92" fmla="*/ 0 60000 65536"/>
+                <a:gd name="T93" fmla="*/ 0 60000 65536"/>
+                <a:gd name="T94" fmla="*/ 0 60000 65536"/>
+                <a:gd name="T95" fmla="*/ 0 60000 65536"/>
+                <a:gd name="T96" fmla="*/ 0 60000 65536"/>
+                <a:gd name="T97" fmla="*/ 0 60000 65536"/>
+                <a:gd name="T98" fmla="*/ 0 60000 65536"/>
+                <a:gd name="T99" fmla="*/ 0 60000 65536"/>
+                <a:gd name="T100" fmla="*/ 0 60000 65536"/>
+                <a:gd name="T101" fmla="*/ 0 60000 65536"/>
+                <a:gd name="T102" fmla="*/ 0 60000 65536"/>
+                <a:gd name="T103" fmla="*/ 0 60000 65536"/>
+                <a:gd name="T104" fmla="*/ 0 60000 65536"/>
+                <a:gd name="T105" fmla="*/ 0 60000 65536"/>
+                <a:gd name="T106" fmla="*/ 0 60000 65536"/>
+                <a:gd name="T107" fmla="*/ 0 60000 65536"/>
+                <a:gd name="T108" fmla="*/ 0 60000 65536"/>
+                <a:gd name="T109" fmla="*/ 0 60000 65536"/>
+                <a:gd name="T110" fmla="*/ 0 60000 65536"/>
+                <a:gd name="T111" fmla="*/ 0 60000 65536"/>
+                <a:gd name="T112" fmla="*/ 0 60000 65536"/>
+                <a:gd name="T113" fmla="*/ 0 60000 65536"/>
+                <a:gd name="T114" fmla="*/ 0 60000 65536"/>
+                <a:gd name="T115" fmla="*/ 0 60000 65536"/>
+                <a:gd name="T116" fmla="*/ 0 60000 65536"/>
+                <a:gd name="T117" fmla="*/ 0 60000 65536"/>
+                <a:gd name="T118" fmla="*/ 0 60000 65536"/>
+                <a:gd name="T119" fmla="*/ 0 60000 65536"/>
+                <a:gd name="T120" fmla="*/ 0 60000 65536"/>
+                <a:gd name="T121" fmla="*/ 0 60000 65536"/>
+                <a:gd name="T122" fmla="*/ 0 60000 65536"/>
+                <a:gd name="T123" fmla="*/ 0 60000 65536"/>
+                <a:gd name="T124" fmla="*/ 0 60000 65536"/>
+                <a:gd name="T125" fmla="*/ 0 60000 65536"/>
+                <a:gd name="T126" fmla="*/ 0 w 256"/>
+                <a:gd name="T127" fmla="*/ 0 h 256"/>
+                <a:gd name="T128" fmla="*/ 256 w 256"/>
+                <a:gd name="T129" fmla="*/ 256 h 256"/>
+              </a:gdLst>
+              <a:ahLst/>
+              <a:cxnLst>
+                <a:cxn ang="T84">
+                  <a:pos x="T0" y="T1"/>
+                </a:cxn>
+                <a:cxn ang="T85">
+                  <a:pos x="T2" y="T3"/>
+                </a:cxn>
+                <a:cxn ang="T86">
+                  <a:pos x="T4" y="T5"/>
+                </a:cxn>
+                <a:cxn ang="T87">
+                  <a:pos x="T6" y="T7"/>
+                </a:cxn>
+                <a:cxn ang="T88">
+                  <a:pos x="T8" y="T9"/>
+                </a:cxn>
+                <a:cxn ang="T89">
+                  <a:pos x="T10" y="T11"/>
+                </a:cxn>
+                <a:cxn ang="T90">
+                  <a:pos x="T12" y="T13"/>
+                </a:cxn>
+                <a:cxn ang="T91">
+                  <a:pos x="T14" y="T15"/>
+                </a:cxn>
+                <a:cxn ang="T92">
+                  <a:pos x="T16" y="T17"/>
+                </a:cxn>
+                <a:cxn ang="T93">
+                  <a:pos x="T18" y="T19"/>
+                </a:cxn>
+                <a:cxn ang="T94">
+                  <a:pos x="T20" y="T21"/>
+                </a:cxn>
+                <a:cxn ang="T95">
+                  <a:pos x="T22" y="T23"/>
+                </a:cxn>
+                <a:cxn ang="T96">
+                  <a:pos x="T24" y="T25"/>
+                </a:cxn>
+                <a:cxn ang="T97">
+                  <a:pos x="T26" y="T27"/>
+                </a:cxn>
+                <a:cxn ang="T98">
+                  <a:pos x="T28" y="T29"/>
+                </a:cxn>
+                <a:cxn ang="T99">
+                  <a:pos x="T30" y="T31"/>
+                </a:cxn>
+                <a:cxn ang="T100">
+                  <a:pos x="T32" y="T33"/>
+                </a:cxn>
+                <a:cxn ang="T101">
+                  <a:pos x="T34" y="T35"/>
+                </a:cxn>
+                <a:cxn ang="T102">
+                  <a:pos x="T36" y="T37"/>
+                </a:cxn>
+                <a:cxn ang="T103">
+                  <a:pos x="T38" y="T39"/>
+                </a:cxn>
+                <a:cxn ang="T104">
+                  <a:pos x="T40" y="T41"/>
+                </a:cxn>
+                <a:cxn ang="T105">
+                  <a:pos x="T42" y="T43"/>
+                </a:cxn>
+                <a:cxn ang="T106">
+                  <a:pos x="T44" y="T45"/>
+                </a:cxn>
+                <a:cxn ang="T107">
+                  <a:pos x="T46" y="T47"/>
+                </a:cxn>
+                <a:cxn ang="T108">
+                  <a:pos x="T48" y="T49"/>
+                </a:cxn>
+                <a:cxn ang="T109">
+                  <a:pos x="T50" y="T51"/>
+                </a:cxn>
+                <a:cxn ang="T110">
+                  <a:pos x="T52" y="T53"/>
+                </a:cxn>
+                <a:cxn ang="T111">
+                  <a:pos x="T54" y="T55"/>
+                </a:cxn>
+                <a:cxn ang="T112">
+                  <a:pos x="T56" y="T57"/>
+                </a:cxn>
+                <a:cxn ang="T113">
+                  <a:pos x="T58" y="T59"/>
+                </a:cxn>
+                <a:cxn ang="T114">
+                  <a:pos x="T60" y="T61"/>
+                </a:cxn>
+                <a:cxn ang="T115">
+                  <a:pos x="T62" y="T63"/>
+                </a:cxn>
+                <a:cxn ang="T116">
+                  <a:pos x="T64" y="T65"/>
+                </a:cxn>
+                <a:cxn ang="T117">
+                  <a:pos x="T66" y="T67"/>
+                </a:cxn>
+                <a:cxn ang="T118">
+                  <a:pos x="T68" y="T69"/>
+                </a:cxn>
+                <a:cxn ang="T119">
+                  <a:pos x="T70" y="T71"/>
+                </a:cxn>
+                <a:cxn ang="T120">
+                  <a:pos x="T72" y="T73"/>
+                </a:cxn>
+                <a:cxn ang="T121">
+                  <a:pos x="T74" y="T75"/>
+                </a:cxn>
+                <a:cxn ang="T122">
+                  <a:pos x="T76" y="T77"/>
+                </a:cxn>
+                <a:cxn ang="T123">
+                  <a:pos x="T78" y="T79"/>
+                </a:cxn>
+                <a:cxn ang="T124">
+                  <a:pos x="T80" y="T81"/>
+                </a:cxn>
+                <a:cxn ang="T125">
+                  <a:pos x="T82" y="T83"/>
+                </a:cxn>
+              </a:cxnLst>
+              <a:rect l="T126" t="T127" r="T128" b="T129"/>
+              <a:pathLst>
+                <a:path w="256" h="256">
+                  <a:moveTo>
+                    <a:pt x="128" y="0"/>
+                  </a:moveTo>
+                  <a:cubicBezTo>
+                    <a:pt x="57" y="0"/>
+                    <a:pt x="0" y="57"/>
+                    <a:pt x="0" y="128"/>
+                  </a:cubicBezTo>
+                  <a:cubicBezTo>
+                    <a:pt x="0" y="199"/>
+                    <a:pt x="57" y="256"/>
+                    <a:pt x="128" y="256"/>
+                  </a:cubicBezTo>
+                  <a:cubicBezTo>
+                    <a:pt x="199" y="256"/>
+                    <a:pt x="256" y="199"/>
+                    <a:pt x="256" y="128"/>
+                  </a:cubicBezTo>
+                  <a:cubicBezTo>
+                    <a:pt x="256" y="57"/>
+                    <a:pt x="199" y="0"/>
+                    <a:pt x="128" y="0"/>
+                  </a:cubicBezTo>
+                  <a:close/>
+                  <a:moveTo>
+                    <a:pt x="135" y="200"/>
+                  </a:moveTo>
+                  <a:cubicBezTo>
+                    <a:pt x="119" y="200"/>
+                    <a:pt x="119" y="200"/>
+                    <a:pt x="119" y="200"/>
+                  </a:cubicBezTo>
+                  <a:cubicBezTo>
+                    <a:pt x="115" y="200"/>
+                    <a:pt x="112" y="196"/>
+                    <a:pt x="112" y="192"/>
+                  </a:cubicBezTo>
+                  <a:cubicBezTo>
+                    <a:pt x="111" y="176"/>
+                    <a:pt x="111" y="176"/>
+                    <a:pt x="111" y="176"/>
+                  </a:cubicBezTo>
+                  <a:cubicBezTo>
+                    <a:pt x="111" y="171"/>
+                    <a:pt x="115" y="168"/>
+                    <a:pt x="119" y="168"/>
+                  </a:cubicBezTo>
+                  <a:cubicBezTo>
+                    <a:pt x="135" y="168"/>
+                    <a:pt x="135" y="168"/>
+                    <a:pt x="135" y="168"/>
+                  </a:cubicBezTo>
+                  <a:cubicBezTo>
+                    <a:pt x="140" y="168"/>
+                    <a:pt x="143" y="172"/>
+                    <a:pt x="143" y="176"/>
+                  </a:cubicBezTo>
+                  <a:cubicBezTo>
+                    <a:pt x="144" y="192"/>
+                    <a:pt x="144" y="192"/>
+                    <a:pt x="144" y="192"/>
+                  </a:cubicBezTo>
+                  <a:cubicBezTo>
+                    <a:pt x="144" y="196"/>
+                    <a:pt x="140" y="200"/>
+                    <a:pt x="135" y="200"/>
+                  </a:cubicBezTo>
+                  <a:close/>
+                  <a:moveTo>
+                    <a:pt x="170" y="109"/>
+                  </a:moveTo>
+                  <a:cubicBezTo>
+                    <a:pt x="167" y="114"/>
+                    <a:pt x="162" y="119"/>
+                    <a:pt x="154" y="125"/>
+                  </a:cubicBezTo>
+                  <a:cubicBezTo>
+                    <a:pt x="148" y="130"/>
+                    <a:pt x="146" y="132"/>
+                    <a:pt x="145" y="132"/>
+                  </a:cubicBezTo>
+                  <a:cubicBezTo>
+                    <a:pt x="145" y="133"/>
+                    <a:pt x="144" y="134"/>
+                    <a:pt x="144" y="135"/>
+                  </a:cubicBezTo>
+                  <a:cubicBezTo>
+                    <a:pt x="143" y="136"/>
+                    <a:pt x="143" y="138"/>
+                    <a:pt x="143" y="144"/>
+                  </a:cubicBezTo>
+                  <a:cubicBezTo>
+                    <a:pt x="143" y="149"/>
+                    <a:pt x="139" y="152"/>
+                    <a:pt x="135" y="152"/>
+                  </a:cubicBezTo>
+                  <a:cubicBezTo>
+                    <a:pt x="120" y="152"/>
+                    <a:pt x="120" y="152"/>
+                    <a:pt x="120" y="152"/>
+                  </a:cubicBezTo>
+                  <a:cubicBezTo>
+                    <a:pt x="116" y="152"/>
+                    <a:pt x="112" y="149"/>
+                    <a:pt x="112" y="144"/>
+                  </a:cubicBezTo>
+                  <a:cubicBezTo>
+                    <a:pt x="112" y="140"/>
+                    <a:pt x="112" y="140"/>
+                    <a:pt x="112" y="140"/>
+                  </a:cubicBezTo>
+                  <a:cubicBezTo>
+                    <a:pt x="112" y="134"/>
+                    <a:pt x="113" y="129"/>
+                    <a:pt x="115" y="124"/>
+                  </a:cubicBezTo>
+                  <a:cubicBezTo>
+                    <a:pt x="117" y="120"/>
+                    <a:pt x="119" y="117"/>
+                    <a:pt x="123" y="113"/>
+                  </a:cubicBezTo>
+                  <a:cubicBezTo>
+                    <a:pt x="125" y="111"/>
+                    <a:pt x="129" y="108"/>
+                    <a:pt x="134" y="104"/>
+                  </a:cubicBezTo>
+                  <a:cubicBezTo>
+                    <a:pt x="141" y="99"/>
+                    <a:pt x="142" y="97"/>
+                    <a:pt x="143" y="96"/>
+                  </a:cubicBezTo>
+                  <a:cubicBezTo>
+                    <a:pt x="144" y="95"/>
+                    <a:pt x="144" y="94"/>
+                    <a:pt x="144" y="93"/>
+                  </a:cubicBezTo>
+                  <a:cubicBezTo>
+                    <a:pt x="144" y="92"/>
+                    <a:pt x="143" y="89"/>
+                    <a:pt x="140" y="86"/>
+                  </a:cubicBezTo>
+                  <a:cubicBezTo>
+                    <a:pt x="137" y="84"/>
+                    <a:pt x="132" y="83"/>
+                    <a:pt x="128" y="83"/>
+                  </a:cubicBezTo>
+                  <a:cubicBezTo>
+                    <a:pt x="124" y="83"/>
+                    <a:pt x="120" y="84"/>
+                    <a:pt x="117" y="86"/>
+                  </a:cubicBezTo>
+                  <a:cubicBezTo>
+                    <a:pt x="114" y="88"/>
+                    <a:pt x="112" y="92"/>
+                    <a:pt x="111" y="97"/>
+                  </a:cubicBezTo>
+                  <a:cubicBezTo>
+                    <a:pt x="111" y="101"/>
+                    <a:pt x="107" y="104"/>
+                    <a:pt x="103" y="104"/>
+                  </a:cubicBezTo>
+                  <a:cubicBezTo>
+                    <a:pt x="103" y="104"/>
+                    <a:pt x="103" y="104"/>
+                    <a:pt x="103" y="104"/>
+                  </a:cubicBezTo>
+                  <a:cubicBezTo>
+                    <a:pt x="87" y="102"/>
+                    <a:pt x="87" y="102"/>
+                    <a:pt x="87" y="102"/>
+                  </a:cubicBezTo>
+                  <a:cubicBezTo>
+                    <a:pt x="85" y="102"/>
+                    <a:pt x="83" y="101"/>
+                    <a:pt x="81" y="99"/>
+                  </a:cubicBezTo>
+                  <a:cubicBezTo>
+                    <a:pt x="80" y="97"/>
+                    <a:pt x="79" y="95"/>
+                    <a:pt x="80" y="93"/>
+                  </a:cubicBezTo>
+                  <a:cubicBezTo>
+                    <a:pt x="82" y="81"/>
+                    <a:pt x="87" y="72"/>
+                    <a:pt x="95" y="66"/>
+                  </a:cubicBezTo>
+                  <a:cubicBezTo>
+                    <a:pt x="104" y="59"/>
+                    <a:pt x="115" y="56"/>
+                    <a:pt x="128" y="56"/>
+                  </a:cubicBezTo>
+                  <a:cubicBezTo>
+                    <a:pt x="142" y="56"/>
+                    <a:pt x="153" y="60"/>
+                    <a:pt x="162" y="66"/>
+                  </a:cubicBezTo>
+                  <a:cubicBezTo>
+                    <a:pt x="171" y="73"/>
+                    <a:pt x="176" y="82"/>
+                    <a:pt x="176" y="92"/>
+                  </a:cubicBezTo>
+                  <a:cubicBezTo>
+                    <a:pt x="176" y="99"/>
+                    <a:pt x="174" y="104"/>
+                    <a:pt x="170" y="109"/>
+                  </a:cubicBezTo>
+                  <a:close/>
+                </a:path>
+              </a:pathLst>
+            </a:custGeom>
+            <a:solidFill>
+              <a:srgbClr val="FFFFFF"/>
+            </a:solidFill>
+            <a:ln>
+              <a:noFill/>
+            </a:ln>
+            <a:extLst>
+              <a:ext uri="{91240B29-F687-4F45-9708-019B960494DF}">
+                <a14:hiddenLine xmlns:a14="http://schemas.microsoft.com/office/drawing/2010/main" w="9525">
+                  <a:solidFill>
+                    <a:srgbClr val="000000"/>
+                  </a:solidFill>
+                  <a:bevel/>
+                </a14:hiddenLine>
+              </a:ext>
+            </a:extLst>
+          </p:spPr>
+          <p:txBody>
+            <a:bodyPr/>
+            <a:lstStyle/>
+            <a:p>
+              <a:endParaRPr lang="zh-CN" altLang="en-US"/>
+            </a:p>
+          </p:txBody>
+        </p:sp>
+      </p:grpSp>
+      <p:sp>
+        <p:nvSpPr>
+          <p:cNvPr id="5130" name="直接连接符 26"/>
+          <p:cNvSpPr>
+            <a:spLocks noChangeShapeType="1"/>
+          </p:cNvSpPr>
+          <p:nvPr/>
+        </p:nvSpPr>
+        <p:spPr bwMode="auto">
+          <a:xfrm flipH="1" flipV="1">
+            <a:off x="11350625" y="107950"/>
+            <a:ext cx="0" cy="633413"/>
+          </a:xfrm>
+          <a:prstGeom prst="line">
+            <a:avLst/>
+          </a:prstGeom>
+          <a:noFill/>
+          <a:ln w="28575">
+            <a:solidFill>
+              <a:schemeClr val="bg1"/>
+            </a:solidFill>
+            <a:bevel/>
+          </a:ln>
+          <a:extLst>
+            <a:ext uri="{909E8E84-426E-40DD-AFC4-6F175D3DCCD1}">
+              <a14:hiddenFill xmlns:a14="http://schemas.microsoft.com/office/drawing/2010/main">
+                <a:noFill/>
+              </a14:hiddenFill>
+            </a:ext>
+          </a:extLst>
+        </p:spPr>
+        <p:txBody>
+          <a:bodyPr/>
+          <a:lstStyle/>
+          <a:p>
+            <a:endParaRPr lang="zh-CN" altLang="en-US"/>
+          </a:p>
+        </p:txBody>
+      </p:sp>
+    </p:spTree>
+    <p:extLst>
+      <p:ext uri="{BB962C8B-B14F-4D97-AF65-F5344CB8AC3E}">
+        <p14:creationId xmlns:p14="http://schemas.microsoft.com/office/powerpoint/2010/main" val="3307922191"/>
+      </p:ext>
+    </p:extLst>
+  </p:cSld>
+  <p:clrMapOvr>
+    <a:masterClrMapping/>
+  </p:clrMapOvr>
+  <p:timing>
+    <p:tnLst>
+      <p:par>
+        <p:cTn id="1" dur="indefinite" restart="never" nodeType="tmRoot"/>
+      </p:par>
+    </p:tnLst>
+  </p:timing>
+</p:sld>
+</file>
+
+<file path=ppt/slides/slide8.xml><?xml version="1.0" encoding="utf-8"?>
 <p:sld xmlns:a="http://schemas.openxmlformats.org/drawingml/2006/main" xmlns:r="http://schemas.openxmlformats.org/officeDocument/2006/relationships" xmlns:p="http://schemas.openxmlformats.org/presentationml/2006/main">
   <p:cSld>
     <p:spTree>

--- a/Folo Latency andQuality Optimized Task Allocation in Vehicular Fog Computing/2018-11-20.pptx
+++ b/Folo Latency andQuality Optimized Task Allocation in Vehicular Fog Computing/2018-11-20.pptx
@@ -253,7 +253,7 @@
           <a:p>
             <a:fld id="{D2A48B96-639E-45A3-A0BA-2464DFDB1FAA}" type="datetimeFigureOut">
               <a:rPr lang="zh-CN" altLang="en-US" smtClean="0"/>
-              <a:t>2018/11/17</a:t>
+              <a:t>2018/11/18</a:t>
             </a:fld>
             <a:endParaRPr lang="zh-CN" altLang="en-US"/>
           </a:p>
@@ -1419,8 +1419,27 @@
           <a:lstStyle/>
           <a:p>
             <a:r>
+              <a:rPr lang="zh-CN" altLang="en-US" smtClean="0"/>
+              <a:t>以视频处理为例，</a:t>
+            </a:r>
+            <a:r>
               <a:rPr lang="en-US" altLang="zh-CN" smtClean="0"/>
-              <a:t>1.</a:t>
+              <a:t>qk</a:t>
+            </a:r>
+            <a:r>
+              <a:rPr lang="zh-CN" altLang="en-US" smtClean="0"/>
+              <a:t>的值越大，代表图片被压缩的越大，原始图片的损失越大。</a:t>
+            </a:r>
+            <a:endParaRPr lang="en-US" altLang="zh-CN" smtClean="0"/>
+          </a:p>
+          <a:p>
+            <a:r>
+              <a:rPr lang="en-US" altLang="zh-CN" smtClean="0"/>
+              <a:t>1</a:t>
+            </a:r>
+            <a:r>
+              <a:rPr lang="en-US" altLang="zh-CN" smtClean="0"/>
+              <a:t>.</a:t>
             </a:r>
             <a:r>
               <a:rPr lang="zh-CN" altLang="en-US" smtClean="0"/>
@@ -1487,6 +1506,57 @@
           <a:bodyPr/>
           <a:lstStyle/>
           <a:p>
+            <a:r>
+              <a:rPr lang="zh-CN" altLang="en-US" smtClean="0"/>
+              <a:t>质量损失是依据具体的应用来确定的。在</a:t>
+            </a:r>
+            <a:r>
+              <a:rPr lang="en-US" altLang="zh-CN" smtClean="0"/>
+              <a:t>Folo</a:t>
+            </a:r>
+            <a:r>
+              <a:rPr lang="zh-CN" altLang="en-US" smtClean="0"/>
+              <a:t>中，定义了</a:t>
+            </a:r>
+            <a:r>
+              <a:rPr lang="en-US" altLang="zh-CN" smtClean="0"/>
+              <a:t>5</a:t>
+            </a:r>
+            <a:r>
+              <a:rPr lang="zh-CN" altLang="en-US" smtClean="0"/>
+              <a:t>个层次，等级</a:t>
+            </a:r>
+            <a:r>
+              <a:rPr lang="en-US" altLang="zh-CN" smtClean="0"/>
+              <a:t>1</a:t>
+            </a:r>
+            <a:r>
+              <a:rPr lang="zh-CN" altLang="en-US" smtClean="0"/>
+              <a:t>代表对质量损失有严格的要求，等级</a:t>
+            </a:r>
+            <a:r>
+              <a:rPr lang="en-US" altLang="zh-CN" smtClean="0"/>
+              <a:t>5</a:t>
+            </a:r>
+            <a:r>
+              <a:rPr lang="zh-CN" altLang="en-US" smtClean="0"/>
+              <a:t>表示对质量损失有较高的容忍度。</a:t>
+            </a:r>
+            <a:r>
+              <a:rPr lang="en-US" altLang="zh-CN" smtClean="0"/>
+              <a:t>Qk</a:t>
+            </a:r>
+            <a:r>
+              <a:rPr lang="zh-CN" altLang="en-US" smtClean="0"/>
+              <a:t>是根据视频的分辨率定义的。</a:t>
+            </a:r>
+            <a:endParaRPr lang="en-US" altLang="zh-CN" smtClean="0"/>
+          </a:p>
+          <a:p>
+            <a:r>
+              <a:rPr lang="zh-CN" altLang="en-US" smtClean="0"/>
+              <a:t>每个任务都只能在分配到一个结点上。</a:t>
+            </a:r>
             <a:endParaRPr lang="zh-CN" altLang="en-US"/>
           </a:p>
         </p:txBody>
@@ -1638,7 +1708,7 @@
             </a:pPr>
             <a:fld id="{EECF7B46-E4F5-4A03-87D2-D83C76E9FB67}" type="datetime1">
               <a:rPr lang="zh-CN" altLang="en-US"/>
-              <a:t>2018/11/17</a:t>
+              <a:t>2018/11/18</a:t>
             </a:fld>
             <a:endParaRPr lang="zh-CN" altLang="en-US" sz="1800">
               <a:solidFill>
@@ -1832,7 +1902,7 @@
             </a:pPr>
             <a:fld id="{89889205-6308-43FC-BAC0-BE20FACFC596}" type="datetime1">
               <a:rPr lang="zh-CN" altLang="en-US"/>
-              <a:t>2018/11/17</a:t>
+              <a:t>2018/11/18</a:t>
             </a:fld>
             <a:endParaRPr lang="zh-CN" altLang="en-US" sz="1800">
               <a:solidFill>
@@ -2036,7 +2106,7 @@
             </a:pPr>
             <a:fld id="{B605B2E9-0310-4484-B4AA-BA98347AC229}" type="datetime1">
               <a:rPr lang="zh-CN" altLang="en-US"/>
-              <a:t>2018/11/17</a:t>
+              <a:t>2018/11/18</a:t>
             </a:fld>
             <a:endParaRPr lang="zh-CN" altLang="en-US" sz="1800">
               <a:solidFill>
@@ -2183,7 +2253,7 @@
             </a:pPr>
             <a:fld id="{32363CE1-1536-44E9-8A8F-60DDC4EC0C0C}" type="datetime1">
               <a:rPr lang="zh-CN" altLang="en-US"/>
-              <a:t>2018/11/17</a:t>
+              <a:t>2018/11/18</a:t>
             </a:fld>
             <a:endParaRPr lang="zh-CN" altLang="en-US" sz="1800">
               <a:solidFill>
@@ -2377,7 +2447,7 @@
             </a:pPr>
             <a:fld id="{BBDD8B43-1A29-47A5-8E1E-3C10E7F0C181}" type="datetime1">
               <a:rPr lang="zh-CN" altLang="en-US"/>
-              <a:t>2018/11/17</a:t>
+              <a:t>2018/11/18</a:t>
             </a:fld>
             <a:endParaRPr lang="zh-CN" altLang="en-US" sz="1800">
               <a:solidFill>
@@ -2593,7 +2663,7 @@
             </a:pPr>
             <a:fld id="{B9EE72FC-BEA5-44DD-A892-416510800269}" type="datetime1">
               <a:rPr lang="zh-CN" altLang="en-US"/>
-              <a:t>2018/11/17</a:t>
+              <a:t>2018/11/18</a:t>
             </a:fld>
             <a:endParaRPr lang="zh-CN" altLang="en-US" sz="1800">
               <a:solidFill>
@@ -2905,7 +2975,7 @@
             </a:pPr>
             <a:fld id="{1271429C-C73B-4A84-83FF-41356910CEAA}" type="datetime1">
               <a:rPr lang="zh-CN" altLang="en-US"/>
-              <a:t>2018/11/17</a:t>
+              <a:t>2018/11/18</a:t>
             </a:fld>
             <a:endParaRPr lang="zh-CN" altLang="en-US" sz="1800">
               <a:solidFill>
@@ -3356,7 +3426,7 @@
             </a:pPr>
             <a:fld id="{90AA1ED2-87EA-41BE-99EC-496F7F69370F}" type="datetime1">
               <a:rPr lang="zh-CN" altLang="en-US"/>
-              <a:t>2018/11/17</a:t>
+              <a:t>2018/11/18</a:t>
             </a:fld>
             <a:endParaRPr lang="zh-CN" altLang="en-US" sz="1800">
               <a:solidFill>
@@ -3498,7 +3568,7 @@
             </a:pPr>
             <a:fld id="{9973CD95-4BFA-4A1D-9C86-9C3237F29EAA}" type="datetime1">
               <a:rPr lang="zh-CN" altLang="en-US"/>
-              <a:t>2018/11/17</a:t>
+              <a:t>2018/11/18</a:t>
             </a:fld>
             <a:endParaRPr lang="zh-CN" altLang="en-US" sz="1800">
               <a:solidFill>
@@ -3617,7 +3687,7 @@
             </a:pPr>
             <a:fld id="{06314ED7-52AE-4E0D-A884-8E2E59AEECC7}" type="datetime1">
               <a:rPr lang="zh-CN" altLang="en-US"/>
-              <a:t>2018/11/17</a:t>
+              <a:t>2018/11/18</a:t>
             </a:fld>
             <a:endParaRPr lang="zh-CN" altLang="en-US" sz="1800">
               <a:solidFill>
@@ -3918,7 +3988,7 @@
             </a:pPr>
             <a:fld id="{3950D1A5-7B69-4CEC-8258-97751E783A44}" type="datetime1">
               <a:rPr lang="zh-CN" altLang="en-US"/>
-              <a:t>2018/11/17</a:t>
+              <a:t>2018/11/18</a:t>
             </a:fld>
             <a:endParaRPr lang="zh-CN" altLang="en-US" sz="1800">
               <a:solidFill>
@@ -4198,7 +4268,7 @@
             </a:pPr>
             <a:fld id="{27939C34-CF51-4915-817E-DB81CF211490}" type="datetime1">
               <a:rPr lang="zh-CN" altLang="en-US"/>
-              <a:t>2018/11/17</a:t>
+              <a:t>2018/11/18</a:t>
             </a:fld>
             <a:endParaRPr lang="zh-CN" altLang="en-US" sz="1800">
               <a:solidFill>
@@ -4511,7 +4581,7 @@
             </a:pPr>
             <a:fld id="{DFFE92E3-3AE8-4BBA-9C65-9AC364C18C34}" type="datetime1">
               <a:rPr lang="zh-CN" altLang="en-US"/>
-              <a:t>2018/11/17</a:t>
+              <a:t>2018/11/18</a:t>
             </a:fld>
             <a:endParaRPr lang="zh-CN" altLang="en-US" sz="1800">
               <a:solidFill>
@@ -7470,11 +7540,7 @@
           <a:p>
             <a:r>
               <a:rPr lang="zh-CN" altLang="en-US" sz="2400"/>
-              <a:t>固定雾</a:t>
-            </a:r>
-            <a:r>
-              <a:rPr lang="zh-CN" altLang="en-US" sz="2400"/>
-              <a:t>节点</a:t>
+              <a:t>固定雾节点</a:t>
             </a:r>
             <a:r>
               <a:rPr lang="zh-CN" altLang="en-US" sz="2400" smtClean="0"/>
@@ -7509,11 +7575,7 @@
           <a:p>
             <a:r>
               <a:rPr lang="zh-CN" altLang="en-US" sz="2400"/>
-              <a:t>移动雾</a:t>
-            </a:r>
-            <a:r>
-              <a:rPr lang="zh-CN" altLang="en-US" sz="2400"/>
-              <a:t>节点</a:t>
+              <a:t>移动雾节点</a:t>
             </a:r>
             <a:r>
               <a:rPr lang="zh-CN" altLang="en-US" sz="2400" smtClean="0"/>
@@ -7521,11 +7583,7 @@
             </a:r>
             <a:r>
               <a:rPr lang="zh-CN" altLang="en-US" sz="2400"/>
-              <a:t>的</a:t>
-            </a:r>
-            <a:r>
-              <a:rPr lang="zh-CN" altLang="en-US" sz="2400"/>
-              <a:t>移动</a:t>
+              <a:t>的移动</a:t>
             </a:r>
             <a:r>
               <a:rPr lang="zh-CN" altLang="en-US" sz="2400" smtClean="0"/>
@@ -7550,11 +7608,7 @@
           <a:p>
             <a:r>
               <a:rPr lang="zh-CN" altLang="en-US" sz="2400"/>
-              <a:t>应用程序的过程可以分解为</a:t>
-            </a:r>
-            <a:r>
-              <a:rPr lang="zh-CN" altLang="en-US" sz="2400"/>
-              <a:t>一</a:t>
+              <a:t>应用程序的过程可以分解为一</a:t>
             </a:r>
             <a:r>
               <a:rPr lang="zh-CN" altLang="en-US" sz="2400" smtClean="0"/>
@@ -7562,11 +7616,7 @@
             </a:r>
             <a:r>
               <a:rPr lang="zh-CN" altLang="en-US" sz="2400"/>
-              <a:t>任务不能分为</a:t>
-            </a:r>
-            <a:r>
-              <a:rPr lang="zh-CN" altLang="en-US" sz="2400"/>
-              <a:t>子</a:t>
+              <a:t>任务不能分为子</a:t>
             </a:r>
             <a:r>
               <a:rPr lang="zh-CN" altLang="en-US" sz="2400" smtClean="0"/>
@@ -7587,11 +7637,7 @@
             </a:r>
             <a:r>
               <a:rPr lang="en-US" altLang="zh-CN" sz="2400" b="1"/>
-              <a:t>Client </a:t>
-            </a:r>
-            <a:r>
-              <a:rPr lang="en-US" altLang="zh-CN" sz="2400" b="1"/>
-              <a:t>Vehicles</a:t>
+              <a:t>Client Vehicles</a:t>
             </a:r>
             <a:r>
               <a:rPr lang="en-US" altLang="zh-CN" sz="2400" b="1" smtClean="0"/>
@@ -7601,11 +7647,7 @@
           <a:p>
             <a:r>
               <a:rPr lang="zh-CN" altLang="en-US" sz="2400"/>
-              <a:t>生成任务的车辆被</a:t>
-            </a:r>
-            <a:r>
-              <a:rPr lang="zh-CN" altLang="en-US" sz="2400"/>
-              <a:t>定义</a:t>
+              <a:t>生成任务的车辆被定义</a:t>
             </a:r>
             <a:r>
               <a:rPr lang="zh-CN" altLang="en-US" sz="2400" smtClean="0"/>
@@ -7655,11 +7697,7 @@
           <a:p>
             <a:r>
               <a:rPr lang="zh-CN" altLang="en-US" sz="2400"/>
-              <a:t>移动雾节点在进入或离开区域时始终通知</a:t>
-            </a:r>
-            <a:r>
-              <a:rPr lang="zh-CN" altLang="en-US" sz="2400"/>
-              <a:t>区域</a:t>
+              <a:t>移动雾节点在进入或离开区域时始终通知区域</a:t>
             </a:r>
             <a:r>
               <a:rPr lang="zh-CN" altLang="en-US" sz="2400" smtClean="0"/>
@@ -9640,8 +9678,8 @@
         </p:blipFill>
         <p:spPr bwMode="auto">
           <a:xfrm>
-            <a:off x="0" y="0"/>
-            <a:ext cx="12192000" cy="6858000"/>
+            <a:off x="0" y="-193077"/>
+            <a:ext cx="12192000" cy="7051077"/>
           </a:xfrm>
           <a:prstGeom prst="rect">
             <a:avLst/>
@@ -10518,6 +10556,695 @@
           </a:prstGeom>
         </p:spPr>
       </p:pic>
+      <mc:AlternateContent xmlns:mc="http://schemas.openxmlformats.org/markup-compatibility/2006">
+        <mc:Choice xmlns:a14="http://schemas.microsoft.com/office/drawing/2010/main" Requires="a14">
+          <p:sp>
+            <p:nvSpPr>
+              <p:cNvPr id="5" name="文本框 4"/>
+              <p:cNvSpPr txBox="1"/>
+              <p:nvPr/>
+            </p:nvSpPr>
+            <p:spPr>
+              <a:xfrm>
+                <a:off x="4124131" y="1125855"/>
+                <a:ext cx="5840963" cy="646331"/>
+              </a:xfrm>
+              <a:prstGeom prst="rect">
+                <a:avLst/>
+              </a:prstGeom>
+              <a:noFill/>
+            </p:spPr>
+            <p:txBody>
+              <a:bodyPr wrap="square" rtlCol="0">
+                <a:spAutoFit/>
+              </a:bodyPr>
+              <a:lstStyle/>
+              <a:p>
+                <a:r>
+                  <a:rPr lang="en-US" altLang="zh-CN" smtClean="0"/>
+                  <a:t>Quality Loss of Results (</a:t>
+                </a:r>
+                <a:r>
+                  <a:rPr lang="en-US" altLang="zh-CN"/>
+                  <a:t>QLR</a:t>
+                </a:r>
+                <a:r>
+                  <a:rPr lang="en-US" altLang="zh-CN" smtClean="0"/>
+                  <a:t>)</a:t>
+                </a:r>
+                <a:r>
+                  <a:rPr lang="zh-CN" altLang="en-US" smtClean="0"/>
+                  <a:t>：服务质量损失的等级</a:t>
+                </a:r>
+                <a:endParaRPr lang="en-US" altLang="zh-CN" smtClean="0"/>
+              </a:p>
+              <a:p>
+                <a14:m>
+                  <m:oMath xmlns:m="http://schemas.openxmlformats.org/officeDocument/2006/math">
+                    <m:sSub>
+                      <m:sSubPr>
+                        <m:ctrlPr>
+                          <a:rPr lang="en-US" altLang="zh-CN" i="1" smtClean="0">
+                            <a:latin typeface="Cambria Math" panose="02040503050406030204" pitchFamily="18" charset="0"/>
+                          </a:rPr>
+                        </m:ctrlPr>
+                      </m:sSubPr>
+                      <m:e>
+                        <m:r>
+                          <a:rPr lang="en-US" altLang="zh-CN" b="0" i="1" smtClean="0">
+                            <a:latin typeface="Cambria Math" panose="02040503050406030204" pitchFamily="18" charset="0"/>
+                          </a:rPr>
+                          <m:t>𝑞</m:t>
+                        </m:r>
+                      </m:e>
+                      <m:sub>
+                        <m:r>
+                          <a:rPr lang="en-US" altLang="zh-CN" b="0" i="1" smtClean="0">
+                            <a:latin typeface="Cambria Math" panose="02040503050406030204" pitchFamily="18" charset="0"/>
+                          </a:rPr>
+                          <m:t>𝑘</m:t>
+                        </m:r>
+                      </m:sub>
+                    </m:sSub>
+                    <m:r>
+                      <a:rPr lang="zh-CN" altLang="en-US" i="1">
+                        <a:latin typeface="Cambria Math" panose="02040503050406030204" pitchFamily="18" charset="0"/>
+                      </a:rPr>
+                      <m:t>：</m:t>
+                    </m:r>
+                  </m:oMath>
+                </a14:m>
+                <a:r>
+                  <a:rPr lang="zh-CN" altLang="en-US" smtClean="0"/>
+                  <a:t>对每个任务</a:t>
+                </a:r>
+                <a:r>
+                  <a:rPr lang="en-US" altLang="zh-CN" smtClean="0"/>
+                  <a:t>k</a:t>
+                </a:r>
+                <a:r>
+                  <a:rPr lang="zh-CN" altLang="en-US" smtClean="0"/>
+                  <a:t>对应的</a:t>
+                </a:r>
+                <a:r>
+                  <a:rPr lang="en-US" altLang="zh-CN" smtClean="0"/>
+                  <a:t>QLR</a:t>
+                </a:r>
+                <a:r>
+                  <a:rPr lang="zh-CN" altLang="en-US" smtClean="0"/>
+                  <a:t>等级</a:t>
+                </a:r>
+                <a:endParaRPr lang="zh-CN" altLang="en-US"/>
+              </a:p>
+            </p:txBody>
+          </p:sp>
+        </mc:Choice>
+        <mc:Fallback>
+          <p:sp>
+            <p:nvSpPr>
+              <p:cNvPr id="5" name="文本框 4"/>
+              <p:cNvSpPr txBox="1">
+                <a:spLocks noRot="1" noChangeAspect="1" noMove="1" noResize="1" noEditPoints="1" noAdjustHandles="1" noChangeArrowheads="1" noChangeShapeType="1" noTextEdit="1"/>
+              </p:cNvSpPr>
+              <p:nvPr/>
+            </p:nvSpPr>
+            <p:spPr>
+              <a:xfrm>
+                <a:off x="4124131" y="1125855"/>
+                <a:ext cx="5840963" cy="646331"/>
+              </a:xfrm>
+              <a:prstGeom prst="rect">
+                <a:avLst/>
+              </a:prstGeom>
+              <a:blipFill rotWithShape="0">
+                <a:blip r:embed="rId5"/>
+                <a:stretch>
+                  <a:fillRect l="-939" t="-7547" b="-15094"/>
+                </a:stretch>
+              </a:blipFill>
+            </p:spPr>
+            <p:txBody>
+              <a:bodyPr/>
+              <a:lstStyle/>
+              <a:p>
+                <a:r>
+                  <a:rPr lang="zh-CN" altLang="en-US">
+                    <a:noFill/>
+                  </a:rPr>
+                  <a:t> </a:t>
+                </a:r>
+              </a:p>
+            </p:txBody>
+          </p:sp>
+        </mc:Fallback>
+      </mc:AlternateContent>
+      <mc:AlternateContent xmlns:mc="http://schemas.openxmlformats.org/markup-compatibility/2006">
+        <mc:Choice xmlns:a14="http://schemas.microsoft.com/office/drawing/2010/main" Requires="a14">
+          <p:sp>
+            <p:nvSpPr>
+              <p:cNvPr id="6" name="文本框 5"/>
+              <p:cNvSpPr txBox="1"/>
+              <p:nvPr/>
+            </p:nvSpPr>
+            <p:spPr>
+              <a:xfrm>
+                <a:off x="7808252" y="2369591"/>
+                <a:ext cx="4019576" cy="945643"/>
+              </a:xfrm>
+              <a:prstGeom prst="rect">
+                <a:avLst/>
+              </a:prstGeom>
+              <a:noFill/>
+            </p:spPr>
+            <p:txBody>
+              <a:bodyPr wrap="square" rtlCol="0">
+                <a:spAutoFit/>
+              </a:bodyPr>
+              <a:lstStyle/>
+              <a:p>
+                <a:r>
+                  <a:rPr lang="en-US" altLang="zh-CN" smtClean="0"/>
+                  <a:t>D(</a:t>
+                </a:r>
+                <a14:m>
+                  <m:oMath xmlns:m="http://schemas.openxmlformats.org/officeDocument/2006/math">
+                    <m:sSub>
+                      <m:sSubPr>
+                        <m:ctrlPr>
+                          <a:rPr lang="en-US" altLang="zh-CN" i="1">
+                            <a:latin typeface="Cambria Math" panose="02040503050406030204" pitchFamily="18" charset="0"/>
+                          </a:rPr>
+                        </m:ctrlPr>
+                      </m:sSubPr>
+                      <m:e>
+                        <m:r>
+                          <a:rPr lang="en-US" altLang="zh-CN" i="1">
+                            <a:latin typeface="Cambria Math" panose="02040503050406030204" pitchFamily="18" charset="0"/>
+                          </a:rPr>
+                          <m:t>𝑞</m:t>
+                        </m:r>
+                      </m:e>
+                      <m:sub>
+                        <m:r>
+                          <a:rPr lang="en-US" altLang="zh-CN" i="1">
+                            <a:latin typeface="Cambria Math" panose="02040503050406030204" pitchFamily="18" charset="0"/>
+                          </a:rPr>
+                          <m:t>𝑘</m:t>
+                        </m:r>
+                      </m:sub>
+                    </m:sSub>
+                  </m:oMath>
+                </a14:m>
+                <a:r>
+                  <a:rPr lang="en-US" altLang="zh-CN" smtClean="0"/>
+                  <a:t>)</a:t>
+                </a:r>
+                <a:r>
+                  <a:rPr lang="zh-CN" altLang="en-US" smtClean="0"/>
+                  <a:t>：当</a:t>
+                </a:r>
+                <a:r>
+                  <a:rPr lang="en-US" altLang="zh-CN" smtClean="0"/>
+                  <a:t>QLR</a:t>
+                </a:r>
+                <a:r>
+                  <a:rPr lang="zh-CN" altLang="en-US" smtClean="0"/>
+                  <a:t>为</a:t>
+                </a:r>
+                <a14:m>
+                  <m:oMath xmlns:m="http://schemas.openxmlformats.org/officeDocument/2006/math">
+                    <m:sSub>
+                      <m:sSubPr>
+                        <m:ctrlPr>
+                          <a:rPr lang="en-US" altLang="zh-CN" i="1" smtClean="0">
+                            <a:latin typeface="Cambria Math" panose="02040503050406030204" pitchFamily="18" charset="0"/>
+                          </a:rPr>
+                        </m:ctrlPr>
+                      </m:sSubPr>
+                      <m:e>
+                        <m:r>
+                          <a:rPr lang="en-US" altLang="zh-CN" b="0" i="1" smtClean="0">
+                            <a:latin typeface="Cambria Math" panose="02040503050406030204" pitchFamily="18" charset="0"/>
+                          </a:rPr>
+                          <m:t>𝑞</m:t>
+                        </m:r>
+                      </m:e>
+                      <m:sub>
+                        <m:r>
+                          <a:rPr lang="en-US" altLang="zh-CN" b="0" i="1" smtClean="0">
+                            <a:latin typeface="Cambria Math" panose="02040503050406030204" pitchFamily="18" charset="0"/>
+                          </a:rPr>
+                          <m:t>𝑘</m:t>
+                        </m:r>
+                      </m:sub>
+                    </m:sSub>
+                    <m:r>
+                      <a:rPr lang="zh-CN" altLang="en-US" i="1">
+                        <a:latin typeface="Cambria Math" panose="02040503050406030204" pitchFamily="18" charset="0"/>
+                      </a:rPr>
+                      <m:t>时</m:t>
+                    </m:r>
+                  </m:oMath>
+                </a14:m>
+                <a:r>
+                  <a:rPr lang="zh-CN" altLang="en-US" smtClean="0"/>
+                  <a:t>传输数据量的大小</a:t>
+                </a:r>
+                <a:endParaRPr lang="en-US" altLang="zh-CN" smtClean="0"/>
+              </a:p>
+              <a:p>
+                <a14:m>
+                  <m:oMath xmlns:m="http://schemas.openxmlformats.org/officeDocument/2006/math">
+                    <m:sSub>
+                      <m:sSubPr>
+                        <m:ctrlPr>
+                          <a:rPr lang="en-US" altLang="zh-CN" i="1" smtClean="0">
+                            <a:latin typeface="Cambria Math" panose="02040503050406030204" pitchFamily="18" charset="0"/>
+                          </a:rPr>
+                        </m:ctrlPr>
+                      </m:sSubPr>
+                      <m:e>
+                        <m:r>
+                          <a:rPr lang="en-US" altLang="zh-CN" b="0" i="1" smtClean="0">
+                            <a:latin typeface="Cambria Math" panose="02040503050406030204" pitchFamily="18" charset="0"/>
+                          </a:rPr>
+                          <m:t>𝐶</m:t>
+                        </m:r>
+                      </m:e>
+                      <m:sub>
+                        <m:r>
+                          <a:rPr lang="en-US" altLang="zh-CN" b="0" i="1" smtClean="0">
+                            <a:latin typeface="Cambria Math" panose="02040503050406030204" pitchFamily="18" charset="0"/>
+                          </a:rPr>
+                          <m:t>𝑖𝑗</m:t>
+                        </m:r>
+                      </m:sub>
+                    </m:sSub>
+                    <m:r>
+                      <a:rPr lang="zh-CN" altLang="en-US" i="1">
+                        <a:latin typeface="Cambria Math" panose="02040503050406030204" pitchFamily="18" charset="0"/>
+                      </a:rPr>
+                      <m:t>：</m:t>
+                    </m:r>
+                  </m:oMath>
+                </a14:m>
+                <a:r>
+                  <a:rPr lang="zh-CN" altLang="en-US" smtClean="0"/>
+                  <a:t>结点</a:t>
+                </a:r>
+                <a:r>
+                  <a:rPr lang="en-US" altLang="zh-CN" smtClean="0"/>
+                  <a:t>j</a:t>
+                </a:r>
+                <a:r>
+                  <a:rPr lang="zh-CN" altLang="en-US" smtClean="0"/>
+                  <a:t>和</a:t>
+                </a:r>
+                <a:r>
+                  <a:rPr lang="en-US" altLang="zh-CN" smtClean="0"/>
+                  <a:t>client i</a:t>
+                </a:r>
+                <a:r>
+                  <a:rPr lang="zh-CN" altLang="en-US" smtClean="0"/>
+                  <a:t>之间的数据传输率</a:t>
+                </a:r>
+                <a:endParaRPr lang="zh-CN" altLang="en-US"/>
+              </a:p>
+            </p:txBody>
+          </p:sp>
+        </mc:Choice>
+        <mc:Fallback>
+          <p:sp>
+            <p:nvSpPr>
+              <p:cNvPr id="6" name="文本框 5"/>
+              <p:cNvSpPr txBox="1">
+                <a:spLocks noRot="1" noChangeAspect="1" noMove="1" noResize="1" noEditPoints="1" noAdjustHandles="1" noChangeArrowheads="1" noChangeShapeType="1" noTextEdit="1"/>
+              </p:cNvSpPr>
+              <p:nvPr/>
+            </p:nvSpPr>
+            <p:spPr>
+              <a:xfrm>
+                <a:off x="7808252" y="2369591"/>
+                <a:ext cx="4019576" cy="945643"/>
+              </a:xfrm>
+              <a:prstGeom prst="rect">
+                <a:avLst/>
+              </a:prstGeom>
+              <a:blipFill rotWithShape="0">
+                <a:blip r:embed="rId6"/>
+                <a:stretch>
+                  <a:fillRect l="-1366" t="-5161" r="-152" b="-7097"/>
+                </a:stretch>
+              </a:blipFill>
+            </p:spPr>
+            <p:txBody>
+              <a:bodyPr/>
+              <a:lstStyle/>
+              <a:p>
+                <a:r>
+                  <a:rPr lang="zh-CN" altLang="en-US">
+                    <a:noFill/>
+                  </a:rPr>
+                  <a:t> </a:t>
+                </a:r>
+              </a:p>
+            </p:txBody>
+          </p:sp>
+        </mc:Fallback>
+      </mc:AlternateContent>
+      <p:sp>
+        <p:nvSpPr>
+          <p:cNvPr id="7" name="文本框 6"/>
+          <p:cNvSpPr txBox="1"/>
+          <p:nvPr/>
+        </p:nvSpPr>
+        <p:spPr>
+          <a:xfrm>
+            <a:off x="1106128" y="3116424"/>
+            <a:ext cx="1674393" cy="369332"/>
+          </a:xfrm>
+          <a:prstGeom prst="rect">
+            <a:avLst/>
+          </a:prstGeom>
+          <a:noFill/>
+        </p:spPr>
+        <p:txBody>
+          <a:bodyPr wrap="square" rtlCol="0">
+            <a:spAutoFit/>
+          </a:bodyPr>
+          <a:lstStyle/>
+          <a:p>
+            <a:r>
+              <a:rPr lang="en-US" altLang="zh-CN" smtClean="0"/>
+              <a:t>2.</a:t>
+            </a:r>
+            <a:r>
+              <a:rPr lang="zh-CN" altLang="en-US" smtClean="0"/>
+              <a:t>处理延迟：</a:t>
+            </a:r>
+            <a:endParaRPr lang="zh-CN" altLang="en-US"/>
+          </a:p>
+        </p:txBody>
+      </p:sp>
+      <p:pic>
+        <p:nvPicPr>
+          <p:cNvPr id="9" name="图片 8"/>
+          <p:cNvPicPr>
+            <a:picLocks noChangeAspect="1"/>
+          </p:cNvPicPr>
+          <p:nvPr/>
+        </p:nvPicPr>
+        <p:blipFill>
+          <a:blip r:embed="rId7"/>
+          <a:stretch>
+            <a:fillRect/>
+          </a:stretch>
+        </p:blipFill>
+        <p:spPr>
+          <a:xfrm>
+            <a:off x="3253603" y="3127929"/>
+            <a:ext cx="4190476" cy="504762"/>
+          </a:xfrm>
+          <a:prstGeom prst="rect">
+            <a:avLst/>
+          </a:prstGeom>
+        </p:spPr>
+      </p:pic>
+      <mc:AlternateContent xmlns:mc="http://schemas.openxmlformats.org/markup-compatibility/2006">
+        <mc:Choice xmlns:a14="http://schemas.microsoft.com/office/drawing/2010/main" Requires="a14">
+          <p:sp>
+            <p:nvSpPr>
+              <p:cNvPr id="10" name="文本框 9"/>
+              <p:cNvSpPr txBox="1"/>
+              <p:nvPr/>
+            </p:nvSpPr>
+            <p:spPr>
+              <a:xfrm>
+                <a:off x="6096317" y="3725227"/>
+                <a:ext cx="4130034" cy="923330"/>
+              </a:xfrm>
+              <a:prstGeom prst="rect">
+                <a:avLst/>
+              </a:prstGeom>
+              <a:noFill/>
+            </p:spPr>
+            <p:txBody>
+              <a:bodyPr wrap="square" rtlCol="0">
+                <a:spAutoFit/>
+              </a:bodyPr>
+              <a:lstStyle/>
+              <a:p>
+                <a:r>
+                  <a:rPr lang="en-US" altLang="zh-CN" smtClean="0"/>
+                  <a:t>P(</a:t>
+                </a:r>
+                <a14:m>
+                  <m:oMath xmlns:m="http://schemas.openxmlformats.org/officeDocument/2006/math">
+                    <m:sSub>
+                      <m:sSubPr>
+                        <m:ctrlPr>
+                          <a:rPr lang="en-US" altLang="zh-CN" i="1">
+                            <a:latin typeface="Cambria Math" panose="02040503050406030204" pitchFamily="18" charset="0"/>
+                          </a:rPr>
+                        </m:ctrlPr>
+                      </m:sSubPr>
+                      <m:e>
+                        <m:r>
+                          <a:rPr lang="en-US" altLang="zh-CN" i="1">
+                            <a:latin typeface="Cambria Math" panose="02040503050406030204" pitchFamily="18" charset="0"/>
+                          </a:rPr>
+                          <m:t>𝑞</m:t>
+                        </m:r>
+                      </m:e>
+                      <m:sub>
+                        <m:r>
+                          <a:rPr lang="en-US" altLang="zh-CN" i="1">
+                            <a:latin typeface="Cambria Math" panose="02040503050406030204" pitchFamily="18" charset="0"/>
+                          </a:rPr>
+                          <m:t>𝑘</m:t>
+                        </m:r>
+                      </m:sub>
+                    </m:sSub>
+                  </m:oMath>
+                </a14:m>
+                <a:r>
+                  <a:rPr lang="en-US" altLang="zh-CN"/>
+                  <a:t>)</a:t>
+                </a:r>
+                <a:r>
+                  <a:rPr lang="zh-CN" altLang="en-US"/>
+                  <a:t>：当</a:t>
+                </a:r>
+                <a:r>
+                  <a:rPr lang="en-US" altLang="zh-CN"/>
+                  <a:t>QLR</a:t>
+                </a:r>
+                <a:r>
+                  <a:rPr lang="zh-CN" altLang="en-US"/>
+                  <a:t>为</a:t>
+                </a:r>
+                <a14:m>
+                  <m:oMath xmlns:m="http://schemas.openxmlformats.org/officeDocument/2006/math">
+                    <m:sSub>
+                      <m:sSubPr>
+                        <m:ctrlPr>
+                          <a:rPr lang="en-US" altLang="zh-CN" i="1">
+                            <a:latin typeface="Cambria Math" panose="02040503050406030204" pitchFamily="18" charset="0"/>
+                          </a:rPr>
+                        </m:ctrlPr>
+                      </m:sSubPr>
+                      <m:e>
+                        <m:r>
+                          <a:rPr lang="en-US" altLang="zh-CN" i="1">
+                            <a:latin typeface="Cambria Math" panose="02040503050406030204" pitchFamily="18" charset="0"/>
+                          </a:rPr>
+                          <m:t>𝑞</m:t>
+                        </m:r>
+                      </m:e>
+                      <m:sub>
+                        <m:r>
+                          <a:rPr lang="en-US" altLang="zh-CN" i="1">
+                            <a:latin typeface="Cambria Math" panose="02040503050406030204" pitchFamily="18" charset="0"/>
+                          </a:rPr>
+                          <m:t>𝑘</m:t>
+                        </m:r>
+                      </m:sub>
+                    </m:sSub>
+                    <m:r>
+                      <a:rPr lang="zh-CN" altLang="en-US" i="1">
+                        <a:latin typeface="Cambria Math" panose="02040503050406030204" pitchFamily="18" charset="0"/>
+                      </a:rPr>
+                      <m:t>时</m:t>
+                    </m:r>
+                  </m:oMath>
+                </a14:m>
+                <a:r>
+                  <a:rPr lang="zh-CN" altLang="en-US" smtClean="0"/>
+                  <a:t>所需要的处理</a:t>
+                </a:r>
+                <a:r>
+                  <a:rPr lang="zh-CN" altLang="en-US"/>
+                  <a:t>延迟</a:t>
+                </a:r>
+                <a:endParaRPr lang="en-US" altLang="zh-CN"/>
+              </a:p>
+              <a:p>
+                <a:endParaRPr lang="zh-CN" altLang="en-US"/>
+              </a:p>
+            </p:txBody>
+          </p:sp>
+        </mc:Choice>
+        <mc:Fallback>
+          <p:sp>
+            <p:nvSpPr>
+              <p:cNvPr id="10" name="文本框 9"/>
+              <p:cNvSpPr txBox="1">
+                <a:spLocks noRot="1" noChangeAspect="1" noMove="1" noResize="1" noEditPoints="1" noAdjustHandles="1" noChangeArrowheads="1" noChangeShapeType="1" noTextEdit="1"/>
+              </p:cNvSpPr>
+              <p:nvPr/>
+            </p:nvSpPr>
+            <p:spPr>
+              <a:xfrm>
+                <a:off x="6096317" y="3725227"/>
+                <a:ext cx="4130034" cy="923330"/>
+              </a:xfrm>
+              <a:prstGeom prst="rect">
+                <a:avLst/>
+              </a:prstGeom>
+              <a:blipFill rotWithShape="0">
+                <a:blip r:embed="rId8"/>
+                <a:stretch>
+                  <a:fillRect l="-1180" t="-4605"/>
+                </a:stretch>
+              </a:blipFill>
+            </p:spPr>
+            <p:txBody>
+              <a:bodyPr/>
+              <a:lstStyle/>
+              <a:p>
+                <a:r>
+                  <a:rPr lang="zh-CN" altLang="en-US">
+                    <a:noFill/>
+                  </a:rPr>
+                  <a:t> </a:t>
+                </a:r>
+              </a:p>
+            </p:txBody>
+          </p:sp>
+        </mc:Fallback>
+      </mc:AlternateContent>
+      <p:sp>
+        <p:nvSpPr>
+          <p:cNvPr id="12" name="文本框 11"/>
+          <p:cNvSpPr txBox="1"/>
+          <p:nvPr/>
+        </p:nvSpPr>
+        <p:spPr>
+          <a:xfrm>
+            <a:off x="1623527" y="4648556"/>
+            <a:ext cx="5281126" cy="369332"/>
+          </a:xfrm>
+          <a:prstGeom prst="rect">
+            <a:avLst/>
+          </a:prstGeom>
+          <a:noFill/>
+        </p:spPr>
+        <p:txBody>
+          <a:bodyPr wrap="square" rtlCol="0">
+            <a:spAutoFit/>
+          </a:bodyPr>
+          <a:lstStyle/>
+          <a:p>
+            <a:r>
+              <a:rPr lang="zh-CN" altLang="en-US" smtClean="0"/>
+              <a:t>每个任务</a:t>
+            </a:r>
+            <a:r>
+              <a:rPr lang="en-US" altLang="zh-CN" smtClean="0"/>
+              <a:t>k</a:t>
+            </a:r>
+            <a:r>
+              <a:rPr lang="zh-CN" altLang="en-US" smtClean="0"/>
+              <a:t>的服务延迟：</a:t>
+            </a:r>
+            <a:endParaRPr lang="zh-CN" altLang="en-US"/>
+          </a:p>
+        </p:txBody>
+      </p:sp>
+      <p:pic>
+        <p:nvPicPr>
+          <p:cNvPr id="13" name="图片 12"/>
+          <p:cNvPicPr>
+            <a:picLocks noChangeAspect="1"/>
+          </p:cNvPicPr>
+          <p:nvPr/>
+        </p:nvPicPr>
+        <p:blipFill>
+          <a:blip r:embed="rId9"/>
+          <a:stretch>
+            <a:fillRect/>
+          </a:stretch>
+        </p:blipFill>
+        <p:spPr>
+          <a:xfrm>
+            <a:off x="4124131" y="4663299"/>
+            <a:ext cx="4304762" cy="447619"/>
+          </a:xfrm>
+          <a:prstGeom prst="rect">
+            <a:avLst/>
+          </a:prstGeom>
+        </p:spPr>
+      </p:pic>
+      <p:sp>
+        <p:nvSpPr>
+          <p:cNvPr id="14" name="文本框 13"/>
+          <p:cNvSpPr txBox="1"/>
+          <p:nvPr/>
+        </p:nvSpPr>
+        <p:spPr>
+          <a:xfrm>
+            <a:off x="2537927" y="5355771"/>
+            <a:ext cx="5890966" cy="369332"/>
+          </a:xfrm>
+          <a:prstGeom prst="rect">
+            <a:avLst/>
+          </a:prstGeom>
+          <a:noFill/>
+        </p:spPr>
+        <p:txBody>
+          <a:bodyPr wrap="square" rtlCol="0">
+            <a:spAutoFit/>
+          </a:bodyPr>
+          <a:lstStyle/>
+          <a:p>
+            <a:r>
+              <a:rPr lang="en-US" altLang="zh-CN" smtClean="0"/>
+              <a:t>l:</a:t>
+            </a:r>
+            <a:r>
+              <a:rPr lang="zh-CN" altLang="en-US" smtClean="0"/>
+              <a:t>是固定的时间开销，代表结点</a:t>
+            </a:r>
+            <a:r>
+              <a:rPr lang="en-US" altLang="zh-CN" smtClean="0"/>
+              <a:t>j</a:t>
+            </a:r>
+            <a:r>
+              <a:rPr lang="zh-CN" altLang="en-US" smtClean="0"/>
+              <a:t>和</a:t>
+            </a:r>
+            <a:r>
+              <a:rPr lang="en-US" altLang="zh-CN" smtClean="0"/>
+              <a:t>i</a:t>
+            </a:r>
+            <a:r>
+              <a:rPr lang="zh-CN" altLang="en-US" smtClean="0"/>
+              <a:t>之间的往返时延</a:t>
+            </a:r>
+            <a:endParaRPr lang="zh-CN" altLang="en-US"/>
+          </a:p>
+        </p:txBody>
+      </p:sp>
     </p:spTree>
     <p:extLst>
       <p:ext uri="{BB962C8B-B14F-4D97-AF65-F5344CB8AC3E}">
@@ -10578,7 +11305,7 @@
         </p:blipFill>
         <p:spPr bwMode="auto">
           <a:xfrm>
-            <a:off x="0" y="0"/>
+            <a:off x="0" y="-242596"/>
             <a:ext cx="12192000" cy="6858000"/>
           </a:xfrm>
           <a:prstGeom prst="rect">
@@ -11368,6 +12095,152 @@
           </a:p>
         </p:txBody>
       </p:sp>
+      <p:sp>
+        <p:nvSpPr>
+          <p:cNvPr id="2" name="文本框 1"/>
+          <p:cNvSpPr txBox="1"/>
+          <p:nvPr/>
+        </p:nvSpPr>
+        <p:spPr>
+          <a:xfrm>
+            <a:off x="1082351" y="1343608"/>
+            <a:ext cx="3172408" cy="369332"/>
+          </a:xfrm>
+          <a:prstGeom prst="rect">
+            <a:avLst/>
+          </a:prstGeom>
+          <a:noFill/>
+        </p:spPr>
+        <p:txBody>
+          <a:bodyPr wrap="square" rtlCol="0">
+            <a:spAutoFit/>
+          </a:bodyPr>
+          <a:lstStyle/>
+          <a:p>
+            <a:r>
+              <a:rPr lang="zh-CN" altLang="en-US" smtClean="0"/>
+              <a:t>约束</a:t>
+            </a:r>
+            <a:endParaRPr lang="zh-CN" altLang="en-US"/>
+          </a:p>
+        </p:txBody>
+      </p:sp>
+      <p:sp>
+        <p:nvSpPr>
+          <p:cNvPr id="3" name="文本框 2"/>
+          <p:cNvSpPr txBox="1"/>
+          <p:nvPr/>
+        </p:nvSpPr>
+        <p:spPr>
+          <a:xfrm>
+            <a:off x="1082351" y="1712940"/>
+            <a:ext cx="3377682" cy="369332"/>
+          </a:xfrm>
+          <a:prstGeom prst="rect">
+            <a:avLst/>
+          </a:prstGeom>
+          <a:noFill/>
+        </p:spPr>
+        <p:txBody>
+          <a:bodyPr wrap="square" rtlCol="0">
+            <a:spAutoFit/>
+          </a:bodyPr>
+          <a:lstStyle/>
+          <a:p>
+            <a:r>
+              <a:rPr lang="en-US" altLang="zh-CN" smtClean="0"/>
+              <a:t>1.</a:t>
+            </a:r>
+            <a:r>
+              <a:rPr lang="zh-CN" altLang="en-US" smtClean="0"/>
+              <a:t>质量损失约束：</a:t>
+            </a:r>
+            <a:endParaRPr lang="zh-CN" altLang="en-US"/>
+          </a:p>
+        </p:txBody>
+      </p:sp>
+      <p:pic>
+        <p:nvPicPr>
+          <p:cNvPr id="4" name="图片 3"/>
+          <p:cNvPicPr>
+            <a:picLocks noChangeAspect="1"/>
+          </p:cNvPicPr>
+          <p:nvPr/>
+        </p:nvPicPr>
+        <p:blipFill>
+          <a:blip r:embed="rId4"/>
+          <a:stretch>
+            <a:fillRect/>
+          </a:stretch>
+        </p:blipFill>
+        <p:spPr>
+          <a:xfrm>
+            <a:off x="3287646" y="1730693"/>
+            <a:ext cx="4123809" cy="400000"/>
+          </a:xfrm>
+          <a:prstGeom prst="rect">
+            <a:avLst/>
+          </a:prstGeom>
+        </p:spPr>
+      </p:pic>
+      <p:sp>
+        <p:nvSpPr>
+          <p:cNvPr id="5" name="文本框 4"/>
+          <p:cNvSpPr txBox="1"/>
+          <p:nvPr/>
+        </p:nvSpPr>
+        <p:spPr>
+          <a:xfrm>
+            <a:off x="1119676" y="2388637"/>
+            <a:ext cx="3091542" cy="369332"/>
+          </a:xfrm>
+          <a:prstGeom prst="rect">
+            <a:avLst/>
+          </a:prstGeom>
+          <a:noFill/>
+        </p:spPr>
+        <p:txBody>
+          <a:bodyPr wrap="square" rtlCol="0">
+            <a:spAutoFit/>
+          </a:bodyPr>
+          <a:lstStyle/>
+          <a:p>
+            <a:r>
+              <a:rPr lang="en-US" altLang="zh-CN" smtClean="0"/>
+              <a:t>2.</a:t>
+            </a:r>
+            <a:r>
+              <a:rPr lang="zh-CN" altLang="en-US" smtClean="0"/>
+              <a:t>分配约束：</a:t>
+            </a:r>
+            <a:endParaRPr lang="zh-CN" altLang="en-US"/>
+          </a:p>
+        </p:txBody>
+      </p:sp>
+      <p:pic>
+        <p:nvPicPr>
+          <p:cNvPr id="7" name="图片 6"/>
+          <p:cNvPicPr>
+            <a:picLocks noChangeAspect="1"/>
+          </p:cNvPicPr>
+          <p:nvPr/>
+        </p:nvPicPr>
+        <p:blipFill>
+          <a:blip r:embed="rId5"/>
+          <a:stretch>
+            <a:fillRect/>
+          </a:stretch>
+        </p:blipFill>
+        <p:spPr>
+          <a:xfrm>
+            <a:off x="3162554" y="2213059"/>
+            <a:ext cx="4038095" cy="752381"/>
+          </a:xfrm>
+          <a:prstGeom prst="rect">
+            <a:avLst/>
+          </a:prstGeom>
+        </p:spPr>
+      </p:pic>
     </p:spTree>
     <p:extLst>
       <p:ext uri="{BB962C8B-B14F-4D97-AF65-F5344CB8AC3E}">

--- a/Folo Latency andQuality Optimized Task Allocation in Vehicular Fog Computing/2018-11-20.pptx
+++ b/Folo Latency andQuality Optimized Task Allocation in Vehicular Fog Computing/2018-11-20.pptx
@@ -5,7 +5,7 @@
     <p:sldMasterId id="2147483648" r:id="rId1"/>
   </p:sldMasterIdLst>
   <p:notesMasterIdLst>
-    <p:notesMasterId r:id="rId10"/>
+    <p:notesMasterId r:id="rId13"/>
   </p:notesMasterIdLst>
   <p:sldIdLst>
     <p:sldId id="259" r:id="rId2"/>
@@ -15,7 +15,10 @@
     <p:sldId id="297" r:id="rId6"/>
     <p:sldId id="298" r:id="rId7"/>
     <p:sldId id="299" r:id="rId8"/>
-    <p:sldId id="272" r:id="rId9"/>
+    <p:sldId id="300" r:id="rId9"/>
+    <p:sldId id="301" r:id="rId10"/>
+    <p:sldId id="302" r:id="rId11"/>
+    <p:sldId id="272" r:id="rId12"/>
   </p:sldIdLst>
   <p:sldSz cx="12192000" cy="6858000"/>
   <p:notesSz cx="6858000" cy="9144000"/>
@@ -253,7 +256,7 @@
           <a:p>
             <a:fld id="{D2A48B96-639E-45A3-A0BA-2464DFDB1FAA}" type="datetimeFigureOut">
               <a:rPr lang="zh-CN" altLang="en-US" smtClean="0"/>
-              <a:t>2018/11/18</a:t>
+              <a:t>2018/11/19</a:t>
             </a:fld>
             <a:endParaRPr lang="zh-CN" altLang="en-US"/>
           </a:p>
@@ -613,6 +616,103 @@
 </p:notes>
 </file>
 
+<file path=ppt/notesSlides/notesSlide10.xml><?xml version="1.0" encoding="utf-8"?>
+<p:notes xmlns:a="http://schemas.openxmlformats.org/drawingml/2006/main" xmlns:r="http://schemas.openxmlformats.org/officeDocument/2006/relationships" xmlns:p="http://schemas.openxmlformats.org/presentationml/2006/main">
+  <p:cSld>
+    <p:spTree>
+      <p:nvGrpSpPr>
+        <p:cNvPr id="1" name=""/>
+        <p:cNvGrpSpPr/>
+        <p:nvPr/>
+      </p:nvGrpSpPr>
+      <p:grpSpPr>
+        <a:xfrm>
+          <a:off x="0" y="0"/>
+          <a:ext cx="0" cy="0"/>
+          <a:chOff x="0" y="0"/>
+          <a:chExt cx="0" cy="0"/>
+        </a:xfrm>
+      </p:grpSpPr>
+      <p:sp>
+        <p:nvSpPr>
+          <p:cNvPr id="2" name="幻灯片图像占位符 1"/>
+          <p:cNvSpPr>
+            <a:spLocks noGrp="1" noRot="1" noChangeAspect="1"/>
+          </p:cNvSpPr>
+          <p:nvPr>
+            <p:ph type="sldImg" idx="2"/>
+          </p:nvPr>
+        </p:nvSpPr>
+        <p:spPr/>
+      </p:sp>
+      <p:sp>
+        <p:nvSpPr>
+          <p:cNvPr id="3" name="文本占位符 2"/>
+          <p:cNvSpPr>
+            <a:spLocks noGrp="1"/>
+          </p:cNvSpPr>
+          <p:nvPr>
+            <p:ph type="body" idx="3"/>
+          </p:nvPr>
+        </p:nvSpPr>
+        <p:spPr/>
+        <p:txBody>
+          <a:bodyPr/>
+          <a:lstStyle/>
+          <a:p>
+            <a:r>
+              <a:rPr lang="zh-CN" altLang="en-US" smtClean="0"/>
+              <a:t>可以根据实际需要分别调整</a:t>
+            </a:r>
+            <a:r>
+              <a:rPr lang="en-US" altLang="zh-CN" smtClean="0"/>
+              <a:t>Folo</a:t>
+            </a:r>
+            <a:r>
+              <a:rPr lang="zh-CN" altLang="en-US" smtClean="0"/>
+              <a:t>以对服务延迟敏感和质量敏感。 具体来说，我们的解决方案可将服务延迟降低多达</a:t>
+            </a:r>
+            <a:r>
+              <a:rPr lang="en-US" altLang="zh-CN" smtClean="0"/>
+              <a:t>27</a:t>
+            </a:r>
+            <a:r>
+              <a:rPr lang="zh-CN" altLang="en-US" smtClean="0"/>
+              <a:t>％，并将</a:t>
+            </a:r>
+            <a:r>
+              <a:rPr lang="en-US" altLang="zh-CN" smtClean="0"/>
+              <a:t>QLR</a:t>
+            </a:r>
+            <a:r>
+              <a:rPr lang="zh-CN" altLang="en-US" smtClean="0"/>
+              <a:t>提高多达</a:t>
+            </a:r>
+            <a:r>
+              <a:rPr lang="en-US" altLang="zh-CN" smtClean="0"/>
+              <a:t>56</a:t>
+            </a:r>
+            <a:r>
+              <a:rPr lang="zh-CN" altLang="en-US" smtClean="0"/>
+              <a:t>％</a:t>
+            </a:r>
+            <a:endParaRPr lang="zh-CN" altLang="en-US"/>
+          </a:p>
+        </p:txBody>
+      </p:sp>
+    </p:spTree>
+    <p:extLst>
+      <p:ext uri="{BB962C8B-B14F-4D97-AF65-F5344CB8AC3E}">
+        <p14:creationId xmlns:p14="http://schemas.microsoft.com/office/powerpoint/2010/main" val="541879839"/>
+      </p:ext>
+    </p:extLst>
+  </p:cSld>
+  <p:clrMapOvr>
+    <a:masterClrMapping/>
+  </p:clrMapOvr>
+</p:notes>
+</file>
+
 <file path=ppt/notesSlides/notesSlide2.xml><?xml version="1.0" encoding="utf-8"?>
 <p:notes xmlns:a="http://schemas.openxmlformats.org/drawingml/2006/main" xmlns:r="http://schemas.openxmlformats.org/officeDocument/2006/relationships" xmlns:p="http://schemas.openxmlformats.org/presentationml/2006/main">
   <p:cSld>
@@ -859,19 +959,7 @@
                 <a:ea typeface="+mn-ea"/>
                 <a:cs typeface="+mn-cs"/>
               </a:rPr>
-              <a:t>在初始阶段，客户端车辆需要确定哪个移动雾节点在其通信范围内。 它通过</a:t>
-            </a:r>
-            <a:r>
-              <a:rPr lang="en-US" altLang="zh-CN" sz="1200" b="0" i="0" kern="1200" smtClean="0">
-                <a:solidFill>
-                  <a:schemeClr val="tx1"/>
-                </a:solidFill>
-                <a:effectLst/>
-                <a:latin typeface="+mn-lt"/>
-                <a:ea typeface="+mn-ea"/>
-                <a:cs typeface="+mn-cs"/>
-              </a:rPr>
-              <a:t>DSRC</a:t>
+              <a:t>首先客户端车辆通过广播</a:t>
             </a:r>
             <a:r>
               <a:rPr lang="zh-CN" altLang="en-US" sz="1200" b="0" i="0" kern="1200" smtClean="0">
@@ -883,79 +971,7 @@
                 <a:ea typeface="+mn-ea"/>
                 <a:cs typeface="+mn-cs"/>
               </a:rPr>
-              <a:t>广播单跳探测消息，并从雾节点收集响应。响应的任何雾节点都包含在雾候选列表中。 如图</a:t>
-            </a:r>
-            <a:r>
-              <a:rPr lang="en-US" altLang="zh-CN" sz="1200" b="0" i="0" kern="1200" smtClean="0">
-                <a:solidFill>
-                  <a:schemeClr val="tx1"/>
-                </a:solidFill>
-                <a:effectLst/>
-                <a:latin typeface="+mn-lt"/>
-                <a:ea typeface="+mn-ea"/>
-                <a:cs typeface="+mn-cs"/>
-              </a:rPr>
-              <a:t>1</a:t>
-            </a:r>
-            <a:r>
-              <a:rPr lang="zh-CN" altLang="en-US" sz="1200" b="0" i="0" kern="1200" smtClean="0">
-                <a:solidFill>
-                  <a:schemeClr val="tx1"/>
-                </a:solidFill>
-                <a:effectLst/>
-                <a:latin typeface="+mn-lt"/>
-                <a:ea typeface="+mn-ea"/>
-                <a:cs typeface="+mn-cs"/>
-              </a:rPr>
-              <a:t>所示，客户车</a:t>
-            </a:r>
-            <a:r>
-              <a:rPr lang="en-US" altLang="zh-CN" sz="1200" b="0" i="0" kern="1200" smtClean="0">
-                <a:solidFill>
-                  <a:schemeClr val="tx1"/>
-                </a:solidFill>
-                <a:effectLst/>
-                <a:latin typeface="+mn-lt"/>
-                <a:ea typeface="+mn-ea"/>
-                <a:cs typeface="+mn-cs"/>
-              </a:rPr>
-              <a:t>A</a:t>
-            </a:r>
-            <a:r>
-              <a:rPr lang="zh-CN" altLang="en-US" sz="1200" b="0" i="0" kern="1200" smtClean="0">
-                <a:solidFill>
-                  <a:schemeClr val="tx1"/>
-                </a:solidFill>
-                <a:effectLst/>
-                <a:latin typeface="+mn-lt"/>
-                <a:ea typeface="+mn-ea"/>
-                <a:cs typeface="+mn-cs"/>
-              </a:rPr>
-              <a:t>的雾候选是</a:t>
-            </a:r>
-            <a:r>
-              <a:rPr lang="en-US" altLang="zh-CN" sz="1200" b="0" i="0" kern="1200" smtClean="0">
-                <a:solidFill>
-                  <a:schemeClr val="tx1"/>
-                </a:solidFill>
-                <a:effectLst/>
-                <a:latin typeface="+mn-lt"/>
-                <a:ea typeface="+mn-ea"/>
-                <a:cs typeface="+mn-cs"/>
-              </a:rPr>
-              <a:t>A</a:t>
-            </a:r>
-            <a:r>
-              <a:rPr lang="zh-CN" altLang="en-US" sz="1200" b="0" i="0" kern="1200" smtClean="0">
-                <a:solidFill>
-                  <a:schemeClr val="tx1"/>
-                </a:solidFill>
-                <a:effectLst/>
-                <a:latin typeface="+mn-lt"/>
-                <a:ea typeface="+mn-ea"/>
-                <a:cs typeface="+mn-cs"/>
-              </a:rPr>
-              <a:t>的通信范围内的雾节点。</a:t>
+              <a:t>单跳探测消息，并从雾节点收集响应。响应的任何雾节点都包含在雾候选列表中。 </a:t>
             </a:r>
             <a:endParaRPr lang="en-US" altLang="zh-CN" sz="1200" b="0" i="0" kern="1200" smtClean="0">
               <a:solidFill>
@@ -990,8 +1006,43 @@
                 <a:ea typeface="+mn-ea"/>
                 <a:cs typeface="+mn-cs"/>
               </a:rPr>
-              <a:t>在发现雾候选者之后，客户端车辆通过</a:t>
-            </a:r>
+              <a:t>然后客户端车辆向</a:t>
+            </a:r>
+            <a:r>
+              <a:rPr lang="zh-CN" altLang="en-US" sz="1200" b="0" i="0" kern="1200" smtClean="0">
+                <a:solidFill>
+                  <a:schemeClr val="tx1"/>
+                </a:solidFill>
+                <a:effectLst/>
+                <a:latin typeface="+mn-lt"/>
+                <a:ea typeface="+mn-ea"/>
+                <a:cs typeface="+mn-cs"/>
+              </a:rPr>
+              <a:t>区域头部发送请求。 该</a:t>
+            </a:r>
+            <a:r>
+              <a:rPr lang="zh-CN" altLang="en-US" sz="1200" b="0" i="0" kern="1200" smtClean="0">
+                <a:solidFill>
+                  <a:schemeClr val="tx1"/>
+                </a:solidFill>
+                <a:effectLst/>
+                <a:latin typeface="+mn-lt"/>
+                <a:ea typeface="+mn-ea"/>
+                <a:cs typeface="+mn-cs"/>
+              </a:rPr>
+              <a:t>请求包含：</a:t>
+            </a:r>
+            <a:endParaRPr lang="en-US" altLang="zh-CN" sz="1200" b="0" i="0" kern="1200" smtClean="0">
+              <a:solidFill>
+                <a:schemeClr val="tx1"/>
+              </a:solidFill>
+              <a:effectLst/>
+              <a:latin typeface="+mn-lt"/>
+              <a:ea typeface="+mn-ea"/>
+              <a:cs typeface="+mn-cs"/>
+            </a:endParaRPr>
+          </a:p>
+          <a:p>
             <a:r>
               <a:rPr lang="en-US" altLang="zh-CN" sz="1200" b="0" i="0" kern="1200" smtClean="0">
                 <a:solidFill>
@@ -1002,7 +1053,19 @@
                 <a:ea typeface="+mn-ea"/>
                 <a:cs typeface="+mn-cs"/>
               </a:rPr>
-              <a:t>LTE</a:t>
+              <a:t>3</a:t>
+            </a:r>
+            <a:r>
+              <a:rPr lang="en-US" altLang="zh-CN" sz="1200" b="0" i="0" kern="1200" smtClean="0">
+                <a:solidFill>
+                  <a:schemeClr val="tx1"/>
+                </a:solidFill>
+                <a:effectLst/>
+                <a:latin typeface="+mn-lt"/>
+                <a:ea typeface="+mn-ea"/>
+                <a:cs typeface="+mn-cs"/>
+              </a:rPr>
+              <a:t>.</a:t>
             </a:r>
             <a:r>
               <a:rPr lang="zh-CN" altLang="en-US" sz="1200" b="0" i="0" kern="1200" smtClean="0">
@@ -1014,30 +1077,7 @@
                 <a:ea typeface="+mn-ea"/>
                 <a:cs typeface="+mn-cs"/>
               </a:rPr>
-              <a:t>向区域头部发送请求。 该请求包含有关要卸载到候选雾的任务的信息。</a:t>
-            </a:r>
-            <a:endParaRPr lang="en-US" altLang="zh-CN" sz="1200" b="0" i="0" kern="1200" smtClean="0">
-              <a:solidFill>
-                <a:schemeClr val="tx1"/>
-              </a:solidFill>
-              <a:effectLst/>
-              <a:latin typeface="+mn-lt"/>
-              <a:ea typeface="+mn-ea"/>
-              <a:cs typeface="+mn-cs"/>
-            </a:endParaRPr>
-          </a:p>
-          <a:p>
-            <a:r>
-              <a:rPr lang="en-US" altLang="zh-CN" sz="1200" b="0" i="0" kern="1200" smtClean="0">
-                <a:solidFill>
-                  <a:schemeClr val="tx1"/>
-                </a:solidFill>
-                <a:effectLst/>
-                <a:latin typeface="+mn-lt"/>
-                <a:ea typeface="+mn-ea"/>
-                <a:cs typeface="+mn-cs"/>
-              </a:rPr>
-              <a:t>3.</a:t>
+              <a:t>收到请求后，</a:t>
             </a:r>
             <a:r>
               <a:rPr lang="zh-CN" altLang="en-US" sz="1200" b="0" i="0" kern="1200" smtClean="0">
@@ -1049,7 +1089,19 @@
                 <a:ea typeface="+mn-ea"/>
                 <a:cs typeface="+mn-cs"/>
               </a:rPr>
-              <a:t>当从任何客户端车辆接收请求时，区域头部执行任务分配算法以决定在何处运行任务。</a:t>
+              <a:t>区域头部执行任务分配</a:t>
+            </a:r>
+            <a:r>
+              <a:rPr lang="zh-CN" altLang="en-US" sz="1200" b="0" i="0" kern="1200" smtClean="0">
+                <a:solidFill>
+                  <a:schemeClr val="tx1"/>
+                </a:solidFill>
+                <a:effectLst/>
+                <a:latin typeface="+mn-lt"/>
+                <a:ea typeface="+mn-ea"/>
+                <a:cs typeface="+mn-cs"/>
+              </a:rPr>
+              <a:t>算法来决定在如何分配任务。</a:t>
             </a:r>
             <a:endParaRPr lang="en-US" altLang="zh-CN" sz="1200" b="0" i="0" kern="1200" smtClean="0">
               <a:solidFill>
@@ -1249,8 +1301,15 @@
             </a:r>
             <a:r>
               <a:rPr lang="zh-CN" altLang="en-US" baseline="0" smtClean="0"/>
-              <a:t>的候选者</a:t>
-            </a:r>
+              <a:t>的候选</a:t>
+            </a:r>
+            <a:r>
+              <a:rPr lang="zh-CN" altLang="en-US" baseline="0" smtClean="0"/>
+              <a:t>者</a:t>
+            </a:r>
+            <a:endParaRPr lang="en-US" altLang="zh-CN" baseline="0" smtClean="0"/>
+          </a:p>
+          <a:p>
             <a:endParaRPr lang="en-US" altLang="zh-CN" baseline="0" smtClean="0"/>
           </a:p>
           <a:p>
@@ -1435,11 +1494,7 @@
           <a:p>
             <a:r>
               <a:rPr lang="en-US" altLang="zh-CN" smtClean="0"/>
-              <a:t>1</a:t>
-            </a:r>
-            <a:r>
-              <a:rPr lang="en-US" altLang="zh-CN" smtClean="0"/>
-              <a:t>.</a:t>
+              <a:t>1.</a:t>
             </a:r>
             <a:r>
               <a:rPr lang="zh-CN" altLang="en-US" smtClean="0"/>
@@ -1491,6 +1546,538 @@
         </p:nvSpPr>
         <p:spPr/>
       </p:sp>
+      <mc:AlternateContent xmlns:mc="http://schemas.openxmlformats.org/markup-compatibility/2006" xmlns:a14="http://schemas.microsoft.com/office/drawing/2010/main">
+        <mc:Choice Requires="a14">
+          <p:sp>
+            <p:nvSpPr>
+              <p:cNvPr id="3" name="文本占位符 2"/>
+              <p:cNvSpPr>
+                <a:spLocks noGrp="1"/>
+              </p:cNvSpPr>
+              <p:nvPr>
+                <p:ph type="body" idx="3"/>
+              </p:nvPr>
+            </p:nvSpPr>
+            <p:spPr/>
+            <p:txBody>
+              <a:bodyPr/>
+              <a:lstStyle/>
+              <a:p>
+                <a:r>
+                  <a:rPr lang="en-US" altLang="zh-CN" smtClean="0"/>
+                  <a:t>1.</a:t>
+                </a:r>
+                <a:r>
+                  <a:rPr lang="zh-CN" altLang="en-US" smtClean="0"/>
+                  <a:t>质量损失是依据具体的应用来确定的。在</a:t>
+                </a:r>
+                <a:r>
+                  <a:rPr lang="en-US" altLang="zh-CN" smtClean="0"/>
+                  <a:t>Folo</a:t>
+                </a:r>
+                <a:r>
+                  <a:rPr lang="zh-CN" altLang="en-US" smtClean="0"/>
+                  <a:t>中，定义了</a:t>
+                </a:r>
+                <a:r>
+                  <a:rPr lang="en-US" altLang="zh-CN" smtClean="0"/>
+                  <a:t>5</a:t>
+                </a:r>
+                <a:r>
+                  <a:rPr lang="zh-CN" altLang="en-US" smtClean="0"/>
+                  <a:t>个层次，等级</a:t>
+                </a:r>
+                <a:r>
+                  <a:rPr lang="en-US" altLang="zh-CN" smtClean="0"/>
+                  <a:t>1</a:t>
+                </a:r>
+                <a:r>
+                  <a:rPr lang="zh-CN" altLang="en-US" smtClean="0"/>
+                  <a:t>代表对质量损失有严格的要求，等级</a:t>
+                </a:r>
+                <a:r>
+                  <a:rPr lang="en-US" altLang="zh-CN" smtClean="0"/>
+                  <a:t>5</a:t>
+                </a:r>
+                <a:r>
+                  <a:rPr lang="zh-CN" altLang="en-US" smtClean="0"/>
+                  <a:t>表示对质量损失有较高的容忍度。</a:t>
+                </a:r>
+                <a:r>
+                  <a:rPr lang="en-US" altLang="zh-CN" smtClean="0"/>
+                  <a:t>Qk</a:t>
+                </a:r>
+                <a:r>
+                  <a:rPr lang="zh-CN" altLang="en-US" smtClean="0"/>
+                  <a:t>是根据视频的分辨率定义的。</a:t>
+                </a:r>
+                <a:endParaRPr lang="en-US" altLang="zh-CN" smtClean="0"/>
+              </a:p>
+              <a:p>
+                <a:r>
+                  <a:rPr lang="en-US" altLang="zh-CN" smtClean="0"/>
+                  <a:t>2.</a:t>
+                </a:r>
+                <a:r>
+                  <a:rPr lang="zh-CN" altLang="en-US" smtClean="0"/>
+                  <a:t>每个任务都只能在分配到一个结点上。</a:t>
+                </a:r>
+                <a:endParaRPr lang="en-US" altLang="zh-CN" smtClean="0"/>
+              </a:p>
+              <a:p>
+                <a:r>
+                  <a:rPr lang="en-US" altLang="zh-CN" smtClean="0"/>
+                  <a:t>3.Tk</a:t>
+                </a:r>
+                <a:r>
+                  <a:rPr lang="zh-CN" altLang="en-US" smtClean="0"/>
+                  <a:t>用于表示任务</a:t>
+                </a:r>
+                <a:r>
+                  <a:rPr lang="en-US" altLang="zh-CN" smtClean="0"/>
+                  <a:t>k</a:t>
+                </a:r>
+                <a:r>
+                  <a:rPr lang="zh-CN" altLang="en-US" smtClean="0"/>
+                  <a:t>能容忍的最大服务延时。每个任务的总延迟不能超过</a:t>
+                </a:r>
+                <a:r>
+                  <a:rPr lang="en-US" altLang="zh-CN" smtClean="0"/>
+                  <a:t>Tk</a:t>
+                </a:r>
+                <a:r>
+                  <a:rPr lang="zh-CN" altLang="en-US" smtClean="0"/>
+                  <a:t>。</a:t>
+                </a:r>
+                <a:endParaRPr lang="en-US" altLang="zh-CN" smtClean="0"/>
+              </a:p>
+              <a:p>
+                <a:pPr marL="0" marR="0" lvl="0" indent="0" algn="l" defTabSz="914400" rtl="0" eaLnBrk="1" fontAlgn="auto" latinLnBrk="0" hangingPunct="1">
+                  <a:lnSpc>
+                    <a:spcPct val="100000"/>
+                  </a:lnSpc>
+                  <a:spcBef>
+                    <a:spcPts val="0"/>
+                  </a:spcBef>
+                  <a:spcAft>
+                    <a:spcPts val="0"/>
+                  </a:spcAft>
+                  <a:buClrTx/>
+                  <a:buSzTx/>
+                  <a:buFontTx/>
+                  <a:buNone/>
+                  <a:tabLst/>
+                  <a:defRPr/>
+                </a:pPr>
+                <a:r>
+                  <a:rPr lang="en-US" altLang="zh-CN" smtClean="0"/>
+                  <a:t>4. </a:t>
+                </a:r>
+                <a:r>
+                  <a:rPr lang="zh-CN" altLang="en-US" smtClean="0"/>
+                  <a:t>对资源容量的需求取决于服务的延时和期盼的服务质量，服务质量越高，容量需求越高。</a:t>
+                </a:r>
+                <a:r>
+                  <a:rPr lang="en-US" altLang="zh-CN" smtClean="0"/>
+                  <a:t>Sj</a:t>
+                </a:r>
+                <a:r>
+                  <a:rPr lang="zh-CN" altLang="en-US" smtClean="0"/>
+                  <a:t>表示雾结点</a:t>
+                </a:r>
+                <a:r>
+                  <a:rPr lang="en-US" altLang="zh-CN" smtClean="0"/>
+                  <a:t>j</a:t>
+                </a:r>
+                <a:r>
+                  <a:rPr lang="zh-CN" altLang="en-US" smtClean="0"/>
+                  <a:t>的空闲容量，</a:t>
+                </a:r>
+                <a:r>
+                  <a:rPr lang="en-US" altLang="zh-CN" smtClean="0">
+                    <a:latin typeface="Cambria Math" panose="02040503050406030204" pitchFamily="18" charset="0"/>
+                    <a:ea typeface="Cambria Math" panose="02040503050406030204" pitchFamily="18" charset="0"/>
+                  </a:rPr>
+                  <a:t>R(</a:t>
+                </a:r>
+                <a14:m>
+                  <m:oMath xmlns:m="http://schemas.openxmlformats.org/officeDocument/2006/math">
+                    <m:sSub>
+                      <m:sSubPr>
+                        <m:ctrlPr>
+                          <a:rPr lang="en-US" altLang="zh-CN" i="1">
+                            <a:latin typeface="Cambria Math" panose="02040503050406030204" pitchFamily="18" charset="0"/>
+                            <a:ea typeface="Cambria Math" panose="02040503050406030204" pitchFamily="18" charset="0"/>
+                          </a:rPr>
+                        </m:ctrlPr>
+                      </m:sSubPr>
+                      <m:e>
+                        <m:r>
+                          <a:rPr lang="en-US" altLang="zh-CN" i="1">
+                            <a:latin typeface="Cambria Math" panose="02040503050406030204" pitchFamily="18" charset="0"/>
+                            <a:ea typeface="Cambria Math" panose="02040503050406030204" pitchFamily="18" charset="0"/>
+                          </a:rPr>
+                          <m:t>𝑞</m:t>
+                        </m:r>
+                      </m:e>
+                      <m:sub>
+                        <m:r>
+                          <a:rPr lang="en-US" altLang="zh-CN" i="1">
+                            <a:latin typeface="Cambria Math" panose="02040503050406030204" pitchFamily="18" charset="0"/>
+                            <a:ea typeface="Cambria Math" panose="02040503050406030204" pitchFamily="18" charset="0"/>
+                          </a:rPr>
+                          <m:t>𝑘</m:t>
+                        </m:r>
+                      </m:sub>
+                    </m:sSub>
+                  </m:oMath>
+                </a14:m>
+                <a:r>
+                  <a:rPr lang="en-US" altLang="zh-CN">
+                    <a:latin typeface="Cambria Math" panose="02040503050406030204" pitchFamily="18" charset="0"/>
+                    <a:ea typeface="Cambria Math" panose="02040503050406030204" pitchFamily="18" charset="0"/>
+                  </a:rPr>
+                  <a:t>)</a:t>
+                </a:r>
+                <a:r>
+                  <a:rPr lang="zh-CN" altLang="en-US"/>
+                  <a:t>：当</a:t>
+                </a:r>
+                <a:r>
+                  <a:rPr lang="en-US" altLang="zh-CN"/>
+                  <a:t>QLR</a:t>
+                </a:r>
+                <a:r>
+                  <a:rPr lang="zh-CN" altLang="en-US"/>
+                  <a:t>为</a:t>
+                </a:r>
+                <a14:m>
+                  <m:oMath xmlns:m="http://schemas.openxmlformats.org/officeDocument/2006/math">
+                    <m:sSub>
+                      <m:sSubPr>
+                        <m:ctrlPr>
+                          <a:rPr lang="en-US" altLang="zh-CN" i="1">
+                            <a:latin typeface="Cambria Math" panose="02040503050406030204" pitchFamily="18" charset="0"/>
+                          </a:rPr>
+                        </m:ctrlPr>
+                      </m:sSubPr>
+                      <m:e>
+                        <m:r>
+                          <a:rPr lang="en-US" altLang="zh-CN" i="1">
+                            <a:latin typeface="Cambria Math" panose="02040503050406030204" pitchFamily="18" charset="0"/>
+                          </a:rPr>
+                          <m:t>𝑞</m:t>
+                        </m:r>
+                      </m:e>
+                      <m:sub>
+                        <m:r>
+                          <a:rPr lang="en-US" altLang="zh-CN" i="1">
+                            <a:latin typeface="Cambria Math" panose="02040503050406030204" pitchFamily="18" charset="0"/>
+                          </a:rPr>
+                          <m:t>𝑘</m:t>
+                        </m:r>
+                      </m:sub>
+                    </m:sSub>
+                    <m:r>
+                      <a:rPr lang="zh-CN" altLang="en-US" i="1">
+                        <a:latin typeface="Cambria Math" panose="02040503050406030204" pitchFamily="18" charset="0"/>
+                      </a:rPr>
+                      <m:t>时</m:t>
+                    </m:r>
+                    <m:r>
+                      <a:rPr lang="zh-CN" altLang="en-US" i="1" smtClean="0">
+                        <a:latin typeface="Cambria Math" panose="02040503050406030204" pitchFamily="18" charset="0"/>
+                      </a:rPr>
+                      <m:t>的</m:t>
+                    </m:r>
+                  </m:oMath>
+                </a14:m>
+                <a:r>
+                  <a:rPr lang="zh-CN" altLang="en-US" smtClean="0"/>
+                  <a:t>资源需求</a:t>
+                </a:r>
+                <a:endParaRPr lang="en-US" altLang="zh-CN"/>
+              </a:p>
+              <a:p>
+                <a:endParaRPr lang="en-US" altLang="zh-CN" smtClean="0"/>
+              </a:p>
+              <a:p>
+                <a:endParaRPr lang="zh-CN" altLang="en-US"/>
+              </a:p>
+            </p:txBody>
+          </p:sp>
+        </mc:Choice>
+        <mc:Fallback xmlns="">
+          <p:sp>
+            <p:nvSpPr>
+              <p:cNvPr id="3" name="文本占位符 2"/>
+              <p:cNvSpPr>
+                <a:spLocks noGrp="1"/>
+              </p:cNvSpPr>
+              <p:nvPr>
+                <p:ph type="body" idx="3"/>
+              </p:nvPr>
+            </p:nvSpPr>
+            <p:spPr/>
+            <p:txBody>
+              <a:bodyPr/>
+              <a:lstStyle/>
+              <a:p>
+                <a:r>
+                  <a:rPr lang="en-US" altLang="zh-CN" smtClean="0"/>
+                  <a:t>1.</a:t>
+                </a:r>
+                <a:r>
+                  <a:rPr lang="zh-CN" altLang="en-US" smtClean="0"/>
+                  <a:t>质量损失</a:t>
+                </a:r>
+                <a:r>
+                  <a:rPr lang="zh-CN" altLang="en-US" smtClean="0"/>
+                  <a:t>是依据具体的应用来确定的。在</a:t>
+                </a:r>
+                <a:r>
+                  <a:rPr lang="en-US" altLang="zh-CN" smtClean="0"/>
+                  <a:t>Folo</a:t>
+                </a:r>
+                <a:r>
+                  <a:rPr lang="zh-CN" altLang="en-US" smtClean="0"/>
+                  <a:t>中，定义了</a:t>
+                </a:r>
+                <a:r>
+                  <a:rPr lang="en-US" altLang="zh-CN" smtClean="0"/>
+                  <a:t>5</a:t>
+                </a:r>
+                <a:r>
+                  <a:rPr lang="zh-CN" altLang="en-US" smtClean="0"/>
+                  <a:t>个层次，等级</a:t>
+                </a:r>
+                <a:r>
+                  <a:rPr lang="en-US" altLang="zh-CN" smtClean="0"/>
+                  <a:t>1</a:t>
+                </a:r>
+                <a:r>
+                  <a:rPr lang="zh-CN" altLang="en-US" smtClean="0"/>
+                  <a:t>代表对质量损失有严格的要求，等级</a:t>
+                </a:r>
+                <a:r>
+                  <a:rPr lang="en-US" altLang="zh-CN" smtClean="0"/>
+                  <a:t>5</a:t>
+                </a:r>
+                <a:r>
+                  <a:rPr lang="zh-CN" altLang="en-US" smtClean="0"/>
+                  <a:t>表示对质量损失有较高的容忍度。</a:t>
+                </a:r>
+                <a:r>
+                  <a:rPr lang="en-US" altLang="zh-CN" smtClean="0"/>
+                  <a:t>Qk</a:t>
+                </a:r>
+                <a:r>
+                  <a:rPr lang="zh-CN" altLang="en-US" smtClean="0"/>
+                  <a:t>是根据视频的分辨率定义的。</a:t>
+                </a:r>
+                <a:endParaRPr lang="en-US" altLang="zh-CN" smtClean="0"/>
+              </a:p>
+              <a:p>
+                <a:r>
+                  <a:rPr lang="en-US" altLang="zh-CN" smtClean="0"/>
+                  <a:t>2.</a:t>
+                </a:r>
+                <a:r>
+                  <a:rPr lang="zh-CN" altLang="en-US" smtClean="0"/>
+                  <a:t>每个</a:t>
+                </a:r>
+                <a:r>
+                  <a:rPr lang="zh-CN" altLang="en-US" smtClean="0"/>
+                  <a:t>任务都只能在分配到一个结点上</a:t>
+                </a:r>
+                <a:r>
+                  <a:rPr lang="zh-CN" altLang="en-US" smtClean="0"/>
+                  <a:t>。</a:t>
+                </a:r>
+                <a:endParaRPr lang="en-US" altLang="zh-CN" smtClean="0"/>
+              </a:p>
+              <a:p>
+                <a:r>
+                  <a:rPr lang="en-US" altLang="zh-CN" smtClean="0"/>
+                  <a:t>3.Tk</a:t>
+                </a:r>
+                <a:r>
+                  <a:rPr lang="zh-CN" altLang="en-US" smtClean="0"/>
+                  <a:t>用于表示任务</a:t>
+                </a:r>
+                <a:r>
+                  <a:rPr lang="en-US" altLang="zh-CN" smtClean="0"/>
+                  <a:t>k</a:t>
+                </a:r>
+                <a:r>
+                  <a:rPr lang="zh-CN" altLang="en-US" smtClean="0"/>
+                  <a:t>能容忍的最大服务延时。每个任务的总延迟不能超过</a:t>
+                </a:r>
+                <a:r>
+                  <a:rPr lang="en-US" altLang="zh-CN" smtClean="0"/>
+                  <a:t>Tk</a:t>
+                </a:r>
+                <a:r>
+                  <a:rPr lang="zh-CN" altLang="en-US" smtClean="0"/>
+                  <a:t>。</a:t>
+                </a:r>
+                <a:endParaRPr lang="en-US" altLang="zh-CN" smtClean="0"/>
+              </a:p>
+              <a:p>
+                <a:pPr marL="0" marR="0" lvl="0" indent="0" algn="l" defTabSz="914400" rtl="0" eaLnBrk="1" fontAlgn="auto" latinLnBrk="0" hangingPunct="1">
+                  <a:lnSpc>
+                    <a:spcPct val="100000"/>
+                  </a:lnSpc>
+                  <a:spcBef>
+                    <a:spcPts val="0"/>
+                  </a:spcBef>
+                  <a:spcAft>
+                    <a:spcPts val="0"/>
+                  </a:spcAft>
+                  <a:buClrTx/>
+                  <a:buSzTx/>
+                  <a:buFontTx/>
+                  <a:buNone/>
+                  <a:tabLst/>
+                  <a:defRPr/>
+                </a:pPr>
+                <a:r>
+                  <a:rPr lang="en-US" altLang="zh-CN" smtClean="0"/>
+                  <a:t>4.</a:t>
+                </a:r>
+                <a:r>
+                  <a:rPr lang="en-US" altLang="zh-CN" smtClean="0"/>
+                  <a:t> </a:t>
+                </a:r>
+                <a:r>
+                  <a:rPr lang="zh-CN" altLang="en-US" smtClean="0"/>
+                  <a:t>对资源容量的需求取决于服务的延时和期盼的服务质量，服务质量越高，容量需求越高。</a:t>
+                </a:r>
+                <a:r>
+                  <a:rPr lang="en-US" altLang="zh-CN" smtClean="0"/>
+                  <a:t>Sj</a:t>
+                </a:r>
+                <a:r>
+                  <a:rPr lang="zh-CN" altLang="en-US" smtClean="0"/>
+                  <a:t>表示雾结点</a:t>
+                </a:r>
+                <a:r>
+                  <a:rPr lang="en-US" altLang="zh-CN" smtClean="0"/>
+                  <a:t>j</a:t>
+                </a:r>
+                <a:r>
+                  <a:rPr lang="zh-CN" altLang="en-US" smtClean="0"/>
+                  <a:t>的空闲容量，</a:t>
+                </a:r>
+                <a:r>
+                  <a:rPr lang="en-US" altLang="zh-CN" smtClean="0">
+                    <a:latin typeface="Cambria Math" panose="02040503050406030204" pitchFamily="18" charset="0"/>
+                    <a:ea typeface="Cambria Math" panose="02040503050406030204" pitchFamily="18" charset="0"/>
+                  </a:rPr>
+                  <a:t>R(</a:t>
+                </a:r>
+                <a:r>
+                  <a:rPr lang="en-US" altLang="zh-CN" i="0">
+                    <a:latin typeface="Cambria Math" panose="02040503050406030204" pitchFamily="18" charset="0"/>
+                    <a:ea typeface="Cambria Math" panose="02040503050406030204" pitchFamily="18" charset="0"/>
+                  </a:rPr>
+                  <a:t>𝑞_𝑘</a:t>
+                </a:r>
+                <a:r>
+                  <a:rPr lang="en-US" altLang="zh-CN">
+                    <a:latin typeface="Cambria Math" panose="02040503050406030204" pitchFamily="18" charset="0"/>
+                    <a:ea typeface="Cambria Math" panose="02040503050406030204" pitchFamily="18" charset="0"/>
+                  </a:rPr>
+                  <a:t>)</a:t>
+                </a:r>
+                <a:r>
+                  <a:rPr lang="zh-CN" altLang="en-US"/>
+                  <a:t>：当</a:t>
+                </a:r>
+                <a:r>
+                  <a:rPr lang="en-US" altLang="zh-CN"/>
+                  <a:t>QLR</a:t>
+                </a:r>
+                <a:r>
+                  <a:rPr lang="zh-CN" altLang="en-US"/>
+                  <a:t>为</a:t>
+                </a:r>
+                <a:r>
+                  <a:rPr lang="en-US" altLang="zh-CN" i="0">
+                    <a:latin typeface="Cambria Math" panose="02040503050406030204" pitchFamily="18" charset="0"/>
+                  </a:rPr>
+                  <a:t>𝑞_𝑘</a:t>
+                </a:r>
+                <a:r>
+                  <a:rPr lang="zh-CN" altLang="en-US" i="0">
+                    <a:latin typeface="Cambria Math" panose="02040503050406030204" pitchFamily="18" charset="0"/>
+                  </a:rPr>
+                  <a:t> 时</a:t>
+                </a:r>
+                <a:r>
+                  <a:rPr lang="zh-CN" altLang="en-US" i="0" smtClean="0">
+                    <a:latin typeface="Cambria Math" panose="02040503050406030204" pitchFamily="18" charset="0"/>
+                  </a:rPr>
+                  <a:t>的</a:t>
+                </a:r>
+                <a:r>
+                  <a:rPr lang="zh-CN" altLang="en-US" smtClean="0"/>
+                  <a:t>资源需求</a:t>
+                </a:r>
+                <a:endParaRPr lang="en-US" altLang="zh-CN"/>
+              </a:p>
+              <a:p>
+                <a:endParaRPr lang="en-US" altLang="zh-CN" smtClean="0"/>
+              </a:p>
+              <a:p>
+                <a:endParaRPr lang="zh-CN" altLang="en-US"/>
+              </a:p>
+            </p:txBody>
+          </p:sp>
+        </mc:Fallback>
+      </mc:AlternateContent>
+    </p:spTree>
+    <p:extLst>
+      <p:ext uri="{BB962C8B-B14F-4D97-AF65-F5344CB8AC3E}">
+        <p14:creationId xmlns:p14="http://schemas.microsoft.com/office/powerpoint/2010/main" val="2771874903"/>
+      </p:ext>
+    </p:extLst>
+  </p:cSld>
+  <p:clrMapOvr>
+    <a:masterClrMapping/>
+  </p:clrMapOvr>
+</p:notes>
+</file>
+
+<file path=ppt/notesSlides/notesSlide8.xml><?xml version="1.0" encoding="utf-8"?>
+<p:notes xmlns:a="http://schemas.openxmlformats.org/drawingml/2006/main" xmlns:r="http://schemas.openxmlformats.org/officeDocument/2006/relationships" xmlns:p="http://schemas.openxmlformats.org/presentationml/2006/main">
+  <p:cSld>
+    <p:spTree>
+      <p:nvGrpSpPr>
+        <p:cNvPr id="1" name=""/>
+        <p:cNvGrpSpPr/>
+        <p:nvPr/>
+      </p:nvGrpSpPr>
+      <p:grpSpPr>
+        <a:xfrm>
+          <a:off x="0" y="0"/>
+          <a:ext cx="0" cy="0"/>
+          <a:chOff x="0" y="0"/>
+          <a:chExt cx="0" cy="0"/>
+        </a:xfrm>
+      </p:grpSpPr>
+      <p:sp>
+        <p:nvSpPr>
+          <p:cNvPr id="2" name="幻灯片图像占位符 1"/>
+          <p:cNvSpPr>
+            <a:spLocks noGrp="1" noRot="1" noChangeAspect="1"/>
+          </p:cNvSpPr>
+          <p:nvPr>
+            <p:ph type="sldImg" idx="2"/>
+          </p:nvPr>
+        </p:nvSpPr>
+        <p:spPr/>
+      </p:sp>
       <p:sp>
         <p:nvSpPr>
           <p:cNvPr id="3" name="文本占位符 2"/>
@@ -1506,57 +2093,6 @@
           <a:bodyPr/>
           <a:lstStyle/>
           <a:p>
-            <a:r>
-              <a:rPr lang="zh-CN" altLang="en-US" smtClean="0"/>
-              <a:t>质量损失是依据具体的应用来确定的。在</a:t>
-            </a:r>
-            <a:r>
-              <a:rPr lang="en-US" altLang="zh-CN" smtClean="0"/>
-              <a:t>Folo</a:t>
-            </a:r>
-            <a:r>
-              <a:rPr lang="zh-CN" altLang="en-US" smtClean="0"/>
-              <a:t>中，定义了</a:t>
-            </a:r>
-            <a:r>
-              <a:rPr lang="en-US" altLang="zh-CN" smtClean="0"/>
-              <a:t>5</a:t>
-            </a:r>
-            <a:r>
-              <a:rPr lang="zh-CN" altLang="en-US" smtClean="0"/>
-              <a:t>个层次，等级</a:t>
-            </a:r>
-            <a:r>
-              <a:rPr lang="en-US" altLang="zh-CN" smtClean="0"/>
-              <a:t>1</a:t>
-            </a:r>
-            <a:r>
-              <a:rPr lang="zh-CN" altLang="en-US" smtClean="0"/>
-              <a:t>代表对质量损失有严格的要求，等级</a:t>
-            </a:r>
-            <a:r>
-              <a:rPr lang="en-US" altLang="zh-CN" smtClean="0"/>
-              <a:t>5</a:t>
-            </a:r>
-            <a:r>
-              <a:rPr lang="zh-CN" altLang="en-US" smtClean="0"/>
-              <a:t>表示对质量损失有较高的容忍度。</a:t>
-            </a:r>
-            <a:r>
-              <a:rPr lang="en-US" altLang="zh-CN" smtClean="0"/>
-              <a:t>Qk</a:t>
-            </a:r>
-            <a:r>
-              <a:rPr lang="zh-CN" altLang="en-US" smtClean="0"/>
-              <a:t>是根据视频的分辨率定义的。</a:t>
-            </a:r>
-            <a:endParaRPr lang="en-US" altLang="zh-CN" smtClean="0"/>
-          </a:p>
-          <a:p>
-            <a:r>
-              <a:rPr lang="zh-CN" altLang="en-US" smtClean="0"/>
-              <a:t>每个任务都只能在分配到一个结点上。</a:t>
-            </a:r>
             <a:endParaRPr lang="zh-CN" altLang="en-US"/>
           </a:p>
         </p:txBody>
@@ -1564,7 +2100,68 @@
     </p:spTree>
     <p:extLst>
       <p:ext uri="{BB962C8B-B14F-4D97-AF65-F5344CB8AC3E}">
-        <p14:creationId xmlns:p14="http://schemas.microsoft.com/office/powerpoint/2010/main" val="2771874903"/>
+        <p14:creationId xmlns:p14="http://schemas.microsoft.com/office/powerpoint/2010/main" val="3669880350"/>
+      </p:ext>
+    </p:extLst>
+  </p:cSld>
+  <p:clrMapOvr>
+    <a:masterClrMapping/>
+  </p:clrMapOvr>
+</p:notes>
+</file>
+
+<file path=ppt/notesSlides/notesSlide9.xml><?xml version="1.0" encoding="utf-8"?>
+<p:notes xmlns:a="http://schemas.openxmlformats.org/drawingml/2006/main" xmlns:r="http://schemas.openxmlformats.org/officeDocument/2006/relationships" xmlns:p="http://schemas.openxmlformats.org/presentationml/2006/main">
+  <p:cSld>
+    <p:spTree>
+      <p:nvGrpSpPr>
+        <p:cNvPr id="1" name=""/>
+        <p:cNvGrpSpPr/>
+        <p:nvPr/>
+      </p:nvGrpSpPr>
+      <p:grpSpPr>
+        <a:xfrm>
+          <a:off x="0" y="0"/>
+          <a:ext cx="0" cy="0"/>
+          <a:chOff x="0" y="0"/>
+          <a:chExt cx="0" cy="0"/>
+        </a:xfrm>
+      </p:grpSpPr>
+      <p:sp>
+        <p:nvSpPr>
+          <p:cNvPr id="2" name="幻灯片图像占位符 1"/>
+          <p:cNvSpPr>
+            <a:spLocks noGrp="1" noRot="1" noChangeAspect="1"/>
+          </p:cNvSpPr>
+          <p:nvPr>
+            <p:ph type="sldImg" idx="2"/>
+          </p:nvPr>
+        </p:nvSpPr>
+        <p:spPr/>
+      </p:sp>
+      <p:sp>
+        <p:nvSpPr>
+          <p:cNvPr id="3" name="文本占位符 2"/>
+          <p:cNvSpPr>
+            <a:spLocks noGrp="1"/>
+          </p:cNvSpPr>
+          <p:nvPr>
+            <p:ph type="body" idx="3"/>
+          </p:nvPr>
+        </p:nvSpPr>
+        <p:spPr/>
+        <p:txBody>
+          <a:bodyPr/>
+          <a:lstStyle/>
+          <a:p>
+            <a:endParaRPr lang="zh-CN" altLang="en-US"/>
+          </a:p>
+        </p:txBody>
+      </p:sp>
+    </p:spTree>
+    <p:extLst>
+      <p:ext uri="{BB962C8B-B14F-4D97-AF65-F5344CB8AC3E}">
+        <p14:creationId xmlns:p14="http://schemas.microsoft.com/office/powerpoint/2010/main" val="2395828995"/>
       </p:ext>
     </p:extLst>
   </p:cSld>
@@ -1708,7 +2305,7 @@
             </a:pPr>
             <a:fld id="{EECF7B46-E4F5-4A03-87D2-D83C76E9FB67}" type="datetime1">
               <a:rPr lang="zh-CN" altLang="en-US"/>
-              <a:t>2018/11/18</a:t>
+              <a:t>2018/11/19</a:t>
             </a:fld>
             <a:endParaRPr lang="zh-CN" altLang="en-US" sz="1800">
               <a:solidFill>
@@ -1902,7 +2499,7 @@
             </a:pPr>
             <a:fld id="{89889205-6308-43FC-BAC0-BE20FACFC596}" type="datetime1">
               <a:rPr lang="zh-CN" altLang="en-US"/>
-              <a:t>2018/11/18</a:t>
+              <a:t>2018/11/19</a:t>
             </a:fld>
             <a:endParaRPr lang="zh-CN" altLang="en-US" sz="1800">
               <a:solidFill>
@@ -2106,7 +2703,7 @@
             </a:pPr>
             <a:fld id="{B605B2E9-0310-4484-B4AA-BA98347AC229}" type="datetime1">
               <a:rPr lang="zh-CN" altLang="en-US"/>
-              <a:t>2018/11/18</a:t>
+              <a:t>2018/11/19</a:t>
             </a:fld>
             <a:endParaRPr lang="zh-CN" altLang="en-US" sz="1800">
               <a:solidFill>
@@ -2253,7 +2850,7 @@
             </a:pPr>
             <a:fld id="{32363CE1-1536-44E9-8A8F-60DDC4EC0C0C}" type="datetime1">
               <a:rPr lang="zh-CN" altLang="en-US"/>
-              <a:t>2018/11/18</a:t>
+              <a:t>2018/11/19</a:t>
             </a:fld>
             <a:endParaRPr lang="zh-CN" altLang="en-US" sz="1800">
               <a:solidFill>
@@ -2447,7 +3044,7 @@
             </a:pPr>
             <a:fld id="{BBDD8B43-1A29-47A5-8E1E-3C10E7F0C181}" type="datetime1">
               <a:rPr lang="zh-CN" altLang="en-US"/>
-              <a:t>2018/11/18</a:t>
+              <a:t>2018/11/19</a:t>
             </a:fld>
             <a:endParaRPr lang="zh-CN" altLang="en-US" sz="1800">
               <a:solidFill>
@@ -2663,7 +3260,7 @@
             </a:pPr>
             <a:fld id="{B9EE72FC-BEA5-44DD-A892-416510800269}" type="datetime1">
               <a:rPr lang="zh-CN" altLang="en-US"/>
-              <a:t>2018/11/18</a:t>
+              <a:t>2018/11/19</a:t>
             </a:fld>
             <a:endParaRPr lang="zh-CN" altLang="en-US" sz="1800">
               <a:solidFill>
@@ -2975,7 +3572,7 @@
             </a:pPr>
             <a:fld id="{1271429C-C73B-4A84-83FF-41356910CEAA}" type="datetime1">
               <a:rPr lang="zh-CN" altLang="en-US"/>
-              <a:t>2018/11/18</a:t>
+              <a:t>2018/11/19</a:t>
             </a:fld>
             <a:endParaRPr lang="zh-CN" altLang="en-US" sz="1800">
               <a:solidFill>
@@ -3426,7 +4023,7 @@
             </a:pPr>
             <a:fld id="{90AA1ED2-87EA-41BE-99EC-496F7F69370F}" type="datetime1">
               <a:rPr lang="zh-CN" altLang="en-US"/>
-              <a:t>2018/11/18</a:t>
+              <a:t>2018/11/19</a:t>
             </a:fld>
             <a:endParaRPr lang="zh-CN" altLang="en-US" sz="1800">
               <a:solidFill>
@@ -3568,7 +4165,7 @@
             </a:pPr>
             <a:fld id="{9973CD95-4BFA-4A1D-9C86-9C3237F29EAA}" type="datetime1">
               <a:rPr lang="zh-CN" altLang="en-US"/>
-              <a:t>2018/11/18</a:t>
+              <a:t>2018/11/19</a:t>
             </a:fld>
             <a:endParaRPr lang="zh-CN" altLang="en-US" sz="1800">
               <a:solidFill>
@@ -3687,7 +4284,7 @@
             </a:pPr>
             <a:fld id="{06314ED7-52AE-4E0D-A884-8E2E59AEECC7}" type="datetime1">
               <a:rPr lang="zh-CN" altLang="en-US"/>
-              <a:t>2018/11/18</a:t>
+              <a:t>2018/11/19</a:t>
             </a:fld>
             <a:endParaRPr lang="zh-CN" altLang="en-US" sz="1800">
               <a:solidFill>
@@ -3988,7 +4585,7 @@
             </a:pPr>
             <a:fld id="{3950D1A5-7B69-4CEC-8258-97751E783A44}" type="datetime1">
               <a:rPr lang="zh-CN" altLang="en-US"/>
-              <a:t>2018/11/18</a:t>
+              <a:t>2018/11/19</a:t>
             </a:fld>
             <a:endParaRPr lang="zh-CN" altLang="en-US" sz="1800">
               <a:solidFill>
@@ -4268,7 +4865,7 @@
             </a:pPr>
             <a:fld id="{27939C34-CF51-4915-817E-DB81CF211490}" type="datetime1">
               <a:rPr lang="zh-CN" altLang="en-US"/>
-              <a:t>2018/11/18</a:t>
+              <a:t>2018/11/19</a:t>
             </a:fld>
             <a:endParaRPr lang="zh-CN" altLang="en-US" sz="1800">
               <a:solidFill>
@@ -4581,7 +5178,7 @@
             </a:pPr>
             <a:fld id="{DFFE92E3-3AE8-4BBA-9C65-9AC364C18C34}" type="datetime1">
               <a:rPr lang="zh-CN" altLang="en-US"/>
-              <a:t>2018/11/18</a:t>
+              <a:t>2018/11/19</a:t>
             </a:fld>
             <a:endParaRPr lang="zh-CN" altLang="en-US" sz="1800">
               <a:solidFill>
@@ -5434,7 +6031,7 @@
 </p:sld>
 </file>
 
-<file path=ppt/slides/slide2.xml><?xml version="1.0" encoding="utf-8"?>
+<file path=ppt/slides/slide10.xml><?xml version="1.0" encoding="utf-8"?>
 <p:sld xmlns:a="http://schemas.openxmlformats.org/drawingml/2006/main" xmlns:r="http://schemas.openxmlformats.org/officeDocument/2006/relationships" xmlns:p="http://schemas.openxmlformats.org/presentationml/2006/main">
   <p:cSld>
     <p:spTree>
@@ -5505,424 +6102,30 @@
           </a:extLst>
         </p:spPr>
       </p:pic>
-      <p:sp>
-        <p:nvSpPr>
-          <p:cNvPr id="5124" name="平行四边形 14"/>
-          <p:cNvSpPr>
-            <a:spLocks noChangeArrowheads="1"/>
-          </p:cNvSpPr>
+      <p:pic>
+        <p:nvPicPr>
+          <p:cNvPr id="2" name="图片 1"/>
+          <p:cNvPicPr>
+            <a:picLocks noChangeAspect="1"/>
+          </p:cNvPicPr>
           <p:nvPr/>
-        </p:nvSpPr>
-        <p:spPr bwMode="auto">
+        </p:nvPicPr>
+        <p:blipFill>
+          <a:blip r:embed="rId4"/>
+          <a:stretch>
+            <a:fillRect/>
+          </a:stretch>
+        </p:blipFill>
+        <p:spPr>
           <a:xfrm>
-            <a:off x="728980" y="1125855"/>
-            <a:ext cx="10734675" cy="5198745"/>
-          </a:xfrm>
-          <a:prstGeom prst="parallelogram">
-            <a:avLst>
-              <a:gd name="adj" fmla="val 0"/>
-            </a:avLst>
-          </a:prstGeom>
-          <a:noFill/>
-          <a:ln w="12700">
-            <a:solidFill>
-              <a:srgbClr val="3B87D5"/>
-            </a:solidFill>
-            <a:bevel/>
-          </a:ln>
-          <a:extLst>
-            <a:ext uri="{909E8E84-426E-40DD-AFC4-6F175D3DCCD1}">
-              <a14:hiddenFill xmlns:a14="http://schemas.microsoft.com/office/drawing/2010/main">
-                <a:solidFill>
-                  <a:srgbClr val="FFFFFF"/>
-                </a:solidFill>
-              </a14:hiddenFill>
-            </a:ext>
-          </a:extLst>
-        </p:spPr>
-        <p:txBody>
-          <a:bodyPr anchor="ctr"/>
-          <a:lstStyle/>
-          <a:p>
-            <a:pPr algn="ctr"/>
-            <a:endParaRPr lang="zh-CN" altLang="zh-CN">
-              <a:solidFill>
-                <a:srgbClr val="FFFFFF"/>
-              </a:solidFill>
-              <a:latin typeface="宋体" panose="02010600030101010101" pitchFamily="2" charset="-122"/>
-              <a:sym typeface="宋体" panose="02010600030101010101" pitchFamily="2" charset="-122"/>
-            </a:endParaRPr>
-          </a:p>
-        </p:txBody>
-      </p:sp>
-      <p:sp>
-        <p:nvSpPr>
-          <p:cNvPr id="5127" name="矩形 20"/>
-          <p:cNvSpPr>
-            <a:spLocks noChangeArrowheads="1"/>
-          </p:cNvSpPr>
-          <p:nvPr/>
-        </p:nvSpPr>
-        <p:spPr bwMode="auto">
-          <a:xfrm>
-            <a:off x="857257" y="1125855"/>
-            <a:ext cx="10606398" cy="4662815"/>
+            <a:off x="2387402" y="810169"/>
+            <a:ext cx="6879277" cy="2877390"/>
           </a:xfrm>
           <a:prstGeom prst="rect">
             <a:avLst/>
           </a:prstGeom>
-          <a:noFill/>
-          <a:ln>
-            <a:noFill/>
-          </a:ln>
-          <a:extLst>
-            <a:ext uri="{909E8E84-426E-40DD-AFC4-6F175D3DCCD1}">
-              <a14:hiddenFill xmlns:a14="http://schemas.microsoft.com/office/drawing/2010/main">
-                <a:solidFill>
-                  <a:srgbClr val="FFFFFF"/>
-                </a:solidFill>
-              </a14:hiddenFill>
-            </a:ext>
-            <a:ext uri="{91240B29-F687-4F45-9708-019B960494DF}">
-              <a14:hiddenLine xmlns:a14="http://schemas.microsoft.com/office/drawing/2010/main" w="9525">
-                <a:solidFill>
-                  <a:srgbClr val="000000"/>
-                </a:solidFill>
-                <a:miter lim="800000"/>
-                <a:headEnd/>
-                <a:tailEnd/>
-              </a14:hiddenLine>
-            </a:ext>
-          </a:extLst>
         </p:spPr>
-        <p:txBody>
-          <a:bodyPr wrap="square">
-            <a:spAutoFit/>
-          </a:bodyPr>
-          <a:lstStyle/>
-          <a:p>
-            <a:pPr>
-              <a:lnSpc>
-                <a:spcPct val="150000"/>
-              </a:lnSpc>
-            </a:pPr>
-            <a:r>
-              <a:rPr lang="zh-CN" altLang="en-US" sz="2400" b="1" smtClean="0">
-                <a:solidFill>
-                  <a:srgbClr val="000000"/>
-                </a:solidFill>
-                <a:latin typeface="微软雅黑" panose="020B0503020204020204" pitchFamily="34" charset="-122"/>
-                <a:ea typeface="微软雅黑" panose="020B0503020204020204" pitchFamily="34" charset="-122"/>
-                <a:sym typeface="微软雅黑" panose="020B0503020204020204" pitchFamily="34" charset="-122"/>
-              </a:rPr>
-              <a:t>论文介绍：</a:t>
-            </a:r>
-            <a:endParaRPr lang="en-US" altLang="zh-CN" sz="2400" b="1" smtClean="0">
-              <a:solidFill>
-                <a:srgbClr val="000000"/>
-              </a:solidFill>
-              <a:latin typeface="微软雅黑" panose="020B0503020204020204" pitchFamily="34" charset="-122"/>
-              <a:ea typeface="微软雅黑" panose="020B0503020204020204" pitchFamily="34" charset="-122"/>
-              <a:sym typeface="微软雅黑" panose="020B0503020204020204" pitchFamily="34" charset="-122"/>
-            </a:endParaRPr>
-          </a:p>
-          <a:p>
-            <a:pPr>
-              <a:lnSpc>
-                <a:spcPct val="150000"/>
-              </a:lnSpc>
-            </a:pPr>
-            <a:r>
-              <a:rPr lang="zh-CN" altLang="en-US" smtClean="0">
-                <a:latin typeface="+mn-ea"/>
-                <a:ea typeface="+mn-ea"/>
-              </a:rPr>
-              <a:t>题目：</a:t>
-            </a:r>
-            <a:r>
-              <a:rPr lang="en-US" altLang="zh-CN" smtClean="0">
-                <a:latin typeface="Arial Unicode MS" panose="020B0604020202020204" pitchFamily="34" charset="-122"/>
-                <a:ea typeface="Arial Unicode MS" panose="020B0604020202020204" pitchFamily="34" charset="-122"/>
-                <a:cs typeface="Arial Unicode MS" panose="020B0604020202020204" pitchFamily="34" charset="-122"/>
-              </a:rPr>
-              <a:t>《Folo: Latency and Quality Optimized Task Allocation in Vehicular Fog Computing》</a:t>
-            </a:r>
-          </a:p>
-          <a:p>
-            <a:pPr>
-              <a:lnSpc>
-                <a:spcPct val="150000"/>
-              </a:lnSpc>
-            </a:pPr>
-            <a:r>
-              <a:rPr lang="zh-CN" altLang="en-US" smtClean="0">
-                <a:latin typeface="+mn-ea"/>
-                <a:ea typeface="+mn-ea"/>
-              </a:rPr>
-              <a:t>期刊：</a:t>
-            </a:r>
-            <a:r>
-              <a:rPr lang="en-US" altLang="zh-CN" smtClean="0">
-                <a:latin typeface="Arial Unicode MS" panose="020B0604020202020204" pitchFamily="34" charset="-122"/>
-                <a:ea typeface="Arial Unicode MS" panose="020B0604020202020204" pitchFamily="34" charset="-122"/>
-                <a:cs typeface="Arial Unicode MS" panose="020B0604020202020204" pitchFamily="34" charset="-122"/>
-              </a:rPr>
-              <a:t>《IEEE Internet of Things Journal》 11 October 2018</a:t>
-            </a:r>
-          </a:p>
-          <a:p>
-            <a:pPr>
-              <a:lnSpc>
-                <a:spcPct val="150000"/>
-              </a:lnSpc>
-            </a:pPr>
-            <a:endParaRPr lang="en-US" altLang="zh-CN" smtClean="0">
-              <a:latin typeface="Arial Unicode MS" panose="020B0604020202020204" pitchFamily="34" charset="-122"/>
-              <a:ea typeface="Arial Unicode MS" panose="020B0604020202020204" pitchFamily="34" charset="-122"/>
-              <a:cs typeface="Arial Unicode MS" panose="020B0604020202020204" pitchFamily="34" charset="-122"/>
-            </a:endParaRPr>
-          </a:p>
-          <a:p>
-            <a:pPr>
-              <a:lnSpc>
-                <a:spcPct val="150000"/>
-              </a:lnSpc>
-            </a:pPr>
-            <a:r>
-              <a:rPr lang="zh-CN" altLang="en-US" smtClean="0">
-                <a:latin typeface="+mn-ea"/>
-                <a:ea typeface="+mn-ea"/>
-              </a:rPr>
-              <a:t>目标：</a:t>
-            </a:r>
-            <a:r>
-              <a:rPr lang="zh-CN" altLang="en-US"/>
-              <a:t>提出了</a:t>
-            </a:r>
-            <a:r>
-              <a:rPr lang="en-US" altLang="zh-CN"/>
-              <a:t>Folo</a:t>
-            </a:r>
-            <a:r>
-              <a:rPr lang="zh-CN" altLang="en-US"/>
-              <a:t>，一种用于车载雾计算（</a:t>
-            </a:r>
-            <a:r>
-              <a:rPr lang="en-US" altLang="zh-CN"/>
-              <a:t>VFC</a:t>
-            </a:r>
-            <a:r>
-              <a:rPr lang="zh-CN" altLang="en-US"/>
-              <a:t>）中</a:t>
-            </a:r>
-            <a:r>
-              <a:rPr lang="zh-CN" altLang="en-US" b="1"/>
-              <a:t>延迟</a:t>
-            </a:r>
-            <a:r>
-              <a:rPr lang="zh-CN" altLang="en-US"/>
-              <a:t>和</a:t>
-            </a:r>
-            <a:r>
-              <a:rPr lang="zh-CN" altLang="en-US" b="1"/>
-              <a:t>质量</a:t>
-            </a:r>
-            <a:r>
-              <a:rPr lang="zh-CN" altLang="en-US"/>
-              <a:t>优化任务分配的新颖解决</a:t>
-            </a:r>
-            <a:r>
-              <a:rPr lang="zh-CN" altLang="en-US" smtClean="0"/>
-              <a:t>方案，在</a:t>
-            </a:r>
-            <a:r>
-              <a:rPr lang="zh-CN" altLang="en-US" b="1" smtClean="0"/>
-              <a:t>服务</a:t>
-            </a:r>
-            <a:r>
-              <a:rPr lang="zh-CN" altLang="en-US" b="1"/>
-              <a:t>延迟和质量损失</a:t>
-            </a:r>
-            <a:r>
-              <a:rPr lang="zh-CN" altLang="en-US"/>
-              <a:t>之间保持</a:t>
-            </a:r>
-            <a:r>
-              <a:rPr lang="zh-CN" altLang="en-US" smtClean="0"/>
-              <a:t>折衷。</a:t>
-            </a:r>
-            <a:endParaRPr lang="en-US" altLang="zh-CN" smtClean="0"/>
-          </a:p>
-          <a:p>
-            <a:pPr>
-              <a:lnSpc>
-                <a:spcPct val="150000"/>
-              </a:lnSpc>
-            </a:pPr>
-            <a:endParaRPr lang="en-US" altLang="zh-CN"/>
-          </a:p>
-          <a:p>
-            <a:pPr>
-              <a:lnSpc>
-                <a:spcPct val="150000"/>
-              </a:lnSpc>
-            </a:pPr>
-            <a:r>
-              <a:rPr lang="zh-CN" altLang="en-US" smtClean="0">
-                <a:latin typeface="+mn-ea"/>
-                <a:ea typeface="+mn-ea"/>
-              </a:rPr>
-              <a:t>贡献：</a:t>
-            </a:r>
-            <a:endParaRPr lang="en-US" altLang="zh-CN" smtClean="0">
-              <a:latin typeface="+mn-ea"/>
-              <a:ea typeface="+mn-ea"/>
-            </a:endParaRPr>
-          </a:p>
-          <a:p>
-            <a:r>
-              <a:rPr lang="en-US" altLang="zh-CN" smtClean="0">
-                <a:latin typeface="+mn-ea"/>
-                <a:ea typeface="+mn-ea"/>
-              </a:rPr>
-              <a:t>1</a:t>
-            </a:r>
-            <a:r>
-              <a:rPr lang="zh-CN" altLang="en-US" smtClean="0">
-                <a:latin typeface="+mn-ea"/>
-                <a:ea typeface="+mn-ea"/>
-              </a:rPr>
-              <a:t>）</a:t>
-            </a:r>
-            <a:r>
-              <a:rPr lang="en-US" altLang="zh-CN" smtClean="0"/>
-              <a:t>Folo</a:t>
-            </a:r>
-            <a:r>
-              <a:rPr lang="zh-CN" altLang="en-US" smtClean="0"/>
-              <a:t>在固定</a:t>
-            </a:r>
-            <a:r>
-              <a:rPr lang="zh-CN" altLang="en-US"/>
-              <a:t>节点</a:t>
-            </a:r>
-            <a:r>
-              <a:rPr lang="zh-CN" altLang="en-US" smtClean="0"/>
-              <a:t>和</a:t>
-            </a:r>
-            <a:r>
-              <a:rPr lang="zh-CN" altLang="en-US"/>
-              <a:t>移动雾节点上延迟和</a:t>
-            </a:r>
-            <a:r>
-              <a:rPr lang="zh-CN" altLang="en-US" smtClean="0"/>
-              <a:t>质量任务分配的优化。</a:t>
-            </a:r>
-            <a:endParaRPr lang="zh-CN" altLang="en-US"/>
-          </a:p>
-          <a:p>
-            <a:pPr>
-              <a:lnSpc>
-                <a:spcPct val="150000"/>
-              </a:lnSpc>
-            </a:pPr>
-            <a:r>
-              <a:rPr lang="en-US" altLang="zh-CN" smtClean="0">
-                <a:latin typeface="+mn-ea"/>
-                <a:ea typeface="+mn-ea"/>
-              </a:rPr>
-              <a:t>2</a:t>
-            </a:r>
-            <a:r>
-              <a:rPr lang="zh-CN" altLang="en-US" smtClean="0">
-                <a:latin typeface="+mn-ea"/>
-                <a:ea typeface="+mn-ea"/>
-              </a:rPr>
-              <a:t>）</a:t>
-            </a:r>
-            <a:r>
-              <a:rPr lang="zh-CN" altLang="en-US"/>
-              <a:t>任务分配过程被制定为联合优化问题，并通过基于</a:t>
-            </a:r>
-            <a:r>
-              <a:rPr lang="en-US" altLang="zh-CN"/>
-              <a:t>LBO</a:t>
-            </a:r>
-            <a:r>
-              <a:rPr lang="zh-CN" altLang="en-US"/>
-              <a:t>和</a:t>
-            </a:r>
-            <a:r>
-              <a:rPr lang="en-US" altLang="zh-CN"/>
-              <a:t>BPSO</a:t>
-            </a:r>
-            <a:r>
-              <a:rPr lang="zh-CN" altLang="en-US" smtClean="0"/>
-              <a:t>的方法解决</a:t>
-            </a:r>
-            <a:r>
-              <a:rPr lang="zh-CN" altLang="en-US" smtClean="0">
-                <a:latin typeface="+mn-ea"/>
-                <a:ea typeface="+mn-ea"/>
-              </a:rPr>
-              <a:t>。</a:t>
-            </a:r>
-            <a:endParaRPr lang="zh-CN" altLang="en-US">
-              <a:latin typeface="+mn-ea"/>
-              <a:ea typeface="+mn-ea"/>
-            </a:endParaRPr>
-          </a:p>
-          <a:p>
-            <a:pPr>
-              <a:lnSpc>
-                <a:spcPct val="150000"/>
-              </a:lnSpc>
-            </a:pPr>
-            <a:r>
-              <a:rPr lang="en-US" altLang="zh-CN">
-                <a:latin typeface="+mn-ea"/>
-                <a:ea typeface="+mn-ea"/>
-              </a:rPr>
-              <a:t>3</a:t>
-            </a:r>
-            <a:r>
-              <a:rPr lang="zh-CN" altLang="en-US" smtClean="0">
-                <a:latin typeface="+mn-ea"/>
-                <a:ea typeface="+mn-ea"/>
-              </a:rPr>
-              <a:t>）</a:t>
-            </a:r>
-            <a:r>
-              <a:rPr lang="zh-CN" altLang="en-US"/>
-              <a:t>使用</a:t>
-            </a:r>
-            <a:r>
-              <a:rPr lang="zh-CN" altLang="en-US" smtClean="0"/>
-              <a:t>真实出租车</a:t>
-            </a:r>
-            <a:r>
-              <a:rPr lang="zh-CN" altLang="en-US"/>
-              <a:t>轨迹作为输入，通过模拟评估</a:t>
-            </a:r>
-            <a:r>
-              <a:rPr lang="en-US" altLang="zh-CN"/>
-              <a:t>Folo</a:t>
-            </a:r>
-            <a:r>
-              <a:rPr lang="zh-CN" altLang="en-US"/>
-              <a:t>的</a:t>
-            </a:r>
-            <a:r>
-              <a:rPr lang="zh-CN" altLang="en-US" smtClean="0"/>
-              <a:t>有效性。</a:t>
-            </a:r>
-            <a:endParaRPr lang="zh-CN" altLang="en-US">
-              <a:latin typeface="+mn-ea"/>
-              <a:ea typeface="+mn-ea"/>
-            </a:endParaRPr>
-          </a:p>
-        </p:txBody>
-      </p:sp>
+      </p:pic>
       <p:grpSp>
         <p:nvGrpSpPr>
           <p:cNvPr id="5129" name="Group 15"/>
@@ -6632,10 +6835,34 @@
           </a:p>
         </p:txBody>
       </p:sp>
+      <p:pic>
+        <p:nvPicPr>
+          <p:cNvPr id="5" name="图片 4"/>
+          <p:cNvPicPr>
+            <a:picLocks noChangeAspect="1"/>
+          </p:cNvPicPr>
+          <p:nvPr/>
+        </p:nvPicPr>
+        <p:blipFill>
+          <a:blip r:embed="rId5"/>
+          <a:stretch>
+            <a:fillRect/>
+          </a:stretch>
+        </p:blipFill>
+        <p:spPr>
+          <a:xfrm>
+            <a:off x="2236016" y="3687558"/>
+            <a:ext cx="7182047" cy="3010969"/>
+          </a:xfrm>
+          <a:prstGeom prst="rect">
+            <a:avLst/>
+          </a:prstGeom>
+        </p:spPr>
+      </p:pic>
     </p:spTree>
     <p:extLst>
       <p:ext uri="{BB962C8B-B14F-4D97-AF65-F5344CB8AC3E}">
-        <p14:creationId xmlns:p14="http://schemas.microsoft.com/office/powerpoint/2010/main" val="822331676"/>
+        <p14:creationId xmlns:p14="http://schemas.microsoft.com/office/powerpoint/2010/main" val="3557536351"/>
       </p:ext>
     </p:extLst>
   </p:cSld>
@@ -6652,7 +6879,286 @@
 </p:sld>
 </file>
 
-<file path=ppt/slides/slide3.xml><?xml version="1.0" encoding="utf-8"?>
+<file path=ppt/slides/slide11.xml><?xml version="1.0" encoding="utf-8"?>
+<p:sld xmlns:a="http://schemas.openxmlformats.org/drawingml/2006/main" xmlns:r="http://schemas.openxmlformats.org/officeDocument/2006/relationships" xmlns:p="http://schemas.openxmlformats.org/presentationml/2006/main">
+  <p:cSld>
+    <p:spTree>
+      <p:nvGrpSpPr>
+        <p:cNvPr id="1" name=""/>
+        <p:cNvGrpSpPr/>
+        <p:nvPr/>
+      </p:nvGrpSpPr>
+      <p:grpSpPr>
+        <a:xfrm>
+          <a:off x="0" y="0"/>
+          <a:ext cx="0" cy="0"/>
+          <a:chOff x="0" y="0"/>
+          <a:chExt cx="0" cy="0"/>
+        </a:xfrm>
+      </p:grpSpPr>
+      <p:pic>
+        <p:nvPicPr>
+          <p:cNvPr id="18434" name="图片 1"/>
+          <p:cNvPicPr>
+            <a:picLocks noChangeAspect="1" noChangeArrowheads="1"/>
+          </p:cNvPicPr>
+          <p:nvPr/>
+        </p:nvPicPr>
+        <p:blipFill>
+          <a:blip r:embed="rId2">
+            <a:extLst>
+              <a:ext uri="{28A0092B-C50C-407E-A947-70E740481C1C}">
+                <a14:useLocalDpi xmlns:a14="http://schemas.microsoft.com/office/drawing/2010/main" val="0"/>
+              </a:ext>
+            </a:extLst>
+          </a:blip>
+          <a:srcRect/>
+          <a:stretch>
+            <a:fillRect/>
+          </a:stretch>
+        </p:blipFill>
+        <p:spPr bwMode="auto">
+          <a:xfrm>
+            <a:off x="0" y="0"/>
+            <a:ext cx="12192000" cy="6858000"/>
+          </a:xfrm>
+          <a:prstGeom prst="rect">
+            <a:avLst/>
+          </a:prstGeom>
+          <a:noFill/>
+          <a:ln>
+            <a:noFill/>
+          </a:ln>
+          <a:extLst>
+            <a:ext uri="{909E8E84-426E-40DD-AFC4-6F175D3DCCD1}">
+              <a14:hiddenFill xmlns:a14="http://schemas.microsoft.com/office/drawing/2010/main">
+                <a:solidFill>
+                  <a:srgbClr val="FFFFFF"/>
+                </a:solidFill>
+              </a14:hiddenFill>
+            </a:ext>
+            <a:ext uri="{91240B29-F687-4F45-9708-019B960494DF}">
+              <a14:hiddenLine xmlns:a14="http://schemas.microsoft.com/office/drawing/2010/main" w="9525">
+                <a:solidFill>
+                  <a:srgbClr val="000000"/>
+                </a:solidFill>
+                <a:miter lim="800000"/>
+                <a:headEnd/>
+                <a:tailEnd/>
+              </a14:hiddenLine>
+            </a:ext>
+          </a:extLst>
+        </p:spPr>
+      </p:pic>
+      <p:sp>
+        <p:nvSpPr>
+          <p:cNvPr id="18435" name="文本框 6"/>
+          <p:cNvSpPr>
+            <a:spLocks noChangeArrowheads="1"/>
+          </p:cNvSpPr>
+          <p:nvPr/>
+        </p:nvSpPr>
+        <p:spPr bwMode="auto">
+          <a:xfrm>
+            <a:off x="1423988" y="1334911"/>
+            <a:ext cx="7278687" cy="769938"/>
+          </a:xfrm>
+          <a:prstGeom prst="rect">
+            <a:avLst/>
+          </a:prstGeom>
+          <a:noFill/>
+          <a:ln>
+            <a:noFill/>
+          </a:ln>
+          <a:extLst>
+            <a:ext uri="{909E8E84-426E-40DD-AFC4-6F175D3DCCD1}">
+              <a14:hiddenFill xmlns:a14="http://schemas.microsoft.com/office/drawing/2010/main">
+                <a:solidFill>
+                  <a:srgbClr val="FFFFFF"/>
+                </a:solidFill>
+              </a14:hiddenFill>
+            </a:ext>
+            <a:ext uri="{91240B29-F687-4F45-9708-019B960494DF}">
+              <a14:hiddenLine xmlns:a14="http://schemas.microsoft.com/office/drawing/2010/main" w="9525">
+                <a:solidFill>
+                  <a:srgbClr val="000000"/>
+                </a:solidFill>
+                <a:miter lim="800000"/>
+                <a:headEnd/>
+                <a:tailEnd/>
+              </a14:hiddenLine>
+            </a:ext>
+          </a:extLst>
+        </p:spPr>
+        <p:txBody>
+          <a:bodyPr>
+            <a:spAutoFit/>
+          </a:bodyPr>
+          <a:lstStyle/>
+          <a:p>
+            <a:r>
+              <a:rPr lang="zh-CN" altLang="en-US" sz="4400" b="1" smtClean="0">
+                <a:solidFill>
+                  <a:srgbClr val="000000"/>
+                </a:solidFill>
+                <a:latin typeface="微软雅黑" panose="020B0503020204020204" pitchFamily="34" charset="-122"/>
+                <a:ea typeface="微软雅黑" panose="020B0503020204020204" pitchFamily="34" charset="-122"/>
+                <a:sym typeface="微软雅黑" panose="020B0503020204020204" pitchFamily="34" charset="-122"/>
+              </a:rPr>
+              <a:t>谢谢</a:t>
+            </a:r>
+            <a:endParaRPr lang="zh-CN" altLang="en-US" sz="4400" b="1">
+              <a:solidFill>
+                <a:srgbClr val="000000"/>
+              </a:solidFill>
+              <a:latin typeface="微软雅黑" panose="020B0503020204020204" pitchFamily="34" charset="-122"/>
+              <a:ea typeface="微软雅黑" panose="020B0503020204020204" pitchFamily="34" charset="-122"/>
+              <a:sym typeface="微软雅黑" panose="020B0503020204020204" pitchFamily="34" charset="-122"/>
+            </a:endParaRPr>
+          </a:p>
+        </p:txBody>
+      </p:sp>
+      <p:sp>
+        <p:nvSpPr>
+          <p:cNvPr id="18438" name="文本框 9"/>
+          <p:cNvSpPr>
+            <a:spLocks noChangeArrowheads="1"/>
+          </p:cNvSpPr>
+          <p:nvPr/>
+        </p:nvSpPr>
+        <p:spPr bwMode="auto">
+          <a:xfrm>
+            <a:off x="1423988" y="2736850"/>
+            <a:ext cx="5360987" cy="1477328"/>
+          </a:xfrm>
+          <a:prstGeom prst="rect">
+            <a:avLst/>
+          </a:prstGeom>
+          <a:noFill/>
+          <a:ln>
+            <a:noFill/>
+          </a:ln>
+          <a:extLst>
+            <a:ext uri="{909E8E84-426E-40DD-AFC4-6F175D3DCCD1}">
+              <a14:hiddenFill xmlns:a14="http://schemas.microsoft.com/office/drawing/2010/main">
+                <a:solidFill>
+                  <a:srgbClr val="FFFFFF"/>
+                </a:solidFill>
+              </a14:hiddenFill>
+            </a:ext>
+            <a:ext uri="{91240B29-F687-4F45-9708-019B960494DF}">
+              <a14:hiddenLine xmlns:a14="http://schemas.microsoft.com/office/drawing/2010/main" w="9525">
+                <a:solidFill>
+                  <a:srgbClr val="000000"/>
+                </a:solidFill>
+                <a:miter lim="800000"/>
+                <a:headEnd/>
+                <a:tailEnd/>
+              </a14:hiddenLine>
+            </a:ext>
+          </a:extLst>
+        </p:spPr>
+        <p:txBody>
+          <a:bodyPr>
+            <a:spAutoFit/>
+          </a:bodyPr>
+          <a:lstStyle/>
+          <a:p>
+            <a:pPr>
+              <a:lnSpc>
+                <a:spcPct val="150000"/>
+              </a:lnSpc>
+            </a:pPr>
+            <a:r>
+              <a:rPr lang="zh-CN" altLang="en-US" sz="2000" smtClean="0">
+                <a:solidFill>
+                  <a:srgbClr val="000000"/>
+                </a:solidFill>
+                <a:latin typeface="微软雅黑" panose="020B0503020204020204" pitchFamily="34" charset="-122"/>
+                <a:ea typeface="微软雅黑" panose="020B0503020204020204" pitchFamily="34" charset="-122"/>
+                <a:sym typeface="微软雅黑" panose="020B0503020204020204" pitchFamily="34" charset="-122"/>
+              </a:rPr>
+              <a:t>汇报人：王琦     </a:t>
+            </a:r>
+            <a:endParaRPr lang="en-US" altLang="zh-CN" sz="2000">
+              <a:solidFill>
+                <a:srgbClr val="000000"/>
+              </a:solidFill>
+              <a:latin typeface="微软雅黑" panose="020B0503020204020204" pitchFamily="34" charset="-122"/>
+              <a:ea typeface="微软雅黑" panose="020B0503020204020204" pitchFamily="34" charset="-122"/>
+              <a:sym typeface="微软雅黑" panose="020B0503020204020204" pitchFamily="34" charset="-122"/>
+            </a:endParaRPr>
+          </a:p>
+          <a:p>
+            <a:pPr>
+              <a:lnSpc>
+                <a:spcPct val="150000"/>
+              </a:lnSpc>
+            </a:pPr>
+            <a:r>
+              <a:rPr lang="zh-CN" altLang="en-US" sz="2000" smtClean="0">
+                <a:solidFill>
+                  <a:srgbClr val="000000"/>
+                </a:solidFill>
+                <a:latin typeface="微软雅黑" panose="020B0503020204020204" pitchFamily="34" charset="-122"/>
+                <a:ea typeface="微软雅黑" panose="020B0503020204020204" pitchFamily="34" charset="-122"/>
+                <a:sym typeface="微软雅黑" panose="020B0503020204020204" pitchFamily="34" charset="-122"/>
+              </a:rPr>
+              <a:t>导师：李智勇             </a:t>
+            </a:r>
+            <a:endParaRPr lang="en-US" sz="2000">
+              <a:solidFill>
+                <a:srgbClr val="000000"/>
+              </a:solidFill>
+              <a:latin typeface="微软雅黑" panose="020B0503020204020204" pitchFamily="34" charset="-122"/>
+              <a:ea typeface="微软雅黑" panose="020B0503020204020204" pitchFamily="34" charset="-122"/>
+              <a:sym typeface="微软雅黑" panose="020B0503020204020204" pitchFamily="34" charset="-122"/>
+            </a:endParaRPr>
+          </a:p>
+          <a:p>
+            <a:pPr>
+              <a:lnSpc>
+                <a:spcPct val="150000"/>
+              </a:lnSpc>
+            </a:pPr>
+            <a:r>
+              <a:rPr lang="en-US" altLang="zh-CN" sz="2000">
+                <a:solidFill>
+                  <a:srgbClr val="000000"/>
+                </a:solidFill>
+                <a:latin typeface="微软雅黑" panose="020B0503020204020204" pitchFamily="34" charset="-122"/>
+                <a:ea typeface="微软雅黑" panose="020B0503020204020204" pitchFamily="34" charset="-122"/>
+                <a:sym typeface="微软雅黑" panose="020B0503020204020204" pitchFamily="34" charset="-122"/>
+              </a:rPr>
+              <a:t>    </a:t>
+            </a:r>
+            <a:endParaRPr lang="zh-CN" altLang="en-US" sz="2000">
+              <a:solidFill>
+                <a:srgbClr val="000000"/>
+              </a:solidFill>
+              <a:latin typeface="微软雅黑" panose="020B0503020204020204" pitchFamily="34" charset="-122"/>
+              <a:ea typeface="微软雅黑" panose="020B0503020204020204" pitchFamily="34" charset="-122"/>
+              <a:sym typeface="微软雅黑" panose="020B0503020204020204" pitchFamily="34" charset="-122"/>
+            </a:endParaRPr>
+          </a:p>
+        </p:txBody>
+      </p:sp>
+    </p:spTree>
+  </p:cSld>
+  <p:clrMapOvr>
+    <a:masterClrMapping/>
+  </p:clrMapOvr>
+  <p:timing>
+    <p:tnLst>
+      <p:par>
+        <p:cTn id="1" dur="indefinite" restart="never" nodeType="tmRoot"/>
+      </p:par>
+    </p:tnLst>
+  </p:timing>
+</p:sld>
+</file>
+
+<file path=ppt/slides/slide2.xml><?xml version="1.0" encoding="utf-8"?>
 <p:sld xmlns:a="http://schemas.openxmlformats.org/drawingml/2006/main" xmlns:r="http://schemas.openxmlformats.org/officeDocument/2006/relationships" xmlns:p="http://schemas.openxmlformats.org/presentationml/2006/main">
   <p:cSld>
     <p:spTree>
@@ -6769,6 +7275,402 @@
               </a:solidFill>
               <a:latin typeface="宋体" panose="02010600030101010101" pitchFamily="2" charset="-122"/>
               <a:sym typeface="宋体" panose="02010600030101010101" pitchFamily="2" charset="-122"/>
+            </a:endParaRPr>
+          </a:p>
+        </p:txBody>
+      </p:sp>
+      <p:sp>
+        <p:nvSpPr>
+          <p:cNvPr id="5127" name="矩形 20"/>
+          <p:cNvSpPr>
+            <a:spLocks noChangeArrowheads="1"/>
+          </p:cNvSpPr>
+          <p:nvPr/>
+        </p:nvSpPr>
+        <p:spPr bwMode="auto">
+          <a:xfrm>
+            <a:off x="857257" y="1125855"/>
+            <a:ext cx="10606398" cy="4662815"/>
+          </a:xfrm>
+          <a:prstGeom prst="rect">
+            <a:avLst/>
+          </a:prstGeom>
+          <a:noFill/>
+          <a:ln>
+            <a:noFill/>
+          </a:ln>
+          <a:extLst>
+            <a:ext uri="{909E8E84-426E-40DD-AFC4-6F175D3DCCD1}">
+              <a14:hiddenFill xmlns:a14="http://schemas.microsoft.com/office/drawing/2010/main">
+                <a:solidFill>
+                  <a:srgbClr val="FFFFFF"/>
+                </a:solidFill>
+              </a14:hiddenFill>
+            </a:ext>
+            <a:ext uri="{91240B29-F687-4F45-9708-019B960494DF}">
+              <a14:hiddenLine xmlns:a14="http://schemas.microsoft.com/office/drawing/2010/main" w="9525">
+                <a:solidFill>
+                  <a:srgbClr val="000000"/>
+                </a:solidFill>
+                <a:miter lim="800000"/>
+                <a:headEnd/>
+                <a:tailEnd/>
+              </a14:hiddenLine>
+            </a:ext>
+          </a:extLst>
+        </p:spPr>
+        <p:txBody>
+          <a:bodyPr wrap="square">
+            <a:spAutoFit/>
+          </a:bodyPr>
+          <a:lstStyle/>
+          <a:p>
+            <a:pPr>
+              <a:lnSpc>
+                <a:spcPct val="150000"/>
+              </a:lnSpc>
+            </a:pPr>
+            <a:r>
+              <a:rPr lang="zh-CN" altLang="en-US" sz="2400" b="1" smtClean="0">
+                <a:solidFill>
+                  <a:srgbClr val="000000"/>
+                </a:solidFill>
+                <a:latin typeface="微软雅黑" panose="020B0503020204020204" pitchFamily="34" charset="-122"/>
+                <a:ea typeface="微软雅黑" panose="020B0503020204020204" pitchFamily="34" charset="-122"/>
+                <a:sym typeface="微软雅黑" panose="020B0503020204020204" pitchFamily="34" charset="-122"/>
+              </a:rPr>
+              <a:t>论文介绍：</a:t>
+            </a:r>
+            <a:endParaRPr lang="en-US" altLang="zh-CN" sz="2400" b="1" smtClean="0">
+              <a:solidFill>
+                <a:srgbClr val="000000"/>
+              </a:solidFill>
+              <a:latin typeface="微软雅黑" panose="020B0503020204020204" pitchFamily="34" charset="-122"/>
+              <a:ea typeface="微软雅黑" panose="020B0503020204020204" pitchFamily="34" charset="-122"/>
+              <a:sym typeface="微软雅黑" panose="020B0503020204020204" pitchFamily="34" charset="-122"/>
+            </a:endParaRPr>
+          </a:p>
+          <a:p>
+            <a:pPr>
+              <a:lnSpc>
+                <a:spcPct val="150000"/>
+              </a:lnSpc>
+            </a:pPr>
+            <a:r>
+              <a:rPr lang="zh-CN" altLang="en-US" smtClean="0">
+                <a:latin typeface="+mn-ea"/>
+                <a:ea typeface="+mn-ea"/>
+              </a:rPr>
+              <a:t>题目：</a:t>
+            </a:r>
+            <a:r>
+              <a:rPr lang="en-US" altLang="zh-CN" smtClean="0">
+                <a:latin typeface="Arial Unicode MS" panose="020B0604020202020204" pitchFamily="34" charset="-122"/>
+                <a:ea typeface="Arial Unicode MS" panose="020B0604020202020204" pitchFamily="34" charset="-122"/>
+                <a:cs typeface="Arial Unicode MS" panose="020B0604020202020204" pitchFamily="34" charset="-122"/>
+              </a:rPr>
+              <a:t>《Folo: Latency and Quality Optimized Task Allocation in Vehicular Fog Computing》</a:t>
+            </a:r>
+          </a:p>
+          <a:p>
+            <a:pPr>
+              <a:lnSpc>
+                <a:spcPct val="150000"/>
+              </a:lnSpc>
+            </a:pPr>
+            <a:r>
+              <a:rPr lang="zh-CN" altLang="en-US" smtClean="0">
+                <a:latin typeface="+mn-ea"/>
+                <a:ea typeface="+mn-ea"/>
+              </a:rPr>
+              <a:t>期刊：</a:t>
+            </a:r>
+            <a:r>
+              <a:rPr lang="en-US" altLang="zh-CN" smtClean="0">
+                <a:latin typeface="Arial Unicode MS" panose="020B0604020202020204" pitchFamily="34" charset="-122"/>
+                <a:ea typeface="Arial Unicode MS" panose="020B0604020202020204" pitchFamily="34" charset="-122"/>
+                <a:cs typeface="Arial Unicode MS" panose="020B0604020202020204" pitchFamily="34" charset="-122"/>
+              </a:rPr>
+              <a:t>《IEEE Internet of Things Journal》 11 October 2018</a:t>
+            </a:r>
+          </a:p>
+          <a:p>
+            <a:pPr>
+              <a:lnSpc>
+                <a:spcPct val="150000"/>
+              </a:lnSpc>
+            </a:pPr>
+            <a:endParaRPr lang="en-US" altLang="zh-CN" smtClean="0">
+              <a:latin typeface="Arial Unicode MS" panose="020B0604020202020204" pitchFamily="34" charset="-122"/>
+              <a:ea typeface="Arial Unicode MS" panose="020B0604020202020204" pitchFamily="34" charset="-122"/>
+              <a:cs typeface="Arial Unicode MS" panose="020B0604020202020204" pitchFamily="34" charset="-122"/>
+            </a:endParaRPr>
+          </a:p>
+          <a:p>
+            <a:pPr>
+              <a:lnSpc>
+                <a:spcPct val="150000"/>
+              </a:lnSpc>
+            </a:pPr>
+            <a:r>
+              <a:rPr lang="zh-CN" altLang="en-US" smtClean="0">
+                <a:latin typeface="+mn-ea"/>
+                <a:ea typeface="+mn-ea"/>
+              </a:rPr>
+              <a:t>目标：</a:t>
+            </a:r>
+            <a:r>
+              <a:rPr lang="zh-CN" altLang="en-US"/>
+              <a:t>提出了</a:t>
+            </a:r>
+            <a:r>
+              <a:rPr lang="en-US" altLang="zh-CN"/>
+              <a:t>Folo</a:t>
+            </a:r>
+            <a:r>
+              <a:rPr lang="zh-CN" altLang="en-US"/>
+              <a:t>，一种用于车载雾计算（</a:t>
+            </a:r>
+            <a:r>
+              <a:rPr lang="en-US" altLang="zh-CN"/>
+              <a:t>VFC</a:t>
+            </a:r>
+            <a:r>
+              <a:rPr lang="zh-CN" altLang="en-US"/>
+              <a:t>）中</a:t>
+            </a:r>
+            <a:r>
+              <a:rPr lang="zh-CN" altLang="en-US" b="1"/>
+              <a:t>延迟</a:t>
+            </a:r>
+            <a:r>
+              <a:rPr lang="zh-CN" altLang="en-US"/>
+              <a:t>和</a:t>
+            </a:r>
+            <a:r>
+              <a:rPr lang="zh-CN" altLang="en-US" b="1"/>
+              <a:t>质量</a:t>
+            </a:r>
+            <a:r>
+              <a:rPr lang="zh-CN" altLang="en-US"/>
+              <a:t>优化任务分配的新颖解决</a:t>
+            </a:r>
+            <a:r>
+              <a:rPr lang="zh-CN" altLang="en-US" smtClean="0"/>
+              <a:t>方案，在</a:t>
+            </a:r>
+            <a:r>
+              <a:rPr lang="zh-CN" altLang="en-US" b="1" smtClean="0"/>
+              <a:t>服务</a:t>
+            </a:r>
+            <a:r>
+              <a:rPr lang="zh-CN" altLang="en-US" b="1"/>
+              <a:t>延迟和质量损失</a:t>
+            </a:r>
+            <a:r>
+              <a:rPr lang="zh-CN" altLang="en-US"/>
+              <a:t>之间保持</a:t>
+            </a:r>
+            <a:r>
+              <a:rPr lang="zh-CN" altLang="en-US" smtClean="0"/>
+              <a:t>折衷。</a:t>
+            </a:r>
+            <a:endParaRPr lang="en-US" altLang="zh-CN" smtClean="0"/>
+          </a:p>
+          <a:p>
+            <a:pPr>
+              <a:lnSpc>
+                <a:spcPct val="150000"/>
+              </a:lnSpc>
+            </a:pPr>
+            <a:endParaRPr lang="en-US" altLang="zh-CN"/>
+          </a:p>
+          <a:p>
+            <a:pPr>
+              <a:lnSpc>
+                <a:spcPct val="150000"/>
+              </a:lnSpc>
+            </a:pPr>
+            <a:r>
+              <a:rPr lang="zh-CN" altLang="en-US" smtClean="0">
+                <a:latin typeface="+mn-ea"/>
+                <a:ea typeface="+mn-ea"/>
+              </a:rPr>
+              <a:t>贡献：</a:t>
+            </a:r>
+            <a:endParaRPr lang="en-US" altLang="zh-CN" smtClean="0">
+              <a:latin typeface="+mn-ea"/>
+              <a:ea typeface="+mn-ea"/>
+            </a:endParaRPr>
+          </a:p>
+          <a:p>
+            <a:r>
+              <a:rPr lang="en-US" altLang="zh-CN" smtClean="0">
+                <a:latin typeface="+mn-ea"/>
+                <a:ea typeface="+mn-ea"/>
+              </a:rPr>
+              <a:t>1</a:t>
+            </a:r>
+            <a:r>
+              <a:rPr lang="zh-CN" altLang="en-US" smtClean="0">
+                <a:latin typeface="+mn-ea"/>
+                <a:ea typeface="+mn-ea"/>
+              </a:rPr>
+              <a:t>）</a:t>
+            </a:r>
+            <a:r>
+              <a:rPr lang="zh-CN" altLang="en-US" smtClean="0"/>
+              <a:t>同时考虑固定</a:t>
+            </a:r>
+            <a:r>
+              <a:rPr lang="zh-CN" altLang="en-US"/>
+              <a:t>节点</a:t>
+            </a:r>
+            <a:r>
+              <a:rPr lang="zh-CN" altLang="en-US" smtClean="0"/>
+              <a:t>和</a:t>
+            </a:r>
+            <a:r>
+              <a:rPr lang="zh-CN" altLang="en-US"/>
+              <a:t>移动雾节点上延迟和</a:t>
+            </a:r>
+            <a:r>
+              <a:rPr lang="zh-CN" altLang="en-US" smtClean="0"/>
+              <a:t>质量任务分配的优化。</a:t>
+            </a:r>
+            <a:endParaRPr lang="zh-CN" altLang="en-US"/>
+          </a:p>
+          <a:p>
+            <a:pPr>
+              <a:lnSpc>
+                <a:spcPct val="150000"/>
+              </a:lnSpc>
+            </a:pPr>
+            <a:r>
+              <a:rPr lang="en-US" altLang="zh-CN" smtClean="0">
+                <a:latin typeface="+mn-ea"/>
+                <a:ea typeface="+mn-ea"/>
+              </a:rPr>
+              <a:t>2</a:t>
+            </a:r>
+            <a:r>
+              <a:rPr lang="zh-CN" altLang="en-US" smtClean="0">
+                <a:latin typeface="+mn-ea"/>
+                <a:ea typeface="+mn-ea"/>
+              </a:rPr>
+              <a:t>）</a:t>
+            </a:r>
+            <a:r>
+              <a:rPr lang="zh-CN" altLang="en-US"/>
+              <a:t>任务分配过程被制定</a:t>
+            </a:r>
+            <a:r>
+              <a:rPr lang="zh-CN" altLang="en-US" smtClean="0"/>
+              <a:t>为</a:t>
+            </a:r>
+            <a:r>
+              <a:rPr lang="zh-CN" altLang="en-US" b="1"/>
+              <a:t>延迟</a:t>
+            </a:r>
+            <a:r>
+              <a:rPr lang="zh-CN" altLang="en-US"/>
+              <a:t>和</a:t>
+            </a:r>
+            <a:r>
+              <a:rPr lang="zh-CN" altLang="en-US" b="1" smtClean="0"/>
+              <a:t>质量的</a:t>
+            </a:r>
+            <a:r>
+              <a:rPr lang="zh-CN" altLang="en-US" smtClean="0"/>
+              <a:t>联合</a:t>
+            </a:r>
+            <a:r>
+              <a:rPr lang="zh-CN" altLang="en-US"/>
+              <a:t>优化问题，并通过基于</a:t>
+            </a:r>
+            <a:r>
+              <a:rPr lang="en-US" altLang="zh-CN"/>
+              <a:t>LBO</a:t>
+            </a:r>
+            <a:r>
+              <a:rPr lang="zh-CN" altLang="en-US"/>
+              <a:t>和</a:t>
+            </a:r>
+            <a:r>
+              <a:rPr lang="en-US" altLang="zh-CN"/>
+              <a:t>BPSO</a:t>
+            </a:r>
+            <a:r>
+              <a:rPr lang="zh-CN" altLang="en-US" smtClean="0"/>
+              <a:t>的方法解决</a:t>
+            </a:r>
+            <a:r>
+              <a:rPr lang="zh-CN" altLang="en-US" smtClean="0">
+                <a:latin typeface="+mn-ea"/>
+                <a:ea typeface="+mn-ea"/>
+              </a:rPr>
+              <a:t>。</a:t>
+            </a:r>
+            <a:endParaRPr lang="zh-CN" altLang="en-US">
+              <a:latin typeface="+mn-ea"/>
+              <a:ea typeface="+mn-ea"/>
+            </a:endParaRPr>
+          </a:p>
+          <a:p>
+            <a:pPr>
+              <a:lnSpc>
+                <a:spcPct val="150000"/>
+              </a:lnSpc>
+            </a:pPr>
+            <a:r>
+              <a:rPr lang="en-US" altLang="zh-CN">
+                <a:latin typeface="+mn-ea"/>
+                <a:ea typeface="+mn-ea"/>
+              </a:rPr>
+              <a:t>3</a:t>
+            </a:r>
+            <a:r>
+              <a:rPr lang="zh-CN" altLang="en-US" smtClean="0">
+                <a:latin typeface="+mn-ea"/>
+                <a:ea typeface="+mn-ea"/>
+              </a:rPr>
+              <a:t>）</a:t>
+            </a:r>
+            <a:r>
+              <a:rPr lang="zh-CN" altLang="en-US"/>
+              <a:t>使用</a:t>
+            </a:r>
+            <a:r>
+              <a:rPr lang="zh-CN" altLang="en-US" smtClean="0"/>
+              <a:t>真实出租车</a:t>
+            </a:r>
+            <a:r>
+              <a:rPr lang="zh-CN" altLang="en-US"/>
+              <a:t>轨迹作为</a:t>
+            </a:r>
+            <a:r>
+              <a:rPr lang="zh-CN" altLang="en-US" smtClean="0"/>
+              <a:t>输入，以视频中的目标识别为任务，</a:t>
+            </a:r>
+            <a:r>
+              <a:rPr lang="zh-CN" altLang="en-US"/>
+              <a:t>通过模拟评估</a:t>
+            </a:r>
+            <a:r>
+              <a:rPr lang="en-US" altLang="zh-CN"/>
+              <a:t>Folo</a:t>
+            </a:r>
+            <a:r>
+              <a:rPr lang="zh-CN" altLang="en-US"/>
+              <a:t>的</a:t>
+            </a:r>
+            <a:r>
+              <a:rPr lang="zh-CN" altLang="en-US" smtClean="0"/>
+              <a:t>有效性。</a:t>
+            </a:r>
+            <a:endParaRPr lang="zh-CN" altLang="en-US">
+              <a:latin typeface="+mn-ea"/>
+              <a:ea typeface="+mn-ea"/>
             </a:endParaRPr>
           </a:p>
         </p:txBody>
@@ -7482,248 +8384,10 @@
           </a:p>
         </p:txBody>
       </p:sp>
-      <p:sp>
-        <p:nvSpPr>
-          <p:cNvPr id="2" name="文本框 1"/>
-          <p:cNvSpPr txBox="1"/>
-          <p:nvPr/>
-        </p:nvSpPr>
-        <p:spPr>
-          <a:xfrm>
-            <a:off x="1037229" y="1125855"/>
-            <a:ext cx="10313396" cy="5447645"/>
-          </a:xfrm>
-          <a:prstGeom prst="rect">
-            <a:avLst/>
-          </a:prstGeom>
-          <a:noFill/>
-        </p:spPr>
-        <p:txBody>
-          <a:bodyPr wrap="square" rtlCol="0">
-            <a:spAutoFit/>
-          </a:bodyPr>
-          <a:lstStyle/>
-          <a:p>
-            <a:pPr>
-              <a:lnSpc>
-                <a:spcPct val="150000"/>
-              </a:lnSpc>
-            </a:pPr>
-            <a:r>
-              <a:rPr lang="zh-CN" altLang="en-US" sz="2400" b="1" smtClean="0">
-                <a:solidFill>
-                  <a:srgbClr val="000000"/>
-                </a:solidFill>
-                <a:latin typeface="微软雅黑" panose="020B0503020204020204" pitchFamily="34" charset="-122"/>
-                <a:ea typeface="微软雅黑" panose="020B0503020204020204" pitchFamily="34" charset="-122"/>
-              </a:rPr>
-              <a:t>相关概念：</a:t>
-            </a:r>
-            <a:endParaRPr lang="en-US" altLang="zh-CN" sz="2400" b="1" smtClean="0">
-              <a:solidFill>
-                <a:srgbClr val="000000"/>
-              </a:solidFill>
-              <a:latin typeface="微软雅黑" panose="020B0503020204020204" pitchFamily="34" charset="-122"/>
-              <a:ea typeface="微软雅黑" panose="020B0503020204020204" pitchFamily="34" charset="-122"/>
-            </a:endParaRPr>
-          </a:p>
-          <a:p>
-            <a:r>
-              <a:rPr lang="en-US" altLang="zh-CN" sz="2400" b="1" smtClean="0"/>
-              <a:t>1. Fog </a:t>
-            </a:r>
-            <a:r>
-              <a:rPr lang="en-US" altLang="zh-CN" sz="2400" b="1"/>
-              <a:t>Nodes:</a:t>
-            </a:r>
-          </a:p>
-          <a:p>
-            <a:r>
-              <a:rPr lang="zh-CN" altLang="en-US" sz="2400"/>
-              <a:t>固定雾节点</a:t>
-            </a:r>
-            <a:r>
-              <a:rPr lang="zh-CN" altLang="en-US" sz="2400" smtClean="0"/>
-              <a:t>：基站、</a:t>
-            </a:r>
-            <a:r>
-              <a:rPr lang="en-US" altLang="zh-CN" sz="2400" smtClean="0"/>
-              <a:t>RSU</a:t>
-            </a:r>
-            <a:r>
-              <a:rPr lang="zh-CN" altLang="en-US" sz="2400" smtClean="0"/>
-              <a:t>，</a:t>
-            </a:r>
-            <a:r>
-              <a:rPr lang="en-US" altLang="zh-CN" sz="2400"/>
-              <a:t>Wi-Fi</a:t>
-            </a:r>
-            <a:r>
-              <a:rPr lang="zh-CN" altLang="en-US" sz="2400" smtClean="0"/>
-              <a:t>接入点等固定</a:t>
-            </a:r>
-            <a:r>
-              <a:rPr lang="zh-CN" altLang="en-US" sz="2400"/>
-              <a:t>基础</a:t>
-            </a:r>
-            <a:r>
-              <a:rPr lang="zh-CN" altLang="en-US" sz="2400" smtClean="0"/>
-              <a:t>设施结点。</a:t>
-            </a:r>
-            <a:endParaRPr lang="zh-CN" altLang="en-US" sz="2400"/>
-          </a:p>
-          <a:p>
-            <a:r>
-              <a:rPr lang="zh-CN" altLang="en-US" sz="2400"/>
-              <a:t>移动雾节点</a:t>
-            </a:r>
-            <a:r>
-              <a:rPr lang="zh-CN" altLang="en-US" sz="2400" smtClean="0"/>
-              <a:t>：具有通信模块</a:t>
-            </a:r>
-            <a:r>
-              <a:rPr lang="zh-CN" altLang="en-US" sz="2400"/>
-              <a:t>的移动</a:t>
-            </a:r>
-            <a:r>
-              <a:rPr lang="zh-CN" altLang="en-US" sz="2400" smtClean="0"/>
-              <a:t>车辆节点。</a:t>
-            </a:r>
-            <a:endParaRPr lang="en-US" altLang="zh-CN" sz="2400" smtClean="0"/>
-          </a:p>
-          <a:p>
-            <a:r>
-              <a:rPr lang="en-US" altLang="zh-CN" sz="2400" b="1" smtClean="0"/>
-              <a:t>2.</a:t>
-            </a:r>
-            <a:r>
-              <a:rPr lang="en-US" altLang="zh-CN" sz="2400" b="1"/>
-              <a:t> </a:t>
-            </a:r>
-            <a:r>
-              <a:rPr lang="en-US" altLang="zh-CN" sz="2400" b="1" smtClean="0"/>
-              <a:t>Tasks:</a:t>
-            </a:r>
-          </a:p>
-          <a:p>
-            <a:r>
-              <a:rPr lang="zh-CN" altLang="en-US" sz="2400"/>
-              <a:t>应用程序的过程可以分解为一</a:t>
-            </a:r>
-            <a:r>
-              <a:rPr lang="zh-CN" altLang="en-US" sz="2400" smtClean="0"/>
-              <a:t>组任务，</a:t>
-            </a:r>
-            <a:r>
-              <a:rPr lang="zh-CN" altLang="en-US" sz="2400"/>
-              <a:t>任务不能分为子</a:t>
-            </a:r>
-            <a:r>
-              <a:rPr lang="zh-CN" altLang="en-US" sz="2400" smtClean="0"/>
-              <a:t>任务。</a:t>
-            </a:r>
-            <a:endParaRPr lang="en-US" altLang="zh-CN" sz="2400" smtClean="0"/>
-          </a:p>
-          <a:p>
-            <a:r>
-              <a:rPr lang="en-US" altLang="zh-CN" sz="2400" b="1" smtClean="0">
-                <a:solidFill>
-                  <a:srgbClr val="000000"/>
-                </a:solidFill>
-                <a:latin typeface="微软雅黑" panose="020B0503020204020204" pitchFamily="34" charset="-122"/>
-                <a:ea typeface="微软雅黑" panose="020B0503020204020204" pitchFamily="34" charset="-122"/>
-              </a:rPr>
-              <a:t>3. </a:t>
-            </a:r>
-            <a:r>
-              <a:rPr lang="en-US" altLang="zh-CN" sz="2400" b="1"/>
-              <a:t>Client Vehicles</a:t>
-            </a:r>
-            <a:r>
-              <a:rPr lang="en-US" altLang="zh-CN" sz="2400" b="1" smtClean="0"/>
-              <a:t>:</a:t>
-            </a:r>
-          </a:p>
-          <a:p>
-            <a:r>
-              <a:rPr lang="zh-CN" altLang="en-US" sz="2400"/>
-              <a:t>生成任务的车辆被定义</a:t>
-            </a:r>
-            <a:r>
-              <a:rPr lang="zh-CN" altLang="en-US" sz="2400" smtClean="0"/>
-              <a:t>为</a:t>
-            </a:r>
-            <a:r>
-              <a:rPr lang="en-US" altLang="zh-CN" sz="2400"/>
-              <a:t>Client </a:t>
-            </a:r>
-            <a:r>
-              <a:rPr lang="en-US" altLang="zh-CN" sz="2400" smtClean="0"/>
-              <a:t>Vehicles</a:t>
-            </a:r>
-          </a:p>
-          <a:p>
-            <a:r>
-              <a:rPr lang="en-US" altLang="zh-CN" sz="2400" b="1" smtClean="0">
-                <a:solidFill>
-                  <a:srgbClr val="000000"/>
-                </a:solidFill>
-                <a:latin typeface="微软雅黑" panose="020B0503020204020204" pitchFamily="34" charset="-122"/>
-                <a:ea typeface="微软雅黑" panose="020B0503020204020204" pitchFamily="34" charset="-122"/>
-              </a:rPr>
-              <a:t>4. </a:t>
-            </a:r>
-            <a:r>
-              <a:rPr lang="en-US" altLang="zh-CN" sz="2400" b="1"/>
-              <a:t>Service </a:t>
-            </a:r>
-            <a:r>
-              <a:rPr lang="en-US" altLang="zh-CN" sz="2400" b="1" smtClean="0"/>
-              <a:t>Zones</a:t>
-            </a:r>
-            <a:r>
-              <a:rPr lang="zh-CN" altLang="en-US" sz="2400" b="1" smtClean="0"/>
-              <a:t>：</a:t>
-            </a:r>
-            <a:endParaRPr lang="en-US" altLang="zh-CN" sz="2400" b="1" smtClean="0"/>
-          </a:p>
-          <a:p>
-            <a:r>
-              <a:rPr lang="zh-CN" altLang="en-US" sz="2400" smtClean="0"/>
-              <a:t>在每一个服务区域内都会有一个区域头负责管理和协调同一区域内的所有雾结点。</a:t>
-            </a:r>
-            <a:endParaRPr lang="en-US" altLang="zh-CN" sz="2400" smtClean="0"/>
-          </a:p>
-          <a:p>
-            <a:r>
-              <a:rPr lang="zh-CN" altLang="en-US" sz="2400"/>
-              <a:t>移动雾节点在进入或离开区域时始终通知区域</a:t>
-            </a:r>
-            <a:r>
-              <a:rPr lang="zh-CN" altLang="en-US" sz="2400" smtClean="0"/>
-              <a:t>头，并定期</a:t>
-            </a:r>
-            <a:r>
-              <a:rPr lang="zh-CN" altLang="en-US" sz="2400"/>
-              <a:t>向区域负责人报告他们的移动方向，位置和可用容量。</a:t>
-            </a:r>
-            <a:endParaRPr lang="en-US" altLang="zh-CN" sz="2400" smtClean="0"/>
-          </a:p>
-          <a:p>
-            <a:endParaRPr lang="en-US" altLang="zh-CN" sz="2400" b="1" smtClean="0">
-              <a:solidFill>
-                <a:srgbClr val="000000"/>
-              </a:solidFill>
-              <a:latin typeface="微软雅黑" panose="020B0503020204020204" pitchFamily="34" charset="-122"/>
-              <a:ea typeface="微软雅黑" panose="020B0503020204020204" pitchFamily="34" charset="-122"/>
-            </a:endParaRPr>
-          </a:p>
-        </p:txBody>
-      </p:sp>
     </p:spTree>
     <p:extLst>
       <p:ext uri="{BB962C8B-B14F-4D97-AF65-F5344CB8AC3E}">
-        <p14:creationId xmlns:p14="http://schemas.microsoft.com/office/powerpoint/2010/main" val="3204903735"/>
+        <p14:creationId xmlns:p14="http://schemas.microsoft.com/office/powerpoint/2010/main" val="822331676"/>
       </p:ext>
     </p:extLst>
   </p:cSld>
@@ -7740,7 +8404,7 @@
 </p:sld>
 </file>
 
-<file path=ppt/slides/slide4.xml><?xml version="1.0" encoding="utf-8"?>
+<file path=ppt/slides/slide3.xml><?xml version="1.0" encoding="utf-8"?>
 <p:sld xmlns:a="http://schemas.openxmlformats.org/drawingml/2006/main" xmlns:r="http://schemas.openxmlformats.org/officeDocument/2006/relationships" xmlns:p="http://schemas.openxmlformats.org/presentationml/2006/main">
   <p:cSld>
     <p:spTree>
@@ -8579,7 +9243,7 @@
         <p:spPr>
           <a:xfrm>
             <a:off x="1037229" y="1125855"/>
-            <a:ext cx="10313396" cy="1015663"/>
+            <a:ext cx="10313396" cy="5447645"/>
           </a:xfrm>
           <a:prstGeom prst="rect">
             <a:avLst/>
@@ -8605,7 +9269,7 @@
                 <a:latin typeface="微软雅黑" panose="020B0503020204020204" pitchFamily="34" charset="-122"/>
                 <a:ea typeface="微软雅黑" panose="020B0503020204020204" pitchFamily="34" charset="-122"/>
               </a:rPr>
-              <a:t>模型介绍：</a:t>
+              <a:t>相关概念：</a:t>
             </a:r>
             <a:endParaRPr lang="en-US" altLang="zh-CN" sz="2400" b="1" smtClean="0">
               <a:solidFill>
@@ -8616,6 +9280,188 @@
             </a:endParaRPr>
           </a:p>
           <a:p>
+            <a:r>
+              <a:rPr lang="en-US" altLang="zh-CN" sz="2400" b="1" smtClean="0"/>
+              <a:t>1. Fog </a:t>
+            </a:r>
+            <a:r>
+              <a:rPr lang="en-US" altLang="zh-CN" sz="2400" b="1"/>
+              <a:t>Nodes:</a:t>
+            </a:r>
+          </a:p>
+          <a:p>
+            <a:r>
+              <a:rPr lang="zh-CN" altLang="en-US" sz="2400"/>
+              <a:t>固定雾节点</a:t>
+            </a:r>
+            <a:r>
+              <a:rPr lang="zh-CN" altLang="en-US" sz="2400" smtClean="0"/>
+              <a:t>：基站、</a:t>
+            </a:r>
+            <a:r>
+              <a:rPr lang="en-US" altLang="zh-CN" sz="2400" smtClean="0"/>
+              <a:t>RSU</a:t>
+            </a:r>
+            <a:r>
+              <a:rPr lang="zh-CN" altLang="en-US" sz="2400" smtClean="0"/>
+              <a:t>，</a:t>
+            </a:r>
+            <a:r>
+              <a:rPr lang="en-US" altLang="zh-CN" sz="2400"/>
+              <a:t>Wi-Fi</a:t>
+            </a:r>
+            <a:r>
+              <a:rPr lang="zh-CN" altLang="en-US" sz="2400" smtClean="0"/>
+              <a:t>接入点等固定</a:t>
+            </a:r>
+            <a:r>
+              <a:rPr lang="zh-CN" altLang="en-US" sz="2400"/>
+              <a:t>基础</a:t>
+            </a:r>
+            <a:r>
+              <a:rPr lang="zh-CN" altLang="en-US" sz="2400" smtClean="0"/>
+              <a:t>设施结点。</a:t>
+            </a:r>
+            <a:endParaRPr lang="zh-CN" altLang="en-US" sz="2400"/>
+          </a:p>
+          <a:p>
+            <a:r>
+              <a:rPr lang="zh-CN" altLang="en-US" sz="2400"/>
+              <a:t>移动雾节点</a:t>
+            </a:r>
+            <a:r>
+              <a:rPr lang="zh-CN" altLang="en-US" sz="2400" smtClean="0"/>
+              <a:t>：具有通信模块</a:t>
+            </a:r>
+            <a:r>
+              <a:rPr lang="zh-CN" altLang="en-US" sz="2400"/>
+              <a:t>的移动</a:t>
+            </a:r>
+            <a:r>
+              <a:rPr lang="zh-CN" altLang="en-US" sz="2400" smtClean="0"/>
+              <a:t>车辆节点。</a:t>
+            </a:r>
+            <a:endParaRPr lang="en-US" altLang="zh-CN" sz="2400" smtClean="0"/>
+          </a:p>
+          <a:p>
+            <a:r>
+              <a:rPr lang="en-US" altLang="zh-CN" sz="2400" b="1" smtClean="0"/>
+              <a:t>2.</a:t>
+            </a:r>
+            <a:r>
+              <a:rPr lang="en-US" altLang="zh-CN" sz="2400" b="1"/>
+              <a:t> </a:t>
+            </a:r>
+            <a:r>
+              <a:rPr lang="en-US" altLang="zh-CN" sz="2400" b="1" smtClean="0"/>
+              <a:t>Tasks:</a:t>
+            </a:r>
+          </a:p>
+          <a:p>
+            <a:r>
+              <a:rPr lang="zh-CN" altLang="en-US" sz="2400"/>
+              <a:t>应用程序的过程可以分解为一</a:t>
+            </a:r>
+            <a:r>
+              <a:rPr lang="zh-CN" altLang="en-US" sz="2400" smtClean="0"/>
+              <a:t>组任务，</a:t>
+            </a:r>
+            <a:r>
+              <a:rPr lang="zh-CN" altLang="en-US" sz="2400"/>
+              <a:t>任务不能分为子</a:t>
+            </a:r>
+            <a:r>
+              <a:rPr lang="zh-CN" altLang="en-US" sz="2400" smtClean="0"/>
+              <a:t>任务。</a:t>
+            </a:r>
+            <a:endParaRPr lang="en-US" altLang="zh-CN" sz="2400" smtClean="0"/>
+          </a:p>
+          <a:p>
+            <a:r>
+              <a:rPr lang="en-US" altLang="zh-CN" sz="2400" b="1" smtClean="0">
+                <a:solidFill>
+                  <a:srgbClr val="000000"/>
+                </a:solidFill>
+                <a:latin typeface="微软雅黑" panose="020B0503020204020204" pitchFamily="34" charset="-122"/>
+                <a:ea typeface="微软雅黑" panose="020B0503020204020204" pitchFamily="34" charset="-122"/>
+              </a:rPr>
+              <a:t>3. </a:t>
+            </a:r>
+            <a:r>
+              <a:rPr lang="en-US" altLang="zh-CN" sz="2400" b="1"/>
+              <a:t>Client Vehicles</a:t>
+            </a:r>
+            <a:r>
+              <a:rPr lang="en-US" altLang="zh-CN" sz="2400" b="1" smtClean="0"/>
+              <a:t>:</a:t>
+            </a:r>
+          </a:p>
+          <a:p>
+            <a:r>
+              <a:rPr lang="zh-CN" altLang="en-US" sz="2400"/>
+              <a:t>生成任务的车辆被定义</a:t>
+            </a:r>
+            <a:r>
+              <a:rPr lang="zh-CN" altLang="en-US" sz="2400" smtClean="0"/>
+              <a:t>为</a:t>
+            </a:r>
+            <a:r>
+              <a:rPr lang="en-US" altLang="zh-CN" sz="2400"/>
+              <a:t>Client </a:t>
+            </a:r>
+            <a:r>
+              <a:rPr lang="en-US" altLang="zh-CN" sz="2400" smtClean="0"/>
+              <a:t>Vehicles</a:t>
+            </a:r>
+          </a:p>
+          <a:p>
+            <a:r>
+              <a:rPr lang="en-US" altLang="zh-CN" sz="2400" b="1" smtClean="0">
+                <a:solidFill>
+                  <a:srgbClr val="000000"/>
+                </a:solidFill>
+                <a:latin typeface="微软雅黑" panose="020B0503020204020204" pitchFamily="34" charset="-122"/>
+                <a:ea typeface="微软雅黑" panose="020B0503020204020204" pitchFamily="34" charset="-122"/>
+              </a:rPr>
+              <a:t>4. </a:t>
+            </a:r>
+            <a:r>
+              <a:rPr lang="en-US" altLang="zh-CN" sz="2400" b="1"/>
+              <a:t>Service </a:t>
+            </a:r>
+            <a:r>
+              <a:rPr lang="en-US" altLang="zh-CN" sz="2400" b="1" smtClean="0"/>
+              <a:t>Zones</a:t>
+            </a:r>
+            <a:r>
+              <a:rPr lang="zh-CN" altLang="en-US" sz="2400" b="1" smtClean="0"/>
+              <a:t>：</a:t>
+            </a:r>
+            <a:endParaRPr lang="en-US" altLang="zh-CN" sz="2400" b="1" smtClean="0"/>
+          </a:p>
+          <a:p>
+            <a:r>
+              <a:rPr lang="zh-CN" altLang="en-US" sz="2400" smtClean="0"/>
+              <a:t>在每一个服务区域内都会有一个区域头负责管理和协调同一区域内的所有雾结点。</a:t>
+            </a:r>
+            <a:endParaRPr lang="en-US" altLang="zh-CN" sz="2400" smtClean="0"/>
+          </a:p>
+          <a:p>
+            <a:r>
+              <a:rPr lang="zh-CN" altLang="en-US" sz="2400"/>
+              <a:t>移动雾节点在进入或离开区域时始终通知区域</a:t>
+            </a:r>
+            <a:r>
+              <a:rPr lang="zh-CN" altLang="en-US" sz="2400" smtClean="0"/>
+              <a:t>头，并定期</a:t>
+            </a:r>
+            <a:r>
+              <a:rPr lang="zh-CN" altLang="en-US" sz="2400"/>
+              <a:t>向区域负责人报告他们的移动方向，位置和可用容量。</a:t>
+            </a:r>
+            <a:endParaRPr lang="en-US" altLang="zh-CN" sz="2400" smtClean="0"/>
+          </a:p>
+          <a:p>
             <a:endParaRPr lang="en-US" altLang="zh-CN" sz="2400" b="1" smtClean="0">
               <a:solidFill>
                 <a:srgbClr val="000000"/>
@@ -8626,104 +9472,10 @@
           </a:p>
         </p:txBody>
       </p:sp>
-      <p:pic>
-        <p:nvPicPr>
-          <p:cNvPr id="3" name="图片 2"/>
-          <p:cNvPicPr>
-            <a:picLocks noChangeAspect="1"/>
-          </p:cNvPicPr>
-          <p:nvPr/>
-        </p:nvPicPr>
-        <p:blipFill>
-          <a:blip r:embed="rId4"/>
-          <a:stretch>
-            <a:fillRect/>
-          </a:stretch>
-        </p:blipFill>
-        <p:spPr>
-          <a:xfrm>
-            <a:off x="3930015" y="1505902"/>
-            <a:ext cx="7477125" cy="4438650"/>
-          </a:xfrm>
-          <a:prstGeom prst="rect">
-            <a:avLst/>
-          </a:prstGeom>
-        </p:spPr>
-      </p:pic>
-      <p:sp>
-        <p:nvSpPr>
-          <p:cNvPr id="4" name="文本框 3"/>
-          <p:cNvSpPr txBox="1"/>
-          <p:nvPr/>
-        </p:nvSpPr>
-        <p:spPr>
-          <a:xfrm>
-            <a:off x="1509177" y="3429000"/>
-            <a:ext cx="2223764" cy="1477328"/>
-          </a:xfrm>
-          <a:prstGeom prst="rect">
-            <a:avLst/>
-          </a:prstGeom>
-          <a:noFill/>
-        </p:spPr>
-        <p:txBody>
-          <a:bodyPr wrap="square" rtlCol="0">
-            <a:spAutoFit/>
-          </a:bodyPr>
-          <a:lstStyle/>
-          <a:p>
-            <a:r>
-              <a:rPr lang="en-US" altLang="zh-CN" smtClean="0"/>
-              <a:t>1.</a:t>
-            </a:r>
-            <a:r>
-              <a:rPr lang="zh-CN" altLang="en-US" smtClean="0"/>
-              <a:t>广播</a:t>
-            </a:r>
-            <a:endParaRPr lang="en-US" altLang="zh-CN" smtClean="0"/>
-          </a:p>
-          <a:p>
-            <a:r>
-              <a:rPr lang="en-US" altLang="zh-CN" smtClean="0"/>
-              <a:t>2.</a:t>
-            </a:r>
-            <a:r>
-              <a:rPr lang="zh-CN" altLang="en-US" smtClean="0"/>
-              <a:t>请求发送</a:t>
-            </a:r>
-            <a:endParaRPr lang="en-US" altLang="zh-CN" smtClean="0"/>
-          </a:p>
-          <a:p>
-            <a:r>
-              <a:rPr lang="en-US" altLang="zh-CN" smtClean="0"/>
-              <a:t>3.</a:t>
-            </a:r>
-            <a:r>
-              <a:rPr lang="zh-CN" altLang="en-US" smtClean="0"/>
-              <a:t>任务分配</a:t>
-            </a:r>
-            <a:endParaRPr lang="en-US" altLang="zh-CN" smtClean="0"/>
-          </a:p>
-          <a:p>
-            <a:r>
-              <a:rPr lang="en-US" altLang="zh-CN" smtClean="0"/>
-              <a:t>4.</a:t>
-            </a:r>
-            <a:r>
-              <a:rPr lang="zh-CN" altLang="en-US"/>
-              <a:t>任务迁移调度</a:t>
-            </a:r>
-            <a:endParaRPr lang="en-US" altLang="zh-CN" smtClean="0"/>
-          </a:p>
-          <a:p>
-            <a:endParaRPr lang="zh-CN" altLang="en-US"/>
-          </a:p>
-        </p:txBody>
-      </p:sp>
     </p:spTree>
     <p:extLst>
       <p:ext uri="{BB962C8B-B14F-4D97-AF65-F5344CB8AC3E}">
-        <p14:creationId xmlns:p14="http://schemas.microsoft.com/office/powerpoint/2010/main" val="1292101287"/>
+        <p14:creationId xmlns:p14="http://schemas.microsoft.com/office/powerpoint/2010/main" val="3204903735"/>
       </p:ext>
     </p:extLst>
   </p:cSld>
@@ -8740,7 +9492,7 @@
 </p:sld>
 </file>
 
-<file path=ppt/slides/slide5.xml><?xml version="1.0" encoding="utf-8"?>
+<file path=ppt/slides/slide4.xml><?xml version="1.0" encoding="utf-8"?>
 <p:sld xmlns:a="http://schemas.openxmlformats.org/drawingml/2006/main" xmlns:r="http://schemas.openxmlformats.org/officeDocument/2006/relationships" xmlns:p="http://schemas.openxmlformats.org/presentationml/2006/main">
   <p:cSld>
     <p:spTree>
@@ -9570,6 +10322,62 @@
           </a:p>
         </p:txBody>
       </p:sp>
+      <p:sp>
+        <p:nvSpPr>
+          <p:cNvPr id="2" name="文本框 1"/>
+          <p:cNvSpPr txBox="1"/>
+          <p:nvPr/>
+        </p:nvSpPr>
+        <p:spPr>
+          <a:xfrm>
+            <a:off x="1037229" y="1125855"/>
+            <a:ext cx="10313396" cy="1015663"/>
+          </a:xfrm>
+          <a:prstGeom prst="rect">
+            <a:avLst/>
+          </a:prstGeom>
+          <a:noFill/>
+        </p:spPr>
+        <p:txBody>
+          <a:bodyPr wrap="square" rtlCol="0">
+            <a:spAutoFit/>
+          </a:bodyPr>
+          <a:lstStyle/>
+          <a:p>
+            <a:pPr>
+              <a:lnSpc>
+                <a:spcPct val="150000"/>
+              </a:lnSpc>
+            </a:pPr>
+            <a:r>
+              <a:rPr lang="zh-CN" altLang="en-US" sz="2400" b="1" smtClean="0">
+                <a:solidFill>
+                  <a:srgbClr val="000000"/>
+                </a:solidFill>
+                <a:latin typeface="微软雅黑" panose="020B0503020204020204" pitchFamily="34" charset="-122"/>
+                <a:ea typeface="微软雅黑" panose="020B0503020204020204" pitchFamily="34" charset="-122"/>
+              </a:rPr>
+              <a:t>模型介绍：</a:t>
+            </a:r>
+            <a:endParaRPr lang="en-US" altLang="zh-CN" sz="2400" b="1" smtClean="0">
+              <a:solidFill>
+                <a:srgbClr val="000000"/>
+              </a:solidFill>
+              <a:latin typeface="微软雅黑" panose="020B0503020204020204" pitchFamily="34" charset="-122"/>
+              <a:ea typeface="微软雅黑" panose="020B0503020204020204" pitchFamily="34" charset="-122"/>
+            </a:endParaRPr>
+          </a:p>
+          <a:p>
+            <a:endParaRPr lang="en-US" altLang="zh-CN" sz="2400" b="1" smtClean="0">
+              <a:solidFill>
+                <a:srgbClr val="000000"/>
+              </a:solidFill>
+              <a:latin typeface="微软雅黑" panose="020B0503020204020204" pitchFamily="34" charset="-122"/>
+              <a:ea typeface="微软雅黑" panose="020B0503020204020204" pitchFamily="34" charset="-122"/>
+            </a:endParaRPr>
+          </a:p>
+        </p:txBody>
+      </p:sp>
       <p:pic>
         <p:nvPicPr>
           <p:cNvPr id="3" name="图片 2"/>
@@ -9586,42 +10394,88 @@
         </p:blipFill>
         <p:spPr>
           <a:xfrm>
-            <a:off x="1887537" y="2715311"/>
-            <a:ext cx="8180952" cy="1161905"/>
+            <a:off x="3930015" y="1505902"/>
+            <a:ext cx="7477125" cy="4438650"/>
           </a:xfrm>
           <a:prstGeom prst="rect">
             <a:avLst/>
           </a:prstGeom>
         </p:spPr>
       </p:pic>
-      <p:pic>
-        <p:nvPicPr>
-          <p:cNvPr id="4" name="图片 3"/>
-          <p:cNvPicPr>
-            <a:picLocks noChangeAspect="1"/>
-          </p:cNvPicPr>
+      <p:sp>
+        <p:nvSpPr>
+          <p:cNvPr id="4" name="文本框 3"/>
+          <p:cNvSpPr txBox="1"/>
           <p:nvPr/>
-        </p:nvPicPr>
-        <p:blipFill>
-          <a:blip r:embed="rId5"/>
-          <a:stretch>
-            <a:fillRect/>
-          </a:stretch>
-        </p:blipFill>
+        </p:nvSpPr>
         <p:spPr>
           <a:xfrm>
-            <a:off x="2030394" y="4279261"/>
-            <a:ext cx="7895238" cy="723810"/>
+            <a:off x="1509177" y="3429000"/>
+            <a:ext cx="2223764" cy="1477328"/>
           </a:xfrm>
           <a:prstGeom prst="rect">
             <a:avLst/>
           </a:prstGeom>
+          <a:noFill/>
         </p:spPr>
-      </p:pic>
+        <p:txBody>
+          <a:bodyPr wrap="square" rtlCol="0">
+            <a:spAutoFit/>
+          </a:bodyPr>
+          <a:lstStyle/>
+          <a:p>
+            <a:r>
+              <a:rPr lang="en-US" altLang="zh-CN" smtClean="0"/>
+              <a:t>1.</a:t>
+            </a:r>
+            <a:r>
+              <a:rPr lang="zh-CN" altLang="en-US" smtClean="0"/>
+              <a:t>广播</a:t>
+            </a:r>
+            <a:endParaRPr lang="en-US" altLang="zh-CN" smtClean="0"/>
+          </a:p>
+          <a:p>
+            <a:r>
+              <a:rPr lang="en-US" altLang="zh-CN" smtClean="0"/>
+              <a:t>2.</a:t>
+            </a:r>
+            <a:r>
+              <a:rPr lang="zh-CN" altLang="en-US" smtClean="0"/>
+              <a:t>请求发送</a:t>
+            </a:r>
+            <a:endParaRPr lang="en-US" altLang="zh-CN" smtClean="0"/>
+          </a:p>
+          <a:p>
+            <a:r>
+              <a:rPr lang="en-US" altLang="zh-CN" smtClean="0"/>
+              <a:t>3.</a:t>
+            </a:r>
+            <a:r>
+              <a:rPr lang="zh-CN" altLang="en-US" smtClean="0"/>
+              <a:t>任务分配</a:t>
+            </a:r>
+            <a:endParaRPr lang="en-US" altLang="zh-CN" smtClean="0"/>
+          </a:p>
+          <a:p>
+            <a:r>
+              <a:rPr lang="en-US" altLang="zh-CN" smtClean="0"/>
+              <a:t>4.</a:t>
+            </a:r>
+            <a:r>
+              <a:rPr lang="zh-CN" altLang="en-US"/>
+              <a:t>任务迁移调度</a:t>
+            </a:r>
+            <a:endParaRPr lang="en-US" altLang="zh-CN" smtClean="0"/>
+          </a:p>
+          <a:p>
+            <a:endParaRPr lang="zh-CN" altLang="en-US"/>
+          </a:p>
+        </p:txBody>
+      </p:sp>
     </p:spTree>
     <p:extLst>
       <p:ext uri="{BB962C8B-B14F-4D97-AF65-F5344CB8AC3E}">
-        <p14:creationId xmlns:p14="http://schemas.microsoft.com/office/powerpoint/2010/main" val="2140553695"/>
+        <p14:creationId xmlns:p14="http://schemas.microsoft.com/office/powerpoint/2010/main" val="1292101287"/>
       </p:ext>
     </p:extLst>
   </p:cSld>
@@ -9638,7 +10492,7 @@
 </p:sld>
 </file>
 
-<file path=ppt/slides/slide6.xml><?xml version="1.0" encoding="utf-8"?>
+<file path=ppt/slides/slide5.xml><?xml version="1.0" encoding="utf-8"?>
 <p:sld xmlns:a="http://schemas.openxmlformats.org/drawingml/2006/main" xmlns:r="http://schemas.openxmlformats.org/officeDocument/2006/relationships" xmlns:p="http://schemas.openxmlformats.org/presentationml/2006/main">
   <p:cSld>
     <p:spTree>
@@ -9678,8 +10532,8 @@
         </p:blipFill>
         <p:spPr bwMode="auto">
           <a:xfrm>
-            <a:off x="0" y="-193077"/>
-            <a:ext cx="12192000" cy="7051077"/>
+            <a:off x="0" y="0"/>
+            <a:ext cx="12192000" cy="6858000"/>
           </a:xfrm>
           <a:prstGeom prst="rect">
             <a:avLst/>
@@ -10468,73 +11322,9 @@
           </a:p>
         </p:txBody>
       </p:sp>
-      <p:sp>
-        <p:nvSpPr>
-          <p:cNvPr id="2" name="文本框 1"/>
-          <p:cNvSpPr txBox="1"/>
-          <p:nvPr/>
-        </p:nvSpPr>
-        <p:spPr>
-          <a:xfrm>
-            <a:off x="870155" y="1253613"/>
-            <a:ext cx="2551471" cy="461665"/>
-          </a:xfrm>
-          <a:prstGeom prst="rect">
-            <a:avLst/>
-          </a:prstGeom>
-          <a:noFill/>
-        </p:spPr>
-        <p:txBody>
-          <a:bodyPr wrap="square" rtlCol="0">
-            <a:spAutoFit/>
-          </a:bodyPr>
-          <a:lstStyle/>
-          <a:p>
-            <a:r>
-              <a:rPr lang="zh-CN" altLang="en-US" sz="2400" b="1" smtClean="0"/>
-              <a:t>服务延迟</a:t>
-            </a:r>
-            <a:endParaRPr lang="zh-CN" altLang="en-US" sz="2400" b="1"/>
-          </a:p>
-        </p:txBody>
-      </p:sp>
-      <p:sp>
-        <p:nvSpPr>
-          <p:cNvPr id="3" name="文本框 2"/>
-          <p:cNvSpPr txBox="1"/>
-          <p:nvPr/>
-        </p:nvSpPr>
-        <p:spPr>
-          <a:xfrm>
-            <a:off x="1106129" y="2035277"/>
-            <a:ext cx="2050026" cy="369332"/>
-          </a:xfrm>
-          <a:prstGeom prst="rect">
-            <a:avLst/>
-          </a:prstGeom>
-          <a:noFill/>
-        </p:spPr>
-        <p:txBody>
-          <a:bodyPr wrap="square" rtlCol="0">
-            <a:spAutoFit/>
-          </a:bodyPr>
-          <a:lstStyle/>
-          <a:p>
-            <a:r>
-              <a:rPr lang="en-US" altLang="zh-CN" smtClean="0"/>
-              <a:t>1.</a:t>
-            </a:r>
-            <a:r>
-              <a:rPr lang="zh-CN" altLang="en-US" smtClean="0"/>
-              <a:t>传输延迟：</a:t>
-            </a:r>
-            <a:endParaRPr lang="zh-CN" altLang="en-US"/>
-          </a:p>
-        </p:txBody>
-      </p:sp>
       <p:pic>
         <p:nvPicPr>
-          <p:cNvPr id="4" name="图片 3"/>
+          <p:cNvPr id="3" name="图片 2"/>
           <p:cNvPicPr>
             <a:picLocks noChangeAspect="1"/>
           </p:cNvPicPr>
@@ -10548,380 +11338,48 @@
         </p:blipFill>
         <p:spPr>
           <a:xfrm>
-            <a:off x="3421626" y="1891371"/>
-            <a:ext cx="5104762" cy="657143"/>
+            <a:off x="1887537" y="2715311"/>
+            <a:ext cx="8180952" cy="1161905"/>
           </a:xfrm>
           <a:prstGeom prst="rect">
             <a:avLst/>
           </a:prstGeom>
         </p:spPr>
       </p:pic>
-      <mc:AlternateContent xmlns:mc="http://schemas.openxmlformats.org/markup-compatibility/2006">
-        <mc:Choice xmlns:a14="http://schemas.microsoft.com/office/drawing/2010/main" Requires="a14">
-          <p:sp>
-            <p:nvSpPr>
-              <p:cNvPr id="5" name="文本框 4"/>
-              <p:cNvSpPr txBox="1"/>
-              <p:nvPr/>
-            </p:nvSpPr>
-            <p:spPr>
-              <a:xfrm>
-                <a:off x="4124131" y="1125855"/>
-                <a:ext cx="5840963" cy="646331"/>
-              </a:xfrm>
-              <a:prstGeom prst="rect">
-                <a:avLst/>
-              </a:prstGeom>
-              <a:noFill/>
-            </p:spPr>
-            <p:txBody>
-              <a:bodyPr wrap="square" rtlCol="0">
-                <a:spAutoFit/>
-              </a:bodyPr>
-              <a:lstStyle/>
-              <a:p>
-                <a:r>
-                  <a:rPr lang="en-US" altLang="zh-CN" smtClean="0"/>
-                  <a:t>Quality Loss of Results (</a:t>
-                </a:r>
-                <a:r>
-                  <a:rPr lang="en-US" altLang="zh-CN"/>
-                  <a:t>QLR</a:t>
-                </a:r>
-                <a:r>
-                  <a:rPr lang="en-US" altLang="zh-CN" smtClean="0"/>
-                  <a:t>)</a:t>
-                </a:r>
-                <a:r>
-                  <a:rPr lang="zh-CN" altLang="en-US" smtClean="0"/>
-                  <a:t>：服务质量损失的等级</a:t>
-                </a:r>
-                <a:endParaRPr lang="en-US" altLang="zh-CN" smtClean="0"/>
-              </a:p>
-              <a:p>
-                <a14:m>
-                  <m:oMath xmlns:m="http://schemas.openxmlformats.org/officeDocument/2006/math">
-                    <m:sSub>
-                      <m:sSubPr>
-                        <m:ctrlPr>
-                          <a:rPr lang="en-US" altLang="zh-CN" i="1" smtClean="0">
-                            <a:latin typeface="Cambria Math" panose="02040503050406030204" pitchFamily="18" charset="0"/>
-                          </a:rPr>
-                        </m:ctrlPr>
-                      </m:sSubPr>
-                      <m:e>
-                        <m:r>
-                          <a:rPr lang="en-US" altLang="zh-CN" b="0" i="1" smtClean="0">
-                            <a:latin typeface="Cambria Math" panose="02040503050406030204" pitchFamily="18" charset="0"/>
-                          </a:rPr>
-                          <m:t>𝑞</m:t>
-                        </m:r>
-                      </m:e>
-                      <m:sub>
-                        <m:r>
-                          <a:rPr lang="en-US" altLang="zh-CN" b="0" i="1" smtClean="0">
-                            <a:latin typeface="Cambria Math" panose="02040503050406030204" pitchFamily="18" charset="0"/>
-                          </a:rPr>
-                          <m:t>𝑘</m:t>
-                        </m:r>
-                      </m:sub>
-                    </m:sSub>
-                    <m:r>
-                      <a:rPr lang="zh-CN" altLang="en-US" i="1">
-                        <a:latin typeface="Cambria Math" panose="02040503050406030204" pitchFamily="18" charset="0"/>
-                      </a:rPr>
-                      <m:t>：</m:t>
-                    </m:r>
-                  </m:oMath>
-                </a14:m>
-                <a:r>
-                  <a:rPr lang="zh-CN" altLang="en-US" smtClean="0"/>
-                  <a:t>对每个任务</a:t>
-                </a:r>
-                <a:r>
-                  <a:rPr lang="en-US" altLang="zh-CN" smtClean="0"/>
-                  <a:t>k</a:t>
-                </a:r>
-                <a:r>
-                  <a:rPr lang="zh-CN" altLang="en-US" smtClean="0"/>
-                  <a:t>对应的</a:t>
-                </a:r>
-                <a:r>
-                  <a:rPr lang="en-US" altLang="zh-CN" smtClean="0"/>
-                  <a:t>QLR</a:t>
-                </a:r>
-                <a:r>
-                  <a:rPr lang="zh-CN" altLang="en-US" smtClean="0"/>
-                  <a:t>等级</a:t>
-                </a:r>
-                <a:endParaRPr lang="zh-CN" altLang="en-US"/>
-              </a:p>
-            </p:txBody>
-          </p:sp>
-        </mc:Choice>
-        <mc:Fallback>
-          <p:sp>
-            <p:nvSpPr>
-              <p:cNvPr id="5" name="文本框 4"/>
-              <p:cNvSpPr txBox="1">
-                <a:spLocks noRot="1" noChangeAspect="1" noMove="1" noResize="1" noEditPoints="1" noAdjustHandles="1" noChangeArrowheads="1" noChangeShapeType="1" noTextEdit="1"/>
-              </p:cNvSpPr>
-              <p:nvPr/>
-            </p:nvSpPr>
-            <p:spPr>
-              <a:xfrm>
-                <a:off x="4124131" y="1125855"/>
-                <a:ext cx="5840963" cy="646331"/>
-              </a:xfrm>
-              <a:prstGeom prst="rect">
-                <a:avLst/>
-              </a:prstGeom>
-              <a:blipFill rotWithShape="0">
-                <a:blip r:embed="rId5"/>
-                <a:stretch>
-                  <a:fillRect l="-939" t="-7547" b="-15094"/>
-                </a:stretch>
-              </a:blipFill>
-            </p:spPr>
-            <p:txBody>
-              <a:bodyPr/>
-              <a:lstStyle/>
-              <a:p>
-                <a:r>
-                  <a:rPr lang="zh-CN" altLang="en-US">
-                    <a:noFill/>
-                  </a:rPr>
-                  <a:t> </a:t>
-                </a:r>
-              </a:p>
-            </p:txBody>
-          </p:sp>
-        </mc:Fallback>
-      </mc:AlternateContent>
-      <mc:AlternateContent xmlns:mc="http://schemas.openxmlformats.org/markup-compatibility/2006">
-        <mc:Choice xmlns:a14="http://schemas.microsoft.com/office/drawing/2010/main" Requires="a14">
-          <p:sp>
-            <p:nvSpPr>
-              <p:cNvPr id="6" name="文本框 5"/>
-              <p:cNvSpPr txBox="1"/>
-              <p:nvPr/>
-            </p:nvSpPr>
-            <p:spPr>
-              <a:xfrm>
-                <a:off x="7808252" y="2369591"/>
-                <a:ext cx="4019576" cy="945643"/>
-              </a:xfrm>
-              <a:prstGeom prst="rect">
-                <a:avLst/>
-              </a:prstGeom>
-              <a:noFill/>
-            </p:spPr>
-            <p:txBody>
-              <a:bodyPr wrap="square" rtlCol="0">
-                <a:spAutoFit/>
-              </a:bodyPr>
-              <a:lstStyle/>
-              <a:p>
-                <a:r>
-                  <a:rPr lang="en-US" altLang="zh-CN" smtClean="0"/>
-                  <a:t>D(</a:t>
-                </a:r>
-                <a14:m>
-                  <m:oMath xmlns:m="http://schemas.openxmlformats.org/officeDocument/2006/math">
-                    <m:sSub>
-                      <m:sSubPr>
-                        <m:ctrlPr>
-                          <a:rPr lang="en-US" altLang="zh-CN" i="1">
-                            <a:latin typeface="Cambria Math" panose="02040503050406030204" pitchFamily="18" charset="0"/>
-                          </a:rPr>
-                        </m:ctrlPr>
-                      </m:sSubPr>
-                      <m:e>
-                        <m:r>
-                          <a:rPr lang="en-US" altLang="zh-CN" i="1">
-                            <a:latin typeface="Cambria Math" panose="02040503050406030204" pitchFamily="18" charset="0"/>
-                          </a:rPr>
-                          <m:t>𝑞</m:t>
-                        </m:r>
-                      </m:e>
-                      <m:sub>
-                        <m:r>
-                          <a:rPr lang="en-US" altLang="zh-CN" i="1">
-                            <a:latin typeface="Cambria Math" panose="02040503050406030204" pitchFamily="18" charset="0"/>
-                          </a:rPr>
-                          <m:t>𝑘</m:t>
-                        </m:r>
-                      </m:sub>
-                    </m:sSub>
-                  </m:oMath>
-                </a14:m>
-                <a:r>
-                  <a:rPr lang="en-US" altLang="zh-CN" smtClean="0"/>
-                  <a:t>)</a:t>
-                </a:r>
-                <a:r>
-                  <a:rPr lang="zh-CN" altLang="en-US" smtClean="0"/>
-                  <a:t>：当</a:t>
-                </a:r>
-                <a:r>
-                  <a:rPr lang="en-US" altLang="zh-CN" smtClean="0"/>
-                  <a:t>QLR</a:t>
-                </a:r>
-                <a:r>
-                  <a:rPr lang="zh-CN" altLang="en-US" smtClean="0"/>
-                  <a:t>为</a:t>
-                </a:r>
-                <a14:m>
-                  <m:oMath xmlns:m="http://schemas.openxmlformats.org/officeDocument/2006/math">
-                    <m:sSub>
-                      <m:sSubPr>
-                        <m:ctrlPr>
-                          <a:rPr lang="en-US" altLang="zh-CN" i="1" smtClean="0">
-                            <a:latin typeface="Cambria Math" panose="02040503050406030204" pitchFamily="18" charset="0"/>
-                          </a:rPr>
-                        </m:ctrlPr>
-                      </m:sSubPr>
-                      <m:e>
-                        <m:r>
-                          <a:rPr lang="en-US" altLang="zh-CN" b="0" i="1" smtClean="0">
-                            <a:latin typeface="Cambria Math" panose="02040503050406030204" pitchFamily="18" charset="0"/>
-                          </a:rPr>
-                          <m:t>𝑞</m:t>
-                        </m:r>
-                      </m:e>
-                      <m:sub>
-                        <m:r>
-                          <a:rPr lang="en-US" altLang="zh-CN" b="0" i="1" smtClean="0">
-                            <a:latin typeface="Cambria Math" panose="02040503050406030204" pitchFamily="18" charset="0"/>
-                          </a:rPr>
-                          <m:t>𝑘</m:t>
-                        </m:r>
-                      </m:sub>
-                    </m:sSub>
-                    <m:r>
-                      <a:rPr lang="zh-CN" altLang="en-US" i="1">
-                        <a:latin typeface="Cambria Math" panose="02040503050406030204" pitchFamily="18" charset="0"/>
-                      </a:rPr>
-                      <m:t>时</m:t>
-                    </m:r>
-                  </m:oMath>
-                </a14:m>
-                <a:r>
-                  <a:rPr lang="zh-CN" altLang="en-US" smtClean="0"/>
-                  <a:t>传输数据量的大小</a:t>
-                </a:r>
-                <a:endParaRPr lang="en-US" altLang="zh-CN" smtClean="0"/>
-              </a:p>
-              <a:p>
-                <a14:m>
-                  <m:oMath xmlns:m="http://schemas.openxmlformats.org/officeDocument/2006/math">
-                    <m:sSub>
-                      <m:sSubPr>
-                        <m:ctrlPr>
-                          <a:rPr lang="en-US" altLang="zh-CN" i="1" smtClean="0">
-                            <a:latin typeface="Cambria Math" panose="02040503050406030204" pitchFamily="18" charset="0"/>
-                          </a:rPr>
-                        </m:ctrlPr>
-                      </m:sSubPr>
-                      <m:e>
-                        <m:r>
-                          <a:rPr lang="en-US" altLang="zh-CN" b="0" i="1" smtClean="0">
-                            <a:latin typeface="Cambria Math" panose="02040503050406030204" pitchFamily="18" charset="0"/>
-                          </a:rPr>
-                          <m:t>𝐶</m:t>
-                        </m:r>
-                      </m:e>
-                      <m:sub>
-                        <m:r>
-                          <a:rPr lang="en-US" altLang="zh-CN" b="0" i="1" smtClean="0">
-                            <a:latin typeface="Cambria Math" panose="02040503050406030204" pitchFamily="18" charset="0"/>
-                          </a:rPr>
-                          <m:t>𝑖𝑗</m:t>
-                        </m:r>
-                      </m:sub>
-                    </m:sSub>
-                    <m:r>
-                      <a:rPr lang="zh-CN" altLang="en-US" i="1">
-                        <a:latin typeface="Cambria Math" panose="02040503050406030204" pitchFamily="18" charset="0"/>
-                      </a:rPr>
-                      <m:t>：</m:t>
-                    </m:r>
-                  </m:oMath>
-                </a14:m>
-                <a:r>
-                  <a:rPr lang="zh-CN" altLang="en-US" smtClean="0"/>
-                  <a:t>结点</a:t>
-                </a:r>
-                <a:r>
-                  <a:rPr lang="en-US" altLang="zh-CN" smtClean="0"/>
-                  <a:t>j</a:t>
-                </a:r>
-                <a:r>
-                  <a:rPr lang="zh-CN" altLang="en-US" smtClean="0"/>
-                  <a:t>和</a:t>
-                </a:r>
-                <a:r>
-                  <a:rPr lang="en-US" altLang="zh-CN" smtClean="0"/>
-                  <a:t>client i</a:t>
-                </a:r>
-                <a:r>
-                  <a:rPr lang="zh-CN" altLang="en-US" smtClean="0"/>
-                  <a:t>之间的数据传输率</a:t>
-                </a:r>
-                <a:endParaRPr lang="zh-CN" altLang="en-US"/>
-              </a:p>
-            </p:txBody>
-          </p:sp>
-        </mc:Choice>
-        <mc:Fallback>
-          <p:sp>
-            <p:nvSpPr>
-              <p:cNvPr id="6" name="文本框 5"/>
-              <p:cNvSpPr txBox="1">
-                <a:spLocks noRot="1" noChangeAspect="1" noMove="1" noResize="1" noEditPoints="1" noAdjustHandles="1" noChangeArrowheads="1" noChangeShapeType="1" noTextEdit="1"/>
-              </p:cNvSpPr>
-              <p:nvPr/>
-            </p:nvSpPr>
-            <p:spPr>
-              <a:xfrm>
-                <a:off x="7808252" y="2369591"/>
-                <a:ext cx="4019576" cy="945643"/>
-              </a:xfrm>
-              <a:prstGeom prst="rect">
-                <a:avLst/>
-              </a:prstGeom>
-              <a:blipFill rotWithShape="0">
-                <a:blip r:embed="rId6"/>
-                <a:stretch>
-                  <a:fillRect l="-1366" t="-5161" r="-152" b="-7097"/>
-                </a:stretch>
-              </a:blipFill>
-            </p:spPr>
-            <p:txBody>
-              <a:bodyPr/>
-              <a:lstStyle/>
-              <a:p>
-                <a:r>
-                  <a:rPr lang="zh-CN" altLang="en-US">
-                    <a:noFill/>
-                  </a:rPr>
-                  <a:t> </a:t>
-                </a:r>
-              </a:p>
-            </p:txBody>
-          </p:sp>
-        </mc:Fallback>
-      </mc:AlternateContent>
+      <p:pic>
+        <p:nvPicPr>
+          <p:cNvPr id="4" name="图片 3"/>
+          <p:cNvPicPr>
+            <a:picLocks noChangeAspect="1"/>
+          </p:cNvPicPr>
+          <p:nvPr/>
+        </p:nvPicPr>
+        <p:blipFill>
+          <a:blip r:embed="rId5"/>
+          <a:stretch>
+            <a:fillRect/>
+          </a:stretch>
+        </p:blipFill>
+        <p:spPr>
+          <a:xfrm>
+            <a:off x="2030394" y="4279261"/>
+            <a:ext cx="7895238" cy="723810"/>
+          </a:xfrm>
+          <a:prstGeom prst="rect">
+            <a:avLst/>
+          </a:prstGeom>
+        </p:spPr>
+      </p:pic>
       <p:sp>
         <p:nvSpPr>
-          <p:cNvPr id="7" name="文本框 6"/>
+          <p:cNvPr id="10" name="文本框 9"/>
           <p:cNvSpPr txBox="1"/>
           <p:nvPr/>
         </p:nvSpPr>
         <p:spPr>
           <a:xfrm>
-            <a:off x="1106128" y="3116424"/>
-            <a:ext cx="1674393" cy="369332"/>
+            <a:off x="1037229" y="1125855"/>
+            <a:ext cx="10313396" cy="1015663"/>
           </a:xfrm>
           <a:prstGeom prst="rect">
             <a:avLst/>
@@ -10934,321 +11392,44 @@
           </a:bodyPr>
           <a:lstStyle/>
           <a:p>
-            <a:r>
-              <a:rPr lang="en-US" altLang="zh-CN" smtClean="0"/>
-              <a:t>2.</a:t>
-            </a:r>
-            <a:r>
-              <a:rPr lang="zh-CN" altLang="en-US" smtClean="0"/>
-              <a:t>处理延迟：</a:t>
-            </a:r>
-            <a:endParaRPr lang="zh-CN" altLang="en-US"/>
-          </a:p>
-        </p:txBody>
-      </p:sp>
-      <p:pic>
-        <p:nvPicPr>
-          <p:cNvPr id="9" name="图片 8"/>
-          <p:cNvPicPr>
-            <a:picLocks noChangeAspect="1"/>
-          </p:cNvPicPr>
-          <p:nvPr/>
-        </p:nvPicPr>
-        <p:blipFill>
-          <a:blip r:embed="rId7"/>
-          <a:stretch>
-            <a:fillRect/>
-          </a:stretch>
-        </p:blipFill>
-        <p:spPr>
-          <a:xfrm>
-            <a:off x="3253603" y="3127929"/>
-            <a:ext cx="4190476" cy="504762"/>
-          </a:xfrm>
-          <a:prstGeom prst="rect">
-            <a:avLst/>
-          </a:prstGeom>
-        </p:spPr>
-      </p:pic>
-      <mc:AlternateContent xmlns:mc="http://schemas.openxmlformats.org/markup-compatibility/2006">
-        <mc:Choice xmlns:a14="http://schemas.microsoft.com/office/drawing/2010/main" Requires="a14">
-          <p:sp>
-            <p:nvSpPr>
-              <p:cNvPr id="10" name="文本框 9"/>
-              <p:cNvSpPr txBox="1"/>
-              <p:nvPr/>
-            </p:nvSpPr>
-            <p:spPr>
-              <a:xfrm>
-                <a:off x="6096317" y="3725227"/>
-                <a:ext cx="4130034" cy="923330"/>
-              </a:xfrm>
-              <a:prstGeom prst="rect">
-                <a:avLst/>
-              </a:prstGeom>
-              <a:noFill/>
-            </p:spPr>
-            <p:txBody>
-              <a:bodyPr wrap="square" rtlCol="0">
-                <a:spAutoFit/>
-              </a:bodyPr>
-              <a:lstStyle/>
-              <a:p>
-                <a:r>
-                  <a:rPr lang="en-US" altLang="zh-CN" smtClean="0"/>
-                  <a:t>P(</a:t>
-                </a:r>
-                <a14:m>
-                  <m:oMath xmlns:m="http://schemas.openxmlformats.org/officeDocument/2006/math">
-                    <m:sSub>
-                      <m:sSubPr>
-                        <m:ctrlPr>
-                          <a:rPr lang="en-US" altLang="zh-CN" i="1">
-                            <a:latin typeface="Cambria Math" panose="02040503050406030204" pitchFamily="18" charset="0"/>
-                          </a:rPr>
-                        </m:ctrlPr>
-                      </m:sSubPr>
-                      <m:e>
-                        <m:r>
-                          <a:rPr lang="en-US" altLang="zh-CN" i="1">
-                            <a:latin typeface="Cambria Math" panose="02040503050406030204" pitchFamily="18" charset="0"/>
-                          </a:rPr>
-                          <m:t>𝑞</m:t>
-                        </m:r>
-                      </m:e>
-                      <m:sub>
-                        <m:r>
-                          <a:rPr lang="en-US" altLang="zh-CN" i="1">
-                            <a:latin typeface="Cambria Math" panose="02040503050406030204" pitchFamily="18" charset="0"/>
-                          </a:rPr>
-                          <m:t>𝑘</m:t>
-                        </m:r>
-                      </m:sub>
-                    </m:sSub>
-                  </m:oMath>
-                </a14:m>
-                <a:r>
-                  <a:rPr lang="en-US" altLang="zh-CN"/>
-                  <a:t>)</a:t>
-                </a:r>
-                <a:r>
-                  <a:rPr lang="zh-CN" altLang="en-US"/>
-                  <a:t>：当</a:t>
-                </a:r>
-                <a:r>
-                  <a:rPr lang="en-US" altLang="zh-CN"/>
-                  <a:t>QLR</a:t>
-                </a:r>
-                <a:r>
-                  <a:rPr lang="zh-CN" altLang="en-US"/>
-                  <a:t>为</a:t>
-                </a:r>
-                <a14:m>
-                  <m:oMath xmlns:m="http://schemas.openxmlformats.org/officeDocument/2006/math">
-                    <m:sSub>
-                      <m:sSubPr>
-                        <m:ctrlPr>
-                          <a:rPr lang="en-US" altLang="zh-CN" i="1">
-                            <a:latin typeface="Cambria Math" panose="02040503050406030204" pitchFamily="18" charset="0"/>
-                          </a:rPr>
-                        </m:ctrlPr>
-                      </m:sSubPr>
-                      <m:e>
-                        <m:r>
-                          <a:rPr lang="en-US" altLang="zh-CN" i="1">
-                            <a:latin typeface="Cambria Math" panose="02040503050406030204" pitchFamily="18" charset="0"/>
-                          </a:rPr>
-                          <m:t>𝑞</m:t>
-                        </m:r>
-                      </m:e>
-                      <m:sub>
-                        <m:r>
-                          <a:rPr lang="en-US" altLang="zh-CN" i="1">
-                            <a:latin typeface="Cambria Math" panose="02040503050406030204" pitchFamily="18" charset="0"/>
-                          </a:rPr>
-                          <m:t>𝑘</m:t>
-                        </m:r>
-                      </m:sub>
-                    </m:sSub>
-                    <m:r>
-                      <a:rPr lang="zh-CN" altLang="en-US" i="1">
-                        <a:latin typeface="Cambria Math" panose="02040503050406030204" pitchFamily="18" charset="0"/>
-                      </a:rPr>
-                      <m:t>时</m:t>
-                    </m:r>
-                  </m:oMath>
-                </a14:m>
-                <a:r>
-                  <a:rPr lang="zh-CN" altLang="en-US" smtClean="0"/>
-                  <a:t>所需要的处理</a:t>
-                </a:r>
-                <a:r>
-                  <a:rPr lang="zh-CN" altLang="en-US"/>
-                  <a:t>延迟</a:t>
-                </a:r>
-                <a:endParaRPr lang="en-US" altLang="zh-CN"/>
-              </a:p>
-              <a:p>
-                <a:endParaRPr lang="zh-CN" altLang="en-US"/>
-              </a:p>
-            </p:txBody>
-          </p:sp>
-        </mc:Choice>
-        <mc:Fallback>
-          <p:sp>
-            <p:nvSpPr>
-              <p:cNvPr id="10" name="文本框 9"/>
-              <p:cNvSpPr txBox="1">
-                <a:spLocks noRot="1" noChangeAspect="1" noMove="1" noResize="1" noEditPoints="1" noAdjustHandles="1" noChangeArrowheads="1" noChangeShapeType="1" noTextEdit="1"/>
-              </p:cNvSpPr>
-              <p:nvPr/>
-            </p:nvSpPr>
-            <p:spPr>
-              <a:xfrm>
-                <a:off x="6096317" y="3725227"/>
-                <a:ext cx="4130034" cy="923330"/>
-              </a:xfrm>
-              <a:prstGeom prst="rect">
-                <a:avLst/>
-              </a:prstGeom>
-              <a:blipFill rotWithShape="0">
-                <a:blip r:embed="rId8"/>
-                <a:stretch>
-                  <a:fillRect l="-1180" t="-4605"/>
-                </a:stretch>
-              </a:blipFill>
-            </p:spPr>
-            <p:txBody>
-              <a:bodyPr/>
-              <a:lstStyle/>
-              <a:p>
-                <a:r>
-                  <a:rPr lang="zh-CN" altLang="en-US">
-                    <a:noFill/>
-                  </a:rPr>
-                  <a:t> </a:t>
-                </a:r>
-              </a:p>
-            </p:txBody>
-          </p:sp>
-        </mc:Fallback>
-      </mc:AlternateContent>
-      <p:sp>
-        <p:nvSpPr>
-          <p:cNvPr id="12" name="文本框 11"/>
-          <p:cNvSpPr txBox="1"/>
-          <p:nvPr/>
-        </p:nvSpPr>
-        <p:spPr>
-          <a:xfrm>
-            <a:off x="1623527" y="4648556"/>
-            <a:ext cx="5281126" cy="369332"/>
-          </a:xfrm>
-          <a:prstGeom prst="rect">
-            <a:avLst/>
-          </a:prstGeom>
-          <a:noFill/>
-        </p:spPr>
-        <p:txBody>
-          <a:bodyPr wrap="square" rtlCol="0">
-            <a:spAutoFit/>
-          </a:bodyPr>
-          <a:lstStyle/>
-          <a:p>
-            <a:r>
-              <a:rPr lang="zh-CN" altLang="en-US" smtClean="0"/>
-              <a:t>每个任务</a:t>
-            </a:r>
-            <a:r>
-              <a:rPr lang="en-US" altLang="zh-CN" smtClean="0"/>
-              <a:t>k</a:t>
-            </a:r>
-            <a:r>
-              <a:rPr lang="zh-CN" altLang="en-US" smtClean="0"/>
-              <a:t>的服务延迟：</a:t>
-            </a:r>
-            <a:endParaRPr lang="zh-CN" altLang="en-US"/>
-          </a:p>
-        </p:txBody>
-      </p:sp>
-      <p:pic>
-        <p:nvPicPr>
-          <p:cNvPr id="13" name="图片 12"/>
-          <p:cNvPicPr>
-            <a:picLocks noChangeAspect="1"/>
-          </p:cNvPicPr>
-          <p:nvPr/>
-        </p:nvPicPr>
-        <p:blipFill>
-          <a:blip r:embed="rId9"/>
-          <a:stretch>
-            <a:fillRect/>
-          </a:stretch>
-        </p:blipFill>
-        <p:spPr>
-          <a:xfrm>
-            <a:off x="4124131" y="4663299"/>
-            <a:ext cx="4304762" cy="447619"/>
-          </a:xfrm>
-          <a:prstGeom prst="rect">
-            <a:avLst/>
-          </a:prstGeom>
-        </p:spPr>
-      </p:pic>
-      <p:sp>
-        <p:nvSpPr>
-          <p:cNvPr id="14" name="文本框 13"/>
-          <p:cNvSpPr txBox="1"/>
-          <p:nvPr/>
-        </p:nvSpPr>
-        <p:spPr>
-          <a:xfrm>
-            <a:off x="2537927" y="5355771"/>
-            <a:ext cx="5890966" cy="369332"/>
-          </a:xfrm>
-          <a:prstGeom prst="rect">
-            <a:avLst/>
-          </a:prstGeom>
-          <a:noFill/>
-        </p:spPr>
-        <p:txBody>
-          <a:bodyPr wrap="square" rtlCol="0">
-            <a:spAutoFit/>
-          </a:bodyPr>
-          <a:lstStyle/>
-          <a:p>
-            <a:r>
-              <a:rPr lang="en-US" altLang="zh-CN" smtClean="0"/>
-              <a:t>l:</a:t>
-            </a:r>
-            <a:r>
-              <a:rPr lang="zh-CN" altLang="en-US" smtClean="0"/>
-              <a:t>是固定的时间开销，代表结点</a:t>
-            </a:r>
-            <a:r>
-              <a:rPr lang="en-US" altLang="zh-CN" smtClean="0"/>
-              <a:t>j</a:t>
-            </a:r>
-            <a:r>
-              <a:rPr lang="zh-CN" altLang="en-US" smtClean="0"/>
-              <a:t>和</a:t>
-            </a:r>
-            <a:r>
-              <a:rPr lang="en-US" altLang="zh-CN" smtClean="0"/>
-              <a:t>i</a:t>
-            </a:r>
-            <a:r>
-              <a:rPr lang="zh-CN" altLang="en-US" smtClean="0"/>
-              <a:t>之间的往返时延</a:t>
-            </a:r>
-            <a:endParaRPr lang="zh-CN" altLang="en-US"/>
+            <a:pPr>
+              <a:lnSpc>
+                <a:spcPct val="150000"/>
+              </a:lnSpc>
+            </a:pPr>
+            <a:r>
+              <a:rPr lang="zh-CN" altLang="en-US" sz="2400" b="1" smtClean="0">
+                <a:solidFill>
+                  <a:srgbClr val="000000"/>
+                </a:solidFill>
+                <a:latin typeface="微软雅黑" panose="020B0503020204020204" pitchFamily="34" charset="-122"/>
+                <a:ea typeface="微软雅黑" panose="020B0503020204020204" pitchFamily="34" charset="-122"/>
+              </a:rPr>
+              <a:t>模型介绍：</a:t>
+            </a:r>
+            <a:endParaRPr lang="en-US" altLang="zh-CN" sz="2400" b="1" smtClean="0">
+              <a:solidFill>
+                <a:srgbClr val="000000"/>
+              </a:solidFill>
+              <a:latin typeface="微软雅黑" panose="020B0503020204020204" pitchFamily="34" charset="-122"/>
+              <a:ea typeface="微软雅黑" panose="020B0503020204020204" pitchFamily="34" charset="-122"/>
+            </a:endParaRPr>
+          </a:p>
+          <a:p>
+            <a:endParaRPr lang="en-US" altLang="zh-CN" sz="2400" b="1" smtClean="0">
+              <a:solidFill>
+                <a:srgbClr val="000000"/>
+              </a:solidFill>
+              <a:latin typeface="微软雅黑" panose="020B0503020204020204" pitchFamily="34" charset="-122"/>
+              <a:ea typeface="微软雅黑" panose="020B0503020204020204" pitchFamily="34" charset="-122"/>
+            </a:endParaRPr>
           </a:p>
         </p:txBody>
       </p:sp>
     </p:spTree>
     <p:extLst>
       <p:ext uri="{BB962C8B-B14F-4D97-AF65-F5344CB8AC3E}">
-        <p14:creationId xmlns:p14="http://schemas.microsoft.com/office/powerpoint/2010/main" val="1318843934"/>
+        <p14:creationId xmlns:p14="http://schemas.microsoft.com/office/powerpoint/2010/main" val="2140553695"/>
       </p:ext>
     </p:extLst>
   </p:cSld>
@@ -11265,7 +11446,7 @@
 </p:sld>
 </file>
 
-<file path=ppt/slides/slide7.xml><?xml version="1.0" encoding="utf-8"?>
+<file path=ppt/slides/slide6.xml><?xml version="1.0" encoding="utf-8"?>
 <p:sld xmlns:a="http://schemas.openxmlformats.org/drawingml/2006/main" xmlns:r="http://schemas.openxmlformats.org/officeDocument/2006/relationships" xmlns:p="http://schemas.openxmlformats.org/presentationml/2006/main">
   <p:cSld>
     <p:spTree>
@@ -11305,8 +11486,8 @@
         </p:blipFill>
         <p:spPr bwMode="auto">
           <a:xfrm>
-            <a:off x="0" y="-242596"/>
-            <a:ext cx="12192000" cy="6858000"/>
+            <a:off x="0" y="-193077"/>
+            <a:ext cx="12192000" cy="7051077"/>
           </a:xfrm>
           <a:prstGeom prst="rect">
             <a:avLst/>
@@ -12103,8 +12284,8 @@
         </p:nvSpPr>
         <p:spPr>
           <a:xfrm>
-            <a:off x="1082351" y="1343608"/>
-            <a:ext cx="3172408" cy="369332"/>
+            <a:off x="870155" y="1253613"/>
+            <a:ext cx="2551471" cy="461665"/>
           </a:xfrm>
           <a:prstGeom prst="rect">
             <a:avLst/>
@@ -12118,10 +12299,10 @@
           <a:lstStyle/>
           <a:p>
             <a:r>
-              <a:rPr lang="zh-CN" altLang="en-US" smtClean="0"/>
-              <a:t>约束</a:t>
-            </a:r>
-            <a:endParaRPr lang="zh-CN" altLang="en-US"/>
+              <a:rPr lang="zh-CN" altLang="en-US" sz="2400" b="1" smtClean="0"/>
+              <a:t>服务延迟</a:t>
+            </a:r>
+            <a:endParaRPr lang="zh-CN" altLang="en-US" sz="2400" b="1"/>
           </a:p>
         </p:txBody>
       </p:sp>
@@ -12133,8 +12314,8 @@
         </p:nvSpPr>
         <p:spPr>
           <a:xfrm>
-            <a:off x="1082351" y="1712940"/>
-            <a:ext cx="3377682" cy="369332"/>
+            <a:off x="1106128" y="2440000"/>
+            <a:ext cx="2050026" cy="369332"/>
           </a:xfrm>
           <a:prstGeom prst="rect">
             <a:avLst/>
@@ -12153,7 +12334,7 @@
             </a:r>
             <a:r>
               <a:rPr lang="zh-CN" altLang="en-US" smtClean="0"/>
-              <a:t>质量损失约束：</a:t>
+              <a:t>传输延迟：</a:t>
             </a:r>
             <a:endParaRPr lang="zh-CN" altLang="en-US"/>
           </a:p>
@@ -12175,8 +12356,682 @@
         </p:blipFill>
         <p:spPr>
           <a:xfrm>
-            <a:off x="3287646" y="1730693"/>
-            <a:ext cx="4123809" cy="400000"/>
+            <a:off x="2339000" y="2277905"/>
+            <a:ext cx="5104762" cy="657143"/>
+          </a:xfrm>
+          <a:prstGeom prst="rect">
+            <a:avLst/>
+          </a:prstGeom>
+        </p:spPr>
+      </p:pic>
+      <mc:AlternateContent xmlns:mc="http://schemas.openxmlformats.org/markup-compatibility/2006">
+        <mc:Choice xmlns:a14="http://schemas.microsoft.com/office/drawing/2010/main" Requires="a14">
+          <p:sp>
+            <p:nvSpPr>
+              <p:cNvPr id="5" name="文本框 4"/>
+              <p:cNvSpPr txBox="1"/>
+              <p:nvPr/>
+            </p:nvSpPr>
+            <p:spPr>
+              <a:xfrm>
+                <a:off x="3156154" y="5356902"/>
+                <a:ext cx="5835546" cy="646331"/>
+              </a:xfrm>
+              <a:prstGeom prst="rect">
+                <a:avLst/>
+              </a:prstGeom>
+              <a:noFill/>
+            </p:spPr>
+            <p:txBody>
+              <a:bodyPr wrap="square" rtlCol="0">
+                <a:spAutoFit/>
+              </a:bodyPr>
+              <a:lstStyle/>
+              <a:p>
+                <a:r>
+                  <a:rPr lang="en-US" altLang="zh-CN" smtClean="0"/>
+                  <a:t>Quality Loss of Results (</a:t>
+                </a:r>
+                <a:r>
+                  <a:rPr lang="en-US" altLang="zh-CN"/>
+                  <a:t>QLR</a:t>
+                </a:r>
+                <a:r>
+                  <a:rPr lang="en-US" altLang="zh-CN" smtClean="0"/>
+                  <a:t>)</a:t>
+                </a:r>
+                <a:r>
+                  <a:rPr lang="zh-CN" altLang="en-US" smtClean="0"/>
+                  <a:t>：服务质量损失的等级</a:t>
+                </a:r>
+                <a:endParaRPr lang="en-US" altLang="zh-CN" smtClean="0"/>
+              </a:p>
+              <a:p>
+                <a14:m>
+                  <m:oMath xmlns:m="http://schemas.openxmlformats.org/officeDocument/2006/math">
+                    <m:sSub>
+                      <m:sSubPr>
+                        <m:ctrlPr>
+                          <a:rPr lang="en-US" altLang="zh-CN" i="1" smtClean="0">
+                            <a:latin typeface="Cambria Math" panose="02040503050406030204" pitchFamily="18" charset="0"/>
+                          </a:rPr>
+                        </m:ctrlPr>
+                      </m:sSubPr>
+                      <m:e>
+                        <m:r>
+                          <a:rPr lang="en-US" altLang="zh-CN" b="0" i="1" smtClean="0">
+                            <a:latin typeface="Cambria Math" panose="02040503050406030204" pitchFamily="18" charset="0"/>
+                          </a:rPr>
+                          <m:t>𝑞</m:t>
+                        </m:r>
+                      </m:e>
+                      <m:sub>
+                        <m:r>
+                          <a:rPr lang="en-US" altLang="zh-CN" b="0" i="1" smtClean="0">
+                            <a:latin typeface="Cambria Math" panose="02040503050406030204" pitchFamily="18" charset="0"/>
+                          </a:rPr>
+                          <m:t>𝑘</m:t>
+                        </m:r>
+                      </m:sub>
+                    </m:sSub>
+                    <m:r>
+                      <a:rPr lang="zh-CN" altLang="en-US" i="1">
+                        <a:latin typeface="Cambria Math" panose="02040503050406030204" pitchFamily="18" charset="0"/>
+                      </a:rPr>
+                      <m:t>：</m:t>
+                    </m:r>
+                  </m:oMath>
+                </a14:m>
+                <a:r>
+                  <a:rPr lang="zh-CN" altLang="en-US" smtClean="0"/>
+                  <a:t>对每个任务</a:t>
+                </a:r>
+                <a:r>
+                  <a:rPr lang="en-US" altLang="zh-CN" smtClean="0"/>
+                  <a:t>k</a:t>
+                </a:r>
+                <a:r>
+                  <a:rPr lang="zh-CN" altLang="en-US" smtClean="0"/>
+                  <a:t>对应的</a:t>
+                </a:r>
+                <a:r>
+                  <a:rPr lang="en-US" altLang="zh-CN" smtClean="0"/>
+                  <a:t>QLR</a:t>
+                </a:r>
+                <a:r>
+                  <a:rPr lang="zh-CN" altLang="en-US" smtClean="0"/>
+                  <a:t>等级</a:t>
+                </a:r>
+                <a:r>
+                  <a:rPr lang="en-US" altLang="zh-CN"/>
+                  <a:t>, </a:t>
+                </a:r>
+                <a14:m>
+                  <m:oMath xmlns:m="http://schemas.openxmlformats.org/officeDocument/2006/math">
+                    <m:sSub>
+                      <m:sSubPr>
+                        <m:ctrlPr>
+                          <a:rPr lang="en-US" altLang="zh-CN" i="1">
+                            <a:latin typeface="Cambria Math" panose="02040503050406030204" pitchFamily="18" charset="0"/>
+                          </a:rPr>
+                        </m:ctrlPr>
+                      </m:sSubPr>
+                      <m:e>
+                        <m:r>
+                          <a:rPr lang="en-US" altLang="zh-CN" i="1">
+                            <a:latin typeface="Cambria Math" panose="02040503050406030204" pitchFamily="18" charset="0"/>
+                          </a:rPr>
+                          <m:t>𝑞</m:t>
+                        </m:r>
+                      </m:e>
+                      <m:sub>
+                        <m:r>
+                          <a:rPr lang="en-US" altLang="zh-CN" i="1">
+                            <a:latin typeface="Cambria Math" panose="02040503050406030204" pitchFamily="18" charset="0"/>
+                          </a:rPr>
+                          <m:t>𝑘</m:t>
+                        </m:r>
+                      </m:sub>
+                    </m:sSub>
+                    <m:r>
+                      <a:rPr lang="zh-CN" altLang="en-US" i="1" smtClean="0">
+                        <a:latin typeface="Cambria Math" panose="02040503050406030204" pitchFamily="18" charset="0"/>
+                      </a:rPr>
+                      <m:t>越大</m:t>
+                    </m:r>
+                  </m:oMath>
+                </a14:m>
+                <a:r>
+                  <a:rPr lang="zh-CN" altLang="en-US" smtClean="0"/>
+                  <a:t>，损失越多</a:t>
+                </a:r>
+                <a:endParaRPr lang="zh-CN" altLang="en-US"/>
+              </a:p>
+            </p:txBody>
+          </p:sp>
+        </mc:Choice>
+        <mc:Fallback>
+          <p:sp>
+            <p:nvSpPr>
+              <p:cNvPr id="5" name="文本框 4"/>
+              <p:cNvSpPr txBox="1">
+                <a:spLocks noRot="1" noChangeAspect="1" noMove="1" noResize="1" noEditPoints="1" noAdjustHandles="1" noChangeArrowheads="1" noChangeShapeType="1" noTextEdit="1"/>
+              </p:cNvSpPr>
+              <p:nvPr/>
+            </p:nvSpPr>
+            <p:spPr>
+              <a:xfrm>
+                <a:off x="3156154" y="5356902"/>
+                <a:ext cx="5835546" cy="646331"/>
+              </a:xfrm>
+              <a:prstGeom prst="rect">
+                <a:avLst/>
+              </a:prstGeom>
+              <a:blipFill rotWithShape="0">
+                <a:blip r:embed="rId5"/>
+                <a:stretch>
+                  <a:fillRect l="-940" t="-7547" b="-15094"/>
+                </a:stretch>
+              </a:blipFill>
+            </p:spPr>
+            <p:txBody>
+              <a:bodyPr/>
+              <a:lstStyle/>
+              <a:p>
+                <a:r>
+                  <a:rPr lang="zh-CN" altLang="en-US">
+                    <a:noFill/>
+                  </a:rPr>
+                  <a:t> </a:t>
+                </a:r>
+              </a:p>
+            </p:txBody>
+          </p:sp>
+        </mc:Fallback>
+      </mc:AlternateContent>
+      <mc:AlternateContent xmlns:mc="http://schemas.openxmlformats.org/markup-compatibility/2006" xmlns:a14="http://schemas.microsoft.com/office/drawing/2010/main">
+        <mc:Choice Requires="a14">
+          <p:sp>
+            <p:nvSpPr>
+              <p:cNvPr id="6" name="文本框 5"/>
+              <p:cNvSpPr txBox="1"/>
+              <p:nvPr/>
+            </p:nvSpPr>
+            <p:spPr>
+              <a:xfrm>
+                <a:off x="7253324" y="2426269"/>
+                <a:ext cx="4264345" cy="668645"/>
+              </a:xfrm>
+              <a:prstGeom prst="rect">
+                <a:avLst/>
+              </a:prstGeom>
+              <a:noFill/>
+            </p:spPr>
+            <p:txBody>
+              <a:bodyPr wrap="square" rtlCol="0">
+                <a:spAutoFit/>
+              </a:bodyPr>
+              <a:lstStyle/>
+              <a:p>
+                <a:r>
+                  <a:rPr lang="en-US" altLang="zh-CN" smtClean="0">
+                    <a:latin typeface="Cambria Math" panose="02040503050406030204" pitchFamily="18" charset="0"/>
+                    <a:ea typeface="Cambria Math" panose="02040503050406030204" pitchFamily="18" charset="0"/>
+                  </a:rPr>
+                  <a:t>D(</a:t>
+                </a:r>
+                <a14:m>
+                  <m:oMath xmlns:m="http://schemas.openxmlformats.org/officeDocument/2006/math">
+                    <m:sSub>
+                      <m:sSubPr>
+                        <m:ctrlPr>
+                          <a:rPr lang="en-US" altLang="zh-CN" i="1">
+                            <a:latin typeface="Cambria Math" panose="02040503050406030204" pitchFamily="18" charset="0"/>
+                            <a:ea typeface="Cambria Math" panose="02040503050406030204" pitchFamily="18" charset="0"/>
+                          </a:rPr>
+                        </m:ctrlPr>
+                      </m:sSubPr>
+                      <m:e>
+                        <m:r>
+                          <a:rPr lang="en-US" altLang="zh-CN" i="1">
+                            <a:latin typeface="Cambria Math" panose="02040503050406030204" pitchFamily="18" charset="0"/>
+                            <a:ea typeface="Cambria Math" panose="02040503050406030204" pitchFamily="18" charset="0"/>
+                          </a:rPr>
+                          <m:t>𝑞</m:t>
+                        </m:r>
+                      </m:e>
+                      <m:sub>
+                        <m:r>
+                          <a:rPr lang="en-US" altLang="zh-CN" i="1">
+                            <a:latin typeface="Cambria Math" panose="02040503050406030204" pitchFamily="18" charset="0"/>
+                            <a:ea typeface="Cambria Math" panose="02040503050406030204" pitchFamily="18" charset="0"/>
+                          </a:rPr>
+                          <m:t>𝑘</m:t>
+                        </m:r>
+                      </m:sub>
+                    </m:sSub>
+                  </m:oMath>
+                </a14:m>
+                <a:r>
+                  <a:rPr lang="en-US" altLang="zh-CN" smtClean="0">
+                    <a:latin typeface="Cambria Math" panose="02040503050406030204" pitchFamily="18" charset="0"/>
+                    <a:ea typeface="Cambria Math" panose="02040503050406030204" pitchFamily="18" charset="0"/>
+                  </a:rPr>
+                  <a:t>)</a:t>
+                </a:r>
+                <a:r>
+                  <a:rPr lang="zh-CN" altLang="en-US" smtClean="0">
+                    <a:latin typeface="Cambria Math" panose="02040503050406030204" pitchFamily="18" charset="0"/>
+                  </a:rPr>
+                  <a:t>：</a:t>
+                </a:r>
+                <a:r>
+                  <a:rPr lang="zh-CN" altLang="en-US" smtClean="0"/>
+                  <a:t>当</a:t>
+                </a:r>
+                <a:r>
+                  <a:rPr lang="en-US" altLang="zh-CN" smtClean="0"/>
+                  <a:t>QLR</a:t>
+                </a:r>
+                <a:r>
+                  <a:rPr lang="zh-CN" altLang="en-US" smtClean="0"/>
+                  <a:t>为</a:t>
+                </a:r>
+                <a14:m>
+                  <m:oMath xmlns:m="http://schemas.openxmlformats.org/officeDocument/2006/math">
+                    <m:sSub>
+                      <m:sSubPr>
+                        <m:ctrlPr>
+                          <a:rPr lang="en-US" altLang="zh-CN" i="1" smtClean="0">
+                            <a:latin typeface="Cambria Math" panose="02040503050406030204" pitchFamily="18" charset="0"/>
+                          </a:rPr>
+                        </m:ctrlPr>
+                      </m:sSubPr>
+                      <m:e>
+                        <m:r>
+                          <a:rPr lang="en-US" altLang="zh-CN" b="0" i="1" smtClean="0">
+                            <a:latin typeface="Cambria Math" panose="02040503050406030204" pitchFamily="18" charset="0"/>
+                          </a:rPr>
+                          <m:t>𝑞</m:t>
+                        </m:r>
+                      </m:e>
+                      <m:sub>
+                        <m:r>
+                          <a:rPr lang="en-US" altLang="zh-CN" b="0" i="1" smtClean="0">
+                            <a:latin typeface="Cambria Math" panose="02040503050406030204" pitchFamily="18" charset="0"/>
+                          </a:rPr>
+                          <m:t>𝑘</m:t>
+                        </m:r>
+                      </m:sub>
+                    </m:sSub>
+                    <m:r>
+                      <a:rPr lang="zh-CN" altLang="en-US" i="1">
+                        <a:latin typeface="Cambria Math" panose="02040503050406030204" pitchFamily="18" charset="0"/>
+                      </a:rPr>
+                      <m:t>时</m:t>
+                    </m:r>
+                  </m:oMath>
+                </a14:m>
+                <a:r>
+                  <a:rPr lang="zh-CN" altLang="en-US" smtClean="0"/>
+                  <a:t>传输数据量的大小</a:t>
+                </a:r>
+                <a:endParaRPr lang="en-US" altLang="zh-CN" smtClean="0"/>
+              </a:p>
+              <a:p>
+                <a14:m>
+                  <m:oMath xmlns:m="http://schemas.openxmlformats.org/officeDocument/2006/math">
+                    <m:sSub>
+                      <m:sSubPr>
+                        <m:ctrlPr>
+                          <a:rPr lang="en-US" altLang="zh-CN" i="1" smtClean="0">
+                            <a:latin typeface="Cambria Math" panose="02040503050406030204" pitchFamily="18" charset="0"/>
+                          </a:rPr>
+                        </m:ctrlPr>
+                      </m:sSubPr>
+                      <m:e>
+                        <m:r>
+                          <a:rPr lang="en-US" altLang="zh-CN" b="0" i="1" smtClean="0">
+                            <a:latin typeface="Cambria Math" panose="02040503050406030204" pitchFamily="18" charset="0"/>
+                          </a:rPr>
+                          <m:t>𝐶</m:t>
+                        </m:r>
+                      </m:e>
+                      <m:sub>
+                        <m:r>
+                          <a:rPr lang="en-US" altLang="zh-CN" b="0" i="1" smtClean="0">
+                            <a:latin typeface="Cambria Math" panose="02040503050406030204" pitchFamily="18" charset="0"/>
+                          </a:rPr>
+                          <m:t>𝑖𝑗</m:t>
+                        </m:r>
+                      </m:sub>
+                    </m:sSub>
+                    <m:r>
+                      <a:rPr lang="zh-CN" altLang="en-US" i="1">
+                        <a:latin typeface="Cambria Math" panose="02040503050406030204" pitchFamily="18" charset="0"/>
+                      </a:rPr>
+                      <m:t>：</m:t>
+                    </m:r>
+                  </m:oMath>
+                </a14:m>
+                <a:r>
+                  <a:rPr lang="zh-CN" altLang="en-US" smtClean="0"/>
+                  <a:t>结点</a:t>
+                </a:r>
+                <a:r>
+                  <a:rPr lang="en-US" altLang="zh-CN" smtClean="0">
+                    <a:latin typeface="Cambria Math" panose="02040503050406030204" pitchFamily="18" charset="0"/>
+                    <a:ea typeface="Cambria Math" panose="02040503050406030204" pitchFamily="18" charset="0"/>
+                  </a:rPr>
+                  <a:t>j</a:t>
+                </a:r>
+                <a:r>
+                  <a:rPr lang="zh-CN" altLang="en-US" smtClean="0"/>
+                  <a:t>和</a:t>
+                </a:r>
+                <a:r>
+                  <a:rPr lang="en-US" altLang="zh-CN" smtClean="0">
+                    <a:latin typeface="Cambria Math" panose="02040503050406030204" pitchFamily="18" charset="0"/>
+                    <a:ea typeface="Cambria Math" panose="02040503050406030204" pitchFamily="18" charset="0"/>
+                  </a:rPr>
+                  <a:t>client i</a:t>
+                </a:r>
+                <a:r>
+                  <a:rPr lang="zh-CN" altLang="en-US" smtClean="0"/>
+                  <a:t>之间的数据传输率</a:t>
+                </a:r>
+                <a:endParaRPr lang="zh-CN" altLang="en-US"/>
+              </a:p>
+            </p:txBody>
+          </p:sp>
+        </mc:Choice>
+        <mc:Fallback xmlns="">
+          <p:sp>
+            <p:nvSpPr>
+              <p:cNvPr id="6" name="文本框 5"/>
+              <p:cNvSpPr txBox="1">
+                <a:spLocks noRot="1" noChangeAspect="1" noMove="1" noResize="1" noEditPoints="1" noAdjustHandles="1" noChangeArrowheads="1" noChangeShapeType="1" noTextEdit="1"/>
+              </p:cNvSpPr>
+              <p:nvPr/>
+            </p:nvSpPr>
+            <p:spPr>
+              <a:xfrm>
+                <a:off x="7253324" y="2426269"/>
+                <a:ext cx="4264345" cy="668645"/>
+              </a:xfrm>
+              <a:prstGeom prst="rect">
+                <a:avLst/>
+              </a:prstGeom>
+              <a:blipFill rotWithShape="0">
+                <a:blip r:embed="rId6"/>
+                <a:stretch>
+                  <a:fillRect l="-1288" t="-6364" r="-429" b="-9091"/>
+                </a:stretch>
+              </a:blipFill>
+            </p:spPr>
+            <p:txBody>
+              <a:bodyPr/>
+              <a:lstStyle/>
+              <a:p>
+                <a:r>
+                  <a:rPr lang="zh-CN" altLang="en-US">
+                    <a:noFill/>
+                  </a:rPr>
+                  <a:t> </a:t>
+                </a:r>
+              </a:p>
+            </p:txBody>
+          </p:sp>
+        </mc:Fallback>
+      </mc:AlternateContent>
+      <p:sp>
+        <p:nvSpPr>
+          <p:cNvPr id="7" name="文本框 6"/>
+          <p:cNvSpPr txBox="1"/>
+          <p:nvPr/>
+        </p:nvSpPr>
+        <p:spPr>
+          <a:xfrm>
+            <a:off x="1106128" y="3455865"/>
+            <a:ext cx="1674393" cy="369332"/>
+          </a:xfrm>
+          <a:prstGeom prst="rect">
+            <a:avLst/>
+          </a:prstGeom>
+          <a:noFill/>
+        </p:spPr>
+        <p:txBody>
+          <a:bodyPr wrap="square" rtlCol="0">
+            <a:spAutoFit/>
+          </a:bodyPr>
+          <a:lstStyle/>
+          <a:p>
+            <a:r>
+              <a:rPr lang="en-US" altLang="zh-CN" smtClean="0"/>
+              <a:t>2.</a:t>
+            </a:r>
+            <a:r>
+              <a:rPr lang="zh-CN" altLang="en-US" smtClean="0"/>
+              <a:t>处理延迟：</a:t>
+            </a:r>
+            <a:endParaRPr lang="zh-CN" altLang="en-US"/>
+          </a:p>
+        </p:txBody>
+      </p:sp>
+      <p:pic>
+        <p:nvPicPr>
+          <p:cNvPr id="9" name="图片 8"/>
+          <p:cNvPicPr>
+            <a:picLocks noChangeAspect="1"/>
+          </p:cNvPicPr>
+          <p:nvPr/>
+        </p:nvPicPr>
+        <p:blipFill>
+          <a:blip r:embed="rId7"/>
+          <a:stretch>
+            <a:fillRect/>
+          </a:stretch>
+        </p:blipFill>
+        <p:spPr>
+          <a:xfrm>
+            <a:off x="3156154" y="3420057"/>
+            <a:ext cx="4190476" cy="504762"/>
+          </a:xfrm>
+          <a:prstGeom prst="rect">
+            <a:avLst/>
+          </a:prstGeom>
+        </p:spPr>
+      </p:pic>
+      <mc:AlternateContent xmlns:mc="http://schemas.openxmlformats.org/markup-compatibility/2006" xmlns:a14="http://schemas.microsoft.com/office/drawing/2010/main">
+        <mc:Choice Requires="a14">
+          <p:sp>
+            <p:nvSpPr>
+              <p:cNvPr id="10" name="文本框 9"/>
+              <p:cNvSpPr txBox="1"/>
+              <p:nvPr/>
+            </p:nvSpPr>
+            <p:spPr>
+              <a:xfrm>
+                <a:off x="7194041" y="3488066"/>
+                <a:ext cx="4728999" cy="646331"/>
+              </a:xfrm>
+              <a:prstGeom prst="rect">
+                <a:avLst/>
+              </a:prstGeom>
+              <a:noFill/>
+            </p:spPr>
+            <p:txBody>
+              <a:bodyPr wrap="square" rtlCol="0">
+                <a:spAutoFit/>
+              </a:bodyPr>
+              <a:lstStyle/>
+              <a:p>
+                <a:r>
+                  <a:rPr lang="en-US" altLang="zh-CN" smtClean="0">
+                    <a:latin typeface="Cambria Math" panose="02040503050406030204" pitchFamily="18" charset="0"/>
+                    <a:ea typeface="Cambria Math" panose="02040503050406030204" pitchFamily="18" charset="0"/>
+                  </a:rPr>
+                  <a:t>P(</a:t>
+                </a:r>
+                <a14:m>
+                  <m:oMath xmlns:m="http://schemas.openxmlformats.org/officeDocument/2006/math">
+                    <m:sSub>
+                      <m:sSubPr>
+                        <m:ctrlPr>
+                          <a:rPr lang="en-US" altLang="zh-CN" i="1">
+                            <a:latin typeface="Cambria Math" panose="02040503050406030204" pitchFamily="18" charset="0"/>
+                            <a:ea typeface="Cambria Math" panose="02040503050406030204" pitchFamily="18" charset="0"/>
+                          </a:rPr>
+                        </m:ctrlPr>
+                      </m:sSubPr>
+                      <m:e>
+                        <m:r>
+                          <a:rPr lang="en-US" altLang="zh-CN" i="1">
+                            <a:latin typeface="Cambria Math" panose="02040503050406030204" pitchFamily="18" charset="0"/>
+                            <a:ea typeface="Cambria Math" panose="02040503050406030204" pitchFamily="18" charset="0"/>
+                          </a:rPr>
+                          <m:t>𝑞</m:t>
+                        </m:r>
+                      </m:e>
+                      <m:sub>
+                        <m:r>
+                          <a:rPr lang="en-US" altLang="zh-CN" i="1">
+                            <a:latin typeface="Cambria Math" panose="02040503050406030204" pitchFamily="18" charset="0"/>
+                            <a:ea typeface="Cambria Math" panose="02040503050406030204" pitchFamily="18" charset="0"/>
+                          </a:rPr>
+                          <m:t>𝑘</m:t>
+                        </m:r>
+                      </m:sub>
+                    </m:sSub>
+                  </m:oMath>
+                </a14:m>
+                <a:r>
+                  <a:rPr lang="en-US" altLang="zh-CN">
+                    <a:latin typeface="Cambria Math" panose="02040503050406030204" pitchFamily="18" charset="0"/>
+                    <a:ea typeface="Cambria Math" panose="02040503050406030204" pitchFamily="18" charset="0"/>
+                  </a:rPr>
+                  <a:t>)</a:t>
+                </a:r>
+                <a:r>
+                  <a:rPr lang="zh-CN" altLang="en-US"/>
+                  <a:t>：当</a:t>
+                </a:r>
+                <a:r>
+                  <a:rPr lang="en-US" altLang="zh-CN"/>
+                  <a:t>QLR</a:t>
+                </a:r>
+                <a:r>
+                  <a:rPr lang="zh-CN" altLang="en-US"/>
+                  <a:t>为</a:t>
+                </a:r>
+                <a14:m>
+                  <m:oMath xmlns:m="http://schemas.openxmlformats.org/officeDocument/2006/math">
+                    <m:sSub>
+                      <m:sSubPr>
+                        <m:ctrlPr>
+                          <a:rPr lang="en-US" altLang="zh-CN" i="1">
+                            <a:latin typeface="Cambria Math" panose="02040503050406030204" pitchFamily="18" charset="0"/>
+                          </a:rPr>
+                        </m:ctrlPr>
+                      </m:sSubPr>
+                      <m:e>
+                        <m:r>
+                          <a:rPr lang="en-US" altLang="zh-CN" i="1">
+                            <a:latin typeface="Cambria Math" panose="02040503050406030204" pitchFamily="18" charset="0"/>
+                          </a:rPr>
+                          <m:t>𝑞</m:t>
+                        </m:r>
+                      </m:e>
+                      <m:sub>
+                        <m:r>
+                          <a:rPr lang="en-US" altLang="zh-CN" i="1">
+                            <a:latin typeface="Cambria Math" panose="02040503050406030204" pitchFamily="18" charset="0"/>
+                          </a:rPr>
+                          <m:t>𝑘</m:t>
+                        </m:r>
+                      </m:sub>
+                    </m:sSub>
+                    <m:r>
+                      <a:rPr lang="zh-CN" altLang="en-US" i="1">
+                        <a:latin typeface="Cambria Math" panose="02040503050406030204" pitchFamily="18" charset="0"/>
+                      </a:rPr>
+                      <m:t>时</m:t>
+                    </m:r>
+                  </m:oMath>
+                </a14:m>
+                <a:r>
+                  <a:rPr lang="zh-CN" altLang="en-US" smtClean="0"/>
+                  <a:t>所需要的处理</a:t>
+                </a:r>
+                <a:r>
+                  <a:rPr lang="zh-CN" altLang="en-US"/>
+                  <a:t>延迟</a:t>
+                </a:r>
+                <a:endParaRPr lang="en-US" altLang="zh-CN"/>
+              </a:p>
+              <a:p>
+                <a:endParaRPr lang="zh-CN" altLang="en-US"/>
+              </a:p>
+            </p:txBody>
+          </p:sp>
+        </mc:Choice>
+        <mc:Fallback xmlns="">
+          <p:sp>
+            <p:nvSpPr>
+              <p:cNvPr id="10" name="文本框 9"/>
+              <p:cNvSpPr txBox="1">
+                <a:spLocks noRot="1" noChangeAspect="1" noMove="1" noResize="1" noEditPoints="1" noAdjustHandles="1" noChangeArrowheads="1" noChangeShapeType="1" noTextEdit="1"/>
+              </p:cNvSpPr>
+              <p:nvPr/>
+            </p:nvSpPr>
+            <p:spPr>
+              <a:xfrm>
+                <a:off x="7194041" y="3488066"/>
+                <a:ext cx="4728999" cy="646331"/>
+              </a:xfrm>
+              <a:prstGeom prst="rect">
+                <a:avLst/>
+              </a:prstGeom>
+              <a:blipFill rotWithShape="0">
+                <a:blip r:embed="rId8"/>
+                <a:stretch>
+                  <a:fillRect l="-1031" t="-6604"/>
+                </a:stretch>
+              </a:blipFill>
+            </p:spPr>
+            <p:txBody>
+              <a:bodyPr/>
+              <a:lstStyle/>
+              <a:p>
+                <a:r>
+                  <a:rPr lang="zh-CN" altLang="en-US">
+                    <a:noFill/>
+                  </a:rPr>
+                  <a:t> </a:t>
+                </a:r>
+              </a:p>
+            </p:txBody>
+          </p:sp>
+        </mc:Fallback>
+      </mc:AlternateContent>
+      <p:pic>
+        <p:nvPicPr>
+          <p:cNvPr id="13" name="图片 12"/>
+          <p:cNvPicPr>
+            <a:picLocks noChangeAspect="1"/>
+          </p:cNvPicPr>
+          <p:nvPr/>
+        </p:nvPicPr>
+        <p:blipFill>
+          <a:blip r:embed="rId9"/>
+          <a:stretch>
+            <a:fillRect/>
+          </a:stretch>
+        </p:blipFill>
+        <p:spPr>
+          <a:xfrm>
+            <a:off x="3237899" y="4452322"/>
+            <a:ext cx="4304762" cy="447619"/>
           </a:xfrm>
           <a:prstGeom prst="rect">
             <a:avLst/>
@@ -12185,13 +13040,1024 @@
       </p:pic>
       <p:sp>
         <p:nvSpPr>
+          <p:cNvPr id="12" name="文本框 11"/>
+          <p:cNvSpPr txBox="1"/>
+          <p:nvPr/>
+        </p:nvSpPr>
+        <p:spPr>
+          <a:xfrm>
+            <a:off x="1106128" y="4491465"/>
+            <a:ext cx="5281126" cy="369332"/>
+          </a:xfrm>
+          <a:prstGeom prst="rect">
+            <a:avLst/>
+          </a:prstGeom>
+          <a:noFill/>
+        </p:spPr>
+        <p:txBody>
+          <a:bodyPr wrap="square" rtlCol="0">
+            <a:spAutoFit/>
+          </a:bodyPr>
+          <a:lstStyle/>
+          <a:p>
+            <a:r>
+              <a:rPr lang="zh-CN" altLang="en-US" smtClean="0"/>
+              <a:t>每个任务</a:t>
+            </a:r>
+            <a:r>
+              <a:rPr lang="en-US" altLang="zh-CN" smtClean="0"/>
+              <a:t>k</a:t>
+            </a:r>
+            <a:r>
+              <a:rPr lang="zh-CN" altLang="en-US" smtClean="0"/>
+              <a:t>的服务延迟：</a:t>
+            </a:r>
+            <a:endParaRPr lang="zh-CN" altLang="en-US"/>
+          </a:p>
+        </p:txBody>
+      </p:sp>
+      <p:sp>
+        <p:nvSpPr>
+          <p:cNvPr id="14" name="文本框 13"/>
+          <p:cNvSpPr txBox="1"/>
+          <p:nvPr/>
+        </p:nvSpPr>
+        <p:spPr>
+          <a:xfrm>
+            <a:off x="7430216" y="4521002"/>
+            <a:ext cx="5890966" cy="646331"/>
+          </a:xfrm>
+          <a:prstGeom prst="rect">
+            <a:avLst/>
+          </a:prstGeom>
+          <a:noFill/>
+        </p:spPr>
+        <p:txBody>
+          <a:bodyPr wrap="square" rtlCol="0">
+            <a:spAutoFit/>
+          </a:bodyPr>
+          <a:lstStyle/>
+          <a:p>
+            <a:r>
+              <a:rPr lang="en-US" altLang="zh-CN" smtClean="0">
+                <a:latin typeface="Cambria Math" panose="02040503050406030204" pitchFamily="18" charset="0"/>
+                <a:ea typeface="Cambria Math" panose="02040503050406030204" pitchFamily="18" charset="0"/>
+              </a:rPr>
+              <a:t>l:</a:t>
+            </a:r>
+            <a:r>
+              <a:rPr lang="zh-CN" altLang="en-US" smtClean="0"/>
+              <a:t>是固定的时间开销，代表结点</a:t>
+            </a:r>
+            <a:r>
+              <a:rPr lang="en-US" altLang="zh-CN" smtClean="0"/>
+              <a:t>j</a:t>
+            </a:r>
+            <a:r>
+              <a:rPr lang="zh-CN" altLang="en-US" smtClean="0"/>
+              <a:t>和</a:t>
+            </a:r>
+            <a:r>
+              <a:rPr lang="en-US" altLang="zh-CN" smtClean="0"/>
+              <a:t>i</a:t>
+            </a:r>
+            <a:r>
+              <a:rPr lang="zh-CN" altLang="en-US" smtClean="0"/>
+              <a:t>之间</a:t>
+            </a:r>
+            <a:endParaRPr lang="en-US" altLang="zh-CN" smtClean="0"/>
+          </a:p>
+          <a:p>
+            <a:r>
+              <a:rPr lang="zh-CN" altLang="en-US" smtClean="0"/>
+              <a:t>的往返时延</a:t>
+            </a:r>
+            <a:endParaRPr lang="zh-CN" altLang="en-US"/>
+          </a:p>
+        </p:txBody>
+      </p:sp>
+    </p:spTree>
+    <p:extLst>
+      <p:ext uri="{BB962C8B-B14F-4D97-AF65-F5344CB8AC3E}">
+        <p14:creationId xmlns:p14="http://schemas.microsoft.com/office/powerpoint/2010/main" val="1318843934"/>
+      </p:ext>
+    </p:extLst>
+  </p:cSld>
+  <p:clrMapOvr>
+    <a:masterClrMapping/>
+  </p:clrMapOvr>
+  <p:timing>
+    <p:tnLst>
+      <p:par>
+        <p:cTn id="1" dur="indefinite" restart="never" nodeType="tmRoot"/>
+      </p:par>
+    </p:tnLst>
+  </p:timing>
+</p:sld>
+</file>
+
+<file path=ppt/slides/slide7.xml><?xml version="1.0" encoding="utf-8"?>
+<p:sld xmlns:a="http://schemas.openxmlformats.org/drawingml/2006/main" xmlns:r="http://schemas.openxmlformats.org/officeDocument/2006/relationships" xmlns:p="http://schemas.openxmlformats.org/presentationml/2006/main">
+  <p:cSld>
+    <p:spTree>
+      <p:nvGrpSpPr>
+        <p:cNvPr id="1" name=""/>
+        <p:cNvGrpSpPr/>
+        <p:nvPr/>
+      </p:nvGrpSpPr>
+      <p:grpSpPr>
+        <a:xfrm>
+          <a:off x="0" y="0"/>
+          <a:ext cx="0" cy="0"/>
+          <a:chOff x="0" y="0"/>
+          <a:chExt cx="0" cy="0"/>
+        </a:xfrm>
+      </p:grpSpPr>
+      <p:pic>
+        <p:nvPicPr>
+          <p:cNvPr id="5122" name="图片 1"/>
+          <p:cNvPicPr>
+            <a:picLocks noChangeAspect="1" noChangeArrowheads="1"/>
+          </p:cNvPicPr>
+          <p:nvPr/>
+        </p:nvPicPr>
+        <p:blipFill>
+          <a:blip r:embed="rId3">
+            <a:extLst>
+              <a:ext uri="{28A0092B-C50C-407E-A947-70E740481C1C}">
+                <a14:useLocalDpi xmlns:a14="http://schemas.microsoft.com/office/drawing/2010/main" val="0"/>
+              </a:ext>
+            </a:extLst>
+          </a:blip>
+          <a:srcRect/>
+          <a:stretch>
+            <a:fillRect/>
+          </a:stretch>
+        </p:blipFill>
+        <p:spPr bwMode="auto">
+          <a:xfrm>
+            <a:off x="0" y="-242596"/>
+            <a:ext cx="12192000" cy="6858000"/>
+          </a:xfrm>
+          <a:prstGeom prst="rect">
+            <a:avLst/>
+          </a:prstGeom>
+          <a:noFill/>
+          <a:ln>
+            <a:noFill/>
+          </a:ln>
+          <a:extLst>
+            <a:ext uri="{909E8E84-426E-40DD-AFC4-6F175D3DCCD1}">
+              <a14:hiddenFill xmlns:a14="http://schemas.microsoft.com/office/drawing/2010/main">
+                <a:solidFill>
+                  <a:srgbClr val="FFFFFF"/>
+                </a:solidFill>
+              </a14:hiddenFill>
+            </a:ext>
+            <a:ext uri="{91240B29-F687-4F45-9708-019B960494DF}">
+              <a14:hiddenLine xmlns:a14="http://schemas.microsoft.com/office/drawing/2010/main" w="9525">
+                <a:solidFill>
+                  <a:srgbClr val="000000"/>
+                </a:solidFill>
+                <a:miter lim="800000"/>
+                <a:headEnd/>
+                <a:tailEnd/>
+              </a14:hiddenLine>
+            </a:ext>
+          </a:extLst>
+        </p:spPr>
+      </p:pic>
+      <p:sp>
+        <p:nvSpPr>
+          <p:cNvPr id="5124" name="平行四边形 14"/>
+          <p:cNvSpPr>
+            <a:spLocks noChangeArrowheads="1"/>
+          </p:cNvSpPr>
+          <p:nvPr/>
+        </p:nvSpPr>
+        <p:spPr bwMode="auto">
+          <a:xfrm>
+            <a:off x="728980" y="1125855"/>
+            <a:ext cx="10734675" cy="5198745"/>
+          </a:xfrm>
+          <a:prstGeom prst="parallelogram">
+            <a:avLst>
+              <a:gd name="adj" fmla="val 0"/>
+            </a:avLst>
+          </a:prstGeom>
+          <a:noFill/>
+          <a:ln w="12700">
+            <a:solidFill>
+              <a:srgbClr val="3B87D5"/>
+            </a:solidFill>
+            <a:bevel/>
+          </a:ln>
+          <a:extLst>
+            <a:ext uri="{909E8E84-426E-40DD-AFC4-6F175D3DCCD1}">
+              <a14:hiddenFill xmlns:a14="http://schemas.microsoft.com/office/drawing/2010/main">
+                <a:solidFill>
+                  <a:srgbClr val="FFFFFF"/>
+                </a:solidFill>
+              </a14:hiddenFill>
+            </a:ext>
+          </a:extLst>
+        </p:spPr>
+        <p:txBody>
+          <a:bodyPr anchor="ctr"/>
+          <a:lstStyle/>
+          <a:p>
+            <a:pPr algn="ctr"/>
+            <a:endParaRPr lang="zh-CN" altLang="zh-CN">
+              <a:solidFill>
+                <a:srgbClr val="FFFFFF"/>
+              </a:solidFill>
+              <a:latin typeface="宋体" panose="02010600030101010101" pitchFamily="2" charset="-122"/>
+              <a:sym typeface="宋体" panose="02010600030101010101" pitchFamily="2" charset="-122"/>
+            </a:endParaRPr>
+          </a:p>
+        </p:txBody>
+      </p:sp>
+      <p:grpSp>
+        <p:nvGrpSpPr>
+          <p:cNvPr id="5129" name="Group 15"/>
+          <p:cNvGrpSpPr/>
+          <p:nvPr/>
+        </p:nvGrpSpPr>
+        <p:grpSpPr bwMode="auto">
+          <a:xfrm>
+            <a:off x="11610975" y="184150"/>
+            <a:ext cx="581025" cy="596900"/>
+            <a:chOff x="0" y="0"/>
+            <a:chExt cx="1027113" cy="1057275"/>
+          </a:xfrm>
+        </p:grpSpPr>
+        <p:sp>
+          <p:nvSpPr>
+            <p:cNvPr id="5131" name="Freeform 40"/>
+            <p:cNvSpPr>
+              <a:spLocks noChangeArrowheads="1"/>
+            </p:cNvSpPr>
+            <p:nvPr/>
+          </p:nvSpPr>
+          <p:spPr bwMode="auto">
+            <a:xfrm flipH="1">
+              <a:off x="76200" y="90487"/>
+              <a:ext cx="950913" cy="966788"/>
+            </a:xfrm>
+            <a:custGeom>
+              <a:avLst/>
+              <a:gdLst>
+                <a:gd name="T0" fmla="*/ 2147483647 w 367"/>
+                <a:gd name="T1" fmla="*/ 0 h 373"/>
+                <a:gd name="T2" fmla="*/ 0 w 367"/>
+                <a:gd name="T3" fmla="*/ 2147483647 h 373"/>
+                <a:gd name="T4" fmla="*/ 0 w 367"/>
+                <a:gd name="T5" fmla="*/ 2147483647 h 373"/>
+                <a:gd name="T6" fmla="*/ 2147483647 w 367"/>
+                <a:gd name="T7" fmla="*/ 2147483647 h 373"/>
+                <a:gd name="T8" fmla="*/ 2147483647 w 367"/>
+                <a:gd name="T9" fmla="*/ 2147483647 h 373"/>
+                <a:gd name="T10" fmla="*/ 2147483647 w 367"/>
+                <a:gd name="T11" fmla="*/ 2147483647 h 373"/>
+                <a:gd name="T12" fmla="*/ 2147483647 w 367"/>
+                <a:gd name="T13" fmla="*/ 2147483647 h 373"/>
+                <a:gd name="T14" fmla="*/ 2147483647 w 367"/>
+                <a:gd name="T15" fmla="*/ 0 h 373"/>
+                <a:gd name="T16" fmla="*/ 0 60000 65536"/>
+                <a:gd name="T17" fmla="*/ 0 60000 65536"/>
+                <a:gd name="T18" fmla="*/ 0 60000 65536"/>
+                <a:gd name="T19" fmla="*/ 0 60000 65536"/>
+                <a:gd name="T20" fmla="*/ 0 60000 65536"/>
+                <a:gd name="T21" fmla="*/ 0 60000 65536"/>
+                <a:gd name="T22" fmla="*/ 0 60000 65536"/>
+                <a:gd name="T23" fmla="*/ 0 60000 65536"/>
+                <a:gd name="T24" fmla="*/ 0 w 367"/>
+                <a:gd name="T25" fmla="*/ 0 h 373"/>
+                <a:gd name="T26" fmla="*/ 367 w 367"/>
+                <a:gd name="T27" fmla="*/ 373 h 373"/>
+              </a:gdLst>
+              <a:ahLst/>
+              <a:cxnLst>
+                <a:cxn ang="T16">
+                  <a:pos x="T0" y="T1"/>
+                </a:cxn>
+                <a:cxn ang="T17">
+                  <a:pos x="T2" y="T3"/>
+                </a:cxn>
+                <a:cxn ang="T18">
+                  <a:pos x="T4" y="T5"/>
+                </a:cxn>
+                <a:cxn ang="T19">
+                  <a:pos x="T6" y="T7"/>
+                </a:cxn>
+                <a:cxn ang="T20">
+                  <a:pos x="T8" y="T9"/>
+                </a:cxn>
+                <a:cxn ang="T21">
+                  <a:pos x="T10" y="T11"/>
+                </a:cxn>
+                <a:cxn ang="T22">
+                  <a:pos x="T12" y="T13"/>
+                </a:cxn>
+                <a:cxn ang="T23">
+                  <a:pos x="T14" y="T15"/>
+                </a:cxn>
+              </a:cxnLst>
+              <a:rect l="T24" t="T25" r="T26" b="T27"/>
+              <a:pathLst>
+                <a:path w="367" h="373">
+                  <a:moveTo>
+                    <a:pt x="181" y="0"/>
+                  </a:moveTo>
+                  <a:cubicBezTo>
+                    <a:pt x="0" y="180"/>
+                    <a:pt x="0" y="180"/>
+                    <a:pt x="0" y="180"/>
+                  </a:cubicBezTo>
+                  <a:cubicBezTo>
+                    <a:pt x="0" y="333"/>
+                    <a:pt x="0" y="333"/>
+                    <a:pt x="0" y="333"/>
+                  </a:cubicBezTo>
+                  <a:cubicBezTo>
+                    <a:pt x="0" y="355"/>
+                    <a:pt x="18" y="373"/>
+                    <a:pt x="40" y="373"/>
+                  </a:cubicBezTo>
+                  <a:cubicBezTo>
+                    <a:pt x="168" y="373"/>
+                    <a:pt x="168" y="373"/>
+                    <a:pt x="168" y="373"/>
+                  </a:cubicBezTo>
+                  <a:cubicBezTo>
+                    <a:pt x="367" y="174"/>
+                    <a:pt x="367" y="174"/>
+                    <a:pt x="367" y="174"/>
+                  </a:cubicBezTo>
+                  <a:cubicBezTo>
+                    <a:pt x="350" y="16"/>
+                    <a:pt x="350" y="16"/>
+                    <a:pt x="350" y="16"/>
+                  </a:cubicBezTo>
+                  <a:cubicBezTo>
+                    <a:pt x="181" y="0"/>
+                    <a:pt x="181" y="0"/>
+                    <a:pt x="181" y="0"/>
+                  </a:cubicBezTo>
+                </a:path>
+              </a:pathLst>
+            </a:custGeom>
+            <a:solidFill>
+              <a:srgbClr val="3B87D5"/>
+            </a:solidFill>
+            <a:ln>
+              <a:noFill/>
+            </a:ln>
+            <a:extLst>
+              <a:ext uri="{91240B29-F687-4F45-9708-019B960494DF}">
+                <a14:hiddenLine xmlns:a14="http://schemas.microsoft.com/office/drawing/2010/main" w="9525">
+                  <a:solidFill>
+                    <a:srgbClr val="000000"/>
+                  </a:solidFill>
+                  <a:bevel/>
+                </a14:hiddenLine>
+              </a:ext>
+            </a:extLst>
+          </p:spPr>
+          <p:txBody>
+            <a:bodyPr/>
+            <a:lstStyle/>
+            <a:p>
+              <a:endParaRPr lang="zh-CN" altLang="en-US"/>
+            </a:p>
+          </p:txBody>
+        </p:sp>
+        <p:sp>
+          <p:nvSpPr>
+            <p:cNvPr id="5132" name="Freeform 41"/>
+            <p:cNvSpPr>
+              <a:spLocks noEditPoints="1" noChangeArrowheads="1"/>
+            </p:cNvSpPr>
+            <p:nvPr/>
+          </p:nvSpPr>
+          <p:spPr bwMode="auto">
+            <a:xfrm>
+              <a:off x="0" y="0"/>
+              <a:ext cx="663575" cy="663575"/>
+            </a:xfrm>
+            <a:custGeom>
+              <a:avLst/>
+              <a:gdLst>
+                <a:gd name="T0" fmla="*/ 2147483647 w 256"/>
+                <a:gd name="T1" fmla="*/ 0 h 256"/>
+                <a:gd name="T2" fmla="*/ 0 w 256"/>
+                <a:gd name="T3" fmla="*/ 2147483647 h 256"/>
+                <a:gd name="T4" fmla="*/ 2147483647 w 256"/>
+                <a:gd name="T5" fmla="*/ 2147483647 h 256"/>
+                <a:gd name="T6" fmla="*/ 2147483647 w 256"/>
+                <a:gd name="T7" fmla="*/ 2147483647 h 256"/>
+                <a:gd name="T8" fmla="*/ 2147483647 w 256"/>
+                <a:gd name="T9" fmla="*/ 0 h 256"/>
+                <a:gd name="T10" fmla="*/ 2147483647 w 256"/>
+                <a:gd name="T11" fmla="*/ 2147483647 h 256"/>
+                <a:gd name="T12" fmla="*/ 2147483647 w 256"/>
+                <a:gd name="T13" fmla="*/ 2147483647 h 256"/>
+                <a:gd name="T14" fmla="*/ 2147483647 w 256"/>
+                <a:gd name="T15" fmla="*/ 2147483647 h 256"/>
+                <a:gd name="T16" fmla="*/ 2147483647 w 256"/>
+                <a:gd name="T17" fmla="*/ 2147483647 h 256"/>
+                <a:gd name="T18" fmla="*/ 2147483647 w 256"/>
+                <a:gd name="T19" fmla="*/ 2147483647 h 256"/>
+                <a:gd name="T20" fmla="*/ 2147483647 w 256"/>
+                <a:gd name="T21" fmla="*/ 2147483647 h 256"/>
+                <a:gd name="T22" fmla="*/ 2147483647 w 256"/>
+                <a:gd name="T23" fmla="*/ 2147483647 h 256"/>
+                <a:gd name="T24" fmla="*/ 2147483647 w 256"/>
+                <a:gd name="T25" fmla="*/ 2147483647 h 256"/>
+                <a:gd name="T26" fmla="*/ 2147483647 w 256"/>
+                <a:gd name="T27" fmla="*/ 2147483647 h 256"/>
+                <a:gd name="T28" fmla="*/ 2147483647 w 256"/>
+                <a:gd name="T29" fmla="*/ 2147483647 h 256"/>
+                <a:gd name="T30" fmla="*/ 2147483647 w 256"/>
+                <a:gd name="T31" fmla="*/ 2147483647 h 256"/>
+                <a:gd name="T32" fmla="*/ 2147483647 w 256"/>
+                <a:gd name="T33" fmla="*/ 2147483647 h 256"/>
+                <a:gd name="T34" fmla="*/ 2147483647 w 256"/>
+                <a:gd name="T35" fmla="*/ 2147483647 h 256"/>
+                <a:gd name="T36" fmla="*/ 2147483647 w 256"/>
+                <a:gd name="T37" fmla="*/ 2147483647 h 256"/>
+                <a:gd name="T38" fmla="*/ 2147483647 w 256"/>
+                <a:gd name="T39" fmla="*/ 2147483647 h 256"/>
+                <a:gd name="T40" fmla="*/ 2147483647 w 256"/>
+                <a:gd name="T41" fmla="*/ 2147483647 h 256"/>
+                <a:gd name="T42" fmla="*/ 2147483647 w 256"/>
+                <a:gd name="T43" fmla="*/ 2147483647 h 256"/>
+                <a:gd name="T44" fmla="*/ 2147483647 w 256"/>
+                <a:gd name="T45" fmla="*/ 2147483647 h 256"/>
+                <a:gd name="T46" fmla="*/ 2147483647 w 256"/>
+                <a:gd name="T47" fmla="*/ 2147483647 h 256"/>
+                <a:gd name="T48" fmla="*/ 2147483647 w 256"/>
+                <a:gd name="T49" fmla="*/ 2147483647 h 256"/>
+                <a:gd name="T50" fmla="*/ 2147483647 w 256"/>
+                <a:gd name="T51" fmla="*/ 2147483647 h 256"/>
+                <a:gd name="T52" fmla="*/ 2147483647 w 256"/>
+                <a:gd name="T53" fmla="*/ 2147483647 h 256"/>
+                <a:gd name="T54" fmla="*/ 2147483647 w 256"/>
+                <a:gd name="T55" fmla="*/ 2147483647 h 256"/>
+                <a:gd name="T56" fmla="*/ 2147483647 w 256"/>
+                <a:gd name="T57" fmla="*/ 2147483647 h 256"/>
+                <a:gd name="T58" fmla="*/ 2147483647 w 256"/>
+                <a:gd name="T59" fmla="*/ 2147483647 h 256"/>
+                <a:gd name="T60" fmla="*/ 2147483647 w 256"/>
+                <a:gd name="T61" fmla="*/ 2147483647 h 256"/>
+                <a:gd name="T62" fmla="*/ 2147483647 w 256"/>
+                <a:gd name="T63" fmla="*/ 2147483647 h 256"/>
+                <a:gd name="T64" fmla="*/ 2147483647 w 256"/>
+                <a:gd name="T65" fmla="*/ 2147483647 h 256"/>
+                <a:gd name="T66" fmla="*/ 2147483647 w 256"/>
+                <a:gd name="T67" fmla="*/ 2147483647 h 256"/>
+                <a:gd name="T68" fmla="*/ 2147483647 w 256"/>
+                <a:gd name="T69" fmla="*/ 2147483647 h 256"/>
+                <a:gd name="T70" fmla="*/ 2147483647 w 256"/>
+                <a:gd name="T71" fmla="*/ 2147483647 h 256"/>
+                <a:gd name="T72" fmla="*/ 2147483647 w 256"/>
+                <a:gd name="T73" fmla="*/ 2147483647 h 256"/>
+                <a:gd name="T74" fmla="*/ 2147483647 w 256"/>
+                <a:gd name="T75" fmla="*/ 2147483647 h 256"/>
+                <a:gd name="T76" fmla="*/ 2147483647 w 256"/>
+                <a:gd name="T77" fmla="*/ 2147483647 h 256"/>
+                <a:gd name="T78" fmla="*/ 2147483647 w 256"/>
+                <a:gd name="T79" fmla="*/ 2147483647 h 256"/>
+                <a:gd name="T80" fmla="*/ 2147483647 w 256"/>
+                <a:gd name="T81" fmla="*/ 2147483647 h 256"/>
+                <a:gd name="T82" fmla="*/ 2147483647 w 256"/>
+                <a:gd name="T83" fmla="*/ 2147483647 h 256"/>
+                <a:gd name="T84" fmla="*/ 0 60000 65536"/>
+                <a:gd name="T85" fmla="*/ 0 60000 65536"/>
+                <a:gd name="T86" fmla="*/ 0 60000 65536"/>
+                <a:gd name="T87" fmla="*/ 0 60000 65536"/>
+                <a:gd name="T88" fmla="*/ 0 60000 65536"/>
+                <a:gd name="T89" fmla="*/ 0 60000 65536"/>
+                <a:gd name="T90" fmla="*/ 0 60000 65536"/>
+                <a:gd name="T91" fmla="*/ 0 60000 65536"/>
+                <a:gd name="T92" fmla="*/ 0 60000 65536"/>
+                <a:gd name="T93" fmla="*/ 0 60000 65536"/>
+                <a:gd name="T94" fmla="*/ 0 60000 65536"/>
+                <a:gd name="T95" fmla="*/ 0 60000 65536"/>
+                <a:gd name="T96" fmla="*/ 0 60000 65536"/>
+                <a:gd name="T97" fmla="*/ 0 60000 65536"/>
+                <a:gd name="T98" fmla="*/ 0 60000 65536"/>
+                <a:gd name="T99" fmla="*/ 0 60000 65536"/>
+                <a:gd name="T100" fmla="*/ 0 60000 65536"/>
+                <a:gd name="T101" fmla="*/ 0 60000 65536"/>
+                <a:gd name="T102" fmla="*/ 0 60000 65536"/>
+                <a:gd name="T103" fmla="*/ 0 60000 65536"/>
+                <a:gd name="T104" fmla="*/ 0 60000 65536"/>
+                <a:gd name="T105" fmla="*/ 0 60000 65536"/>
+                <a:gd name="T106" fmla="*/ 0 60000 65536"/>
+                <a:gd name="T107" fmla="*/ 0 60000 65536"/>
+                <a:gd name="T108" fmla="*/ 0 60000 65536"/>
+                <a:gd name="T109" fmla="*/ 0 60000 65536"/>
+                <a:gd name="T110" fmla="*/ 0 60000 65536"/>
+                <a:gd name="T111" fmla="*/ 0 60000 65536"/>
+                <a:gd name="T112" fmla="*/ 0 60000 65536"/>
+                <a:gd name="T113" fmla="*/ 0 60000 65536"/>
+                <a:gd name="T114" fmla="*/ 0 60000 65536"/>
+                <a:gd name="T115" fmla="*/ 0 60000 65536"/>
+                <a:gd name="T116" fmla="*/ 0 60000 65536"/>
+                <a:gd name="T117" fmla="*/ 0 60000 65536"/>
+                <a:gd name="T118" fmla="*/ 0 60000 65536"/>
+                <a:gd name="T119" fmla="*/ 0 60000 65536"/>
+                <a:gd name="T120" fmla="*/ 0 60000 65536"/>
+                <a:gd name="T121" fmla="*/ 0 60000 65536"/>
+                <a:gd name="T122" fmla="*/ 0 60000 65536"/>
+                <a:gd name="T123" fmla="*/ 0 60000 65536"/>
+                <a:gd name="T124" fmla="*/ 0 60000 65536"/>
+                <a:gd name="T125" fmla="*/ 0 60000 65536"/>
+                <a:gd name="T126" fmla="*/ 0 w 256"/>
+                <a:gd name="T127" fmla="*/ 0 h 256"/>
+                <a:gd name="T128" fmla="*/ 256 w 256"/>
+                <a:gd name="T129" fmla="*/ 256 h 256"/>
+              </a:gdLst>
+              <a:ahLst/>
+              <a:cxnLst>
+                <a:cxn ang="T84">
+                  <a:pos x="T0" y="T1"/>
+                </a:cxn>
+                <a:cxn ang="T85">
+                  <a:pos x="T2" y="T3"/>
+                </a:cxn>
+                <a:cxn ang="T86">
+                  <a:pos x="T4" y="T5"/>
+                </a:cxn>
+                <a:cxn ang="T87">
+                  <a:pos x="T6" y="T7"/>
+                </a:cxn>
+                <a:cxn ang="T88">
+                  <a:pos x="T8" y="T9"/>
+                </a:cxn>
+                <a:cxn ang="T89">
+                  <a:pos x="T10" y="T11"/>
+                </a:cxn>
+                <a:cxn ang="T90">
+                  <a:pos x="T12" y="T13"/>
+                </a:cxn>
+                <a:cxn ang="T91">
+                  <a:pos x="T14" y="T15"/>
+                </a:cxn>
+                <a:cxn ang="T92">
+                  <a:pos x="T16" y="T17"/>
+                </a:cxn>
+                <a:cxn ang="T93">
+                  <a:pos x="T18" y="T19"/>
+                </a:cxn>
+                <a:cxn ang="T94">
+                  <a:pos x="T20" y="T21"/>
+                </a:cxn>
+                <a:cxn ang="T95">
+                  <a:pos x="T22" y="T23"/>
+                </a:cxn>
+                <a:cxn ang="T96">
+                  <a:pos x="T24" y="T25"/>
+                </a:cxn>
+                <a:cxn ang="T97">
+                  <a:pos x="T26" y="T27"/>
+                </a:cxn>
+                <a:cxn ang="T98">
+                  <a:pos x="T28" y="T29"/>
+                </a:cxn>
+                <a:cxn ang="T99">
+                  <a:pos x="T30" y="T31"/>
+                </a:cxn>
+                <a:cxn ang="T100">
+                  <a:pos x="T32" y="T33"/>
+                </a:cxn>
+                <a:cxn ang="T101">
+                  <a:pos x="T34" y="T35"/>
+                </a:cxn>
+                <a:cxn ang="T102">
+                  <a:pos x="T36" y="T37"/>
+                </a:cxn>
+                <a:cxn ang="T103">
+                  <a:pos x="T38" y="T39"/>
+                </a:cxn>
+                <a:cxn ang="T104">
+                  <a:pos x="T40" y="T41"/>
+                </a:cxn>
+                <a:cxn ang="T105">
+                  <a:pos x="T42" y="T43"/>
+                </a:cxn>
+                <a:cxn ang="T106">
+                  <a:pos x="T44" y="T45"/>
+                </a:cxn>
+                <a:cxn ang="T107">
+                  <a:pos x="T46" y="T47"/>
+                </a:cxn>
+                <a:cxn ang="T108">
+                  <a:pos x="T48" y="T49"/>
+                </a:cxn>
+                <a:cxn ang="T109">
+                  <a:pos x="T50" y="T51"/>
+                </a:cxn>
+                <a:cxn ang="T110">
+                  <a:pos x="T52" y="T53"/>
+                </a:cxn>
+                <a:cxn ang="T111">
+                  <a:pos x="T54" y="T55"/>
+                </a:cxn>
+                <a:cxn ang="T112">
+                  <a:pos x="T56" y="T57"/>
+                </a:cxn>
+                <a:cxn ang="T113">
+                  <a:pos x="T58" y="T59"/>
+                </a:cxn>
+                <a:cxn ang="T114">
+                  <a:pos x="T60" y="T61"/>
+                </a:cxn>
+                <a:cxn ang="T115">
+                  <a:pos x="T62" y="T63"/>
+                </a:cxn>
+                <a:cxn ang="T116">
+                  <a:pos x="T64" y="T65"/>
+                </a:cxn>
+                <a:cxn ang="T117">
+                  <a:pos x="T66" y="T67"/>
+                </a:cxn>
+                <a:cxn ang="T118">
+                  <a:pos x="T68" y="T69"/>
+                </a:cxn>
+                <a:cxn ang="T119">
+                  <a:pos x="T70" y="T71"/>
+                </a:cxn>
+                <a:cxn ang="T120">
+                  <a:pos x="T72" y="T73"/>
+                </a:cxn>
+                <a:cxn ang="T121">
+                  <a:pos x="T74" y="T75"/>
+                </a:cxn>
+                <a:cxn ang="T122">
+                  <a:pos x="T76" y="T77"/>
+                </a:cxn>
+                <a:cxn ang="T123">
+                  <a:pos x="T78" y="T79"/>
+                </a:cxn>
+                <a:cxn ang="T124">
+                  <a:pos x="T80" y="T81"/>
+                </a:cxn>
+                <a:cxn ang="T125">
+                  <a:pos x="T82" y="T83"/>
+                </a:cxn>
+              </a:cxnLst>
+              <a:rect l="T126" t="T127" r="T128" b="T129"/>
+              <a:pathLst>
+                <a:path w="256" h="256">
+                  <a:moveTo>
+                    <a:pt x="128" y="0"/>
+                  </a:moveTo>
+                  <a:cubicBezTo>
+                    <a:pt x="57" y="0"/>
+                    <a:pt x="0" y="57"/>
+                    <a:pt x="0" y="128"/>
+                  </a:cubicBezTo>
+                  <a:cubicBezTo>
+                    <a:pt x="0" y="199"/>
+                    <a:pt x="57" y="256"/>
+                    <a:pt x="128" y="256"/>
+                  </a:cubicBezTo>
+                  <a:cubicBezTo>
+                    <a:pt x="199" y="256"/>
+                    <a:pt x="256" y="199"/>
+                    <a:pt x="256" y="128"/>
+                  </a:cubicBezTo>
+                  <a:cubicBezTo>
+                    <a:pt x="256" y="57"/>
+                    <a:pt x="199" y="0"/>
+                    <a:pt x="128" y="0"/>
+                  </a:cubicBezTo>
+                  <a:close/>
+                  <a:moveTo>
+                    <a:pt x="135" y="200"/>
+                  </a:moveTo>
+                  <a:cubicBezTo>
+                    <a:pt x="119" y="200"/>
+                    <a:pt x="119" y="200"/>
+                    <a:pt x="119" y="200"/>
+                  </a:cubicBezTo>
+                  <a:cubicBezTo>
+                    <a:pt x="115" y="200"/>
+                    <a:pt x="112" y="196"/>
+                    <a:pt x="112" y="192"/>
+                  </a:cubicBezTo>
+                  <a:cubicBezTo>
+                    <a:pt x="111" y="176"/>
+                    <a:pt x="111" y="176"/>
+                    <a:pt x="111" y="176"/>
+                  </a:cubicBezTo>
+                  <a:cubicBezTo>
+                    <a:pt x="111" y="171"/>
+                    <a:pt x="115" y="168"/>
+                    <a:pt x="119" y="168"/>
+                  </a:cubicBezTo>
+                  <a:cubicBezTo>
+                    <a:pt x="135" y="168"/>
+                    <a:pt x="135" y="168"/>
+                    <a:pt x="135" y="168"/>
+                  </a:cubicBezTo>
+                  <a:cubicBezTo>
+                    <a:pt x="140" y="168"/>
+                    <a:pt x="143" y="172"/>
+                    <a:pt x="143" y="176"/>
+                  </a:cubicBezTo>
+                  <a:cubicBezTo>
+                    <a:pt x="144" y="192"/>
+                    <a:pt x="144" y="192"/>
+                    <a:pt x="144" y="192"/>
+                  </a:cubicBezTo>
+                  <a:cubicBezTo>
+                    <a:pt x="144" y="196"/>
+                    <a:pt x="140" y="200"/>
+                    <a:pt x="135" y="200"/>
+                  </a:cubicBezTo>
+                  <a:close/>
+                  <a:moveTo>
+                    <a:pt x="170" y="109"/>
+                  </a:moveTo>
+                  <a:cubicBezTo>
+                    <a:pt x="167" y="114"/>
+                    <a:pt x="162" y="119"/>
+                    <a:pt x="154" y="125"/>
+                  </a:cubicBezTo>
+                  <a:cubicBezTo>
+                    <a:pt x="148" y="130"/>
+                    <a:pt x="146" y="132"/>
+                    <a:pt x="145" y="132"/>
+                  </a:cubicBezTo>
+                  <a:cubicBezTo>
+                    <a:pt x="145" y="133"/>
+                    <a:pt x="144" y="134"/>
+                    <a:pt x="144" y="135"/>
+                  </a:cubicBezTo>
+                  <a:cubicBezTo>
+                    <a:pt x="143" y="136"/>
+                    <a:pt x="143" y="138"/>
+                    <a:pt x="143" y="144"/>
+                  </a:cubicBezTo>
+                  <a:cubicBezTo>
+                    <a:pt x="143" y="149"/>
+                    <a:pt x="139" y="152"/>
+                    <a:pt x="135" y="152"/>
+                  </a:cubicBezTo>
+                  <a:cubicBezTo>
+                    <a:pt x="120" y="152"/>
+                    <a:pt x="120" y="152"/>
+                    <a:pt x="120" y="152"/>
+                  </a:cubicBezTo>
+                  <a:cubicBezTo>
+                    <a:pt x="116" y="152"/>
+                    <a:pt x="112" y="149"/>
+                    <a:pt x="112" y="144"/>
+                  </a:cubicBezTo>
+                  <a:cubicBezTo>
+                    <a:pt x="112" y="140"/>
+                    <a:pt x="112" y="140"/>
+                    <a:pt x="112" y="140"/>
+                  </a:cubicBezTo>
+                  <a:cubicBezTo>
+                    <a:pt x="112" y="134"/>
+                    <a:pt x="113" y="129"/>
+                    <a:pt x="115" y="124"/>
+                  </a:cubicBezTo>
+                  <a:cubicBezTo>
+                    <a:pt x="117" y="120"/>
+                    <a:pt x="119" y="117"/>
+                    <a:pt x="123" y="113"/>
+                  </a:cubicBezTo>
+                  <a:cubicBezTo>
+                    <a:pt x="125" y="111"/>
+                    <a:pt x="129" y="108"/>
+                    <a:pt x="134" y="104"/>
+                  </a:cubicBezTo>
+                  <a:cubicBezTo>
+                    <a:pt x="141" y="99"/>
+                    <a:pt x="142" y="97"/>
+                    <a:pt x="143" y="96"/>
+                  </a:cubicBezTo>
+                  <a:cubicBezTo>
+                    <a:pt x="144" y="95"/>
+                    <a:pt x="144" y="94"/>
+                    <a:pt x="144" y="93"/>
+                  </a:cubicBezTo>
+                  <a:cubicBezTo>
+                    <a:pt x="144" y="92"/>
+                    <a:pt x="143" y="89"/>
+                    <a:pt x="140" y="86"/>
+                  </a:cubicBezTo>
+                  <a:cubicBezTo>
+                    <a:pt x="137" y="84"/>
+                    <a:pt x="132" y="83"/>
+                    <a:pt x="128" y="83"/>
+                  </a:cubicBezTo>
+                  <a:cubicBezTo>
+                    <a:pt x="124" y="83"/>
+                    <a:pt x="120" y="84"/>
+                    <a:pt x="117" y="86"/>
+                  </a:cubicBezTo>
+                  <a:cubicBezTo>
+                    <a:pt x="114" y="88"/>
+                    <a:pt x="112" y="92"/>
+                    <a:pt x="111" y="97"/>
+                  </a:cubicBezTo>
+                  <a:cubicBezTo>
+                    <a:pt x="111" y="101"/>
+                    <a:pt x="107" y="104"/>
+                    <a:pt x="103" y="104"/>
+                  </a:cubicBezTo>
+                  <a:cubicBezTo>
+                    <a:pt x="103" y="104"/>
+                    <a:pt x="103" y="104"/>
+                    <a:pt x="103" y="104"/>
+                  </a:cubicBezTo>
+                  <a:cubicBezTo>
+                    <a:pt x="87" y="102"/>
+                    <a:pt x="87" y="102"/>
+                    <a:pt x="87" y="102"/>
+                  </a:cubicBezTo>
+                  <a:cubicBezTo>
+                    <a:pt x="85" y="102"/>
+                    <a:pt x="83" y="101"/>
+                    <a:pt x="81" y="99"/>
+                  </a:cubicBezTo>
+                  <a:cubicBezTo>
+                    <a:pt x="80" y="97"/>
+                    <a:pt x="79" y="95"/>
+                    <a:pt x="80" y="93"/>
+                  </a:cubicBezTo>
+                  <a:cubicBezTo>
+                    <a:pt x="82" y="81"/>
+                    <a:pt x="87" y="72"/>
+                    <a:pt x="95" y="66"/>
+                  </a:cubicBezTo>
+                  <a:cubicBezTo>
+                    <a:pt x="104" y="59"/>
+                    <a:pt x="115" y="56"/>
+                    <a:pt x="128" y="56"/>
+                  </a:cubicBezTo>
+                  <a:cubicBezTo>
+                    <a:pt x="142" y="56"/>
+                    <a:pt x="153" y="60"/>
+                    <a:pt x="162" y="66"/>
+                  </a:cubicBezTo>
+                  <a:cubicBezTo>
+                    <a:pt x="171" y="73"/>
+                    <a:pt x="176" y="82"/>
+                    <a:pt x="176" y="92"/>
+                  </a:cubicBezTo>
+                  <a:cubicBezTo>
+                    <a:pt x="176" y="99"/>
+                    <a:pt x="174" y="104"/>
+                    <a:pt x="170" y="109"/>
+                  </a:cubicBezTo>
+                  <a:close/>
+                </a:path>
+              </a:pathLst>
+            </a:custGeom>
+            <a:solidFill>
+              <a:srgbClr val="FFFFFF"/>
+            </a:solidFill>
+            <a:ln>
+              <a:noFill/>
+            </a:ln>
+            <a:extLst>
+              <a:ext uri="{91240B29-F687-4F45-9708-019B960494DF}">
+                <a14:hiddenLine xmlns:a14="http://schemas.microsoft.com/office/drawing/2010/main" w="9525">
+                  <a:solidFill>
+                    <a:srgbClr val="000000"/>
+                  </a:solidFill>
+                  <a:bevel/>
+                </a14:hiddenLine>
+              </a:ext>
+            </a:extLst>
+          </p:spPr>
+          <p:txBody>
+            <a:bodyPr/>
+            <a:lstStyle/>
+            <a:p>
+              <a:endParaRPr lang="zh-CN" altLang="en-US"/>
+            </a:p>
+          </p:txBody>
+        </p:sp>
+      </p:grpSp>
+      <p:sp>
+        <p:nvSpPr>
+          <p:cNvPr id="5130" name="直接连接符 26"/>
+          <p:cNvSpPr>
+            <a:spLocks noChangeShapeType="1"/>
+          </p:cNvSpPr>
+          <p:nvPr/>
+        </p:nvSpPr>
+        <p:spPr bwMode="auto">
+          <a:xfrm flipH="1" flipV="1">
+            <a:off x="11350625" y="107950"/>
+            <a:ext cx="0" cy="633413"/>
+          </a:xfrm>
+          <a:prstGeom prst="line">
+            <a:avLst/>
+          </a:prstGeom>
+          <a:noFill/>
+          <a:ln w="28575">
+            <a:solidFill>
+              <a:schemeClr val="bg1"/>
+            </a:solidFill>
+            <a:bevel/>
+          </a:ln>
+          <a:extLst>
+            <a:ext uri="{909E8E84-426E-40DD-AFC4-6F175D3DCCD1}">
+              <a14:hiddenFill xmlns:a14="http://schemas.microsoft.com/office/drawing/2010/main">
+                <a:noFill/>
+              </a14:hiddenFill>
+            </a:ext>
+          </a:extLst>
+        </p:spPr>
+        <p:txBody>
+          <a:bodyPr/>
+          <a:lstStyle/>
+          <a:p>
+            <a:endParaRPr lang="zh-CN" altLang="en-US"/>
+          </a:p>
+        </p:txBody>
+      </p:sp>
+      <p:sp>
+        <p:nvSpPr>
+          <p:cNvPr id="2" name="文本框 1"/>
+          <p:cNvSpPr txBox="1"/>
+          <p:nvPr/>
+        </p:nvSpPr>
+        <p:spPr>
+          <a:xfrm>
+            <a:off x="1082351" y="1343608"/>
+            <a:ext cx="3172408" cy="461665"/>
+          </a:xfrm>
+          <a:prstGeom prst="rect">
+            <a:avLst/>
+          </a:prstGeom>
+          <a:noFill/>
+        </p:spPr>
+        <p:txBody>
+          <a:bodyPr wrap="square" rtlCol="0">
+            <a:spAutoFit/>
+          </a:bodyPr>
+          <a:lstStyle/>
+          <a:p>
+            <a:r>
+              <a:rPr lang="zh-CN" altLang="en-US" sz="2400" b="1"/>
+              <a:t>约束</a:t>
+            </a:r>
+          </a:p>
+        </p:txBody>
+      </p:sp>
+      <p:sp>
+        <p:nvSpPr>
+          <p:cNvPr id="3" name="文本框 2"/>
+          <p:cNvSpPr txBox="1"/>
+          <p:nvPr/>
+        </p:nvSpPr>
+        <p:spPr>
+          <a:xfrm>
+            <a:off x="1082351" y="2271017"/>
+            <a:ext cx="3377682" cy="369332"/>
+          </a:xfrm>
+          <a:prstGeom prst="rect">
+            <a:avLst/>
+          </a:prstGeom>
+          <a:noFill/>
+        </p:spPr>
+        <p:txBody>
+          <a:bodyPr wrap="square" rtlCol="0">
+            <a:spAutoFit/>
+          </a:bodyPr>
+          <a:lstStyle/>
+          <a:p>
+            <a:r>
+              <a:rPr lang="en-US" altLang="zh-CN" smtClean="0"/>
+              <a:t>1.</a:t>
+            </a:r>
+            <a:r>
+              <a:rPr lang="zh-CN" altLang="en-US" smtClean="0"/>
+              <a:t>质量损失约束：</a:t>
+            </a:r>
+            <a:endParaRPr lang="zh-CN" altLang="en-US"/>
+          </a:p>
+        </p:txBody>
+      </p:sp>
+      <p:sp>
+        <p:nvSpPr>
           <p:cNvPr id="5" name="文本框 4"/>
           <p:cNvSpPr txBox="1"/>
           <p:nvPr/>
         </p:nvSpPr>
         <p:spPr>
           <a:xfrm>
-            <a:off x="1119676" y="2388637"/>
+            <a:off x="1082351" y="3324574"/>
             <a:ext cx="3091542" cy="369332"/>
           </a:xfrm>
           <a:prstGeom prst="rect">
@@ -12217,9 +14083,67 @@
           </a:p>
         </p:txBody>
       </p:sp>
+      <p:sp>
+        <p:nvSpPr>
+          <p:cNvPr id="6" name="文本框 5"/>
+          <p:cNvSpPr txBox="1"/>
+          <p:nvPr/>
+        </p:nvSpPr>
+        <p:spPr>
+          <a:xfrm>
+            <a:off x="1082351" y="4368019"/>
+            <a:ext cx="1838804" cy="369332"/>
+          </a:xfrm>
+          <a:prstGeom prst="rect">
+            <a:avLst/>
+          </a:prstGeom>
+          <a:noFill/>
+        </p:spPr>
+        <p:txBody>
+          <a:bodyPr wrap="square" rtlCol="0">
+            <a:spAutoFit/>
+          </a:bodyPr>
+          <a:lstStyle/>
+          <a:p>
+            <a:r>
+              <a:rPr lang="en-US" altLang="zh-CN" smtClean="0"/>
+              <a:t>3.</a:t>
+            </a:r>
+            <a:r>
+              <a:rPr lang="zh-CN" altLang="en-US" smtClean="0"/>
+              <a:t>服务延迟约束：</a:t>
+            </a:r>
+            <a:endParaRPr lang="zh-CN" altLang="en-US"/>
+          </a:p>
+        </p:txBody>
+      </p:sp>
       <p:pic>
         <p:nvPicPr>
-          <p:cNvPr id="7" name="图片 6"/>
+          <p:cNvPr id="8" name="图片 7"/>
+          <p:cNvPicPr>
+            <a:picLocks noChangeAspect="1"/>
+          </p:cNvPicPr>
+          <p:nvPr/>
+        </p:nvPicPr>
+        <p:blipFill>
+          <a:blip r:embed="rId4"/>
+          <a:stretch>
+            <a:fillRect/>
+          </a:stretch>
+        </p:blipFill>
+        <p:spPr>
+          <a:xfrm>
+            <a:off x="3499182" y="4245015"/>
+            <a:ext cx="4485714" cy="552381"/>
+          </a:xfrm>
+          <a:prstGeom prst="rect">
+            <a:avLst/>
+          </a:prstGeom>
+        </p:spPr>
+      </p:pic>
+      <p:pic>
+        <p:nvPicPr>
+          <p:cNvPr id="9" name="图片 8"/>
           <p:cNvPicPr>
             <a:picLocks noChangeAspect="1"/>
           </p:cNvPicPr>
@@ -12233,14 +14157,146 @@
         </p:blipFill>
         <p:spPr>
           <a:xfrm>
-            <a:off x="3162554" y="2213059"/>
-            <a:ext cx="4038095" cy="752381"/>
+            <a:off x="3213467" y="3189466"/>
+            <a:ext cx="4771429" cy="780952"/>
           </a:xfrm>
           <a:prstGeom prst="rect">
             <a:avLst/>
           </a:prstGeom>
         </p:spPr>
       </p:pic>
+      <p:pic>
+        <p:nvPicPr>
+          <p:cNvPr id="10" name="图片 9"/>
+          <p:cNvPicPr>
+            <a:picLocks noChangeAspect="1"/>
+          </p:cNvPicPr>
+          <p:nvPr/>
+        </p:nvPicPr>
+        <p:blipFill>
+          <a:blip r:embed="rId6"/>
+          <a:stretch>
+            <a:fillRect/>
+          </a:stretch>
+        </p:blipFill>
+        <p:spPr>
+          <a:xfrm>
+            <a:off x="3213467" y="2170358"/>
+            <a:ext cx="4952381" cy="542857"/>
+          </a:xfrm>
+          <a:prstGeom prst="rect">
+            <a:avLst/>
+          </a:prstGeom>
+        </p:spPr>
+      </p:pic>
+      <p:sp>
+        <p:nvSpPr>
+          <p:cNvPr id="11" name="文本框 10"/>
+          <p:cNvSpPr txBox="1"/>
+          <p:nvPr/>
+        </p:nvSpPr>
+        <p:spPr>
+          <a:xfrm>
+            <a:off x="1082351" y="5346309"/>
+            <a:ext cx="1726536" cy="646331"/>
+          </a:xfrm>
+          <a:prstGeom prst="rect">
+            <a:avLst/>
+          </a:prstGeom>
+          <a:noFill/>
+        </p:spPr>
+        <p:txBody>
+          <a:bodyPr wrap="square" rtlCol="0">
+            <a:spAutoFit/>
+          </a:bodyPr>
+          <a:lstStyle/>
+          <a:p>
+            <a:r>
+              <a:rPr lang="en-US" altLang="zh-CN" smtClean="0"/>
+              <a:t>4.</a:t>
+            </a:r>
+            <a:r>
+              <a:rPr lang="zh-CN" altLang="en-US" smtClean="0"/>
+              <a:t>资源容量约束：</a:t>
+            </a:r>
+            <a:endParaRPr lang="zh-CN" altLang="en-US"/>
+          </a:p>
+        </p:txBody>
+      </p:sp>
+      <p:pic>
+        <p:nvPicPr>
+          <p:cNvPr id="12" name="图片 11"/>
+          <p:cNvPicPr>
+            <a:picLocks noChangeAspect="1"/>
+          </p:cNvPicPr>
+          <p:nvPr/>
+        </p:nvPicPr>
+        <p:blipFill>
+          <a:blip r:embed="rId7"/>
+          <a:stretch>
+            <a:fillRect/>
+          </a:stretch>
+        </p:blipFill>
+        <p:spPr>
+          <a:xfrm>
+            <a:off x="2958099" y="5203372"/>
+            <a:ext cx="5342857" cy="819048"/>
+          </a:xfrm>
+          <a:prstGeom prst="rect">
+            <a:avLst/>
+          </a:prstGeom>
+        </p:spPr>
+      </p:pic>
+      <p:sp>
+        <p:nvSpPr>
+          <p:cNvPr id="13" name="文本框 12"/>
+          <p:cNvSpPr txBox="1"/>
+          <p:nvPr/>
+        </p:nvSpPr>
+        <p:spPr>
+          <a:xfrm>
+            <a:off x="728980" y="5807035"/>
+            <a:ext cx="2988204" cy="369332"/>
+          </a:xfrm>
+          <a:prstGeom prst="rect">
+            <a:avLst/>
+          </a:prstGeom>
+          <a:noFill/>
+        </p:spPr>
+        <p:txBody>
+          <a:bodyPr wrap="square" rtlCol="0">
+            <a:spAutoFit/>
+          </a:bodyPr>
+          <a:lstStyle/>
+          <a:p>
+            <a:r>
+              <a:rPr lang="en-US" altLang="zh-CN" smtClean="0"/>
+              <a:t>(GPU</a:t>
+            </a:r>
+            <a:r>
+              <a:rPr lang="en-US" altLang="zh-CN"/>
+              <a:t>, </a:t>
+            </a:r>
+            <a:r>
+              <a:rPr lang="en-US" altLang="zh-CN" smtClean="0"/>
+              <a:t>CPU</a:t>
+            </a:r>
+            <a:r>
+              <a:rPr lang="zh-CN" altLang="en-US" smtClean="0"/>
+              <a:t>，</a:t>
+            </a:r>
+            <a:r>
+              <a:rPr lang="en-US" altLang="zh-CN" smtClean="0"/>
+              <a:t>memory</a:t>
+            </a:r>
+            <a:r>
+              <a:rPr lang="en-US" altLang="zh-CN"/>
+              <a:t>)</a:t>
+            </a:r>
+            <a:endParaRPr lang="zh-CN" altLang="en-US"/>
+          </a:p>
+        </p:txBody>
+      </p:sp>
     </p:spTree>
     <p:extLst>
       <p:ext uri="{BB962C8B-B14F-4D97-AF65-F5344CB8AC3E}">
@@ -12280,14 +14336,14 @@
       </p:grpSpPr>
       <p:pic>
         <p:nvPicPr>
-          <p:cNvPr id="18434" name="图片 1"/>
+          <p:cNvPr id="5122" name="图片 1"/>
           <p:cNvPicPr>
             <a:picLocks noChangeAspect="1" noChangeArrowheads="1"/>
           </p:cNvPicPr>
           <p:nvPr/>
         </p:nvPicPr>
         <p:blipFill>
-          <a:blip r:embed="rId2">
+          <a:blip r:embed="rId3">
             <a:extLst>
               <a:ext uri="{28A0092B-C50C-407E-A947-70E740481C1C}">
                 <a14:useLocalDpi xmlns:a14="http://schemas.microsoft.com/office/drawing/2010/main" val="0"/>
@@ -12334,7 +14390,7 @@
       </p:pic>
       <p:sp>
         <p:nvSpPr>
-          <p:cNvPr id="18435" name="文本框 6"/>
+          <p:cNvPr id="5124" name="平行四边形 14"/>
           <p:cNvSpPr>
             <a:spLocks noChangeArrowheads="1"/>
           </p:cNvSpPr>
@@ -12342,8 +14398,1019 @@
         </p:nvSpPr>
         <p:spPr bwMode="auto">
           <a:xfrm>
-            <a:off x="1423988" y="1334911"/>
-            <a:ext cx="7278687" cy="769938"/>
+            <a:off x="728980" y="1125855"/>
+            <a:ext cx="10734675" cy="5198745"/>
+          </a:xfrm>
+          <a:prstGeom prst="parallelogram">
+            <a:avLst>
+              <a:gd name="adj" fmla="val 0"/>
+            </a:avLst>
+          </a:prstGeom>
+          <a:noFill/>
+          <a:ln w="12700">
+            <a:solidFill>
+              <a:srgbClr val="3B87D5"/>
+            </a:solidFill>
+            <a:bevel/>
+          </a:ln>
+          <a:extLst>
+            <a:ext uri="{909E8E84-426E-40DD-AFC4-6F175D3DCCD1}">
+              <a14:hiddenFill xmlns:a14="http://schemas.microsoft.com/office/drawing/2010/main">
+                <a:solidFill>
+                  <a:srgbClr val="FFFFFF"/>
+                </a:solidFill>
+              </a14:hiddenFill>
+            </a:ext>
+          </a:extLst>
+        </p:spPr>
+        <p:txBody>
+          <a:bodyPr anchor="ctr"/>
+          <a:lstStyle/>
+          <a:p>
+            <a:pPr algn="ctr"/>
+            <a:endParaRPr lang="zh-CN" altLang="zh-CN">
+              <a:solidFill>
+                <a:srgbClr val="FFFFFF"/>
+              </a:solidFill>
+              <a:latin typeface="宋体" panose="02010600030101010101" pitchFamily="2" charset="-122"/>
+              <a:sym typeface="宋体" panose="02010600030101010101" pitchFamily="2" charset="-122"/>
+            </a:endParaRPr>
+          </a:p>
+        </p:txBody>
+      </p:sp>
+      <p:grpSp>
+        <p:nvGrpSpPr>
+          <p:cNvPr id="5129" name="Group 15"/>
+          <p:cNvGrpSpPr/>
+          <p:nvPr/>
+        </p:nvGrpSpPr>
+        <p:grpSpPr bwMode="auto">
+          <a:xfrm>
+            <a:off x="11610975" y="184150"/>
+            <a:ext cx="581025" cy="596900"/>
+            <a:chOff x="0" y="0"/>
+            <a:chExt cx="1027113" cy="1057275"/>
+          </a:xfrm>
+        </p:grpSpPr>
+        <p:sp>
+          <p:nvSpPr>
+            <p:cNvPr id="5131" name="Freeform 40"/>
+            <p:cNvSpPr>
+              <a:spLocks noChangeArrowheads="1"/>
+            </p:cNvSpPr>
+            <p:nvPr/>
+          </p:nvSpPr>
+          <p:spPr bwMode="auto">
+            <a:xfrm flipH="1">
+              <a:off x="76200" y="90487"/>
+              <a:ext cx="950913" cy="966788"/>
+            </a:xfrm>
+            <a:custGeom>
+              <a:avLst/>
+              <a:gdLst>
+                <a:gd name="T0" fmla="*/ 2147483647 w 367"/>
+                <a:gd name="T1" fmla="*/ 0 h 373"/>
+                <a:gd name="T2" fmla="*/ 0 w 367"/>
+                <a:gd name="T3" fmla="*/ 2147483647 h 373"/>
+                <a:gd name="T4" fmla="*/ 0 w 367"/>
+                <a:gd name="T5" fmla="*/ 2147483647 h 373"/>
+                <a:gd name="T6" fmla="*/ 2147483647 w 367"/>
+                <a:gd name="T7" fmla="*/ 2147483647 h 373"/>
+                <a:gd name="T8" fmla="*/ 2147483647 w 367"/>
+                <a:gd name="T9" fmla="*/ 2147483647 h 373"/>
+                <a:gd name="T10" fmla="*/ 2147483647 w 367"/>
+                <a:gd name="T11" fmla="*/ 2147483647 h 373"/>
+                <a:gd name="T12" fmla="*/ 2147483647 w 367"/>
+                <a:gd name="T13" fmla="*/ 2147483647 h 373"/>
+                <a:gd name="T14" fmla="*/ 2147483647 w 367"/>
+                <a:gd name="T15" fmla="*/ 0 h 373"/>
+                <a:gd name="T16" fmla="*/ 0 60000 65536"/>
+                <a:gd name="T17" fmla="*/ 0 60000 65536"/>
+                <a:gd name="T18" fmla="*/ 0 60000 65536"/>
+                <a:gd name="T19" fmla="*/ 0 60000 65536"/>
+                <a:gd name="T20" fmla="*/ 0 60000 65536"/>
+                <a:gd name="T21" fmla="*/ 0 60000 65536"/>
+                <a:gd name="T22" fmla="*/ 0 60000 65536"/>
+                <a:gd name="T23" fmla="*/ 0 60000 65536"/>
+                <a:gd name="T24" fmla="*/ 0 w 367"/>
+                <a:gd name="T25" fmla="*/ 0 h 373"/>
+                <a:gd name="T26" fmla="*/ 367 w 367"/>
+                <a:gd name="T27" fmla="*/ 373 h 373"/>
+              </a:gdLst>
+              <a:ahLst/>
+              <a:cxnLst>
+                <a:cxn ang="T16">
+                  <a:pos x="T0" y="T1"/>
+                </a:cxn>
+                <a:cxn ang="T17">
+                  <a:pos x="T2" y="T3"/>
+                </a:cxn>
+                <a:cxn ang="T18">
+                  <a:pos x="T4" y="T5"/>
+                </a:cxn>
+                <a:cxn ang="T19">
+                  <a:pos x="T6" y="T7"/>
+                </a:cxn>
+                <a:cxn ang="T20">
+                  <a:pos x="T8" y="T9"/>
+                </a:cxn>
+                <a:cxn ang="T21">
+                  <a:pos x="T10" y="T11"/>
+                </a:cxn>
+                <a:cxn ang="T22">
+                  <a:pos x="T12" y="T13"/>
+                </a:cxn>
+                <a:cxn ang="T23">
+                  <a:pos x="T14" y="T15"/>
+                </a:cxn>
+              </a:cxnLst>
+              <a:rect l="T24" t="T25" r="T26" b="T27"/>
+              <a:pathLst>
+                <a:path w="367" h="373">
+                  <a:moveTo>
+                    <a:pt x="181" y="0"/>
+                  </a:moveTo>
+                  <a:cubicBezTo>
+                    <a:pt x="0" y="180"/>
+                    <a:pt x="0" y="180"/>
+                    <a:pt x="0" y="180"/>
+                  </a:cubicBezTo>
+                  <a:cubicBezTo>
+                    <a:pt x="0" y="333"/>
+                    <a:pt x="0" y="333"/>
+                    <a:pt x="0" y="333"/>
+                  </a:cubicBezTo>
+                  <a:cubicBezTo>
+                    <a:pt x="0" y="355"/>
+                    <a:pt x="18" y="373"/>
+                    <a:pt x="40" y="373"/>
+                  </a:cubicBezTo>
+                  <a:cubicBezTo>
+                    <a:pt x="168" y="373"/>
+                    <a:pt x="168" y="373"/>
+                    <a:pt x="168" y="373"/>
+                  </a:cubicBezTo>
+                  <a:cubicBezTo>
+                    <a:pt x="367" y="174"/>
+                    <a:pt x="367" y="174"/>
+                    <a:pt x="367" y="174"/>
+                  </a:cubicBezTo>
+                  <a:cubicBezTo>
+                    <a:pt x="350" y="16"/>
+                    <a:pt x="350" y="16"/>
+                    <a:pt x="350" y="16"/>
+                  </a:cubicBezTo>
+                  <a:cubicBezTo>
+                    <a:pt x="181" y="0"/>
+                    <a:pt x="181" y="0"/>
+                    <a:pt x="181" y="0"/>
+                  </a:cubicBezTo>
+                </a:path>
+              </a:pathLst>
+            </a:custGeom>
+            <a:solidFill>
+              <a:srgbClr val="3B87D5"/>
+            </a:solidFill>
+            <a:ln>
+              <a:noFill/>
+            </a:ln>
+            <a:extLst>
+              <a:ext uri="{91240B29-F687-4F45-9708-019B960494DF}">
+                <a14:hiddenLine xmlns:a14="http://schemas.microsoft.com/office/drawing/2010/main" w="9525">
+                  <a:solidFill>
+                    <a:srgbClr val="000000"/>
+                  </a:solidFill>
+                  <a:bevel/>
+                </a14:hiddenLine>
+              </a:ext>
+            </a:extLst>
+          </p:spPr>
+          <p:txBody>
+            <a:bodyPr/>
+            <a:lstStyle/>
+            <a:p>
+              <a:endParaRPr lang="zh-CN" altLang="en-US"/>
+            </a:p>
+          </p:txBody>
+        </p:sp>
+        <p:sp>
+          <p:nvSpPr>
+            <p:cNvPr id="5132" name="Freeform 41"/>
+            <p:cNvSpPr>
+              <a:spLocks noEditPoints="1" noChangeArrowheads="1"/>
+            </p:cNvSpPr>
+            <p:nvPr/>
+          </p:nvSpPr>
+          <p:spPr bwMode="auto">
+            <a:xfrm>
+              <a:off x="0" y="0"/>
+              <a:ext cx="663575" cy="663575"/>
+            </a:xfrm>
+            <a:custGeom>
+              <a:avLst/>
+              <a:gdLst>
+                <a:gd name="T0" fmla="*/ 2147483647 w 256"/>
+                <a:gd name="T1" fmla="*/ 0 h 256"/>
+                <a:gd name="T2" fmla="*/ 0 w 256"/>
+                <a:gd name="T3" fmla="*/ 2147483647 h 256"/>
+                <a:gd name="T4" fmla="*/ 2147483647 w 256"/>
+                <a:gd name="T5" fmla="*/ 2147483647 h 256"/>
+                <a:gd name="T6" fmla="*/ 2147483647 w 256"/>
+                <a:gd name="T7" fmla="*/ 2147483647 h 256"/>
+                <a:gd name="T8" fmla="*/ 2147483647 w 256"/>
+                <a:gd name="T9" fmla="*/ 0 h 256"/>
+                <a:gd name="T10" fmla="*/ 2147483647 w 256"/>
+                <a:gd name="T11" fmla="*/ 2147483647 h 256"/>
+                <a:gd name="T12" fmla="*/ 2147483647 w 256"/>
+                <a:gd name="T13" fmla="*/ 2147483647 h 256"/>
+                <a:gd name="T14" fmla="*/ 2147483647 w 256"/>
+                <a:gd name="T15" fmla="*/ 2147483647 h 256"/>
+                <a:gd name="T16" fmla="*/ 2147483647 w 256"/>
+                <a:gd name="T17" fmla="*/ 2147483647 h 256"/>
+                <a:gd name="T18" fmla="*/ 2147483647 w 256"/>
+                <a:gd name="T19" fmla="*/ 2147483647 h 256"/>
+                <a:gd name="T20" fmla="*/ 2147483647 w 256"/>
+                <a:gd name="T21" fmla="*/ 2147483647 h 256"/>
+                <a:gd name="T22" fmla="*/ 2147483647 w 256"/>
+                <a:gd name="T23" fmla="*/ 2147483647 h 256"/>
+                <a:gd name="T24" fmla="*/ 2147483647 w 256"/>
+                <a:gd name="T25" fmla="*/ 2147483647 h 256"/>
+                <a:gd name="T26" fmla="*/ 2147483647 w 256"/>
+                <a:gd name="T27" fmla="*/ 2147483647 h 256"/>
+                <a:gd name="T28" fmla="*/ 2147483647 w 256"/>
+                <a:gd name="T29" fmla="*/ 2147483647 h 256"/>
+                <a:gd name="T30" fmla="*/ 2147483647 w 256"/>
+                <a:gd name="T31" fmla="*/ 2147483647 h 256"/>
+                <a:gd name="T32" fmla="*/ 2147483647 w 256"/>
+                <a:gd name="T33" fmla="*/ 2147483647 h 256"/>
+                <a:gd name="T34" fmla="*/ 2147483647 w 256"/>
+                <a:gd name="T35" fmla="*/ 2147483647 h 256"/>
+                <a:gd name="T36" fmla="*/ 2147483647 w 256"/>
+                <a:gd name="T37" fmla="*/ 2147483647 h 256"/>
+                <a:gd name="T38" fmla="*/ 2147483647 w 256"/>
+                <a:gd name="T39" fmla="*/ 2147483647 h 256"/>
+                <a:gd name="T40" fmla="*/ 2147483647 w 256"/>
+                <a:gd name="T41" fmla="*/ 2147483647 h 256"/>
+                <a:gd name="T42" fmla="*/ 2147483647 w 256"/>
+                <a:gd name="T43" fmla="*/ 2147483647 h 256"/>
+                <a:gd name="T44" fmla="*/ 2147483647 w 256"/>
+                <a:gd name="T45" fmla="*/ 2147483647 h 256"/>
+                <a:gd name="T46" fmla="*/ 2147483647 w 256"/>
+                <a:gd name="T47" fmla="*/ 2147483647 h 256"/>
+                <a:gd name="T48" fmla="*/ 2147483647 w 256"/>
+                <a:gd name="T49" fmla="*/ 2147483647 h 256"/>
+                <a:gd name="T50" fmla="*/ 2147483647 w 256"/>
+                <a:gd name="T51" fmla="*/ 2147483647 h 256"/>
+                <a:gd name="T52" fmla="*/ 2147483647 w 256"/>
+                <a:gd name="T53" fmla="*/ 2147483647 h 256"/>
+                <a:gd name="T54" fmla="*/ 2147483647 w 256"/>
+                <a:gd name="T55" fmla="*/ 2147483647 h 256"/>
+                <a:gd name="T56" fmla="*/ 2147483647 w 256"/>
+                <a:gd name="T57" fmla="*/ 2147483647 h 256"/>
+                <a:gd name="T58" fmla="*/ 2147483647 w 256"/>
+                <a:gd name="T59" fmla="*/ 2147483647 h 256"/>
+                <a:gd name="T60" fmla="*/ 2147483647 w 256"/>
+                <a:gd name="T61" fmla="*/ 2147483647 h 256"/>
+                <a:gd name="T62" fmla="*/ 2147483647 w 256"/>
+                <a:gd name="T63" fmla="*/ 2147483647 h 256"/>
+                <a:gd name="T64" fmla="*/ 2147483647 w 256"/>
+                <a:gd name="T65" fmla="*/ 2147483647 h 256"/>
+                <a:gd name="T66" fmla="*/ 2147483647 w 256"/>
+                <a:gd name="T67" fmla="*/ 2147483647 h 256"/>
+                <a:gd name="T68" fmla="*/ 2147483647 w 256"/>
+                <a:gd name="T69" fmla="*/ 2147483647 h 256"/>
+                <a:gd name="T70" fmla="*/ 2147483647 w 256"/>
+                <a:gd name="T71" fmla="*/ 2147483647 h 256"/>
+                <a:gd name="T72" fmla="*/ 2147483647 w 256"/>
+                <a:gd name="T73" fmla="*/ 2147483647 h 256"/>
+                <a:gd name="T74" fmla="*/ 2147483647 w 256"/>
+                <a:gd name="T75" fmla="*/ 2147483647 h 256"/>
+                <a:gd name="T76" fmla="*/ 2147483647 w 256"/>
+                <a:gd name="T77" fmla="*/ 2147483647 h 256"/>
+                <a:gd name="T78" fmla="*/ 2147483647 w 256"/>
+                <a:gd name="T79" fmla="*/ 2147483647 h 256"/>
+                <a:gd name="T80" fmla="*/ 2147483647 w 256"/>
+                <a:gd name="T81" fmla="*/ 2147483647 h 256"/>
+                <a:gd name="T82" fmla="*/ 2147483647 w 256"/>
+                <a:gd name="T83" fmla="*/ 2147483647 h 256"/>
+                <a:gd name="T84" fmla="*/ 0 60000 65536"/>
+                <a:gd name="T85" fmla="*/ 0 60000 65536"/>
+                <a:gd name="T86" fmla="*/ 0 60000 65536"/>
+                <a:gd name="T87" fmla="*/ 0 60000 65536"/>
+                <a:gd name="T88" fmla="*/ 0 60000 65536"/>
+                <a:gd name="T89" fmla="*/ 0 60000 65536"/>
+                <a:gd name="T90" fmla="*/ 0 60000 65536"/>
+                <a:gd name="T91" fmla="*/ 0 60000 65536"/>
+                <a:gd name="T92" fmla="*/ 0 60000 65536"/>
+                <a:gd name="T93" fmla="*/ 0 60000 65536"/>
+                <a:gd name="T94" fmla="*/ 0 60000 65536"/>
+                <a:gd name="T95" fmla="*/ 0 60000 65536"/>
+                <a:gd name="T96" fmla="*/ 0 60000 65536"/>
+                <a:gd name="T97" fmla="*/ 0 60000 65536"/>
+                <a:gd name="T98" fmla="*/ 0 60000 65536"/>
+                <a:gd name="T99" fmla="*/ 0 60000 65536"/>
+                <a:gd name="T100" fmla="*/ 0 60000 65536"/>
+                <a:gd name="T101" fmla="*/ 0 60000 65536"/>
+                <a:gd name="T102" fmla="*/ 0 60000 65536"/>
+                <a:gd name="T103" fmla="*/ 0 60000 65536"/>
+                <a:gd name="T104" fmla="*/ 0 60000 65536"/>
+                <a:gd name="T105" fmla="*/ 0 60000 65536"/>
+                <a:gd name="T106" fmla="*/ 0 60000 65536"/>
+                <a:gd name="T107" fmla="*/ 0 60000 65536"/>
+                <a:gd name="T108" fmla="*/ 0 60000 65536"/>
+                <a:gd name="T109" fmla="*/ 0 60000 65536"/>
+                <a:gd name="T110" fmla="*/ 0 60000 65536"/>
+                <a:gd name="T111" fmla="*/ 0 60000 65536"/>
+                <a:gd name="T112" fmla="*/ 0 60000 65536"/>
+                <a:gd name="T113" fmla="*/ 0 60000 65536"/>
+                <a:gd name="T114" fmla="*/ 0 60000 65536"/>
+                <a:gd name="T115" fmla="*/ 0 60000 65536"/>
+                <a:gd name="T116" fmla="*/ 0 60000 65536"/>
+                <a:gd name="T117" fmla="*/ 0 60000 65536"/>
+                <a:gd name="T118" fmla="*/ 0 60000 65536"/>
+                <a:gd name="T119" fmla="*/ 0 60000 65536"/>
+                <a:gd name="T120" fmla="*/ 0 60000 65536"/>
+                <a:gd name="T121" fmla="*/ 0 60000 65536"/>
+                <a:gd name="T122" fmla="*/ 0 60000 65536"/>
+                <a:gd name="T123" fmla="*/ 0 60000 65536"/>
+                <a:gd name="T124" fmla="*/ 0 60000 65536"/>
+                <a:gd name="T125" fmla="*/ 0 60000 65536"/>
+                <a:gd name="T126" fmla="*/ 0 w 256"/>
+                <a:gd name="T127" fmla="*/ 0 h 256"/>
+                <a:gd name="T128" fmla="*/ 256 w 256"/>
+                <a:gd name="T129" fmla="*/ 256 h 256"/>
+              </a:gdLst>
+              <a:ahLst/>
+              <a:cxnLst>
+                <a:cxn ang="T84">
+                  <a:pos x="T0" y="T1"/>
+                </a:cxn>
+                <a:cxn ang="T85">
+                  <a:pos x="T2" y="T3"/>
+                </a:cxn>
+                <a:cxn ang="T86">
+                  <a:pos x="T4" y="T5"/>
+                </a:cxn>
+                <a:cxn ang="T87">
+                  <a:pos x="T6" y="T7"/>
+                </a:cxn>
+                <a:cxn ang="T88">
+                  <a:pos x="T8" y="T9"/>
+                </a:cxn>
+                <a:cxn ang="T89">
+                  <a:pos x="T10" y="T11"/>
+                </a:cxn>
+                <a:cxn ang="T90">
+                  <a:pos x="T12" y="T13"/>
+                </a:cxn>
+                <a:cxn ang="T91">
+                  <a:pos x="T14" y="T15"/>
+                </a:cxn>
+                <a:cxn ang="T92">
+                  <a:pos x="T16" y="T17"/>
+                </a:cxn>
+                <a:cxn ang="T93">
+                  <a:pos x="T18" y="T19"/>
+                </a:cxn>
+                <a:cxn ang="T94">
+                  <a:pos x="T20" y="T21"/>
+                </a:cxn>
+                <a:cxn ang="T95">
+                  <a:pos x="T22" y="T23"/>
+                </a:cxn>
+                <a:cxn ang="T96">
+                  <a:pos x="T24" y="T25"/>
+                </a:cxn>
+                <a:cxn ang="T97">
+                  <a:pos x="T26" y="T27"/>
+                </a:cxn>
+                <a:cxn ang="T98">
+                  <a:pos x="T28" y="T29"/>
+                </a:cxn>
+                <a:cxn ang="T99">
+                  <a:pos x="T30" y="T31"/>
+                </a:cxn>
+                <a:cxn ang="T100">
+                  <a:pos x="T32" y="T33"/>
+                </a:cxn>
+                <a:cxn ang="T101">
+                  <a:pos x="T34" y="T35"/>
+                </a:cxn>
+                <a:cxn ang="T102">
+                  <a:pos x="T36" y="T37"/>
+                </a:cxn>
+                <a:cxn ang="T103">
+                  <a:pos x="T38" y="T39"/>
+                </a:cxn>
+                <a:cxn ang="T104">
+                  <a:pos x="T40" y="T41"/>
+                </a:cxn>
+                <a:cxn ang="T105">
+                  <a:pos x="T42" y="T43"/>
+                </a:cxn>
+                <a:cxn ang="T106">
+                  <a:pos x="T44" y="T45"/>
+                </a:cxn>
+                <a:cxn ang="T107">
+                  <a:pos x="T46" y="T47"/>
+                </a:cxn>
+                <a:cxn ang="T108">
+                  <a:pos x="T48" y="T49"/>
+                </a:cxn>
+                <a:cxn ang="T109">
+                  <a:pos x="T50" y="T51"/>
+                </a:cxn>
+                <a:cxn ang="T110">
+                  <a:pos x="T52" y="T53"/>
+                </a:cxn>
+                <a:cxn ang="T111">
+                  <a:pos x="T54" y="T55"/>
+                </a:cxn>
+                <a:cxn ang="T112">
+                  <a:pos x="T56" y="T57"/>
+                </a:cxn>
+                <a:cxn ang="T113">
+                  <a:pos x="T58" y="T59"/>
+                </a:cxn>
+                <a:cxn ang="T114">
+                  <a:pos x="T60" y="T61"/>
+                </a:cxn>
+                <a:cxn ang="T115">
+                  <a:pos x="T62" y="T63"/>
+                </a:cxn>
+                <a:cxn ang="T116">
+                  <a:pos x="T64" y="T65"/>
+                </a:cxn>
+                <a:cxn ang="T117">
+                  <a:pos x="T66" y="T67"/>
+                </a:cxn>
+                <a:cxn ang="T118">
+                  <a:pos x="T68" y="T69"/>
+                </a:cxn>
+                <a:cxn ang="T119">
+                  <a:pos x="T70" y="T71"/>
+                </a:cxn>
+                <a:cxn ang="T120">
+                  <a:pos x="T72" y="T73"/>
+                </a:cxn>
+                <a:cxn ang="T121">
+                  <a:pos x="T74" y="T75"/>
+                </a:cxn>
+                <a:cxn ang="T122">
+                  <a:pos x="T76" y="T77"/>
+                </a:cxn>
+                <a:cxn ang="T123">
+                  <a:pos x="T78" y="T79"/>
+                </a:cxn>
+                <a:cxn ang="T124">
+                  <a:pos x="T80" y="T81"/>
+                </a:cxn>
+                <a:cxn ang="T125">
+                  <a:pos x="T82" y="T83"/>
+                </a:cxn>
+              </a:cxnLst>
+              <a:rect l="T126" t="T127" r="T128" b="T129"/>
+              <a:pathLst>
+                <a:path w="256" h="256">
+                  <a:moveTo>
+                    <a:pt x="128" y="0"/>
+                  </a:moveTo>
+                  <a:cubicBezTo>
+                    <a:pt x="57" y="0"/>
+                    <a:pt x="0" y="57"/>
+                    <a:pt x="0" y="128"/>
+                  </a:cubicBezTo>
+                  <a:cubicBezTo>
+                    <a:pt x="0" y="199"/>
+                    <a:pt x="57" y="256"/>
+                    <a:pt x="128" y="256"/>
+                  </a:cubicBezTo>
+                  <a:cubicBezTo>
+                    <a:pt x="199" y="256"/>
+                    <a:pt x="256" y="199"/>
+                    <a:pt x="256" y="128"/>
+                  </a:cubicBezTo>
+                  <a:cubicBezTo>
+                    <a:pt x="256" y="57"/>
+                    <a:pt x="199" y="0"/>
+                    <a:pt x="128" y="0"/>
+                  </a:cubicBezTo>
+                  <a:close/>
+                  <a:moveTo>
+                    <a:pt x="135" y="200"/>
+                  </a:moveTo>
+                  <a:cubicBezTo>
+                    <a:pt x="119" y="200"/>
+                    <a:pt x="119" y="200"/>
+                    <a:pt x="119" y="200"/>
+                  </a:cubicBezTo>
+                  <a:cubicBezTo>
+                    <a:pt x="115" y="200"/>
+                    <a:pt x="112" y="196"/>
+                    <a:pt x="112" y="192"/>
+                  </a:cubicBezTo>
+                  <a:cubicBezTo>
+                    <a:pt x="111" y="176"/>
+                    <a:pt x="111" y="176"/>
+                    <a:pt x="111" y="176"/>
+                  </a:cubicBezTo>
+                  <a:cubicBezTo>
+                    <a:pt x="111" y="171"/>
+                    <a:pt x="115" y="168"/>
+                    <a:pt x="119" y="168"/>
+                  </a:cubicBezTo>
+                  <a:cubicBezTo>
+                    <a:pt x="135" y="168"/>
+                    <a:pt x="135" y="168"/>
+                    <a:pt x="135" y="168"/>
+                  </a:cubicBezTo>
+                  <a:cubicBezTo>
+                    <a:pt x="140" y="168"/>
+                    <a:pt x="143" y="172"/>
+                    <a:pt x="143" y="176"/>
+                  </a:cubicBezTo>
+                  <a:cubicBezTo>
+                    <a:pt x="144" y="192"/>
+                    <a:pt x="144" y="192"/>
+                    <a:pt x="144" y="192"/>
+                  </a:cubicBezTo>
+                  <a:cubicBezTo>
+                    <a:pt x="144" y="196"/>
+                    <a:pt x="140" y="200"/>
+                    <a:pt x="135" y="200"/>
+                  </a:cubicBezTo>
+                  <a:close/>
+                  <a:moveTo>
+                    <a:pt x="170" y="109"/>
+                  </a:moveTo>
+                  <a:cubicBezTo>
+                    <a:pt x="167" y="114"/>
+                    <a:pt x="162" y="119"/>
+                    <a:pt x="154" y="125"/>
+                  </a:cubicBezTo>
+                  <a:cubicBezTo>
+                    <a:pt x="148" y="130"/>
+                    <a:pt x="146" y="132"/>
+                    <a:pt x="145" y="132"/>
+                  </a:cubicBezTo>
+                  <a:cubicBezTo>
+                    <a:pt x="145" y="133"/>
+                    <a:pt x="144" y="134"/>
+                    <a:pt x="144" y="135"/>
+                  </a:cubicBezTo>
+                  <a:cubicBezTo>
+                    <a:pt x="143" y="136"/>
+                    <a:pt x="143" y="138"/>
+                    <a:pt x="143" y="144"/>
+                  </a:cubicBezTo>
+                  <a:cubicBezTo>
+                    <a:pt x="143" y="149"/>
+                    <a:pt x="139" y="152"/>
+                    <a:pt x="135" y="152"/>
+                  </a:cubicBezTo>
+                  <a:cubicBezTo>
+                    <a:pt x="120" y="152"/>
+                    <a:pt x="120" y="152"/>
+                    <a:pt x="120" y="152"/>
+                  </a:cubicBezTo>
+                  <a:cubicBezTo>
+                    <a:pt x="116" y="152"/>
+                    <a:pt x="112" y="149"/>
+                    <a:pt x="112" y="144"/>
+                  </a:cubicBezTo>
+                  <a:cubicBezTo>
+                    <a:pt x="112" y="140"/>
+                    <a:pt x="112" y="140"/>
+                    <a:pt x="112" y="140"/>
+                  </a:cubicBezTo>
+                  <a:cubicBezTo>
+                    <a:pt x="112" y="134"/>
+                    <a:pt x="113" y="129"/>
+                    <a:pt x="115" y="124"/>
+                  </a:cubicBezTo>
+                  <a:cubicBezTo>
+                    <a:pt x="117" y="120"/>
+                    <a:pt x="119" y="117"/>
+                    <a:pt x="123" y="113"/>
+                  </a:cubicBezTo>
+                  <a:cubicBezTo>
+                    <a:pt x="125" y="111"/>
+                    <a:pt x="129" y="108"/>
+                    <a:pt x="134" y="104"/>
+                  </a:cubicBezTo>
+                  <a:cubicBezTo>
+                    <a:pt x="141" y="99"/>
+                    <a:pt x="142" y="97"/>
+                    <a:pt x="143" y="96"/>
+                  </a:cubicBezTo>
+                  <a:cubicBezTo>
+                    <a:pt x="144" y="95"/>
+                    <a:pt x="144" y="94"/>
+                    <a:pt x="144" y="93"/>
+                  </a:cubicBezTo>
+                  <a:cubicBezTo>
+                    <a:pt x="144" y="92"/>
+                    <a:pt x="143" y="89"/>
+                    <a:pt x="140" y="86"/>
+                  </a:cubicBezTo>
+                  <a:cubicBezTo>
+                    <a:pt x="137" y="84"/>
+                    <a:pt x="132" y="83"/>
+                    <a:pt x="128" y="83"/>
+                  </a:cubicBezTo>
+                  <a:cubicBezTo>
+                    <a:pt x="124" y="83"/>
+                    <a:pt x="120" y="84"/>
+                    <a:pt x="117" y="86"/>
+                  </a:cubicBezTo>
+                  <a:cubicBezTo>
+                    <a:pt x="114" y="88"/>
+                    <a:pt x="112" y="92"/>
+                    <a:pt x="111" y="97"/>
+                  </a:cubicBezTo>
+                  <a:cubicBezTo>
+                    <a:pt x="111" y="101"/>
+                    <a:pt x="107" y="104"/>
+                    <a:pt x="103" y="104"/>
+                  </a:cubicBezTo>
+                  <a:cubicBezTo>
+                    <a:pt x="103" y="104"/>
+                    <a:pt x="103" y="104"/>
+                    <a:pt x="103" y="104"/>
+                  </a:cubicBezTo>
+                  <a:cubicBezTo>
+                    <a:pt x="87" y="102"/>
+                    <a:pt x="87" y="102"/>
+                    <a:pt x="87" y="102"/>
+                  </a:cubicBezTo>
+                  <a:cubicBezTo>
+                    <a:pt x="85" y="102"/>
+                    <a:pt x="83" y="101"/>
+                    <a:pt x="81" y="99"/>
+                  </a:cubicBezTo>
+                  <a:cubicBezTo>
+                    <a:pt x="80" y="97"/>
+                    <a:pt x="79" y="95"/>
+                    <a:pt x="80" y="93"/>
+                  </a:cubicBezTo>
+                  <a:cubicBezTo>
+                    <a:pt x="82" y="81"/>
+                    <a:pt x="87" y="72"/>
+                    <a:pt x="95" y="66"/>
+                  </a:cubicBezTo>
+                  <a:cubicBezTo>
+                    <a:pt x="104" y="59"/>
+                    <a:pt x="115" y="56"/>
+                    <a:pt x="128" y="56"/>
+                  </a:cubicBezTo>
+                  <a:cubicBezTo>
+                    <a:pt x="142" y="56"/>
+                    <a:pt x="153" y="60"/>
+                    <a:pt x="162" y="66"/>
+                  </a:cubicBezTo>
+                  <a:cubicBezTo>
+                    <a:pt x="171" y="73"/>
+                    <a:pt x="176" y="82"/>
+                    <a:pt x="176" y="92"/>
+                  </a:cubicBezTo>
+                  <a:cubicBezTo>
+                    <a:pt x="176" y="99"/>
+                    <a:pt x="174" y="104"/>
+                    <a:pt x="170" y="109"/>
+                  </a:cubicBezTo>
+                  <a:close/>
+                </a:path>
+              </a:pathLst>
+            </a:custGeom>
+            <a:solidFill>
+              <a:srgbClr val="FFFFFF"/>
+            </a:solidFill>
+            <a:ln>
+              <a:noFill/>
+            </a:ln>
+            <a:extLst>
+              <a:ext uri="{91240B29-F687-4F45-9708-019B960494DF}">
+                <a14:hiddenLine xmlns:a14="http://schemas.microsoft.com/office/drawing/2010/main" w="9525">
+                  <a:solidFill>
+                    <a:srgbClr val="000000"/>
+                  </a:solidFill>
+                  <a:bevel/>
+                </a14:hiddenLine>
+              </a:ext>
+            </a:extLst>
+          </p:spPr>
+          <p:txBody>
+            <a:bodyPr/>
+            <a:lstStyle/>
+            <a:p>
+              <a:endParaRPr lang="zh-CN" altLang="en-US"/>
+            </a:p>
+          </p:txBody>
+        </p:sp>
+      </p:grpSp>
+      <p:sp>
+        <p:nvSpPr>
+          <p:cNvPr id="5130" name="直接连接符 26"/>
+          <p:cNvSpPr>
+            <a:spLocks noChangeShapeType="1"/>
+          </p:cNvSpPr>
+          <p:nvPr/>
+        </p:nvSpPr>
+        <p:spPr bwMode="auto">
+          <a:xfrm flipH="1" flipV="1">
+            <a:off x="11350625" y="107950"/>
+            <a:ext cx="0" cy="633413"/>
+          </a:xfrm>
+          <a:prstGeom prst="line">
+            <a:avLst/>
+          </a:prstGeom>
+          <a:noFill/>
+          <a:ln w="28575">
+            <a:solidFill>
+              <a:schemeClr val="bg1"/>
+            </a:solidFill>
+            <a:bevel/>
+          </a:ln>
+          <a:extLst>
+            <a:ext uri="{909E8E84-426E-40DD-AFC4-6F175D3DCCD1}">
+              <a14:hiddenFill xmlns:a14="http://schemas.microsoft.com/office/drawing/2010/main">
+                <a:noFill/>
+              </a14:hiddenFill>
+            </a:ext>
+          </a:extLst>
+        </p:spPr>
+        <p:txBody>
+          <a:bodyPr/>
+          <a:lstStyle/>
+          <a:p>
+            <a:endParaRPr lang="zh-CN" altLang="en-US"/>
+          </a:p>
+        </p:txBody>
+      </p:sp>
+      <p:pic>
+        <p:nvPicPr>
+          <p:cNvPr id="2" name="图片 1"/>
+          <p:cNvPicPr>
+            <a:picLocks noChangeAspect="1"/>
+          </p:cNvPicPr>
+          <p:nvPr/>
+        </p:nvPicPr>
+        <p:blipFill>
+          <a:blip r:embed="rId4"/>
+          <a:stretch>
+            <a:fillRect/>
+          </a:stretch>
+        </p:blipFill>
+        <p:spPr>
+          <a:xfrm>
+            <a:off x="4870459" y="1857165"/>
+            <a:ext cx="5123809" cy="4028571"/>
+          </a:xfrm>
+          <a:prstGeom prst="rect">
+            <a:avLst/>
+          </a:prstGeom>
+        </p:spPr>
+      </p:pic>
+      <p:sp>
+        <p:nvSpPr>
+          <p:cNvPr id="5" name="文本框 4"/>
+          <p:cNvSpPr txBox="1"/>
+          <p:nvPr/>
+        </p:nvSpPr>
+        <p:spPr>
+          <a:xfrm>
+            <a:off x="1074449" y="1857165"/>
+            <a:ext cx="3067665" cy="923330"/>
+          </a:xfrm>
+          <a:prstGeom prst="rect">
+            <a:avLst/>
+          </a:prstGeom>
+          <a:noFill/>
+        </p:spPr>
+        <p:txBody>
+          <a:bodyPr wrap="square" rtlCol="0">
+            <a:spAutoFit/>
+          </a:bodyPr>
+          <a:lstStyle/>
+          <a:p>
+            <a:r>
+              <a:rPr lang="zh-CN" altLang="en-US" smtClean="0"/>
+              <a:t>所有任务最大的服务延迟：</a:t>
+            </a:r>
+            <a:endParaRPr lang="en-US" altLang="zh-CN" smtClean="0"/>
+          </a:p>
+          <a:p>
+            <a:endParaRPr lang="en-US" altLang="zh-CN" smtClean="0"/>
+          </a:p>
+          <a:p>
+            <a:r>
+              <a:rPr lang="en-US" altLang="zh-CN" smtClean="0"/>
+              <a:t>   T = </a:t>
+            </a:r>
+            <a:endParaRPr lang="en-US" altLang="zh-CN"/>
+          </a:p>
+        </p:txBody>
+      </p:sp>
+      <p:pic>
+        <p:nvPicPr>
+          <p:cNvPr id="8" name="图片 7"/>
+          <p:cNvPicPr>
+            <a:picLocks noChangeAspect="1"/>
+          </p:cNvPicPr>
+          <p:nvPr/>
+        </p:nvPicPr>
+        <p:blipFill>
+          <a:blip r:embed="rId5"/>
+          <a:stretch>
+            <a:fillRect/>
+          </a:stretch>
+        </p:blipFill>
+        <p:spPr>
+          <a:xfrm>
+            <a:off x="1875910" y="2390019"/>
+            <a:ext cx="923810" cy="390476"/>
+          </a:xfrm>
+          <a:prstGeom prst="rect">
+            <a:avLst/>
+          </a:prstGeom>
+        </p:spPr>
+      </p:pic>
+      <p:sp>
+        <p:nvSpPr>
+          <p:cNvPr id="9" name="文本框 8"/>
+          <p:cNvSpPr txBox="1"/>
+          <p:nvPr/>
+        </p:nvSpPr>
+        <p:spPr>
+          <a:xfrm>
+            <a:off x="1074449" y="3127771"/>
+            <a:ext cx="3006488" cy="923330"/>
+          </a:xfrm>
+          <a:prstGeom prst="rect">
+            <a:avLst/>
+          </a:prstGeom>
+          <a:noFill/>
+        </p:spPr>
+        <p:txBody>
+          <a:bodyPr wrap="square" rtlCol="0">
+            <a:spAutoFit/>
+          </a:bodyPr>
+          <a:lstStyle/>
+          <a:p>
+            <a:r>
+              <a:rPr lang="zh-CN" altLang="en-US" smtClean="0"/>
+              <a:t>所有任务的质量损失之和：</a:t>
+            </a:r>
+            <a:endParaRPr lang="en-US" altLang="zh-CN" smtClean="0"/>
+          </a:p>
+          <a:p>
+            <a:endParaRPr lang="en-US" altLang="zh-CN"/>
+          </a:p>
+          <a:p>
+            <a:endParaRPr lang="zh-CN" altLang="en-US"/>
+          </a:p>
+        </p:txBody>
+      </p:sp>
+      <p:pic>
+        <p:nvPicPr>
+          <p:cNvPr id="10" name="图片 9"/>
+          <p:cNvPicPr>
+            <a:picLocks noChangeAspect="1"/>
+          </p:cNvPicPr>
+          <p:nvPr/>
+        </p:nvPicPr>
+        <p:blipFill>
+          <a:blip r:embed="rId6"/>
+          <a:stretch>
+            <a:fillRect/>
+          </a:stretch>
+        </p:blipFill>
+        <p:spPr>
+          <a:xfrm>
+            <a:off x="1291094" y="3662292"/>
+            <a:ext cx="2390476" cy="514286"/>
+          </a:xfrm>
+          <a:prstGeom prst="rect">
+            <a:avLst/>
+          </a:prstGeom>
+        </p:spPr>
+      </p:pic>
+      <p:sp>
+        <p:nvSpPr>
+          <p:cNvPr id="11" name="文本框 10"/>
+          <p:cNvSpPr txBox="1"/>
+          <p:nvPr/>
+        </p:nvSpPr>
+        <p:spPr>
+          <a:xfrm>
+            <a:off x="1270170" y="4446670"/>
+            <a:ext cx="2676222" cy="646331"/>
+          </a:xfrm>
+          <a:prstGeom prst="rect">
+            <a:avLst/>
+          </a:prstGeom>
+          <a:noFill/>
+        </p:spPr>
+        <p:txBody>
+          <a:bodyPr wrap="square" rtlCol="0">
+            <a:spAutoFit/>
+          </a:bodyPr>
+          <a:lstStyle/>
+          <a:p>
+            <a:r>
+              <a:rPr lang="zh-CN" altLang="en-US" smtClean="0"/>
+              <a:t>同时最小化最大服务延迟和质量损失之和：</a:t>
+            </a:r>
+            <a:endParaRPr lang="zh-CN" altLang="en-US"/>
+          </a:p>
+        </p:txBody>
+      </p:sp>
+      <p:pic>
+        <p:nvPicPr>
+          <p:cNvPr id="12" name="图片 11"/>
+          <p:cNvPicPr>
+            <a:picLocks noChangeAspect="1"/>
+          </p:cNvPicPr>
+          <p:nvPr/>
+        </p:nvPicPr>
+        <p:blipFill>
+          <a:blip r:embed="rId7"/>
+          <a:stretch>
+            <a:fillRect/>
+          </a:stretch>
+        </p:blipFill>
+        <p:spPr>
+          <a:xfrm>
+            <a:off x="1534541" y="5176956"/>
+            <a:ext cx="1980952" cy="428571"/>
+          </a:xfrm>
+          <a:prstGeom prst="rect">
+            <a:avLst/>
+          </a:prstGeom>
+        </p:spPr>
+      </p:pic>
+    </p:spTree>
+    <p:extLst>
+      <p:ext uri="{BB962C8B-B14F-4D97-AF65-F5344CB8AC3E}">
+        <p14:creationId xmlns:p14="http://schemas.microsoft.com/office/powerpoint/2010/main" val="2627293386"/>
+      </p:ext>
+    </p:extLst>
+  </p:cSld>
+  <p:clrMapOvr>
+    <a:masterClrMapping/>
+  </p:clrMapOvr>
+  <p:timing>
+    <p:tnLst>
+      <p:par>
+        <p:cTn id="1" dur="indefinite" restart="never" nodeType="tmRoot"/>
+      </p:par>
+    </p:tnLst>
+  </p:timing>
+</p:sld>
+</file>
+
+<file path=ppt/slides/slide9.xml><?xml version="1.0" encoding="utf-8"?>
+<p:sld xmlns:a="http://schemas.openxmlformats.org/drawingml/2006/main" xmlns:r="http://schemas.openxmlformats.org/officeDocument/2006/relationships" xmlns:p="http://schemas.openxmlformats.org/presentationml/2006/main">
+  <p:cSld>
+    <p:spTree>
+      <p:nvGrpSpPr>
+        <p:cNvPr id="1" name=""/>
+        <p:cNvGrpSpPr/>
+        <p:nvPr/>
+      </p:nvGrpSpPr>
+      <p:grpSpPr>
+        <a:xfrm>
+          <a:off x="0" y="0"/>
+          <a:ext cx="0" cy="0"/>
+          <a:chOff x="0" y="0"/>
+          <a:chExt cx="0" cy="0"/>
+        </a:xfrm>
+      </p:grpSpPr>
+      <p:pic>
+        <p:nvPicPr>
+          <p:cNvPr id="5122" name="图片 1"/>
+          <p:cNvPicPr>
+            <a:picLocks noChangeAspect="1" noChangeArrowheads="1"/>
+          </p:cNvPicPr>
+          <p:nvPr/>
+        </p:nvPicPr>
+        <p:blipFill>
+          <a:blip r:embed="rId3">
+            <a:extLst>
+              <a:ext uri="{28A0092B-C50C-407E-A947-70E740481C1C}">
+                <a14:useLocalDpi xmlns:a14="http://schemas.microsoft.com/office/drawing/2010/main" val="0"/>
+              </a:ext>
+            </a:extLst>
+          </a:blip>
+          <a:srcRect/>
+          <a:stretch>
+            <a:fillRect/>
+          </a:stretch>
+        </p:blipFill>
+        <p:spPr bwMode="auto">
+          <a:xfrm>
+            <a:off x="0" y="0"/>
+            <a:ext cx="12192000" cy="6858000"/>
           </a:xfrm>
           <a:prstGeom prst="rect">
             <a:avLst/>
@@ -12372,37 +15439,10 @@
             </a:ext>
           </a:extLst>
         </p:spPr>
-        <p:txBody>
-          <a:bodyPr>
-            <a:spAutoFit/>
-          </a:bodyPr>
-          <a:lstStyle/>
-          <a:p>
-            <a:r>
-              <a:rPr lang="zh-CN" altLang="en-US" sz="4400" b="1" smtClean="0">
-                <a:solidFill>
-                  <a:srgbClr val="000000"/>
-                </a:solidFill>
-                <a:latin typeface="微软雅黑" panose="020B0503020204020204" pitchFamily="34" charset="-122"/>
-                <a:ea typeface="微软雅黑" panose="020B0503020204020204" pitchFamily="34" charset="-122"/>
-                <a:sym typeface="微软雅黑" panose="020B0503020204020204" pitchFamily="34" charset="-122"/>
-              </a:rPr>
-              <a:t>谢谢</a:t>
-            </a:r>
-            <a:endParaRPr lang="zh-CN" altLang="en-US" sz="4400" b="1">
-              <a:solidFill>
-                <a:srgbClr val="000000"/>
-              </a:solidFill>
-              <a:latin typeface="微软雅黑" panose="020B0503020204020204" pitchFamily="34" charset="-122"/>
-              <a:ea typeface="微软雅黑" panose="020B0503020204020204" pitchFamily="34" charset="-122"/>
-              <a:sym typeface="微软雅黑" panose="020B0503020204020204" pitchFamily="34" charset="-122"/>
-            </a:endParaRPr>
-          </a:p>
-        </p:txBody>
-      </p:sp>
+      </p:pic>
       <p:sp>
         <p:nvSpPr>
-          <p:cNvPr id="18438" name="文本框 9"/>
+          <p:cNvPr id="5124" name="平行四边形 14"/>
           <p:cNvSpPr>
             <a:spLocks noChangeArrowheads="1"/>
           </p:cNvSpPr>
@@ -12410,15 +15450,20 @@
         </p:nvSpPr>
         <p:spPr bwMode="auto">
           <a:xfrm>
-            <a:off x="1423988" y="2736850"/>
-            <a:ext cx="5360987" cy="1477328"/>
+            <a:off x="728980" y="1125855"/>
+            <a:ext cx="10734675" cy="5198745"/>
           </a:xfrm>
-          <a:prstGeom prst="rect">
-            <a:avLst/>
+          <a:prstGeom prst="parallelogram">
+            <a:avLst>
+              <a:gd name="adj" fmla="val 0"/>
+            </a:avLst>
           </a:prstGeom>
           <a:noFill/>
-          <a:ln>
-            <a:noFill/>
+          <a:ln w="12700">
+            <a:solidFill>
+              <a:srgbClr val="3B87D5"/>
+            </a:solidFill>
+            <a:bevel/>
           </a:ln>
           <a:extLst>
             <a:ext uri="{909E8E84-426E-40DD-AFC4-6F175D3DCCD1}">
@@ -12428,104 +15473,1126 @@
                 </a:solidFill>
               </a14:hiddenFill>
             </a:ext>
-            <a:ext uri="{91240B29-F687-4F45-9708-019B960494DF}">
-              <a14:hiddenLine xmlns:a14="http://schemas.microsoft.com/office/drawing/2010/main" w="9525">
-                <a:solidFill>
-                  <a:srgbClr val="000000"/>
-                </a:solidFill>
-                <a:miter lim="800000"/>
-                <a:headEnd/>
-                <a:tailEnd/>
-              </a14:hiddenLine>
+          </a:extLst>
+        </p:spPr>
+        <p:txBody>
+          <a:bodyPr anchor="ctr"/>
+          <a:lstStyle/>
+          <a:p>
+            <a:pPr algn="ctr"/>
+            <a:endParaRPr lang="zh-CN" altLang="zh-CN">
+              <a:solidFill>
+                <a:srgbClr val="FFFFFF"/>
+              </a:solidFill>
+              <a:latin typeface="宋体" panose="02010600030101010101" pitchFamily="2" charset="-122"/>
+              <a:sym typeface="宋体" panose="02010600030101010101" pitchFamily="2" charset="-122"/>
+            </a:endParaRPr>
+          </a:p>
+        </p:txBody>
+      </p:sp>
+      <p:grpSp>
+        <p:nvGrpSpPr>
+          <p:cNvPr id="5129" name="Group 15"/>
+          <p:cNvGrpSpPr/>
+          <p:nvPr/>
+        </p:nvGrpSpPr>
+        <p:grpSpPr bwMode="auto">
+          <a:xfrm>
+            <a:off x="11610975" y="184150"/>
+            <a:ext cx="581025" cy="596900"/>
+            <a:chOff x="0" y="0"/>
+            <a:chExt cx="1027113" cy="1057275"/>
+          </a:xfrm>
+        </p:grpSpPr>
+        <p:sp>
+          <p:nvSpPr>
+            <p:cNvPr id="5131" name="Freeform 40"/>
+            <p:cNvSpPr>
+              <a:spLocks noChangeArrowheads="1"/>
+            </p:cNvSpPr>
+            <p:nvPr/>
+          </p:nvSpPr>
+          <p:spPr bwMode="auto">
+            <a:xfrm flipH="1">
+              <a:off x="76200" y="90487"/>
+              <a:ext cx="950913" cy="966788"/>
+            </a:xfrm>
+            <a:custGeom>
+              <a:avLst/>
+              <a:gdLst>
+                <a:gd name="T0" fmla="*/ 2147483647 w 367"/>
+                <a:gd name="T1" fmla="*/ 0 h 373"/>
+                <a:gd name="T2" fmla="*/ 0 w 367"/>
+                <a:gd name="T3" fmla="*/ 2147483647 h 373"/>
+                <a:gd name="T4" fmla="*/ 0 w 367"/>
+                <a:gd name="T5" fmla="*/ 2147483647 h 373"/>
+                <a:gd name="T6" fmla="*/ 2147483647 w 367"/>
+                <a:gd name="T7" fmla="*/ 2147483647 h 373"/>
+                <a:gd name="T8" fmla="*/ 2147483647 w 367"/>
+                <a:gd name="T9" fmla="*/ 2147483647 h 373"/>
+                <a:gd name="T10" fmla="*/ 2147483647 w 367"/>
+                <a:gd name="T11" fmla="*/ 2147483647 h 373"/>
+                <a:gd name="T12" fmla="*/ 2147483647 w 367"/>
+                <a:gd name="T13" fmla="*/ 2147483647 h 373"/>
+                <a:gd name="T14" fmla="*/ 2147483647 w 367"/>
+                <a:gd name="T15" fmla="*/ 0 h 373"/>
+                <a:gd name="T16" fmla="*/ 0 60000 65536"/>
+                <a:gd name="T17" fmla="*/ 0 60000 65536"/>
+                <a:gd name="T18" fmla="*/ 0 60000 65536"/>
+                <a:gd name="T19" fmla="*/ 0 60000 65536"/>
+                <a:gd name="T20" fmla="*/ 0 60000 65536"/>
+                <a:gd name="T21" fmla="*/ 0 60000 65536"/>
+                <a:gd name="T22" fmla="*/ 0 60000 65536"/>
+                <a:gd name="T23" fmla="*/ 0 60000 65536"/>
+                <a:gd name="T24" fmla="*/ 0 w 367"/>
+                <a:gd name="T25" fmla="*/ 0 h 373"/>
+                <a:gd name="T26" fmla="*/ 367 w 367"/>
+                <a:gd name="T27" fmla="*/ 373 h 373"/>
+              </a:gdLst>
+              <a:ahLst/>
+              <a:cxnLst>
+                <a:cxn ang="T16">
+                  <a:pos x="T0" y="T1"/>
+                </a:cxn>
+                <a:cxn ang="T17">
+                  <a:pos x="T2" y="T3"/>
+                </a:cxn>
+                <a:cxn ang="T18">
+                  <a:pos x="T4" y="T5"/>
+                </a:cxn>
+                <a:cxn ang="T19">
+                  <a:pos x="T6" y="T7"/>
+                </a:cxn>
+                <a:cxn ang="T20">
+                  <a:pos x="T8" y="T9"/>
+                </a:cxn>
+                <a:cxn ang="T21">
+                  <a:pos x="T10" y="T11"/>
+                </a:cxn>
+                <a:cxn ang="T22">
+                  <a:pos x="T12" y="T13"/>
+                </a:cxn>
+                <a:cxn ang="T23">
+                  <a:pos x="T14" y="T15"/>
+                </a:cxn>
+              </a:cxnLst>
+              <a:rect l="T24" t="T25" r="T26" b="T27"/>
+              <a:pathLst>
+                <a:path w="367" h="373">
+                  <a:moveTo>
+                    <a:pt x="181" y="0"/>
+                  </a:moveTo>
+                  <a:cubicBezTo>
+                    <a:pt x="0" y="180"/>
+                    <a:pt x="0" y="180"/>
+                    <a:pt x="0" y="180"/>
+                  </a:cubicBezTo>
+                  <a:cubicBezTo>
+                    <a:pt x="0" y="333"/>
+                    <a:pt x="0" y="333"/>
+                    <a:pt x="0" y="333"/>
+                  </a:cubicBezTo>
+                  <a:cubicBezTo>
+                    <a:pt x="0" y="355"/>
+                    <a:pt x="18" y="373"/>
+                    <a:pt x="40" y="373"/>
+                  </a:cubicBezTo>
+                  <a:cubicBezTo>
+                    <a:pt x="168" y="373"/>
+                    <a:pt x="168" y="373"/>
+                    <a:pt x="168" y="373"/>
+                  </a:cubicBezTo>
+                  <a:cubicBezTo>
+                    <a:pt x="367" y="174"/>
+                    <a:pt x="367" y="174"/>
+                    <a:pt x="367" y="174"/>
+                  </a:cubicBezTo>
+                  <a:cubicBezTo>
+                    <a:pt x="350" y="16"/>
+                    <a:pt x="350" y="16"/>
+                    <a:pt x="350" y="16"/>
+                  </a:cubicBezTo>
+                  <a:cubicBezTo>
+                    <a:pt x="181" y="0"/>
+                    <a:pt x="181" y="0"/>
+                    <a:pt x="181" y="0"/>
+                  </a:cubicBezTo>
+                </a:path>
+              </a:pathLst>
+            </a:custGeom>
+            <a:solidFill>
+              <a:srgbClr val="3B87D5"/>
+            </a:solidFill>
+            <a:ln>
+              <a:noFill/>
+            </a:ln>
+            <a:extLst>
+              <a:ext uri="{91240B29-F687-4F45-9708-019B960494DF}">
+                <a14:hiddenLine xmlns:a14="http://schemas.microsoft.com/office/drawing/2010/main" w="9525">
+                  <a:solidFill>
+                    <a:srgbClr val="000000"/>
+                  </a:solidFill>
+                  <a:bevel/>
+                </a14:hiddenLine>
+              </a:ext>
+            </a:extLst>
+          </p:spPr>
+          <p:txBody>
+            <a:bodyPr/>
+            <a:lstStyle/>
+            <a:p>
+              <a:endParaRPr lang="zh-CN" altLang="en-US"/>
+            </a:p>
+          </p:txBody>
+        </p:sp>
+        <p:sp>
+          <p:nvSpPr>
+            <p:cNvPr id="5132" name="Freeform 41"/>
+            <p:cNvSpPr>
+              <a:spLocks noEditPoints="1" noChangeArrowheads="1"/>
+            </p:cNvSpPr>
+            <p:nvPr/>
+          </p:nvSpPr>
+          <p:spPr bwMode="auto">
+            <a:xfrm>
+              <a:off x="0" y="0"/>
+              <a:ext cx="663575" cy="663575"/>
+            </a:xfrm>
+            <a:custGeom>
+              <a:avLst/>
+              <a:gdLst>
+                <a:gd name="T0" fmla="*/ 2147483647 w 256"/>
+                <a:gd name="T1" fmla="*/ 0 h 256"/>
+                <a:gd name="T2" fmla="*/ 0 w 256"/>
+                <a:gd name="T3" fmla="*/ 2147483647 h 256"/>
+                <a:gd name="T4" fmla="*/ 2147483647 w 256"/>
+                <a:gd name="T5" fmla="*/ 2147483647 h 256"/>
+                <a:gd name="T6" fmla="*/ 2147483647 w 256"/>
+                <a:gd name="T7" fmla="*/ 2147483647 h 256"/>
+                <a:gd name="T8" fmla="*/ 2147483647 w 256"/>
+                <a:gd name="T9" fmla="*/ 0 h 256"/>
+                <a:gd name="T10" fmla="*/ 2147483647 w 256"/>
+                <a:gd name="T11" fmla="*/ 2147483647 h 256"/>
+                <a:gd name="T12" fmla="*/ 2147483647 w 256"/>
+                <a:gd name="T13" fmla="*/ 2147483647 h 256"/>
+                <a:gd name="T14" fmla="*/ 2147483647 w 256"/>
+                <a:gd name="T15" fmla="*/ 2147483647 h 256"/>
+                <a:gd name="T16" fmla="*/ 2147483647 w 256"/>
+                <a:gd name="T17" fmla="*/ 2147483647 h 256"/>
+                <a:gd name="T18" fmla="*/ 2147483647 w 256"/>
+                <a:gd name="T19" fmla="*/ 2147483647 h 256"/>
+                <a:gd name="T20" fmla="*/ 2147483647 w 256"/>
+                <a:gd name="T21" fmla="*/ 2147483647 h 256"/>
+                <a:gd name="T22" fmla="*/ 2147483647 w 256"/>
+                <a:gd name="T23" fmla="*/ 2147483647 h 256"/>
+                <a:gd name="T24" fmla="*/ 2147483647 w 256"/>
+                <a:gd name="T25" fmla="*/ 2147483647 h 256"/>
+                <a:gd name="T26" fmla="*/ 2147483647 w 256"/>
+                <a:gd name="T27" fmla="*/ 2147483647 h 256"/>
+                <a:gd name="T28" fmla="*/ 2147483647 w 256"/>
+                <a:gd name="T29" fmla="*/ 2147483647 h 256"/>
+                <a:gd name="T30" fmla="*/ 2147483647 w 256"/>
+                <a:gd name="T31" fmla="*/ 2147483647 h 256"/>
+                <a:gd name="T32" fmla="*/ 2147483647 w 256"/>
+                <a:gd name="T33" fmla="*/ 2147483647 h 256"/>
+                <a:gd name="T34" fmla="*/ 2147483647 w 256"/>
+                <a:gd name="T35" fmla="*/ 2147483647 h 256"/>
+                <a:gd name="T36" fmla="*/ 2147483647 w 256"/>
+                <a:gd name="T37" fmla="*/ 2147483647 h 256"/>
+                <a:gd name="T38" fmla="*/ 2147483647 w 256"/>
+                <a:gd name="T39" fmla="*/ 2147483647 h 256"/>
+                <a:gd name="T40" fmla="*/ 2147483647 w 256"/>
+                <a:gd name="T41" fmla="*/ 2147483647 h 256"/>
+                <a:gd name="T42" fmla="*/ 2147483647 w 256"/>
+                <a:gd name="T43" fmla="*/ 2147483647 h 256"/>
+                <a:gd name="T44" fmla="*/ 2147483647 w 256"/>
+                <a:gd name="T45" fmla="*/ 2147483647 h 256"/>
+                <a:gd name="T46" fmla="*/ 2147483647 w 256"/>
+                <a:gd name="T47" fmla="*/ 2147483647 h 256"/>
+                <a:gd name="T48" fmla="*/ 2147483647 w 256"/>
+                <a:gd name="T49" fmla="*/ 2147483647 h 256"/>
+                <a:gd name="T50" fmla="*/ 2147483647 w 256"/>
+                <a:gd name="T51" fmla="*/ 2147483647 h 256"/>
+                <a:gd name="T52" fmla="*/ 2147483647 w 256"/>
+                <a:gd name="T53" fmla="*/ 2147483647 h 256"/>
+                <a:gd name="T54" fmla="*/ 2147483647 w 256"/>
+                <a:gd name="T55" fmla="*/ 2147483647 h 256"/>
+                <a:gd name="T56" fmla="*/ 2147483647 w 256"/>
+                <a:gd name="T57" fmla="*/ 2147483647 h 256"/>
+                <a:gd name="T58" fmla="*/ 2147483647 w 256"/>
+                <a:gd name="T59" fmla="*/ 2147483647 h 256"/>
+                <a:gd name="T60" fmla="*/ 2147483647 w 256"/>
+                <a:gd name="T61" fmla="*/ 2147483647 h 256"/>
+                <a:gd name="T62" fmla="*/ 2147483647 w 256"/>
+                <a:gd name="T63" fmla="*/ 2147483647 h 256"/>
+                <a:gd name="T64" fmla="*/ 2147483647 w 256"/>
+                <a:gd name="T65" fmla="*/ 2147483647 h 256"/>
+                <a:gd name="T66" fmla="*/ 2147483647 w 256"/>
+                <a:gd name="T67" fmla="*/ 2147483647 h 256"/>
+                <a:gd name="T68" fmla="*/ 2147483647 w 256"/>
+                <a:gd name="T69" fmla="*/ 2147483647 h 256"/>
+                <a:gd name="T70" fmla="*/ 2147483647 w 256"/>
+                <a:gd name="T71" fmla="*/ 2147483647 h 256"/>
+                <a:gd name="T72" fmla="*/ 2147483647 w 256"/>
+                <a:gd name="T73" fmla="*/ 2147483647 h 256"/>
+                <a:gd name="T74" fmla="*/ 2147483647 w 256"/>
+                <a:gd name="T75" fmla="*/ 2147483647 h 256"/>
+                <a:gd name="T76" fmla="*/ 2147483647 w 256"/>
+                <a:gd name="T77" fmla="*/ 2147483647 h 256"/>
+                <a:gd name="T78" fmla="*/ 2147483647 w 256"/>
+                <a:gd name="T79" fmla="*/ 2147483647 h 256"/>
+                <a:gd name="T80" fmla="*/ 2147483647 w 256"/>
+                <a:gd name="T81" fmla="*/ 2147483647 h 256"/>
+                <a:gd name="T82" fmla="*/ 2147483647 w 256"/>
+                <a:gd name="T83" fmla="*/ 2147483647 h 256"/>
+                <a:gd name="T84" fmla="*/ 0 60000 65536"/>
+                <a:gd name="T85" fmla="*/ 0 60000 65536"/>
+                <a:gd name="T86" fmla="*/ 0 60000 65536"/>
+                <a:gd name="T87" fmla="*/ 0 60000 65536"/>
+                <a:gd name="T88" fmla="*/ 0 60000 65536"/>
+                <a:gd name="T89" fmla="*/ 0 60000 65536"/>
+                <a:gd name="T90" fmla="*/ 0 60000 65536"/>
+                <a:gd name="T91" fmla="*/ 0 60000 65536"/>
+                <a:gd name="T92" fmla="*/ 0 60000 65536"/>
+                <a:gd name="T93" fmla="*/ 0 60000 65536"/>
+                <a:gd name="T94" fmla="*/ 0 60000 65536"/>
+                <a:gd name="T95" fmla="*/ 0 60000 65536"/>
+                <a:gd name="T96" fmla="*/ 0 60000 65536"/>
+                <a:gd name="T97" fmla="*/ 0 60000 65536"/>
+                <a:gd name="T98" fmla="*/ 0 60000 65536"/>
+                <a:gd name="T99" fmla="*/ 0 60000 65536"/>
+                <a:gd name="T100" fmla="*/ 0 60000 65536"/>
+                <a:gd name="T101" fmla="*/ 0 60000 65536"/>
+                <a:gd name="T102" fmla="*/ 0 60000 65536"/>
+                <a:gd name="T103" fmla="*/ 0 60000 65536"/>
+                <a:gd name="T104" fmla="*/ 0 60000 65536"/>
+                <a:gd name="T105" fmla="*/ 0 60000 65536"/>
+                <a:gd name="T106" fmla="*/ 0 60000 65536"/>
+                <a:gd name="T107" fmla="*/ 0 60000 65536"/>
+                <a:gd name="T108" fmla="*/ 0 60000 65536"/>
+                <a:gd name="T109" fmla="*/ 0 60000 65536"/>
+                <a:gd name="T110" fmla="*/ 0 60000 65536"/>
+                <a:gd name="T111" fmla="*/ 0 60000 65536"/>
+                <a:gd name="T112" fmla="*/ 0 60000 65536"/>
+                <a:gd name="T113" fmla="*/ 0 60000 65536"/>
+                <a:gd name="T114" fmla="*/ 0 60000 65536"/>
+                <a:gd name="T115" fmla="*/ 0 60000 65536"/>
+                <a:gd name="T116" fmla="*/ 0 60000 65536"/>
+                <a:gd name="T117" fmla="*/ 0 60000 65536"/>
+                <a:gd name="T118" fmla="*/ 0 60000 65536"/>
+                <a:gd name="T119" fmla="*/ 0 60000 65536"/>
+                <a:gd name="T120" fmla="*/ 0 60000 65536"/>
+                <a:gd name="T121" fmla="*/ 0 60000 65536"/>
+                <a:gd name="T122" fmla="*/ 0 60000 65536"/>
+                <a:gd name="T123" fmla="*/ 0 60000 65536"/>
+                <a:gd name="T124" fmla="*/ 0 60000 65536"/>
+                <a:gd name="T125" fmla="*/ 0 60000 65536"/>
+                <a:gd name="T126" fmla="*/ 0 w 256"/>
+                <a:gd name="T127" fmla="*/ 0 h 256"/>
+                <a:gd name="T128" fmla="*/ 256 w 256"/>
+                <a:gd name="T129" fmla="*/ 256 h 256"/>
+              </a:gdLst>
+              <a:ahLst/>
+              <a:cxnLst>
+                <a:cxn ang="T84">
+                  <a:pos x="T0" y="T1"/>
+                </a:cxn>
+                <a:cxn ang="T85">
+                  <a:pos x="T2" y="T3"/>
+                </a:cxn>
+                <a:cxn ang="T86">
+                  <a:pos x="T4" y="T5"/>
+                </a:cxn>
+                <a:cxn ang="T87">
+                  <a:pos x="T6" y="T7"/>
+                </a:cxn>
+                <a:cxn ang="T88">
+                  <a:pos x="T8" y="T9"/>
+                </a:cxn>
+                <a:cxn ang="T89">
+                  <a:pos x="T10" y="T11"/>
+                </a:cxn>
+                <a:cxn ang="T90">
+                  <a:pos x="T12" y="T13"/>
+                </a:cxn>
+                <a:cxn ang="T91">
+                  <a:pos x="T14" y="T15"/>
+                </a:cxn>
+                <a:cxn ang="T92">
+                  <a:pos x="T16" y="T17"/>
+                </a:cxn>
+                <a:cxn ang="T93">
+                  <a:pos x="T18" y="T19"/>
+                </a:cxn>
+                <a:cxn ang="T94">
+                  <a:pos x="T20" y="T21"/>
+                </a:cxn>
+                <a:cxn ang="T95">
+                  <a:pos x="T22" y="T23"/>
+                </a:cxn>
+                <a:cxn ang="T96">
+                  <a:pos x="T24" y="T25"/>
+                </a:cxn>
+                <a:cxn ang="T97">
+                  <a:pos x="T26" y="T27"/>
+                </a:cxn>
+                <a:cxn ang="T98">
+                  <a:pos x="T28" y="T29"/>
+                </a:cxn>
+                <a:cxn ang="T99">
+                  <a:pos x="T30" y="T31"/>
+                </a:cxn>
+                <a:cxn ang="T100">
+                  <a:pos x="T32" y="T33"/>
+                </a:cxn>
+                <a:cxn ang="T101">
+                  <a:pos x="T34" y="T35"/>
+                </a:cxn>
+                <a:cxn ang="T102">
+                  <a:pos x="T36" y="T37"/>
+                </a:cxn>
+                <a:cxn ang="T103">
+                  <a:pos x="T38" y="T39"/>
+                </a:cxn>
+                <a:cxn ang="T104">
+                  <a:pos x="T40" y="T41"/>
+                </a:cxn>
+                <a:cxn ang="T105">
+                  <a:pos x="T42" y="T43"/>
+                </a:cxn>
+                <a:cxn ang="T106">
+                  <a:pos x="T44" y="T45"/>
+                </a:cxn>
+                <a:cxn ang="T107">
+                  <a:pos x="T46" y="T47"/>
+                </a:cxn>
+                <a:cxn ang="T108">
+                  <a:pos x="T48" y="T49"/>
+                </a:cxn>
+                <a:cxn ang="T109">
+                  <a:pos x="T50" y="T51"/>
+                </a:cxn>
+                <a:cxn ang="T110">
+                  <a:pos x="T52" y="T53"/>
+                </a:cxn>
+                <a:cxn ang="T111">
+                  <a:pos x="T54" y="T55"/>
+                </a:cxn>
+                <a:cxn ang="T112">
+                  <a:pos x="T56" y="T57"/>
+                </a:cxn>
+                <a:cxn ang="T113">
+                  <a:pos x="T58" y="T59"/>
+                </a:cxn>
+                <a:cxn ang="T114">
+                  <a:pos x="T60" y="T61"/>
+                </a:cxn>
+                <a:cxn ang="T115">
+                  <a:pos x="T62" y="T63"/>
+                </a:cxn>
+                <a:cxn ang="T116">
+                  <a:pos x="T64" y="T65"/>
+                </a:cxn>
+                <a:cxn ang="T117">
+                  <a:pos x="T66" y="T67"/>
+                </a:cxn>
+                <a:cxn ang="T118">
+                  <a:pos x="T68" y="T69"/>
+                </a:cxn>
+                <a:cxn ang="T119">
+                  <a:pos x="T70" y="T71"/>
+                </a:cxn>
+                <a:cxn ang="T120">
+                  <a:pos x="T72" y="T73"/>
+                </a:cxn>
+                <a:cxn ang="T121">
+                  <a:pos x="T74" y="T75"/>
+                </a:cxn>
+                <a:cxn ang="T122">
+                  <a:pos x="T76" y="T77"/>
+                </a:cxn>
+                <a:cxn ang="T123">
+                  <a:pos x="T78" y="T79"/>
+                </a:cxn>
+                <a:cxn ang="T124">
+                  <a:pos x="T80" y="T81"/>
+                </a:cxn>
+                <a:cxn ang="T125">
+                  <a:pos x="T82" y="T83"/>
+                </a:cxn>
+              </a:cxnLst>
+              <a:rect l="T126" t="T127" r="T128" b="T129"/>
+              <a:pathLst>
+                <a:path w="256" h="256">
+                  <a:moveTo>
+                    <a:pt x="128" y="0"/>
+                  </a:moveTo>
+                  <a:cubicBezTo>
+                    <a:pt x="57" y="0"/>
+                    <a:pt x="0" y="57"/>
+                    <a:pt x="0" y="128"/>
+                  </a:cubicBezTo>
+                  <a:cubicBezTo>
+                    <a:pt x="0" y="199"/>
+                    <a:pt x="57" y="256"/>
+                    <a:pt x="128" y="256"/>
+                  </a:cubicBezTo>
+                  <a:cubicBezTo>
+                    <a:pt x="199" y="256"/>
+                    <a:pt x="256" y="199"/>
+                    <a:pt x="256" y="128"/>
+                  </a:cubicBezTo>
+                  <a:cubicBezTo>
+                    <a:pt x="256" y="57"/>
+                    <a:pt x="199" y="0"/>
+                    <a:pt x="128" y="0"/>
+                  </a:cubicBezTo>
+                  <a:close/>
+                  <a:moveTo>
+                    <a:pt x="135" y="200"/>
+                  </a:moveTo>
+                  <a:cubicBezTo>
+                    <a:pt x="119" y="200"/>
+                    <a:pt x="119" y="200"/>
+                    <a:pt x="119" y="200"/>
+                  </a:cubicBezTo>
+                  <a:cubicBezTo>
+                    <a:pt x="115" y="200"/>
+                    <a:pt x="112" y="196"/>
+                    <a:pt x="112" y="192"/>
+                  </a:cubicBezTo>
+                  <a:cubicBezTo>
+                    <a:pt x="111" y="176"/>
+                    <a:pt x="111" y="176"/>
+                    <a:pt x="111" y="176"/>
+                  </a:cubicBezTo>
+                  <a:cubicBezTo>
+                    <a:pt x="111" y="171"/>
+                    <a:pt x="115" y="168"/>
+                    <a:pt x="119" y="168"/>
+                  </a:cubicBezTo>
+                  <a:cubicBezTo>
+                    <a:pt x="135" y="168"/>
+                    <a:pt x="135" y="168"/>
+                    <a:pt x="135" y="168"/>
+                  </a:cubicBezTo>
+                  <a:cubicBezTo>
+                    <a:pt x="140" y="168"/>
+                    <a:pt x="143" y="172"/>
+                    <a:pt x="143" y="176"/>
+                  </a:cubicBezTo>
+                  <a:cubicBezTo>
+                    <a:pt x="144" y="192"/>
+                    <a:pt x="144" y="192"/>
+                    <a:pt x="144" y="192"/>
+                  </a:cubicBezTo>
+                  <a:cubicBezTo>
+                    <a:pt x="144" y="196"/>
+                    <a:pt x="140" y="200"/>
+                    <a:pt x="135" y="200"/>
+                  </a:cubicBezTo>
+                  <a:close/>
+                  <a:moveTo>
+                    <a:pt x="170" y="109"/>
+                  </a:moveTo>
+                  <a:cubicBezTo>
+                    <a:pt x="167" y="114"/>
+                    <a:pt x="162" y="119"/>
+                    <a:pt x="154" y="125"/>
+                  </a:cubicBezTo>
+                  <a:cubicBezTo>
+                    <a:pt x="148" y="130"/>
+                    <a:pt x="146" y="132"/>
+                    <a:pt x="145" y="132"/>
+                  </a:cubicBezTo>
+                  <a:cubicBezTo>
+                    <a:pt x="145" y="133"/>
+                    <a:pt x="144" y="134"/>
+                    <a:pt x="144" y="135"/>
+                  </a:cubicBezTo>
+                  <a:cubicBezTo>
+                    <a:pt x="143" y="136"/>
+                    <a:pt x="143" y="138"/>
+                    <a:pt x="143" y="144"/>
+                  </a:cubicBezTo>
+                  <a:cubicBezTo>
+                    <a:pt x="143" y="149"/>
+                    <a:pt x="139" y="152"/>
+                    <a:pt x="135" y="152"/>
+                  </a:cubicBezTo>
+                  <a:cubicBezTo>
+                    <a:pt x="120" y="152"/>
+                    <a:pt x="120" y="152"/>
+                    <a:pt x="120" y="152"/>
+                  </a:cubicBezTo>
+                  <a:cubicBezTo>
+                    <a:pt x="116" y="152"/>
+                    <a:pt x="112" y="149"/>
+                    <a:pt x="112" y="144"/>
+                  </a:cubicBezTo>
+                  <a:cubicBezTo>
+                    <a:pt x="112" y="140"/>
+                    <a:pt x="112" y="140"/>
+                    <a:pt x="112" y="140"/>
+                  </a:cubicBezTo>
+                  <a:cubicBezTo>
+                    <a:pt x="112" y="134"/>
+                    <a:pt x="113" y="129"/>
+                    <a:pt x="115" y="124"/>
+                  </a:cubicBezTo>
+                  <a:cubicBezTo>
+                    <a:pt x="117" y="120"/>
+                    <a:pt x="119" y="117"/>
+                    <a:pt x="123" y="113"/>
+                  </a:cubicBezTo>
+                  <a:cubicBezTo>
+                    <a:pt x="125" y="111"/>
+                    <a:pt x="129" y="108"/>
+                    <a:pt x="134" y="104"/>
+                  </a:cubicBezTo>
+                  <a:cubicBezTo>
+                    <a:pt x="141" y="99"/>
+                    <a:pt x="142" y="97"/>
+                    <a:pt x="143" y="96"/>
+                  </a:cubicBezTo>
+                  <a:cubicBezTo>
+                    <a:pt x="144" y="95"/>
+                    <a:pt x="144" y="94"/>
+                    <a:pt x="144" y="93"/>
+                  </a:cubicBezTo>
+                  <a:cubicBezTo>
+                    <a:pt x="144" y="92"/>
+                    <a:pt x="143" y="89"/>
+                    <a:pt x="140" y="86"/>
+                  </a:cubicBezTo>
+                  <a:cubicBezTo>
+                    <a:pt x="137" y="84"/>
+                    <a:pt x="132" y="83"/>
+                    <a:pt x="128" y="83"/>
+                  </a:cubicBezTo>
+                  <a:cubicBezTo>
+                    <a:pt x="124" y="83"/>
+                    <a:pt x="120" y="84"/>
+                    <a:pt x="117" y="86"/>
+                  </a:cubicBezTo>
+                  <a:cubicBezTo>
+                    <a:pt x="114" y="88"/>
+                    <a:pt x="112" y="92"/>
+                    <a:pt x="111" y="97"/>
+                  </a:cubicBezTo>
+                  <a:cubicBezTo>
+                    <a:pt x="111" y="101"/>
+                    <a:pt x="107" y="104"/>
+                    <a:pt x="103" y="104"/>
+                  </a:cubicBezTo>
+                  <a:cubicBezTo>
+                    <a:pt x="103" y="104"/>
+                    <a:pt x="103" y="104"/>
+                    <a:pt x="103" y="104"/>
+                  </a:cubicBezTo>
+                  <a:cubicBezTo>
+                    <a:pt x="87" y="102"/>
+                    <a:pt x="87" y="102"/>
+                    <a:pt x="87" y="102"/>
+                  </a:cubicBezTo>
+                  <a:cubicBezTo>
+                    <a:pt x="85" y="102"/>
+                    <a:pt x="83" y="101"/>
+                    <a:pt x="81" y="99"/>
+                  </a:cubicBezTo>
+                  <a:cubicBezTo>
+                    <a:pt x="80" y="97"/>
+                    <a:pt x="79" y="95"/>
+                    <a:pt x="80" y="93"/>
+                  </a:cubicBezTo>
+                  <a:cubicBezTo>
+                    <a:pt x="82" y="81"/>
+                    <a:pt x="87" y="72"/>
+                    <a:pt x="95" y="66"/>
+                  </a:cubicBezTo>
+                  <a:cubicBezTo>
+                    <a:pt x="104" y="59"/>
+                    <a:pt x="115" y="56"/>
+                    <a:pt x="128" y="56"/>
+                  </a:cubicBezTo>
+                  <a:cubicBezTo>
+                    <a:pt x="142" y="56"/>
+                    <a:pt x="153" y="60"/>
+                    <a:pt x="162" y="66"/>
+                  </a:cubicBezTo>
+                  <a:cubicBezTo>
+                    <a:pt x="171" y="73"/>
+                    <a:pt x="176" y="82"/>
+                    <a:pt x="176" y="92"/>
+                  </a:cubicBezTo>
+                  <a:cubicBezTo>
+                    <a:pt x="176" y="99"/>
+                    <a:pt x="174" y="104"/>
+                    <a:pt x="170" y="109"/>
+                  </a:cubicBezTo>
+                  <a:close/>
+                </a:path>
+              </a:pathLst>
+            </a:custGeom>
+            <a:solidFill>
+              <a:srgbClr val="FFFFFF"/>
+            </a:solidFill>
+            <a:ln>
+              <a:noFill/>
+            </a:ln>
+            <a:extLst>
+              <a:ext uri="{91240B29-F687-4F45-9708-019B960494DF}">
+                <a14:hiddenLine xmlns:a14="http://schemas.microsoft.com/office/drawing/2010/main" w="9525">
+                  <a:solidFill>
+                    <a:srgbClr val="000000"/>
+                  </a:solidFill>
+                  <a:bevel/>
+                </a14:hiddenLine>
+              </a:ext>
+            </a:extLst>
+          </p:spPr>
+          <p:txBody>
+            <a:bodyPr/>
+            <a:lstStyle/>
+            <a:p>
+              <a:endParaRPr lang="zh-CN" altLang="en-US"/>
+            </a:p>
+          </p:txBody>
+        </p:sp>
+      </p:grpSp>
+      <p:sp>
+        <p:nvSpPr>
+          <p:cNvPr id="5130" name="直接连接符 26"/>
+          <p:cNvSpPr>
+            <a:spLocks noChangeShapeType="1"/>
+          </p:cNvSpPr>
+          <p:nvPr/>
+        </p:nvSpPr>
+        <p:spPr bwMode="auto">
+          <a:xfrm flipH="1" flipV="1">
+            <a:off x="11350625" y="107950"/>
+            <a:ext cx="0" cy="633413"/>
+          </a:xfrm>
+          <a:prstGeom prst="line">
+            <a:avLst/>
+          </a:prstGeom>
+          <a:noFill/>
+          <a:ln w="28575">
+            <a:solidFill>
+              <a:schemeClr val="bg1"/>
+            </a:solidFill>
+            <a:bevel/>
+          </a:ln>
+          <a:extLst>
+            <a:ext uri="{909E8E84-426E-40DD-AFC4-6F175D3DCCD1}">
+              <a14:hiddenFill xmlns:a14="http://schemas.microsoft.com/office/drawing/2010/main">
+                <a:noFill/>
+              </a14:hiddenFill>
             </a:ext>
           </a:extLst>
         </p:spPr>
         <p:txBody>
-          <a:bodyPr>
+          <a:bodyPr/>
+          <a:lstStyle/>
+          <a:p>
+            <a:endParaRPr lang="zh-CN" altLang="en-US"/>
+          </a:p>
+        </p:txBody>
+      </p:sp>
+      <p:sp>
+        <p:nvSpPr>
+          <p:cNvPr id="3" name="文本框 2"/>
+          <p:cNvSpPr txBox="1"/>
+          <p:nvPr/>
+        </p:nvSpPr>
+        <p:spPr>
+          <a:xfrm>
+            <a:off x="1023257" y="1338943"/>
+            <a:ext cx="6444343" cy="646331"/>
+          </a:xfrm>
+          <a:prstGeom prst="rect">
+            <a:avLst/>
+          </a:prstGeom>
+          <a:noFill/>
+        </p:spPr>
+        <p:txBody>
+          <a:bodyPr wrap="square" rtlCol="0">
             <a:spAutoFit/>
           </a:bodyPr>
           <a:lstStyle/>
           <a:p>
-            <a:pPr>
-              <a:lnSpc>
-                <a:spcPct val="150000"/>
-              </a:lnSpc>
+            <a:r>
+              <a:rPr lang="zh-CN" altLang="en-US" smtClean="0"/>
+              <a:t>使用算法：</a:t>
+            </a:r>
+            <a:r>
+              <a:rPr lang="en-US" altLang="zh-CN" smtClean="0"/>
+              <a:t>LBO </a:t>
+            </a:r>
+            <a:r>
+              <a:rPr lang="en-US" altLang="zh-CN"/>
+              <a:t>(Linear Programming based Optimization</a:t>
+            </a:r>
+            <a:r>
+              <a:rPr lang="en-US" altLang="zh-CN" smtClean="0"/>
+              <a:t>)</a:t>
+            </a:r>
+          </a:p>
+          <a:p>
+            <a:r>
+              <a:rPr lang="en-US" altLang="zh-CN"/>
+              <a:t>                  </a:t>
+            </a:r>
+            <a:r>
+              <a:rPr lang="en-US" altLang="zh-CN" smtClean="0"/>
+              <a:t>BPSO (Binary </a:t>
+            </a:r>
+            <a:r>
+              <a:rPr lang="en-US" altLang="zh-CN"/>
+              <a:t>Particle Swarm </a:t>
+            </a:r>
+            <a:r>
+              <a:rPr lang="en-US" altLang="zh-CN" smtClean="0"/>
+              <a:t>Optimization)</a:t>
+            </a:r>
+            <a:endParaRPr lang="zh-CN" altLang="en-US"/>
+          </a:p>
+        </p:txBody>
+      </p:sp>
+      <p:sp>
+        <p:nvSpPr>
+          <p:cNvPr id="4" name="文本框 3"/>
+          <p:cNvSpPr txBox="1"/>
+          <p:nvPr/>
+        </p:nvSpPr>
+        <p:spPr>
+          <a:xfrm>
+            <a:off x="1023257" y="2185100"/>
+            <a:ext cx="10178143" cy="923330"/>
+          </a:xfrm>
+          <a:prstGeom prst="rect">
+            <a:avLst/>
+          </a:prstGeom>
+          <a:noFill/>
+        </p:spPr>
+        <p:txBody>
+          <a:bodyPr wrap="square" rtlCol="0">
+            <a:spAutoFit/>
+          </a:bodyPr>
+          <a:lstStyle/>
+          <a:p>
+            <a:r>
+              <a:rPr lang="zh-CN" altLang="en-US" smtClean="0"/>
+              <a:t>实验数据：</a:t>
+            </a:r>
+            <a:r>
+              <a:rPr lang="en-US" altLang="zh-CN"/>
+              <a:t>April 13 to 30, 2015 in Shanghai </a:t>
+            </a:r>
+            <a:r>
+              <a:rPr lang="en-US" altLang="zh-CN" smtClean="0"/>
+              <a:t>city</a:t>
+            </a:r>
+            <a:r>
+              <a:rPr lang="en-US" altLang="zh-CN"/>
+              <a:t>,</a:t>
+            </a:r>
+            <a:r>
+              <a:rPr lang="en-US" altLang="zh-CN" smtClean="0"/>
+              <a:t>an </a:t>
+            </a:r>
+            <a:r>
+              <a:rPr lang="en-US" altLang="zh-CN"/>
+              <a:t>area of 4 km</a:t>
+            </a:r>
+            <a:r>
+              <a:rPr lang="en-US" altLang="zh-CN" baseline="30000"/>
+              <a:t>2</a:t>
+            </a:r>
+            <a:r>
+              <a:rPr lang="en-US" altLang="zh-CN"/>
+              <a:t> </a:t>
+            </a:r>
+            <a:r>
+              <a:rPr lang="en-US" altLang="zh-CN" smtClean="0"/>
+              <a:t>near </a:t>
+            </a:r>
+            <a:r>
+              <a:rPr lang="en-US" altLang="zh-CN"/>
+              <a:t>Shanghai Pudong </a:t>
+            </a:r>
+            <a:r>
+              <a:rPr lang="en-US" altLang="zh-CN" smtClean="0"/>
+              <a:t>Airport</a:t>
+            </a:r>
+          </a:p>
+          <a:p>
+            <a:r>
+              <a:rPr lang="en-US" altLang="zh-CN"/>
+              <a:t>	    * Time Period I: 09 : 55 ∼ 10 : 00, April 20, </a:t>
+            </a:r>
+            <a:r>
+              <a:rPr lang="en-US" altLang="zh-CN" smtClean="0"/>
+              <a:t>2015</a:t>
+            </a:r>
+          </a:p>
+          <a:p>
+            <a:r>
+              <a:rPr lang="en-US" altLang="zh-CN"/>
+              <a:t>	</a:t>
+            </a:r>
+            <a:r>
+              <a:rPr lang="en-US" altLang="zh-CN" smtClean="0"/>
+              <a:t>    * </a:t>
+            </a:r>
+            <a:r>
+              <a:rPr lang="en-US" altLang="zh-CN"/>
+              <a:t>Time Period II: 13 : 55 ∼ 14 : 00, April 20, 2015</a:t>
+            </a:r>
+            <a:endParaRPr lang="zh-CN" altLang="en-US"/>
+          </a:p>
+        </p:txBody>
+      </p:sp>
+      <p:pic>
+        <p:nvPicPr>
+          <p:cNvPr id="6" name="图片 5"/>
+          <p:cNvPicPr>
+            <a:picLocks noChangeAspect="1"/>
+          </p:cNvPicPr>
+          <p:nvPr/>
+        </p:nvPicPr>
+        <p:blipFill>
+          <a:blip r:embed="rId4"/>
+          <a:stretch>
+            <a:fillRect/>
+          </a:stretch>
+        </p:blipFill>
+        <p:spPr>
+          <a:xfrm>
+            <a:off x="1023257" y="3108430"/>
+            <a:ext cx="3481771" cy="3188128"/>
+          </a:xfrm>
+          <a:prstGeom prst="rect">
+            <a:avLst/>
+          </a:prstGeom>
+        </p:spPr>
+      </p:pic>
+      <p:sp>
+        <p:nvSpPr>
+          <p:cNvPr id="7" name="文本框 6"/>
+          <p:cNvSpPr txBox="1"/>
+          <p:nvPr/>
+        </p:nvSpPr>
+        <p:spPr>
+          <a:xfrm>
+            <a:off x="5045199" y="3662214"/>
+            <a:ext cx="5878285" cy="2308324"/>
+          </a:xfrm>
+          <a:prstGeom prst="rect">
+            <a:avLst/>
+          </a:prstGeom>
+          <a:noFill/>
+        </p:spPr>
+        <p:txBody>
+          <a:bodyPr wrap="square" rtlCol="0">
+            <a:spAutoFit/>
+          </a:bodyPr>
+          <a:lstStyle/>
+          <a:p>
+            <a:pPr marL="285750" indent="-285750">
+              <a:buFont typeface="Arial" panose="020B0604020202020204" pitchFamily="34" charset="0"/>
+              <a:buChar char="•"/>
             </a:pPr>
             <a:r>
-              <a:rPr lang="zh-CN" altLang="en-US" sz="2000" smtClean="0">
-                <a:solidFill>
-                  <a:srgbClr val="000000"/>
-                </a:solidFill>
-                <a:latin typeface="微软雅黑" panose="020B0503020204020204" pitchFamily="34" charset="-122"/>
-                <a:ea typeface="微软雅黑" panose="020B0503020204020204" pitchFamily="34" charset="-122"/>
-                <a:sym typeface="微软雅黑" panose="020B0503020204020204" pitchFamily="34" charset="-122"/>
-              </a:rPr>
-              <a:t>汇报人：王琦     </a:t>
-            </a:r>
-            <a:endParaRPr lang="en-US" altLang="zh-CN" sz="2000">
-              <a:solidFill>
-                <a:srgbClr val="000000"/>
-              </a:solidFill>
-              <a:latin typeface="微软雅黑" panose="020B0503020204020204" pitchFamily="34" charset="-122"/>
-              <a:ea typeface="微软雅黑" panose="020B0503020204020204" pitchFamily="34" charset="-122"/>
-              <a:sym typeface="微软雅黑" panose="020B0503020204020204" pitchFamily="34" charset="-122"/>
-            </a:endParaRPr>
-          </a:p>
-          <a:p>
-            <a:pPr>
-              <a:lnSpc>
-                <a:spcPct val="150000"/>
-              </a:lnSpc>
+              <a:rPr lang="en-US" altLang="zh-CN" smtClean="0"/>
+              <a:t>* LBO_Q</a:t>
+            </a:r>
+            <a:r>
+              <a:rPr lang="en-US" altLang="zh-CN"/>
+              <a:t>: QLR Sensitive LBO with </a:t>
+            </a:r>
+            <a:r>
+              <a:rPr lang="el-GR" altLang="zh-CN"/>
+              <a:t>ϕ</a:t>
+            </a:r>
+            <a:r>
+              <a:rPr lang="en-US" altLang="zh-CN"/>
+              <a:t>t/</a:t>
+            </a:r>
+            <a:r>
+              <a:rPr lang="el-GR" altLang="zh-CN"/>
+              <a:t>ϕ</a:t>
+            </a:r>
+            <a:r>
+              <a:rPr lang="en-US" altLang="zh-CN"/>
+              <a:t>q = 50. </a:t>
+            </a:r>
+            <a:endParaRPr lang="en-US" altLang="zh-CN" smtClean="0"/>
+          </a:p>
+          <a:p>
+            <a:pPr marL="285750" indent="-285750">
+              <a:buFont typeface="Arial" panose="020B0604020202020204" pitchFamily="34" charset="0"/>
+              <a:buChar char="•"/>
             </a:pPr>
             <a:r>
-              <a:rPr lang="zh-CN" altLang="en-US" sz="2000" smtClean="0">
-                <a:solidFill>
-                  <a:srgbClr val="000000"/>
-                </a:solidFill>
-                <a:latin typeface="微软雅黑" panose="020B0503020204020204" pitchFamily="34" charset="-122"/>
-                <a:ea typeface="微软雅黑" panose="020B0503020204020204" pitchFamily="34" charset="-122"/>
-                <a:sym typeface="微软雅黑" panose="020B0503020204020204" pitchFamily="34" charset="-122"/>
-              </a:rPr>
-              <a:t>导师：李智勇             </a:t>
-            </a:r>
-            <a:endParaRPr lang="en-US" sz="2000">
-              <a:solidFill>
-                <a:srgbClr val="000000"/>
-              </a:solidFill>
-              <a:latin typeface="微软雅黑" panose="020B0503020204020204" pitchFamily="34" charset="-122"/>
-              <a:ea typeface="微软雅黑" panose="020B0503020204020204" pitchFamily="34" charset="-122"/>
-              <a:sym typeface="微软雅黑" panose="020B0503020204020204" pitchFamily="34" charset="-122"/>
-            </a:endParaRPr>
-          </a:p>
-          <a:p>
-            <a:pPr>
-              <a:lnSpc>
-                <a:spcPct val="150000"/>
-              </a:lnSpc>
+              <a:rPr lang="en-US" altLang="zh-CN" smtClean="0"/>
+              <a:t>* LBO_T</a:t>
+            </a:r>
+            <a:r>
+              <a:rPr lang="en-US" altLang="zh-CN"/>
+              <a:t>: Latency Sensitive LBO with </a:t>
+            </a:r>
+            <a:r>
+              <a:rPr lang="el-GR" altLang="zh-CN"/>
+              <a:t>ϕ</a:t>
+            </a:r>
+            <a:r>
+              <a:rPr lang="en-US" altLang="zh-CN"/>
+              <a:t>t/</a:t>
+            </a:r>
+            <a:r>
+              <a:rPr lang="el-GR" altLang="zh-CN"/>
+              <a:t>ϕ</a:t>
+            </a:r>
+            <a:r>
+              <a:rPr lang="en-US" altLang="zh-CN"/>
+              <a:t>q = 500</a:t>
+            </a:r>
+            <a:r>
+              <a:rPr lang="en-US" altLang="zh-CN" smtClean="0"/>
+              <a:t>.</a:t>
+            </a:r>
+          </a:p>
+          <a:p>
+            <a:pPr marL="285750" indent="-285750">
+              <a:buFont typeface="Arial" panose="020B0604020202020204" pitchFamily="34" charset="0"/>
+              <a:buChar char="•"/>
             </a:pPr>
             <a:r>
-              <a:rPr lang="en-US" altLang="zh-CN" sz="2000">
-                <a:solidFill>
-                  <a:srgbClr val="000000"/>
-                </a:solidFill>
-                <a:latin typeface="微软雅黑" panose="020B0503020204020204" pitchFamily="34" charset="-122"/>
-                <a:ea typeface="微软雅黑" panose="020B0503020204020204" pitchFamily="34" charset="-122"/>
-                <a:sym typeface="微软雅黑" panose="020B0503020204020204" pitchFamily="34" charset="-122"/>
-              </a:rPr>
-              <a:t>    </a:t>
-            </a:r>
-            <a:endParaRPr lang="zh-CN" altLang="en-US" sz="2000">
-              <a:solidFill>
-                <a:srgbClr val="000000"/>
-              </a:solidFill>
-              <a:latin typeface="微软雅黑" panose="020B0503020204020204" pitchFamily="34" charset="-122"/>
-              <a:ea typeface="微软雅黑" panose="020B0503020204020204" pitchFamily="34" charset="-122"/>
-              <a:sym typeface="微软雅黑" panose="020B0503020204020204" pitchFamily="34" charset="-122"/>
-            </a:endParaRPr>
+              <a:rPr lang="en-US" altLang="zh-CN" smtClean="0"/>
+              <a:t>* BPSO_Q</a:t>
+            </a:r>
+            <a:r>
+              <a:rPr lang="en-US" altLang="zh-CN"/>
+              <a:t>: QLR Sensitive BPSO with </a:t>
+            </a:r>
+            <a:r>
+              <a:rPr lang="el-GR" altLang="zh-CN"/>
+              <a:t>ϕ</a:t>
+            </a:r>
+            <a:r>
+              <a:rPr lang="en-US" altLang="zh-CN"/>
+              <a:t>t/</a:t>
+            </a:r>
+            <a:r>
+              <a:rPr lang="el-GR" altLang="zh-CN"/>
+              <a:t>ϕ</a:t>
+            </a:r>
+            <a:r>
+              <a:rPr lang="en-US" altLang="zh-CN"/>
+              <a:t>q = 50</a:t>
+            </a:r>
+            <a:r>
+              <a:rPr lang="en-US" altLang="zh-CN" smtClean="0"/>
+              <a:t>.</a:t>
+            </a:r>
+          </a:p>
+          <a:p>
+            <a:pPr marL="285750" indent="-285750">
+              <a:buFont typeface="Arial" panose="020B0604020202020204" pitchFamily="34" charset="0"/>
+              <a:buChar char="•"/>
+            </a:pPr>
+            <a:r>
+              <a:rPr lang="en-US" altLang="zh-CN" smtClean="0"/>
+              <a:t>* BPSO_T</a:t>
+            </a:r>
+            <a:r>
+              <a:rPr lang="en-US" altLang="zh-CN"/>
+              <a:t>: Latency Sensitive BPSO with </a:t>
+            </a:r>
+            <a:r>
+              <a:rPr lang="el-GR" altLang="zh-CN"/>
+              <a:t>ϕ</a:t>
+            </a:r>
+            <a:r>
+              <a:rPr lang="en-US" altLang="zh-CN"/>
+              <a:t>t/</a:t>
+            </a:r>
+            <a:r>
+              <a:rPr lang="el-GR" altLang="zh-CN"/>
+              <a:t>ϕ</a:t>
+            </a:r>
+            <a:r>
+              <a:rPr lang="en-US" altLang="zh-CN"/>
+              <a:t>q = </a:t>
+            </a:r>
+            <a:r>
+              <a:rPr lang="en-US" altLang="zh-CN" smtClean="0"/>
+              <a:t>500.</a:t>
+            </a:r>
+          </a:p>
+          <a:p>
+            <a:pPr marL="285750" indent="-285750">
+              <a:buFont typeface="Arial" panose="020B0604020202020204" pitchFamily="34" charset="0"/>
+              <a:buChar char="•"/>
+            </a:pPr>
+            <a:r>
+              <a:rPr lang="en-US" altLang="zh-CN"/>
+              <a:t>* </a:t>
+            </a:r>
+            <a:r>
+              <a:rPr lang="en-US" altLang="zh-CN" smtClean="0"/>
+              <a:t>Rand: Randomly </a:t>
+            </a:r>
+            <a:r>
+              <a:rPr lang="en-US" altLang="zh-CN"/>
+              <a:t>selects one fog node from </a:t>
+            </a:r>
+            <a:r>
+              <a:rPr lang="en-US" altLang="zh-CN" smtClean="0"/>
+              <a:t>among </a:t>
+            </a:r>
+            <a:r>
+              <a:rPr lang="en-US" altLang="zh-CN"/>
+              <a:t>the available </a:t>
+            </a:r>
+            <a:r>
+              <a:rPr lang="en-US" altLang="zh-CN" smtClean="0"/>
+              <a:t>candidat.</a:t>
+            </a:r>
+            <a:endParaRPr lang="en-US" altLang="zh-CN"/>
+          </a:p>
+          <a:p>
+            <a:pPr marL="285750" indent="-285750">
+              <a:buFont typeface="Arial" panose="020B0604020202020204" pitchFamily="34" charset="0"/>
+              <a:buChar char="•"/>
+            </a:pPr>
+            <a:r>
+              <a:rPr lang="en-US" altLang="zh-CN"/>
+              <a:t>* Naive: </a:t>
+            </a:r>
+            <a:r>
+              <a:rPr lang="en-US" altLang="zh-CN" smtClean="0"/>
+              <a:t>Always </a:t>
+            </a:r>
+            <a:r>
+              <a:rPr lang="en-US" altLang="zh-CN"/>
+              <a:t>selects the fog node with the highest available data </a:t>
+            </a:r>
+            <a:r>
+              <a:rPr lang="en-US" altLang="zh-CN" smtClean="0"/>
+              <a:t>rate.</a:t>
+            </a:r>
+            <a:endParaRPr lang="zh-CN" altLang="en-US"/>
           </a:p>
         </p:txBody>
       </p:sp>
     </p:spTree>
+    <p:extLst>
+      <p:ext uri="{BB962C8B-B14F-4D97-AF65-F5344CB8AC3E}">
+        <p14:creationId xmlns:p14="http://schemas.microsoft.com/office/powerpoint/2010/main" val="199380521"/>
+      </p:ext>
+    </p:extLst>
   </p:cSld>
   <p:clrMapOvr>
     <a:masterClrMapping/>

--- a/Folo Latency andQuality Optimized Task Allocation in Vehicular Fog Computing/2018-11-20.pptx
+++ b/Folo Latency andQuality Optimized Task Allocation in Vehicular Fog Computing/2018-11-20.pptx
@@ -256,7 +256,7 @@
           <a:p>
             <a:fld id="{D2A48B96-639E-45A3-A0BA-2464DFDB1FAA}" type="datetimeFigureOut">
               <a:rPr lang="zh-CN" altLang="en-US" smtClean="0"/>
-              <a:t>2018/11/19</a:t>
+              <a:t>2018/11/20</a:t>
             </a:fld>
             <a:endParaRPr lang="zh-CN" altLang="en-US"/>
           </a:p>
@@ -959,19 +959,7 @@
                 <a:ea typeface="+mn-ea"/>
                 <a:cs typeface="+mn-cs"/>
               </a:rPr>
-              <a:t>首先客户端车辆通过广播</a:t>
-            </a:r>
-            <a:r>
-              <a:rPr lang="zh-CN" altLang="en-US" sz="1200" b="0" i="0" kern="1200" smtClean="0">
-                <a:solidFill>
-                  <a:schemeClr val="tx1"/>
-                </a:solidFill>
-                <a:effectLst/>
-                <a:latin typeface="+mn-lt"/>
-                <a:ea typeface="+mn-ea"/>
-                <a:cs typeface="+mn-cs"/>
-              </a:rPr>
-              <a:t>单跳探测消息，并从雾节点收集响应。响应的任何雾节点都包含在雾候选列表中。 </a:t>
+              <a:t>首先客户端车辆通过广播单跳探测消息，并从雾节点收集响应。响应的任何雾节点都包含在雾候选列表中。 </a:t>
             </a:r>
             <a:endParaRPr lang="en-US" altLang="zh-CN" sz="1200" b="0" i="0" kern="1200" smtClean="0">
               <a:solidFill>
@@ -1006,7 +994,30 @@
                 <a:ea typeface="+mn-ea"/>
                 <a:cs typeface="+mn-cs"/>
               </a:rPr>
-              <a:t>然后客户端车辆向</a:t>
+              <a:t>然后客户端车辆向区域头部发送请求。 该请求包含：</a:t>
+            </a:r>
+            <a:endParaRPr lang="en-US" altLang="zh-CN" sz="1200" b="0" i="0" kern="1200" smtClean="0">
+              <a:solidFill>
+                <a:schemeClr val="tx1"/>
+              </a:solidFill>
+              <a:effectLst/>
+              <a:latin typeface="+mn-lt"/>
+              <a:ea typeface="+mn-ea"/>
+              <a:cs typeface="+mn-cs"/>
+            </a:endParaRPr>
+          </a:p>
+          <a:p>
+            <a:r>
+              <a:rPr lang="en-US" altLang="zh-CN" sz="1200" b="0" i="0" kern="1200" smtClean="0">
+                <a:solidFill>
+                  <a:schemeClr val="tx1"/>
+                </a:solidFill>
+                <a:effectLst/>
+                <a:latin typeface="+mn-lt"/>
+                <a:ea typeface="+mn-ea"/>
+                <a:cs typeface="+mn-cs"/>
+              </a:rPr>
+              <a:t>3.</a:t>
             </a:r>
             <a:r>
               <a:rPr lang="zh-CN" altLang="en-US" sz="1200" b="0" i="0" kern="1200" smtClean="0">
@@ -1018,90 +1029,7 @@
                 <a:ea typeface="+mn-ea"/>
                 <a:cs typeface="+mn-cs"/>
               </a:rPr>
-              <a:t>区域头部发送请求。 该</a:t>
-            </a:r>
-            <a:r>
-              <a:rPr lang="zh-CN" altLang="en-US" sz="1200" b="0" i="0" kern="1200" smtClean="0">
-                <a:solidFill>
-                  <a:schemeClr val="tx1"/>
-                </a:solidFill>
-                <a:effectLst/>
-                <a:latin typeface="+mn-lt"/>
-                <a:ea typeface="+mn-ea"/>
-                <a:cs typeface="+mn-cs"/>
-              </a:rPr>
-              <a:t>请求包含：</a:t>
-            </a:r>
-            <a:endParaRPr lang="en-US" altLang="zh-CN" sz="1200" b="0" i="0" kern="1200" smtClean="0">
-              <a:solidFill>
-                <a:schemeClr val="tx1"/>
-              </a:solidFill>
-              <a:effectLst/>
-              <a:latin typeface="+mn-lt"/>
-              <a:ea typeface="+mn-ea"/>
-              <a:cs typeface="+mn-cs"/>
-            </a:endParaRPr>
-          </a:p>
-          <a:p>
-            <a:r>
-              <a:rPr lang="en-US" altLang="zh-CN" sz="1200" b="0" i="0" kern="1200" smtClean="0">
-                <a:solidFill>
-                  <a:schemeClr val="tx1"/>
-                </a:solidFill>
-                <a:effectLst/>
-                <a:latin typeface="+mn-lt"/>
-                <a:ea typeface="+mn-ea"/>
-                <a:cs typeface="+mn-cs"/>
-              </a:rPr>
-              <a:t>3</a:t>
-            </a:r>
-            <a:r>
-              <a:rPr lang="en-US" altLang="zh-CN" sz="1200" b="0" i="0" kern="1200" smtClean="0">
-                <a:solidFill>
-                  <a:schemeClr val="tx1"/>
-                </a:solidFill>
-                <a:effectLst/>
-                <a:latin typeface="+mn-lt"/>
-                <a:ea typeface="+mn-ea"/>
-                <a:cs typeface="+mn-cs"/>
-              </a:rPr>
-              <a:t>.</a:t>
-            </a:r>
-            <a:r>
-              <a:rPr lang="zh-CN" altLang="en-US" sz="1200" b="0" i="0" kern="1200" smtClean="0">
-                <a:solidFill>
-                  <a:schemeClr val="tx1"/>
-                </a:solidFill>
-                <a:effectLst/>
-                <a:latin typeface="+mn-lt"/>
-                <a:ea typeface="+mn-ea"/>
-                <a:cs typeface="+mn-cs"/>
-              </a:rPr>
-              <a:t>收到请求后，</a:t>
-            </a:r>
-            <a:r>
-              <a:rPr lang="zh-CN" altLang="en-US" sz="1200" b="0" i="0" kern="1200" smtClean="0">
-                <a:solidFill>
-                  <a:schemeClr val="tx1"/>
-                </a:solidFill>
-                <a:effectLst/>
-                <a:latin typeface="+mn-lt"/>
-                <a:ea typeface="+mn-ea"/>
-                <a:cs typeface="+mn-cs"/>
-              </a:rPr>
-              <a:t>区域头部执行任务分配</a:t>
-            </a:r>
-            <a:r>
-              <a:rPr lang="zh-CN" altLang="en-US" sz="1200" b="0" i="0" kern="1200" smtClean="0">
-                <a:solidFill>
-                  <a:schemeClr val="tx1"/>
-                </a:solidFill>
-                <a:effectLst/>
-                <a:latin typeface="+mn-lt"/>
-                <a:ea typeface="+mn-ea"/>
-                <a:cs typeface="+mn-cs"/>
-              </a:rPr>
-              <a:t>算法来决定在如何分配任务。</a:t>
+              <a:t>收到请求后，区域头部执行任务分配算法来决定在如何分配任务。</a:t>
             </a:r>
             <a:endParaRPr lang="en-US" altLang="zh-CN" sz="1200" b="0" i="0" kern="1200" smtClean="0">
               <a:solidFill>
@@ -1301,11 +1229,7 @@
             </a:r>
             <a:r>
               <a:rPr lang="zh-CN" altLang="en-US" baseline="0" smtClean="0"/>
-              <a:t>的候选</a:t>
-            </a:r>
-            <a:r>
-              <a:rPr lang="zh-CN" altLang="en-US" baseline="0" smtClean="0"/>
-              <a:t>者</a:t>
+              <a:t>的候选者</a:t>
             </a:r>
             <a:endParaRPr lang="en-US" altLang="zh-CN" baseline="0" smtClean="0"/>
           </a:p>
@@ -1620,7 +1544,15 @@
                 </a:r>
                 <a:r>
                   <a:rPr lang="zh-CN" altLang="en-US" smtClean="0"/>
-                  <a:t>每个任务都只能在分配到一个结点上。</a:t>
+                  <a:t>每个任务都</a:t>
+                </a:r>
+                <a:r>
+                  <a:rPr lang="zh-CN" altLang="en-US" smtClean="0"/>
+                  <a:t>只能分配</a:t>
+                </a:r>
+                <a:r>
+                  <a:rPr lang="zh-CN" altLang="en-US" smtClean="0"/>
+                  <a:t>到一个结点上。</a:t>
                 </a:r>
                 <a:endParaRPr lang="en-US" altLang="zh-CN" smtClean="0"/>
               </a:p>
@@ -1675,7 +1607,15 @@
                 </a:r>
                 <a:r>
                   <a:rPr lang="zh-CN" altLang="en-US" smtClean="0"/>
-                  <a:t>对资源容量的需求取决于服务的延时和期盼的服务质量，服务质量越高，容量需求越高。</a:t>
+                  <a:t>对资源容量的需求</a:t>
+                </a:r>
+                <a:r>
+                  <a:rPr lang="zh-CN" altLang="en-US" smtClean="0"/>
+                  <a:t>取决于期盼</a:t>
+                </a:r>
+                <a:r>
+                  <a:rPr lang="zh-CN" altLang="en-US" smtClean="0"/>
+                  <a:t>的服务质量，服务质量越高，容量需求越高。</a:t>
                 </a:r>
                 <a:r>
                   <a:rPr lang="en-US" altLang="zh-CN" smtClean="0"/>
@@ -2305,7 +2245,7 @@
             </a:pPr>
             <a:fld id="{EECF7B46-E4F5-4A03-87D2-D83C76E9FB67}" type="datetime1">
               <a:rPr lang="zh-CN" altLang="en-US"/>
-              <a:t>2018/11/19</a:t>
+              <a:t>2018/11/20</a:t>
             </a:fld>
             <a:endParaRPr lang="zh-CN" altLang="en-US" sz="1800">
               <a:solidFill>
@@ -2499,7 +2439,7 @@
             </a:pPr>
             <a:fld id="{89889205-6308-43FC-BAC0-BE20FACFC596}" type="datetime1">
               <a:rPr lang="zh-CN" altLang="en-US"/>
-              <a:t>2018/11/19</a:t>
+              <a:t>2018/11/20</a:t>
             </a:fld>
             <a:endParaRPr lang="zh-CN" altLang="en-US" sz="1800">
               <a:solidFill>
@@ -2703,7 +2643,7 @@
             </a:pPr>
             <a:fld id="{B605B2E9-0310-4484-B4AA-BA98347AC229}" type="datetime1">
               <a:rPr lang="zh-CN" altLang="en-US"/>
-              <a:t>2018/11/19</a:t>
+              <a:t>2018/11/20</a:t>
             </a:fld>
             <a:endParaRPr lang="zh-CN" altLang="en-US" sz="1800">
               <a:solidFill>
@@ -2850,7 +2790,7 @@
             </a:pPr>
             <a:fld id="{32363CE1-1536-44E9-8A8F-60DDC4EC0C0C}" type="datetime1">
               <a:rPr lang="zh-CN" altLang="en-US"/>
-              <a:t>2018/11/19</a:t>
+              <a:t>2018/11/20</a:t>
             </a:fld>
             <a:endParaRPr lang="zh-CN" altLang="en-US" sz="1800">
               <a:solidFill>
@@ -3044,7 +2984,7 @@
             </a:pPr>
             <a:fld id="{BBDD8B43-1A29-47A5-8E1E-3C10E7F0C181}" type="datetime1">
               <a:rPr lang="zh-CN" altLang="en-US"/>
-              <a:t>2018/11/19</a:t>
+              <a:t>2018/11/20</a:t>
             </a:fld>
             <a:endParaRPr lang="zh-CN" altLang="en-US" sz="1800">
               <a:solidFill>
@@ -3260,7 +3200,7 @@
             </a:pPr>
             <a:fld id="{B9EE72FC-BEA5-44DD-A892-416510800269}" type="datetime1">
               <a:rPr lang="zh-CN" altLang="en-US"/>
-              <a:t>2018/11/19</a:t>
+              <a:t>2018/11/20</a:t>
             </a:fld>
             <a:endParaRPr lang="zh-CN" altLang="en-US" sz="1800">
               <a:solidFill>
@@ -3572,7 +3512,7 @@
             </a:pPr>
             <a:fld id="{1271429C-C73B-4A84-83FF-41356910CEAA}" type="datetime1">
               <a:rPr lang="zh-CN" altLang="en-US"/>
-              <a:t>2018/11/19</a:t>
+              <a:t>2018/11/20</a:t>
             </a:fld>
             <a:endParaRPr lang="zh-CN" altLang="en-US" sz="1800">
               <a:solidFill>
@@ -4023,7 +3963,7 @@
             </a:pPr>
             <a:fld id="{90AA1ED2-87EA-41BE-99EC-496F7F69370F}" type="datetime1">
               <a:rPr lang="zh-CN" altLang="en-US"/>
-              <a:t>2018/11/19</a:t>
+              <a:t>2018/11/20</a:t>
             </a:fld>
             <a:endParaRPr lang="zh-CN" altLang="en-US" sz="1800">
               <a:solidFill>
@@ -4165,7 +4105,7 @@
             </a:pPr>
             <a:fld id="{9973CD95-4BFA-4A1D-9C86-9C3237F29EAA}" type="datetime1">
               <a:rPr lang="zh-CN" altLang="en-US"/>
-              <a:t>2018/11/19</a:t>
+              <a:t>2018/11/20</a:t>
             </a:fld>
             <a:endParaRPr lang="zh-CN" altLang="en-US" sz="1800">
               <a:solidFill>
@@ -4284,7 +4224,7 @@
             </a:pPr>
             <a:fld id="{06314ED7-52AE-4E0D-A884-8E2E59AEECC7}" type="datetime1">
               <a:rPr lang="zh-CN" altLang="en-US"/>
-              <a:t>2018/11/19</a:t>
+              <a:t>2018/11/20</a:t>
             </a:fld>
             <a:endParaRPr lang="zh-CN" altLang="en-US" sz="1800">
               <a:solidFill>
@@ -4585,7 +4525,7 @@
             </a:pPr>
             <a:fld id="{3950D1A5-7B69-4CEC-8258-97751E783A44}" type="datetime1">
               <a:rPr lang="zh-CN" altLang="en-US"/>
-              <a:t>2018/11/19</a:t>
+              <a:t>2018/11/20</a:t>
             </a:fld>
             <a:endParaRPr lang="zh-CN" altLang="en-US" sz="1800">
               <a:solidFill>
@@ -4865,7 +4805,7 @@
             </a:pPr>
             <a:fld id="{27939C34-CF51-4915-817E-DB81CF211490}" type="datetime1">
               <a:rPr lang="zh-CN" altLang="en-US"/>
-              <a:t>2018/11/19</a:t>
+              <a:t>2018/11/20</a:t>
             </a:fld>
             <a:endParaRPr lang="zh-CN" altLang="en-US" sz="1800">
               <a:solidFill>
@@ -5178,7 +5118,7 @@
             </a:pPr>
             <a:fld id="{DFFE92E3-3AE8-4BBA-9C65-9AC364C18C34}" type="datetime1">
               <a:rPr lang="zh-CN" altLang="en-US"/>
-              <a:t>2018/11/19</a:t>
+              <a:t>2018/11/20</a:t>
             </a:fld>
             <a:endParaRPr lang="zh-CN" altLang="en-US" sz="1800">
               <a:solidFill>
@@ -12306,40 +12246,6 @@
           </a:p>
         </p:txBody>
       </p:sp>
-      <p:sp>
-        <p:nvSpPr>
-          <p:cNvPr id="3" name="文本框 2"/>
-          <p:cNvSpPr txBox="1"/>
-          <p:nvPr/>
-        </p:nvSpPr>
-        <p:spPr>
-          <a:xfrm>
-            <a:off x="1106128" y="2440000"/>
-            <a:ext cx="2050026" cy="369332"/>
-          </a:xfrm>
-          <a:prstGeom prst="rect">
-            <a:avLst/>
-          </a:prstGeom>
-          <a:noFill/>
-        </p:spPr>
-        <p:txBody>
-          <a:bodyPr wrap="square" rtlCol="0">
-            <a:spAutoFit/>
-          </a:bodyPr>
-          <a:lstStyle/>
-          <a:p>
-            <a:r>
-              <a:rPr lang="en-US" altLang="zh-CN" smtClean="0"/>
-              <a:t>1.</a:t>
-            </a:r>
-            <a:r>
-              <a:rPr lang="zh-CN" altLang="en-US" smtClean="0"/>
-              <a:t>传输延迟：</a:t>
-            </a:r>
-            <a:endParaRPr lang="zh-CN" altLang="en-US"/>
-          </a:p>
-        </p:txBody>
-      </p:sp>
       <p:pic>
         <p:nvPicPr>
           <p:cNvPr id="4" name="图片 3"/>
@@ -12356,7 +12262,7 @@
         </p:blipFill>
         <p:spPr>
           <a:xfrm>
-            <a:off x="2339000" y="2277905"/>
+            <a:off x="1938168" y="3768499"/>
             <a:ext cx="5104762" cy="657143"/>
           </a:xfrm>
           <a:prstGeom prst="rect">
@@ -12364,6 +12270,44 @@
           </a:prstGeom>
         </p:spPr>
       </p:pic>
+      <p:sp>
+        <p:nvSpPr>
+          <p:cNvPr id="3" name="文本框 2"/>
+          <p:cNvSpPr txBox="1"/>
+          <p:nvPr/>
+        </p:nvSpPr>
+        <p:spPr>
+          <a:xfrm>
+            <a:off x="1106128" y="3880490"/>
+            <a:ext cx="2050026" cy="369332"/>
+          </a:xfrm>
+          <a:prstGeom prst="rect">
+            <a:avLst/>
+          </a:prstGeom>
+          <a:noFill/>
+        </p:spPr>
+        <p:txBody>
+          <a:bodyPr wrap="square" rtlCol="0">
+            <a:spAutoFit/>
+          </a:bodyPr>
+          <a:lstStyle/>
+          <a:p>
+            <a:r>
+              <a:rPr lang="en-US" altLang="zh-CN" smtClean="0"/>
+              <a:t>1.</a:t>
+            </a:r>
+            <a:r>
+              <a:rPr lang="zh-CN" altLang="en-US" smtClean="0"/>
+              <a:t>传输延迟</a:t>
+            </a:r>
+            <a:r>
+              <a:rPr lang="zh-CN" altLang="en-US"/>
+              <a:t>：</a:t>
+            </a:r>
+            <a:endParaRPr lang="zh-CN" altLang="en-US"/>
+          </a:p>
+        </p:txBody>
+      </p:sp>
       <mc:AlternateContent xmlns:mc="http://schemas.openxmlformats.org/markup-compatibility/2006">
         <mc:Choice xmlns:a14="http://schemas.microsoft.com/office/drawing/2010/main" Requires="a14">
           <p:sp>
@@ -12374,7 +12318,7 @@
             </p:nvSpPr>
             <p:spPr>
               <a:xfrm>
-                <a:off x="3156154" y="5356902"/>
+                <a:off x="987099" y="2343434"/>
                 <a:ext cx="5835546" cy="646331"/>
               </a:xfrm>
               <a:prstGeom prst="rect">
@@ -12521,7 +12465,7 @@
             </p:nvSpPr>
             <p:spPr>
               <a:xfrm>
-                <a:off x="3156154" y="5356902"/>
+                <a:off x="987099" y="2343434"/>
                 <a:ext cx="5835546" cy="646331"/>
               </a:xfrm>
               <a:prstGeom prst="rect">
@@ -12530,7 +12474,7 @@
               <a:blipFill rotWithShape="0">
                 <a:blip r:embed="rId5"/>
                 <a:stretch>
-                  <a:fillRect l="-940" t="-7547" b="-15094"/>
+                  <a:fillRect l="-940" t="-6604" b="-15094"/>
                 </a:stretch>
               </a:blipFill>
             </p:spPr>
@@ -12549,8 +12493,8 @@
           </p:sp>
         </mc:Fallback>
       </mc:AlternateContent>
-      <mc:AlternateContent xmlns:mc="http://schemas.openxmlformats.org/markup-compatibility/2006" xmlns:a14="http://schemas.microsoft.com/office/drawing/2010/main">
-        <mc:Choice Requires="a14">
+      <mc:AlternateContent xmlns:mc="http://schemas.openxmlformats.org/markup-compatibility/2006">
+        <mc:Choice xmlns:a14="http://schemas.microsoft.com/office/drawing/2010/main" Requires="a14">
           <p:sp>
             <p:nvSpPr>
               <p:cNvPr id="6" name="文本框 5"/>
@@ -12559,7 +12503,7 @@
             </p:nvSpPr>
             <p:spPr>
               <a:xfrm>
-                <a:off x="7253324" y="2426269"/>
+                <a:off x="7240798" y="3854233"/>
                 <a:ext cx="4264345" cy="668645"/>
               </a:xfrm>
               <a:prstGeom prst="rect">
@@ -12745,7 +12689,7 @@
             </p:txBody>
           </p:sp>
         </mc:Choice>
-        <mc:Fallback xmlns="">
+        <mc:Fallback>
           <p:sp>
             <p:nvSpPr>
               <p:cNvPr id="6" name="文本框 5"/>
@@ -12756,7 +12700,7 @@
             </p:nvSpPr>
             <p:spPr>
               <a:xfrm>
-                <a:off x="7253324" y="2426269"/>
+                <a:off x="7240798" y="3854233"/>
                 <a:ext cx="4264345" cy="668645"/>
               </a:xfrm>
               <a:prstGeom prst="rect">
@@ -12792,7 +12736,7 @@
         </p:nvSpPr>
         <p:spPr>
           <a:xfrm>
-            <a:off x="1106128" y="3455865"/>
+            <a:off x="1106128" y="4783621"/>
             <a:ext cx="1674393" cy="369332"/>
           </a:xfrm>
           <a:prstGeom prst="rect">
@@ -12834,7 +12778,7 @@
         </p:blipFill>
         <p:spPr>
           <a:xfrm>
-            <a:off x="3156154" y="3420057"/>
+            <a:off x="3156154" y="4760339"/>
             <a:ext cx="4190476" cy="504762"/>
           </a:xfrm>
           <a:prstGeom prst="rect">
@@ -12842,8 +12786,8 @@
           </a:prstGeom>
         </p:spPr>
       </p:pic>
-      <mc:AlternateContent xmlns:mc="http://schemas.openxmlformats.org/markup-compatibility/2006" xmlns:a14="http://schemas.microsoft.com/office/drawing/2010/main">
-        <mc:Choice Requires="a14">
+      <mc:AlternateContent xmlns:mc="http://schemas.openxmlformats.org/markup-compatibility/2006">
+        <mc:Choice xmlns:a14="http://schemas.microsoft.com/office/drawing/2010/main" Requires="a14">
           <p:sp>
             <p:nvSpPr>
               <p:cNvPr id="10" name="文本框 9"/>
@@ -12852,7 +12796,7 @@
             </p:nvSpPr>
             <p:spPr>
               <a:xfrm>
-                <a:off x="7194041" y="3488066"/>
+                <a:off x="7194041" y="4740666"/>
                 <a:ext cx="4728999" cy="646331"/>
               </a:xfrm>
               <a:prstGeom prst="rect">
@@ -12975,7 +12919,7 @@
             </p:txBody>
           </p:sp>
         </mc:Choice>
-        <mc:Fallback xmlns="">
+        <mc:Fallback>
           <p:sp>
             <p:nvSpPr>
               <p:cNvPr id="10" name="文本框 9"/>
@@ -12986,7 +12930,7 @@
             </p:nvSpPr>
             <p:spPr>
               <a:xfrm>
-                <a:off x="7194041" y="3488066"/>
+                <a:off x="7194041" y="4740666"/>
                 <a:ext cx="4728999" cy="646331"/>
               </a:xfrm>
               <a:prstGeom prst="rect">
@@ -12995,7 +12939,7 @@
               <a:blipFill rotWithShape="0">
                 <a:blip r:embed="rId8"/>
                 <a:stretch>
-                  <a:fillRect l="-1031" t="-6604"/>
+                  <a:fillRect l="-1031" t="-7547"/>
                 </a:stretch>
               </a:blipFill>
             </p:spPr>
@@ -13030,7 +12974,7 @@
         </p:blipFill>
         <p:spPr>
           <a:xfrm>
-            <a:off x="3237899" y="4452322"/>
+            <a:off x="3237899" y="5604714"/>
             <a:ext cx="4304762" cy="447619"/>
           </a:xfrm>
           <a:prstGeom prst="rect">
@@ -13046,7 +12990,7 @@
         </p:nvSpPr>
         <p:spPr>
           <a:xfrm>
-            <a:off x="1106128" y="4491465"/>
+            <a:off x="918238" y="5631331"/>
             <a:ext cx="5281126" cy="369332"/>
           </a:xfrm>
           <a:prstGeom prst="rect">
@@ -13084,7 +13028,7 @@
         </p:nvSpPr>
         <p:spPr>
           <a:xfrm>
-            <a:off x="7430216" y="4521002"/>
+            <a:off x="7430216" y="5648342"/>
             <a:ext cx="5890966" cy="646331"/>
           </a:xfrm>
           <a:prstGeom prst="rect">
@@ -13136,6 +13080,30 @@
           </a:p>
         </p:txBody>
       </p:sp>
+      <p:pic>
+        <p:nvPicPr>
+          <p:cNvPr id="8" name="图片 7"/>
+          <p:cNvPicPr>
+            <a:picLocks noChangeAspect="1"/>
+          </p:cNvPicPr>
+          <p:nvPr/>
+        </p:nvPicPr>
+        <p:blipFill>
+          <a:blip r:embed="rId10"/>
+          <a:stretch>
+            <a:fillRect/>
+          </a:stretch>
+        </p:blipFill>
+        <p:spPr>
+          <a:xfrm>
+            <a:off x="6634881" y="2498624"/>
+            <a:ext cx="4780952" cy="400000"/>
+          </a:xfrm>
+          <a:prstGeom prst="rect">
+            <a:avLst/>
+          </a:prstGeom>
+        </p:spPr>
+      </p:pic>
     </p:spTree>
     <p:extLst>
       <p:ext uri="{BB962C8B-B14F-4D97-AF65-F5344CB8AC3E}">
@@ -14198,7 +14166,7 @@
         <p:spPr>
           <a:xfrm>
             <a:off x="1082351" y="5346309"/>
-            <a:ext cx="1726536" cy="646331"/>
+            <a:ext cx="2131116" cy="369332"/>
           </a:xfrm>
           <a:prstGeom prst="rect">
             <a:avLst/>
@@ -14239,7 +14207,7 @@
         </p:blipFill>
         <p:spPr>
           <a:xfrm>
-            <a:off x="2958099" y="5203372"/>
+            <a:off x="3213467" y="5205265"/>
             <a:ext cx="5342857" cy="819048"/>
           </a:xfrm>
           <a:prstGeom prst="rect">
